--- a/hypothesis-testing/HypothesisTesting.pptx
+++ b/hypothesis-testing/HypothesisTesting.pptx
@@ -5,34 +5,35 @@
     <p:sldMasterId id="2147483756" r:id="rId1"/>
   </p:sldMasterIdLst>
   <p:notesMasterIdLst>
-    <p:notesMasterId r:id="rId24"/>
+    <p:notesMasterId r:id="rId25"/>
   </p:notesMasterIdLst>
   <p:handoutMasterIdLst>
-    <p:handoutMasterId r:id="rId25"/>
+    <p:handoutMasterId r:id="rId26"/>
   </p:handoutMasterIdLst>
   <p:sldIdLst>
     <p:sldId id="471" r:id="rId2"/>
-    <p:sldId id="656" r:id="rId3"/>
-    <p:sldId id="657" r:id="rId4"/>
-    <p:sldId id="637" r:id="rId5"/>
-    <p:sldId id="640" r:id="rId6"/>
-    <p:sldId id="641" r:id="rId7"/>
-    <p:sldId id="642" r:id="rId8"/>
-    <p:sldId id="643" r:id="rId9"/>
-    <p:sldId id="644" r:id="rId10"/>
-    <p:sldId id="645" r:id="rId11"/>
-    <p:sldId id="646" r:id="rId12"/>
-    <p:sldId id="647" r:id="rId13"/>
-    <p:sldId id="648" r:id="rId14"/>
-    <p:sldId id="649" r:id="rId15"/>
-    <p:sldId id="650" r:id="rId16"/>
-    <p:sldId id="651" r:id="rId17"/>
-    <p:sldId id="652" r:id="rId18"/>
-    <p:sldId id="653" r:id="rId19"/>
-    <p:sldId id="654" r:id="rId20"/>
-    <p:sldId id="655" r:id="rId21"/>
-    <p:sldId id="658" r:id="rId22"/>
-    <p:sldId id="659" r:id="rId23"/>
+    <p:sldId id="660" r:id="rId3"/>
+    <p:sldId id="656" r:id="rId4"/>
+    <p:sldId id="657" r:id="rId5"/>
+    <p:sldId id="637" r:id="rId6"/>
+    <p:sldId id="640" r:id="rId7"/>
+    <p:sldId id="641" r:id="rId8"/>
+    <p:sldId id="642" r:id="rId9"/>
+    <p:sldId id="643" r:id="rId10"/>
+    <p:sldId id="644" r:id="rId11"/>
+    <p:sldId id="645" r:id="rId12"/>
+    <p:sldId id="646" r:id="rId13"/>
+    <p:sldId id="647" r:id="rId14"/>
+    <p:sldId id="648" r:id="rId15"/>
+    <p:sldId id="649" r:id="rId16"/>
+    <p:sldId id="650" r:id="rId17"/>
+    <p:sldId id="651" r:id="rId18"/>
+    <p:sldId id="652" r:id="rId19"/>
+    <p:sldId id="653" r:id="rId20"/>
+    <p:sldId id="654" r:id="rId21"/>
+    <p:sldId id="655" r:id="rId22"/>
+    <p:sldId id="658" r:id="rId23"/>
+    <p:sldId id="659" r:id="rId24"/>
   </p:sldIdLst>
   <p:sldSz cx="12192000" cy="6858000"/>
   <p:notesSz cx="6858000" cy="9144000"/>
@@ -133,7 +134,7 @@
   </p:defaultTextStyle>
   <p:extLst>
     <p:ext uri="{EFAFB233-063F-42B5-8137-9DF3F51BA10A}">
-      <p15:sldGuideLst xmlns:p15="http://schemas.microsoft.com/office/powerpoint/2012/main" xmlns="">
+      <p15:sldGuideLst xmlns:p15="http://schemas.microsoft.com/office/powerpoint/2012/main">
         <p15:guide id="1" orient="horz" pos="3840" userDrawn="1">
           <p15:clr>
             <a:srgbClr val="A4A3A4"/>
@@ -152,7 +153,7 @@
       </p15:sldGuideLst>
     </p:ext>
     <p:ext uri="{2D200454-40CA-4A62-9FC3-DE9A4176ACB9}">
-      <p15:notesGuideLst xmlns:p15="http://schemas.microsoft.com/office/powerpoint/2012/main" xmlns=""/>
+      <p15:notesGuideLst xmlns:p15="http://schemas.microsoft.com/office/powerpoint/2012/main"/>
     </p:ext>
   </p:extLst>
 </p:presentation>
@@ -160,9 +161,7 @@
 
 <file path=ppt/commentAuthors.xml><?xml version="1.0" encoding="utf-8"?>
 <p:cmAuthorLst xmlns:a="http://schemas.openxmlformats.org/drawingml/2006/main" xmlns:r="http://schemas.openxmlformats.org/officeDocument/2006/relationships" xmlns:p="http://schemas.openxmlformats.org/presentationml/2006/main">
-  <p:cmAuthor id="1" name="Megan McDevitt" initials="MGM" lastIdx="1" clrIdx="0">
-    <p:extLst/>
-  </p:cmAuthor>
+  <p:cmAuthor id="1" name="Megan McDevitt" initials="MGM" lastIdx="1" clrIdx="0"/>
 </p:cmAuthorLst>
 </file>
 
@@ -252,7 +251,7 @@
               <a:rPr lang="en-US" smtClean="0">
                 <a:latin typeface="Arial" charset="0"/>
               </a:rPr>
-              <a:t>9/23/19</a:t>
+              <a:t>9/9/20</a:t>
             </a:fld>
             <a:endParaRPr lang="en-US" dirty="0">
               <a:latin typeface="Arial" charset="0"/>
@@ -430,7 +429,7 @@
             <a:fld id="{E7F3A0D5-E9AF-4B44-8B89-BAB2B2CD0CCD}" type="datetimeFigureOut">
               <a:rPr lang="en-US" smtClean="0"/>
               <a:pPr/>
-              <a:t>9/23/19</a:t>
+              <a:t>9/9/20</a:t>
             </a:fld>
             <a:endParaRPr lang="en-US" dirty="0"/>
           </a:p>
@@ -1121,7 +1120,7 @@
           </a:lstStyle>
           <a:p>
             <a:r>
-              <a:rPr lang="en-US" smtClean="0"/>
+              <a:rPr lang="en-US"/>
               <a:t>Click to edit Master title style</a:t>
             </a:r>
             <a:endParaRPr lang="en-US" dirty="0"/>
@@ -1189,7 +1188,7 @@
           <a:p>
             <a:pPr lvl="0"/>
             <a:r>
-              <a:rPr lang="en-US" smtClean="0"/>
+              <a:rPr lang="en-US"/>
               <a:t>Click to edit Master text styles</a:t>
             </a:r>
           </a:p>
@@ -1272,7 +1271,7 @@
           </a:lstStyle>
           <a:p>
             <a:r>
-              <a:rPr lang="en-US" smtClean="0"/>
+              <a:rPr lang="en-US"/>
               <a:t>Click to edit Master title style</a:t>
             </a:r>
             <a:endParaRPr lang="en-US" dirty="0"/>
@@ -1344,7 +1343,7 @@
           </a:lstStyle>
           <a:p>
             <a:r>
-              <a:rPr lang="en-US" smtClean="0"/>
+              <a:rPr lang="en-US"/>
               <a:t>Drag picture to placeholder or click icon to add</a:t>
             </a:r>
             <a:endParaRPr lang="en-US" dirty="0"/>
@@ -1419,7 +1418,7 @@
           <a:p>
             <a:pPr lvl="0"/>
             <a:r>
-              <a:rPr lang="en-US" smtClean="0"/>
+              <a:rPr lang="en-US"/>
               <a:t>Click to edit Master text styles</a:t>
             </a:r>
           </a:p>
@@ -1430,7 +1429,7 @@
           <p:cNvPr id="5" name="Date Placeholder 4">
             <a:extLst>
               <a:ext uri="{FF2B5EF4-FFF2-40B4-BE49-F238E27FC236}">
-                <a16:creationId xmlns:a16="http://schemas.microsoft.com/office/drawing/2014/main" xmlns="" id="{CE18269D-AFB9-3746-BC4F-7D1CB1E93973}"/>
+                <a16:creationId xmlns:a16="http://schemas.microsoft.com/office/drawing/2014/main" id="{CE18269D-AFB9-3746-BC4F-7D1CB1E93973}"/>
               </a:ext>
             </a:extLst>
           </p:cNvPr>
@@ -1448,7 +1447,7 @@
           <a:p>
             <a:fld id="{8641D226-0294-9E42-8E4F-806E71086749}" type="datetimeFigureOut">
               <a:rPr lang="en-US" smtClean="0"/>
-              <a:t>9/23/19</a:t>
+              <a:t>9/9/20</a:t>
             </a:fld>
             <a:endParaRPr lang="en-US"/>
           </a:p>
@@ -1459,7 +1458,7 @@
           <p:cNvPr id="6" name="Footer Placeholder 5">
             <a:extLst>
               <a:ext uri="{FF2B5EF4-FFF2-40B4-BE49-F238E27FC236}">
-                <a16:creationId xmlns:a16="http://schemas.microsoft.com/office/drawing/2014/main" xmlns="" id="{1D75B73E-8F1B-FC4A-88E8-3C3D119EAAAA}"/>
+                <a16:creationId xmlns:a16="http://schemas.microsoft.com/office/drawing/2014/main" id="{1D75B73E-8F1B-FC4A-88E8-3C3D119EAAAA}"/>
               </a:ext>
             </a:extLst>
           </p:cNvPr>
@@ -1484,7 +1483,7 @@
           <p:cNvPr id="7" name="Slide Number Placeholder 6">
             <a:extLst>
               <a:ext uri="{FF2B5EF4-FFF2-40B4-BE49-F238E27FC236}">
-                <a16:creationId xmlns:a16="http://schemas.microsoft.com/office/drawing/2014/main" xmlns="" id="{77788774-A28C-744F-9159-F348073C8D66}"/>
+                <a16:creationId xmlns:a16="http://schemas.microsoft.com/office/drawing/2014/main" id="{77788774-A28C-744F-9159-F348073C8D66}"/>
               </a:ext>
             </a:extLst>
           </p:cNvPr>
@@ -1562,7 +1561,7 @@
           </a:lstStyle>
           <a:p>
             <a:r>
-              <a:rPr lang="en-US" smtClean="0"/>
+              <a:rPr lang="en-US"/>
               <a:t>Click to edit Master title style</a:t>
             </a:r>
             <a:endParaRPr lang="en-US" dirty="0"/>
@@ -1688,7 +1687,7 @@
           <a:p>
             <a:pPr lvl="0"/>
             <a:r>
-              <a:rPr lang="en-US" smtClean="0"/>
+              <a:rPr lang="en-US"/>
               <a:t>Click to edit Master text styles</a:t>
             </a:r>
           </a:p>
@@ -1699,7 +1698,7 @@
           <p:cNvPr id="4" name="Date Placeholder 3">
             <a:extLst>
               <a:ext uri="{FF2B5EF4-FFF2-40B4-BE49-F238E27FC236}">
-                <a16:creationId xmlns:a16="http://schemas.microsoft.com/office/drawing/2014/main" xmlns="" id="{48229034-3E92-EA43-8695-5847E49E3D3C}"/>
+                <a16:creationId xmlns:a16="http://schemas.microsoft.com/office/drawing/2014/main" id="{48229034-3E92-EA43-8695-5847E49E3D3C}"/>
               </a:ext>
             </a:extLst>
           </p:cNvPr>
@@ -1717,7 +1716,7 @@
           <a:p>
             <a:fld id="{8641D226-0294-9E42-8E4F-806E71086749}" type="datetimeFigureOut">
               <a:rPr lang="en-US" smtClean="0"/>
-              <a:t>9/23/19</a:t>
+              <a:t>9/9/20</a:t>
             </a:fld>
             <a:endParaRPr lang="en-US"/>
           </a:p>
@@ -1728,7 +1727,7 @@
           <p:cNvPr id="5" name="Footer Placeholder 4">
             <a:extLst>
               <a:ext uri="{FF2B5EF4-FFF2-40B4-BE49-F238E27FC236}">
-                <a16:creationId xmlns:a16="http://schemas.microsoft.com/office/drawing/2014/main" xmlns="" id="{AEAF662D-5D72-304B-B26F-DA8F1F2D1650}"/>
+                <a16:creationId xmlns:a16="http://schemas.microsoft.com/office/drawing/2014/main" id="{AEAF662D-5D72-304B-B26F-DA8F1F2D1650}"/>
               </a:ext>
             </a:extLst>
           </p:cNvPr>
@@ -1753,7 +1752,7 @@
           <p:cNvPr id="6" name="Slide Number Placeholder 5">
             <a:extLst>
               <a:ext uri="{FF2B5EF4-FFF2-40B4-BE49-F238E27FC236}">
-                <a16:creationId xmlns:a16="http://schemas.microsoft.com/office/drawing/2014/main" xmlns="" id="{E9CA6880-11E1-C54E-9CC3-5D3150D5BF4C}"/>
+                <a16:creationId xmlns:a16="http://schemas.microsoft.com/office/drawing/2014/main" id="{E9CA6880-11E1-C54E-9CC3-5D3150D5BF4C}"/>
               </a:ext>
             </a:extLst>
           </p:cNvPr>
@@ -1831,10 +1830,9 @@
           </a:lstStyle>
           <a:p>
             <a:r>
-              <a:rPr lang="en-US" smtClean="0"/>
+              <a:rPr lang="en-US"/>
               <a:t>Click to edit Master title style</a:t>
             </a:r>
-            <a:endParaRPr lang="en-US"/>
           </a:p>
         </p:txBody>
       </p:sp>
@@ -1899,35 +1897,35 @@
           <a:p>
             <a:pPr lvl="0"/>
             <a:r>
-              <a:rPr lang="en-US" smtClean="0"/>
+              <a:rPr lang="en-US"/>
               <a:t>Click to edit Master text styles</a:t>
             </a:r>
           </a:p>
           <a:p>
             <a:pPr lvl="1"/>
             <a:r>
-              <a:rPr lang="en-US" smtClean="0"/>
+              <a:rPr lang="en-US"/>
               <a:t>Second level</a:t>
             </a:r>
           </a:p>
           <a:p>
             <a:pPr lvl="2"/>
             <a:r>
-              <a:rPr lang="en-US" smtClean="0"/>
+              <a:rPr lang="en-US"/>
               <a:t>Third level</a:t>
             </a:r>
           </a:p>
           <a:p>
             <a:pPr lvl="3"/>
             <a:r>
-              <a:rPr lang="en-US" smtClean="0"/>
+              <a:rPr lang="en-US"/>
               <a:t>Fourth level</a:t>
             </a:r>
           </a:p>
           <a:p>
             <a:pPr lvl="4"/>
             <a:r>
-              <a:rPr lang="en-US" smtClean="0"/>
+              <a:rPr lang="en-US"/>
               <a:t>Fifth level</a:t>
             </a:r>
             <a:endParaRPr lang="en-US" dirty="0"/>
@@ -1939,7 +1937,7 @@
           <p:cNvPr id="4" name="Date Placeholder 3">
             <a:extLst>
               <a:ext uri="{FF2B5EF4-FFF2-40B4-BE49-F238E27FC236}">
-                <a16:creationId xmlns:a16="http://schemas.microsoft.com/office/drawing/2014/main" xmlns="" id="{7D40D9F9-4866-2C4E-8715-9F3E1FCA908E}"/>
+                <a16:creationId xmlns:a16="http://schemas.microsoft.com/office/drawing/2014/main" id="{7D40D9F9-4866-2C4E-8715-9F3E1FCA908E}"/>
               </a:ext>
             </a:extLst>
           </p:cNvPr>
@@ -1957,7 +1955,7 @@
           <a:p>
             <a:fld id="{8641D226-0294-9E42-8E4F-806E71086749}" type="datetimeFigureOut">
               <a:rPr lang="en-US" smtClean="0"/>
-              <a:t>9/23/19</a:t>
+              <a:t>9/9/20</a:t>
             </a:fld>
             <a:endParaRPr lang="en-US"/>
           </a:p>
@@ -1968,7 +1966,7 @@
           <p:cNvPr id="5" name="Footer Placeholder 4">
             <a:extLst>
               <a:ext uri="{FF2B5EF4-FFF2-40B4-BE49-F238E27FC236}">
-                <a16:creationId xmlns:a16="http://schemas.microsoft.com/office/drawing/2014/main" xmlns="" id="{E2FD8770-880C-F34F-9CDC-AA408DF5AB3D}"/>
+                <a16:creationId xmlns:a16="http://schemas.microsoft.com/office/drawing/2014/main" id="{E2FD8770-880C-F34F-9CDC-AA408DF5AB3D}"/>
               </a:ext>
             </a:extLst>
           </p:cNvPr>
@@ -1993,7 +1991,7 @@
           <p:cNvPr id="6" name="Slide Number Placeholder 5">
             <a:extLst>
               <a:ext uri="{FF2B5EF4-FFF2-40B4-BE49-F238E27FC236}">
-                <a16:creationId xmlns:a16="http://schemas.microsoft.com/office/drawing/2014/main" xmlns="" id="{A694CC18-3CC6-134A-AB48-B509029FF76B}"/>
+                <a16:creationId xmlns:a16="http://schemas.microsoft.com/office/drawing/2014/main" id="{A694CC18-3CC6-134A-AB48-B509029FF76B}"/>
               </a:ext>
             </a:extLst>
           </p:cNvPr>
@@ -2018,7 +2016,6 @@
         </p:txBody>
       </p:sp>
     </p:spTree>
-    <p:extLst/>
   </p:cSld>
   <p:clrMapOvr>
     <a:masterClrMapping/>
@@ -2059,7 +2056,7 @@
           <a:lstStyle/>
           <a:p>
             <a:r>
-              <a:rPr lang="en-US" smtClean="0"/>
+              <a:rPr lang="en-US"/>
               <a:t>Click to edit Master title style</a:t>
             </a:r>
             <a:endParaRPr/>
@@ -2083,7 +2080,7 @@
           <a:p>
             <a:fld id="{E4FE9C9F-28F2-6749-B0AA-F6776A96C2D1}" type="datetimeFigureOut">
               <a:rPr lang="en-US" smtClean="0"/>
-              <a:t>9/19/19</a:t>
+              <a:t>9/9/20</a:t>
             </a:fld>
             <a:endParaRPr lang="en-US"/>
           </a:p>
@@ -2185,35 +2182,35 @@
           <a:p>
             <a:pPr lvl="0"/>
             <a:r>
-              <a:rPr lang="en-US" smtClean="0"/>
+              <a:rPr lang="en-US"/>
               <a:t>Click to edit Master text styles</a:t>
             </a:r>
           </a:p>
           <a:p>
             <a:pPr lvl="1"/>
             <a:r>
-              <a:rPr lang="en-US" smtClean="0"/>
+              <a:rPr lang="en-US"/>
               <a:t>Second level</a:t>
             </a:r>
           </a:p>
           <a:p>
             <a:pPr lvl="2"/>
             <a:r>
-              <a:rPr lang="en-US" smtClean="0"/>
+              <a:rPr lang="en-US"/>
               <a:t>Third level</a:t>
             </a:r>
           </a:p>
           <a:p>
             <a:pPr lvl="3"/>
             <a:r>
-              <a:rPr lang="en-US" smtClean="0"/>
+              <a:rPr lang="en-US"/>
               <a:t>Fourth level</a:t>
             </a:r>
           </a:p>
           <a:p>
             <a:pPr lvl="4"/>
             <a:r>
-              <a:rPr lang="en-US" smtClean="0"/>
+              <a:rPr lang="en-US"/>
               <a:t>Fifth level</a:t>
             </a:r>
             <a:endParaRPr dirty="0"/>
@@ -2270,35 +2267,35 @@
           <a:p>
             <a:pPr lvl="0"/>
             <a:r>
-              <a:rPr lang="en-US" smtClean="0"/>
+              <a:rPr lang="en-US"/>
               <a:t>Click to edit Master text styles</a:t>
             </a:r>
           </a:p>
           <a:p>
             <a:pPr lvl="1"/>
             <a:r>
-              <a:rPr lang="en-US" smtClean="0"/>
+              <a:rPr lang="en-US"/>
               <a:t>Second level</a:t>
             </a:r>
           </a:p>
           <a:p>
             <a:pPr lvl="2"/>
             <a:r>
-              <a:rPr lang="en-US" smtClean="0"/>
+              <a:rPr lang="en-US"/>
               <a:t>Third level</a:t>
             </a:r>
           </a:p>
           <a:p>
             <a:pPr lvl="3"/>
             <a:r>
-              <a:rPr lang="en-US" smtClean="0"/>
+              <a:rPr lang="en-US"/>
               <a:t>Fourth level</a:t>
             </a:r>
           </a:p>
           <a:p>
             <a:pPr lvl="4"/>
             <a:r>
-              <a:rPr lang="en-US" smtClean="0"/>
+              <a:rPr lang="en-US"/>
               <a:t>Fifth level</a:t>
             </a:r>
             <a:endParaRPr dirty="0"/>
@@ -2355,35 +2352,35 @@
           <a:p>
             <a:pPr lvl="0"/>
             <a:r>
-              <a:rPr lang="en-US" smtClean="0"/>
+              <a:rPr lang="en-US"/>
               <a:t>Click to edit Master text styles</a:t>
             </a:r>
           </a:p>
           <a:p>
             <a:pPr lvl="1"/>
             <a:r>
-              <a:rPr lang="en-US" smtClean="0"/>
+              <a:rPr lang="en-US"/>
               <a:t>Second level</a:t>
             </a:r>
           </a:p>
           <a:p>
             <a:pPr lvl="2"/>
             <a:r>
-              <a:rPr lang="en-US" smtClean="0"/>
+              <a:rPr lang="en-US"/>
               <a:t>Third level</a:t>
             </a:r>
           </a:p>
           <a:p>
             <a:pPr lvl="3"/>
             <a:r>
-              <a:rPr lang="en-US" smtClean="0"/>
+              <a:rPr lang="en-US"/>
               <a:t>Fourth level</a:t>
             </a:r>
           </a:p>
           <a:p>
             <a:pPr lvl="4"/>
             <a:r>
-              <a:rPr lang="en-US" smtClean="0"/>
+              <a:rPr lang="en-US"/>
               <a:t>Fifth level</a:t>
             </a:r>
             <a:endParaRPr dirty="0"/>
@@ -2436,7 +2433,7 @@
           <a:lstStyle/>
           <a:p>
             <a:r>
-              <a:rPr lang="en-US" smtClean="0"/>
+              <a:rPr lang="en-US"/>
               <a:t>Click to edit Master title style</a:t>
             </a:r>
             <a:endParaRPr/>
@@ -2460,7 +2457,7 @@
           <a:p>
             <a:fld id="{E4FE9C9F-28F2-6749-B0AA-F6776A96C2D1}" type="datetimeFigureOut">
               <a:rPr lang="en-US" smtClean="0"/>
-              <a:t>9/19/19</a:t>
+              <a:t>9/9/20</a:t>
             </a:fld>
             <a:endParaRPr lang="en-US"/>
           </a:p>
@@ -2610,7 +2607,7 @@
           </a:lstStyle>
           <a:p>
             <a:r>
-              <a:rPr lang="en-US" smtClean="0"/>
+              <a:rPr lang="en-US"/>
               <a:t>Click to edit Master title style</a:t>
             </a:r>
             <a:endParaRPr lang="en-US" dirty="0"/>
@@ -3098,35 +3095,35 @@
           <a:p>
             <a:pPr lvl="0"/>
             <a:r>
-              <a:rPr lang="en-US" smtClean="0"/>
+              <a:rPr lang="en-US"/>
               <a:t>Click to edit Master text styles</a:t>
             </a:r>
           </a:p>
           <a:p>
             <a:pPr lvl="1"/>
             <a:r>
-              <a:rPr lang="en-US" smtClean="0"/>
+              <a:rPr lang="en-US"/>
               <a:t>Second level</a:t>
             </a:r>
           </a:p>
           <a:p>
             <a:pPr lvl="2"/>
             <a:r>
-              <a:rPr lang="en-US" smtClean="0"/>
+              <a:rPr lang="en-US"/>
               <a:t>Third level</a:t>
             </a:r>
           </a:p>
           <a:p>
             <a:pPr lvl="3"/>
             <a:r>
-              <a:rPr lang="en-US" smtClean="0"/>
+              <a:rPr lang="en-US"/>
               <a:t>Fourth level</a:t>
             </a:r>
           </a:p>
           <a:p>
             <a:pPr lvl="4"/>
             <a:r>
-              <a:rPr lang="en-US" smtClean="0"/>
+              <a:rPr lang="en-US"/>
               <a:t>Fifth level</a:t>
             </a:r>
             <a:endParaRPr lang="en-US" dirty="0"/>
@@ -3138,7 +3135,7 @@
           <p:cNvPr id="6" name="Title 1">
             <a:extLst>
               <a:ext uri="{FF2B5EF4-FFF2-40B4-BE49-F238E27FC236}">
-                <a16:creationId xmlns:a16="http://schemas.microsoft.com/office/drawing/2014/main" xmlns="" id="{37A61093-104A-3F48-A441-57D9D495D0FC}"/>
+                <a16:creationId xmlns:a16="http://schemas.microsoft.com/office/drawing/2014/main" id="{37A61093-104A-3F48-A441-57D9D495D0FC}"/>
               </a:ext>
             </a:extLst>
           </p:cNvPr>
@@ -3196,7 +3193,7 @@
           </a:lstStyle>
           <a:p>
             <a:r>
-              <a:rPr lang="en-US" sz="3200" smtClean="0">
+              <a:rPr lang="en-US" sz="3200">
                 <a:solidFill>
                   <a:schemeClr val="bg1"/>
                 </a:solidFill>
@@ -3216,7 +3213,7 @@
           <p:cNvPr id="2" name="Date Placeholder 1">
             <a:extLst>
               <a:ext uri="{FF2B5EF4-FFF2-40B4-BE49-F238E27FC236}">
-                <a16:creationId xmlns:a16="http://schemas.microsoft.com/office/drawing/2014/main" xmlns="" id="{C08A48E8-F0AA-9D4B-8702-008B8CF86FFA}"/>
+                <a16:creationId xmlns:a16="http://schemas.microsoft.com/office/drawing/2014/main" id="{C08A48E8-F0AA-9D4B-8702-008B8CF86FFA}"/>
               </a:ext>
             </a:extLst>
           </p:cNvPr>
@@ -3234,7 +3231,7 @@
           <a:p>
             <a:fld id="{8641D226-0294-9E42-8E4F-806E71086749}" type="datetimeFigureOut">
               <a:rPr lang="en-US" smtClean="0"/>
-              <a:t>9/23/19</a:t>
+              <a:t>9/9/20</a:t>
             </a:fld>
             <a:endParaRPr lang="en-US"/>
           </a:p>
@@ -3245,7 +3242,7 @@
           <p:cNvPr id="3" name="Footer Placeholder 2">
             <a:extLst>
               <a:ext uri="{FF2B5EF4-FFF2-40B4-BE49-F238E27FC236}">
-                <a16:creationId xmlns:a16="http://schemas.microsoft.com/office/drawing/2014/main" xmlns="" id="{91593CBB-8A69-B749-A978-F952C3CB3135}"/>
+                <a16:creationId xmlns:a16="http://schemas.microsoft.com/office/drawing/2014/main" id="{91593CBB-8A69-B749-A978-F952C3CB3135}"/>
               </a:ext>
             </a:extLst>
           </p:cNvPr>
@@ -3270,7 +3267,7 @@
           <p:cNvPr id="4" name="Slide Number Placeholder 3">
             <a:extLst>
               <a:ext uri="{FF2B5EF4-FFF2-40B4-BE49-F238E27FC236}">
-                <a16:creationId xmlns:a16="http://schemas.microsoft.com/office/drawing/2014/main" xmlns="" id="{7B4A6EDD-0AA4-C14E-87E6-2DB381DB9D23}"/>
+                <a16:creationId xmlns:a16="http://schemas.microsoft.com/office/drawing/2014/main" id="{7B4A6EDD-0AA4-C14E-87E6-2DB381DB9D23}"/>
               </a:ext>
             </a:extLst>
           </p:cNvPr>
@@ -3398,7 +3395,7 @@
           </a:lstStyle>
           <a:p>
             <a:r>
-              <a:rPr lang="en-US" smtClean="0"/>
+              <a:rPr lang="en-US"/>
               <a:t>Click to edit Master title style</a:t>
             </a:r>
             <a:endParaRPr lang="en-US" dirty="0"/>
@@ -3483,35 +3480,35 @@
           <a:p>
             <a:pPr lvl="0"/>
             <a:r>
-              <a:rPr lang="en-US" smtClean="0"/>
+              <a:rPr lang="en-US"/>
               <a:t>Click to edit Master text styles</a:t>
             </a:r>
           </a:p>
           <a:p>
             <a:pPr lvl="1"/>
             <a:r>
-              <a:rPr lang="en-US" smtClean="0"/>
+              <a:rPr lang="en-US"/>
               <a:t>Second level</a:t>
             </a:r>
           </a:p>
           <a:p>
             <a:pPr lvl="2"/>
             <a:r>
-              <a:rPr lang="en-US" smtClean="0"/>
+              <a:rPr lang="en-US"/>
               <a:t>Third level</a:t>
             </a:r>
           </a:p>
           <a:p>
             <a:pPr lvl="3"/>
             <a:r>
-              <a:rPr lang="en-US" smtClean="0"/>
+              <a:rPr lang="en-US"/>
               <a:t>Fourth level</a:t>
             </a:r>
           </a:p>
           <a:p>
             <a:pPr lvl="4"/>
             <a:r>
-              <a:rPr lang="en-US" smtClean="0"/>
+              <a:rPr lang="en-US"/>
               <a:t>Fifth level</a:t>
             </a:r>
             <a:endParaRPr lang="en-US" dirty="0"/>
@@ -3602,7 +3599,7 @@
           </a:lstStyle>
           <a:p>
             <a:r>
-              <a:rPr lang="en-US" smtClean="0"/>
+              <a:rPr lang="en-US"/>
               <a:t>Click to edit Master title style</a:t>
             </a:r>
             <a:endParaRPr lang="en-US" dirty="0"/>
@@ -3673,7 +3670,7 @@
           <a:p>
             <a:pPr lvl="0"/>
             <a:r>
-              <a:rPr lang="en-US" smtClean="0"/>
+              <a:rPr lang="en-US"/>
               <a:t>Click to edit Master text styles</a:t>
             </a:r>
           </a:p>
@@ -3684,7 +3681,7 @@
           <p:cNvPr id="3" name="Date Placeholder 2">
             <a:extLst>
               <a:ext uri="{FF2B5EF4-FFF2-40B4-BE49-F238E27FC236}">
-                <a16:creationId xmlns:a16="http://schemas.microsoft.com/office/drawing/2014/main" xmlns="" id="{F5A69F69-56A6-2D49-9671-658A0CD33106}"/>
+                <a16:creationId xmlns:a16="http://schemas.microsoft.com/office/drawing/2014/main" id="{F5A69F69-56A6-2D49-9671-658A0CD33106}"/>
               </a:ext>
             </a:extLst>
           </p:cNvPr>
@@ -3702,7 +3699,7 @@
           <a:p>
             <a:fld id="{8641D226-0294-9E42-8E4F-806E71086749}" type="datetimeFigureOut">
               <a:rPr lang="en-US" smtClean="0"/>
-              <a:t>9/23/19</a:t>
+              <a:t>9/9/20</a:t>
             </a:fld>
             <a:endParaRPr lang="en-US"/>
           </a:p>
@@ -3713,7 +3710,7 @@
           <p:cNvPr id="4" name="Footer Placeholder 3">
             <a:extLst>
               <a:ext uri="{FF2B5EF4-FFF2-40B4-BE49-F238E27FC236}">
-                <a16:creationId xmlns:a16="http://schemas.microsoft.com/office/drawing/2014/main" xmlns="" id="{2A8D9541-EF29-144A-9A0E-4E6C7B079FC6}"/>
+                <a16:creationId xmlns:a16="http://schemas.microsoft.com/office/drawing/2014/main" id="{2A8D9541-EF29-144A-9A0E-4E6C7B079FC6}"/>
               </a:ext>
             </a:extLst>
           </p:cNvPr>
@@ -3738,7 +3735,7 @@
           <p:cNvPr id="5" name="Slide Number Placeholder 4">
             <a:extLst>
               <a:ext uri="{FF2B5EF4-FFF2-40B4-BE49-F238E27FC236}">
-                <a16:creationId xmlns:a16="http://schemas.microsoft.com/office/drawing/2014/main" xmlns="" id="{23D4C786-5C5C-C345-854B-880B99CCE789}"/>
+                <a16:creationId xmlns:a16="http://schemas.microsoft.com/office/drawing/2014/main" id="{23D4C786-5C5C-C345-854B-880B99CCE789}"/>
               </a:ext>
             </a:extLst>
           </p:cNvPr>
@@ -3818,7 +3815,7 @@
           <a:lstStyle/>
           <a:p>
             <a:r>
-              <a:rPr lang="en-US" smtClean="0"/>
+              <a:rPr lang="en-US"/>
               <a:t>Click to edit Master title style</a:t>
             </a:r>
             <a:endParaRPr lang="en-US" dirty="0"/>
@@ -3830,7 +3827,7 @@
           <p:cNvPr id="2" name="Footer Placeholder 1">
             <a:extLst>
               <a:ext uri="{FF2B5EF4-FFF2-40B4-BE49-F238E27FC236}">
-                <a16:creationId xmlns:a16="http://schemas.microsoft.com/office/drawing/2014/main" xmlns="" id="{697297EE-AF36-F544-95BB-117173E1BE90}"/>
+                <a16:creationId xmlns:a16="http://schemas.microsoft.com/office/drawing/2014/main" id="{697297EE-AF36-F544-95BB-117173E1BE90}"/>
               </a:ext>
             </a:extLst>
           </p:cNvPr>
@@ -3873,7 +3870,7 @@
           <p:cNvPr id="3" name="Slide Number Placeholder 2">
             <a:extLst>
               <a:ext uri="{FF2B5EF4-FFF2-40B4-BE49-F238E27FC236}">
-                <a16:creationId xmlns:a16="http://schemas.microsoft.com/office/drawing/2014/main" xmlns="" id="{EC57862E-4DEF-974C-91A7-F75BFFB612FE}"/>
+                <a16:creationId xmlns:a16="http://schemas.microsoft.com/office/drawing/2014/main" id="{EC57862E-4DEF-974C-91A7-F75BFFB612FE}"/>
               </a:ext>
             </a:extLst>
           </p:cNvPr>
@@ -3920,7 +3917,7 @@
           <p:cNvPr id="4" name="Date Placeholder 3">
             <a:extLst>
               <a:ext uri="{FF2B5EF4-FFF2-40B4-BE49-F238E27FC236}">
-                <a16:creationId xmlns:a16="http://schemas.microsoft.com/office/drawing/2014/main" xmlns="" id="{6B81CDD8-88F1-7047-9C13-42D5511FBF6B}"/>
+                <a16:creationId xmlns:a16="http://schemas.microsoft.com/office/drawing/2014/main" id="{6B81CDD8-88F1-7047-9C13-42D5511FBF6B}"/>
               </a:ext>
             </a:extLst>
           </p:cNvPr>
@@ -3956,7 +3953,7 @@
           <a:p>
             <a:fld id="{8641D226-0294-9E42-8E4F-806E71086749}" type="datetimeFigureOut">
               <a:rPr lang="en-US" smtClean="0"/>
-              <a:t>9/23/19</a:t>
+              <a:t>9/9/20</a:t>
             </a:fld>
             <a:endParaRPr lang="en-US"/>
           </a:p>
@@ -3967,7 +3964,7 @@
           <p:cNvPr id="5" name="Text Placeholder 4">
             <a:extLst>
               <a:ext uri="{FF2B5EF4-FFF2-40B4-BE49-F238E27FC236}">
-                <a16:creationId xmlns:a16="http://schemas.microsoft.com/office/drawing/2014/main" xmlns="" id="{6D2A6CDF-E9CC-E544-B2C9-C5187A3545B2}"/>
+                <a16:creationId xmlns:a16="http://schemas.microsoft.com/office/drawing/2014/main" id="{6D2A6CDF-E9CC-E544-B2C9-C5187A3545B2}"/>
               </a:ext>
             </a:extLst>
           </p:cNvPr>
@@ -4378,27 +4375,21 @@
           <a:lstStyle/>
           <a:p>
             <a:r>
-              <a:rPr lang="en-US" dirty="0" smtClean="0"/>
+              <a:rPr lang="en-US" dirty="0"/>
               <a:t>Reuben Thomas</a:t>
             </a:r>
-            <a:endParaRPr lang="en-US" dirty="0"/>
           </a:p>
           <a:p>
             <a:r>
               <a:rPr lang="en-US" dirty="0"/>
-              <a:t>Staff Scientist @ Bioinformatics Core @ GIDB</a:t>
-            </a:r>
-          </a:p>
-          <a:p>
-            <a:r>
-              <a:rPr lang="en-US" dirty="0" smtClean="0"/>
-              <a:t>09/25/</a:t>
-            </a:r>
-            <a:r>
-              <a:rPr lang="en-US" dirty="0" smtClean="0"/>
-              <a:t>2019</a:t>
-            </a:r>
-            <a:endParaRPr lang="en-US" dirty="0"/>
+              <a:t>Associate Director/Staff Scientist @ Bioinformatics Core @ GIDB</a:t>
+            </a:r>
+          </a:p>
+          <a:p>
+            <a:r>
+              <a:rPr lang="en-US" dirty="0"/>
+              <a:t>09/14/2020</a:t>
+            </a:r>
           </a:p>
         </p:txBody>
       </p:sp>
@@ -4418,8 +4409,15 @@
           <a:lstStyle/>
           <a:p>
             <a:r>
-              <a:rPr lang="en-US" sz="4000" u="sng" dirty="0" smtClean="0"/>
+              <a:rPr lang="en-US" sz="4000" u="sng" dirty="0"/>
               <a:t>Statistical Hypothesis Testing</a:t>
+            </a:r>
+            <a:br>
+              <a:rPr lang="en-US" sz="4000" u="sng" dirty="0"/>
+            </a:br>
+            <a:r>
+              <a:rPr lang="en-US" sz="4000" u="sng" dirty="0"/>
+              <a:t>Basics</a:t>
             </a:r>
             <a:endParaRPr lang="en-US" sz="4000" dirty="0"/>
           </a:p>
@@ -4457,13 +4455,6 @@
   <p:clrMapOvr>
     <a:masterClrMapping/>
   </p:clrMapOvr>
-  <p:timing>
-    <p:tnLst>
-      <p:par>
-        <p:cTn xmlns:p14="http://schemas.microsoft.com/office/powerpoint/2010/main" id="1" dur="indefinite" restart="never" nodeType="tmRoot"/>
-      </p:par>
-    </p:tnLst>
-  </p:timing>
 </p:sld>
 </file>
 
@@ -4500,10 +4491,186 @@
           <a:lstStyle/>
           <a:p>
             <a:r>
-              <a:rPr lang="en-US" dirty="0" smtClean="0"/>
+              <a:rPr lang="en-US" b="1" dirty="0" err="1"/>
+              <a:t>Response</a:t>
+            </a:r>
+            <a:r>
+              <a:rPr lang="en-US" dirty="0" err="1"/>
+              <a:t>:Categorical</a:t>
+            </a:r>
+            <a:br>
+              <a:rPr lang="en-US" dirty="0"/>
+            </a:br>
+            <a:r>
+              <a:rPr lang="en-US" b="1" dirty="0"/>
+              <a:t>Predictor</a:t>
+            </a:r>
+            <a:r>
+              <a:rPr lang="en-US" dirty="0"/>
+              <a:t>: Categorical</a:t>
+            </a:r>
+          </a:p>
+        </p:txBody>
+      </p:sp>
+      <p:sp>
+        <p:nvSpPr>
+          <p:cNvPr id="5" name="TextBox 4"/>
+          <p:cNvSpPr txBox="1"/>
+          <p:nvPr/>
+        </p:nvSpPr>
+        <p:spPr>
+          <a:xfrm>
+            <a:off x="7363361" y="3453079"/>
+            <a:ext cx="914400" cy="914400"/>
+          </a:xfrm>
+          <a:prstGeom prst="rect">
+            <a:avLst/>
+          </a:prstGeom>
+          <a:noFill/>
+          <a:ln>
+            <a:noFill/>
+          </a:ln>
+        </p:spPr>
+        <p:txBody>
+          <a:bodyPr wrap="none" rtlCol="0" anchor="ctr" anchorCtr="0">
+            <a:noAutofit/>
+          </a:bodyPr>
+          <a:lstStyle/>
+          <a:p>
+            <a:pPr>
+              <a:spcAft>
+                <a:spcPts val="600"/>
+              </a:spcAft>
+            </a:pPr>
+            <a:r>
+              <a:rPr lang="en-US" sz="2000" dirty="0">
+                <a:latin typeface="Helvetica" charset="0"/>
+                <a:ea typeface="Times New Roman" charset="0"/>
+                <a:cs typeface="Arial" charset="0"/>
+              </a:rPr>
+              <a:t>Fisher’s test, </a:t>
+            </a:r>
+            <a:r>
+              <a:rPr lang="en-US" sz="2000" dirty="0" err="1">
+                <a:latin typeface="Helvetica" charset="0"/>
+                <a:ea typeface="Times New Roman" charset="0"/>
+                <a:cs typeface="Arial" charset="0"/>
+              </a:rPr>
+              <a:t>Chiq</a:t>
+            </a:r>
+            <a:r>
+              <a:rPr lang="en-US" sz="2000" dirty="0">
+                <a:latin typeface="Helvetica" charset="0"/>
+                <a:ea typeface="Times New Roman" charset="0"/>
+                <a:cs typeface="Arial" charset="0"/>
+              </a:rPr>
+              <a:t>-square test, 2x2 tables</a:t>
+            </a:r>
+          </a:p>
+          <a:p>
+            <a:pPr>
+              <a:spcAft>
+                <a:spcPts val="600"/>
+              </a:spcAft>
+            </a:pPr>
+            <a:r>
+              <a:rPr lang="en-US" sz="2000" i="1" dirty="0">
+                <a:latin typeface="Helvetica" charset="0"/>
+                <a:ea typeface="Times New Roman" charset="0"/>
+                <a:cs typeface="Arial" charset="0"/>
+              </a:rPr>
+              <a:t>Parameter/effect size</a:t>
+            </a:r>
+            <a:r>
+              <a:rPr lang="en-US" sz="2000" dirty="0">
+                <a:latin typeface="Helvetica" charset="0"/>
+                <a:ea typeface="Times New Roman" charset="0"/>
+                <a:cs typeface="Arial" charset="0"/>
+              </a:rPr>
+              <a:t>: odds ratio</a:t>
+            </a:r>
+          </a:p>
+        </p:txBody>
+      </p:sp>
+      <p:pic>
+        <p:nvPicPr>
+          <p:cNvPr id="4" name="Picture 3" descr="TwoByTwoTable.pdf"/>
+          <p:cNvPicPr>
+            <a:picLocks noChangeAspect="1"/>
+          </p:cNvPicPr>
+          <p:nvPr/>
+        </p:nvPicPr>
+        <p:blipFill>
+          <a:blip r:embed="rId2">
+            <a:extLst>
+              <a:ext uri="{28A0092B-C50C-407E-A947-70E740481C1C}">
+                <a14:useLocalDpi xmlns:a14="http://schemas.microsoft.com/office/drawing/2010/main" val="0"/>
+              </a:ext>
+            </a:extLst>
+          </a:blip>
+          <a:stretch>
+            <a:fillRect/>
+          </a:stretch>
+        </p:blipFill>
+        <p:spPr>
+          <a:xfrm>
+            <a:off x="679901" y="1868574"/>
+            <a:ext cx="6283899" cy="4630241"/>
+          </a:xfrm>
+          <a:prstGeom prst="rect">
+            <a:avLst/>
+          </a:prstGeom>
+        </p:spPr>
+      </p:pic>
+    </p:spTree>
+    <p:extLst>
+      <p:ext uri="{BB962C8B-B14F-4D97-AF65-F5344CB8AC3E}">
+        <p14:creationId xmlns:p14="http://schemas.microsoft.com/office/powerpoint/2010/main" val="743370568"/>
+      </p:ext>
+    </p:extLst>
+  </p:cSld>
+  <p:clrMapOvr>
+    <a:masterClrMapping/>
+  </p:clrMapOvr>
+</p:sld>
+</file>
+
+<file path=ppt/slides/slide11.xml><?xml version="1.0" encoding="utf-8"?>
+<p:sld xmlns:a="http://schemas.openxmlformats.org/drawingml/2006/main" xmlns:r="http://schemas.openxmlformats.org/officeDocument/2006/relationships" xmlns:p="http://schemas.openxmlformats.org/presentationml/2006/main">
+  <p:cSld>
+    <p:spTree>
+      <p:nvGrpSpPr>
+        <p:cNvPr id="1" name=""/>
+        <p:cNvGrpSpPr/>
+        <p:nvPr/>
+      </p:nvGrpSpPr>
+      <p:grpSpPr>
+        <a:xfrm>
+          <a:off x="0" y="0"/>
+          <a:ext cx="0" cy="0"/>
+          <a:chOff x="0" y="0"/>
+          <a:chExt cx="0" cy="0"/>
+        </a:xfrm>
+      </p:grpSpPr>
+      <p:sp>
+        <p:nvSpPr>
+          <p:cNvPr id="3" name="Title 2"/>
+          <p:cNvSpPr>
+            <a:spLocks noGrp="1"/>
+          </p:cNvSpPr>
+          <p:nvPr>
+            <p:ph type="title"/>
+          </p:nvPr>
+        </p:nvSpPr>
+        <p:spPr/>
+        <p:txBody>
+          <a:bodyPr/>
+          <a:lstStyle/>
+          <a:p>
+            <a:r>
+              <a:rPr lang="en-US" dirty="0"/>
               <a:t>How do I choose which statistical test to use?</a:t>
             </a:r>
-            <a:endParaRPr lang="en-US" dirty="0"/>
           </a:p>
         </p:txBody>
       </p:sp>
@@ -4664,18 +4831,13 @@
               </a:spcAft>
             </a:pPr>
             <a:r>
-              <a:rPr lang="en-US" sz="2400" u="sng" dirty="0" smtClean="0">
+              <a:rPr lang="en-US" sz="2400" u="sng" dirty="0">
                 <a:latin typeface="Helvetica" charset="0"/>
                 <a:ea typeface="Times New Roman" charset="0"/>
                 <a:cs typeface="Arial" charset="0"/>
               </a:rPr>
               <a:t>Response variable</a:t>
             </a:r>
-            <a:endParaRPr lang="en-US" sz="2400" u="sng" dirty="0" smtClean="0">
-              <a:latin typeface="Helvetica" charset="0"/>
-              <a:ea typeface="Times New Roman" charset="0"/>
-              <a:cs typeface="Arial" charset="0"/>
-            </a:endParaRPr>
           </a:p>
         </p:txBody>
       </p:sp>
@@ -4710,18 +4872,13 @@
               </a:spcAft>
             </a:pPr>
             <a:r>
-              <a:rPr lang="en-US" sz="2400" u="sng" dirty="0" smtClean="0">
+              <a:rPr lang="en-US" sz="2400" u="sng" dirty="0">
                 <a:latin typeface="Helvetica" charset="0"/>
                 <a:ea typeface="Times New Roman" charset="0"/>
                 <a:cs typeface="Arial" charset="0"/>
               </a:rPr>
               <a:t>Predictor variable</a:t>
             </a:r>
-            <a:endParaRPr lang="en-US" sz="2400" u="sng" dirty="0" smtClean="0">
-              <a:latin typeface="Helvetica" charset="0"/>
-              <a:ea typeface="Times New Roman" charset="0"/>
-              <a:cs typeface="Arial" charset="0"/>
-            </a:endParaRPr>
           </a:p>
         </p:txBody>
       </p:sp>
@@ -4756,18 +4913,13 @@
               </a:spcAft>
             </a:pPr>
             <a:r>
-              <a:rPr lang="en-US" sz="2000" dirty="0" smtClean="0">
+              <a:rPr lang="en-US" sz="2000" dirty="0">
                 <a:latin typeface="Helvetica" charset="0"/>
                 <a:ea typeface="Times New Roman" charset="0"/>
                 <a:cs typeface="Arial" charset="0"/>
               </a:rPr>
               <a:t>Continuous</a:t>
             </a:r>
-            <a:endParaRPr lang="en-US" sz="2000" dirty="0" smtClean="0">
-              <a:latin typeface="Helvetica" charset="0"/>
-              <a:ea typeface="Times New Roman" charset="0"/>
-              <a:cs typeface="Arial" charset="0"/>
-            </a:endParaRPr>
           </a:p>
         </p:txBody>
       </p:sp>
@@ -4802,18 +4954,13 @@
               </a:spcAft>
             </a:pPr>
             <a:r>
-              <a:rPr lang="en-US" sz="2000" dirty="0" smtClean="0">
+              <a:rPr lang="en-US" sz="2000" dirty="0">
                 <a:latin typeface="Helvetica" charset="0"/>
                 <a:ea typeface="Times New Roman" charset="0"/>
                 <a:cs typeface="Arial" charset="0"/>
               </a:rPr>
               <a:t>Continuous</a:t>
             </a:r>
-            <a:endParaRPr lang="en-US" sz="2000" dirty="0" smtClean="0">
-              <a:latin typeface="Helvetica" charset="0"/>
-              <a:ea typeface="Times New Roman" charset="0"/>
-              <a:cs typeface="Arial" charset="0"/>
-            </a:endParaRPr>
           </a:p>
         </p:txBody>
       </p:sp>
@@ -4848,18 +4995,13 @@
               </a:spcAft>
             </a:pPr>
             <a:r>
-              <a:rPr lang="en-US" sz="2000" dirty="0" smtClean="0">
+              <a:rPr lang="en-US" sz="2000" dirty="0">
                 <a:latin typeface="Helvetica" charset="0"/>
                 <a:ea typeface="Times New Roman" charset="0"/>
                 <a:cs typeface="Arial" charset="0"/>
               </a:rPr>
               <a:t>Categorical</a:t>
             </a:r>
-            <a:endParaRPr lang="en-US" sz="2000" dirty="0" smtClean="0">
-              <a:latin typeface="Helvetica" charset="0"/>
-              <a:ea typeface="Times New Roman" charset="0"/>
-              <a:cs typeface="Arial" charset="0"/>
-            </a:endParaRPr>
           </a:p>
         </p:txBody>
       </p:sp>
@@ -4894,18 +5036,13 @@
               </a:spcAft>
             </a:pPr>
             <a:r>
-              <a:rPr lang="en-US" sz="2000" dirty="0" smtClean="0">
+              <a:rPr lang="en-US" sz="2000" dirty="0">
                 <a:latin typeface="Helvetica" charset="0"/>
                 <a:ea typeface="Times New Roman" charset="0"/>
                 <a:cs typeface="Arial" charset="0"/>
               </a:rPr>
               <a:t>Categorical</a:t>
             </a:r>
-            <a:endParaRPr lang="en-US" sz="2000" dirty="0" smtClean="0">
-              <a:latin typeface="Helvetica" charset="0"/>
-              <a:ea typeface="Times New Roman" charset="0"/>
-              <a:cs typeface="Arial" charset="0"/>
-            </a:endParaRPr>
           </a:p>
         </p:txBody>
       </p:sp>
@@ -5030,7 +5167,7 @@
               </a:spcAft>
             </a:pPr>
             <a:r>
-              <a:rPr lang="en-US" sz="2400" b="1" dirty="0" smtClean="0">
+              <a:rPr lang="en-US" sz="2400" b="1" dirty="0">
                 <a:solidFill>
                   <a:srgbClr val="FF0000"/>
                 </a:solidFill>
@@ -5040,14 +5177,6 @@
               </a:rPr>
               <a:t>X</a:t>
             </a:r>
-            <a:endParaRPr lang="en-US" sz="2400" b="1" dirty="0" smtClean="0">
-              <a:solidFill>
-                <a:srgbClr val="FF0000"/>
-              </a:solidFill>
-              <a:latin typeface="Helvetica" charset="0"/>
-              <a:ea typeface="Times New Roman" charset="0"/>
-              <a:cs typeface="Arial" charset="0"/>
-            </a:endParaRPr>
           </a:p>
         </p:txBody>
       </p:sp>
@@ -5061,17 +5190,10 @@
   <p:clrMapOvr>
     <a:masterClrMapping/>
   </p:clrMapOvr>
-  <p:timing>
-    <p:tnLst>
-      <p:par>
-        <p:cTn xmlns:p14="http://schemas.microsoft.com/office/powerpoint/2010/main" id="1" dur="indefinite" restart="never" nodeType="tmRoot"/>
-      </p:par>
-    </p:tnLst>
-  </p:timing>
 </p:sld>
 </file>
 
-<file path=ppt/slides/slide11.xml><?xml version="1.0" encoding="utf-8"?>
+<file path=ppt/slides/slide12.xml><?xml version="1.0" encoding="utf-8"?>
 <p:sld xmlns:a="http://schemas.openxmlformats.org/drawingml/2006/main" xmlns:r="http://schemas.openxmlformats.org/officeDocument/2006/relationships" xmlns:p="http://schemas.openxmlformats.org/presentationml/2006/main">
   <p:cSld>
     <p:spTree>
@@ -5104,29 +5226,24 @@
           <a:lstStyle/>
           <a:p>
             <a:r>
-              <a:rPr lang="en-US" b="1" dirty="0" err="1" smtClean="0"/>
+              <a:rPr lang="en-US" b="1" dirty="0" err="1"/>
               <a:t>Response</a:t>
             </a:r>
             <a:r>
-              <a:rPr lang="en-US" dirty="0" err="1" smtClean="0"/>
+              <a:rPr lang="en-US" dirty="0" err="1"/>
               <a:t>:Categorical</a:t>
             </a:r>
-            <a:r>
-              <a:rPr lang="en-US" dirty="0" smtClean="0"/>
-              <a:t/>
-            </a:r>
             <a:br>
-              <a:rPr lang="en-US" dirty="0" smtClean="0"/>
+              <a:rPr lang="en-US" dirty="0"/>
             </a:br>
             <a:r>
-              <a:rPr lang="en-US" b="1" dirty="0" smtClean="0"/>
+              <a:rPr lang="en-US" b="1" dirty="0"/>
               <a:t>Predictor</a:t>
             </a:r>
             <a:r>
-              <a:rPr lang="en-US" dirty="0" smtClean="0"/>
+              <a:rPr lang="en-US" dirty="0"/>
               <a:t>: Continuous</a:t>
             </a:r>
-            <a:endParaRPr lang="en-US" dirty="0"/>
           </a:p>
         </p:txBody>
       </p:sp>
@@ -5161,18 +5278,13 @@
               </a:spcAft>
             </a:pPr>
             <a:r>
-              <a:rPr lang="en-US" sz="2000" dirty="0" smtClean="0">
+              <a:rPr lang="en-US" sz="2000" dirty="0">
                 <a:latin typeface="Helvetica" charset="0"/>
                 <a:ea typeface="Times New Roman" charset="0"/>
                 <a:cs typeface="Arial" charset="0"/>
               </a:rPr>
               <a:t>Logistic regression</a:t>
             </a:r>
-            <a:endParaRPr lang="en-US" sz="2000" dirty="0" smtClean="0">
-              <a:latin typeface="Helvetica" charset="0"/>
-              <a:ea typeface="Times New Roman" charset="0"/>
-              <a:cs typeface="Arial" charset="0"/>
-            </a:endParaRPr>
           </a:p>
           <a:p>
             <a:pPr>
@@ -5181,7 +5293,7 @@
               </a:spcAft>
             </a:pPr>
             <a:r>
-              <a:rPr lang="en-US" sz="2000" i="1" dirty="0" smtClean="0">
+              <a:rPr lang="en-US" sz="2000" i="1" dirty="0">
                 <a:latin typeface="Helvetica" charset="0"/>
                 <a:ea typeface="Times New Roman" charset="0"/>
                 <a:cs typeface="Arial" charset="0"/>
@@ -5189,18 +5301,13 @@
               <a:t>Parameter/effect size</a:t>
             </a:r>
             <a:r>
-              <a:rPr lang="en-US" sz="2000" dirty="0" smtClean="0">
+              <a:rPr lang="en-US" sz="2000" dirty="0">
                 <a:latin typeface="Helvetica" charset="0"/>
                 <a:ea typeface="Times New Roman" charset="0"/>
                 <a:cs typeface="Arial" charset="0"/>
               </a:rPr>
               <a:t>: odds ratio</a:t>
             </a:r>
-            <a:endParaRPr lang="en-US" sz="2000" dirty="0" smtClean="0">
-              <a:latin typeface="Helvetica" charset="0"/>
-              <a:ea typeface="Times New Roman" charset="0"/>
-              <a:cs typeface="Arial" charset="0"/>
-            </a:endParaRPr>
           </a:p>
         </p:txBody>
       </p:sp>
@@ -5326,17 +5433,10 @@
   <p:clrMapOvr>
     <a:masterClrMapping/>
   </p:clrMapOvr>
-  <p:timing>
-    <p:tnLst>
-      <p:par>
-        <p:cTn xmlns:p14="http://schemas.microsoft.com/office/powerpoint/2010/main" id="1" dur="indefinite" restart="never" nodeType="tmRoot"/>
-      </p:par>
-    </p:tnLst>
-  </p:timing>
 </p:sld>
 </file>
 
-<file path=ppt/slides/slide12.xml><?xml version="1.0" encoding="utf-8"?>
+<file path=ppt/slides/slide13.xml><?xml version="1.0" encoding="utf-8"?>
 <p:sld xmlns:a="http://schemas.openxmlformats.org/drawingml/2006/main" xmlns:r="http://schemas.openxmlformats.org/officeDocument/2006/relationships" xmlns:p="http://schemas.openxmlformats.org/presentationml/2006/main">
   <p:cSld>
     <p:spTree>
@@ -5369,10 +5469,9 @@
           <a:lstStyle/>
           <a:p>
             <a:r>
-              <a:rPr lang="en-US" dirty="0" smtClean="0"/>
+              <a:rPr lang="en-US" dirty="0"/>
               <a:t>How do I choose which statistical test to use?</a:t>
             </a:r>
-            <a:endParaRPr lang="en-US" dirty="0"/>
           </a:p>
         </p:txBody>
       </p:sp>
@@ -5533,18 +5632,13 @@
               </a:spcAft>
             </a:pPr>
             <a:r>
-              <a:rPr lang="en-US" sz="2400" u="sng" dirty="0" smtClean="0">
+              <a:rPr lang="en-US" sz="2400" u="sng" dirty="0">
                 <a:latin typeface="Helvetica" charset="0"/>
                 <a:ea typeface="Times New Roman" charset="0"/>
                 <a:cs typeface="Arial" charset="0"/>
               </a:rPr>
               <a:t>Response variable</a:t>
             </a:r>
-            <a:endParaRPr lang="en-US" sz="2400" u="sng" dirty="0" smtClean="0">
-              <a:latin typeface="Helvetica" charset="0"/>
-              <a:ea typeface="Times New Roman" charset="0"/>
-              <a:cs typeface="Arial" charset="0"/>
-            </a:endParaRPr>
           </a:p>
         </p:txBody>
       </p:sp>
@@ -5579,18 +5673,13 @@
               </a:spcAft>
             </a:pPr>
             <a:r>
-              <a:rPr lang="en-US" sz="2400" u="sng" dirty="0" smtClean="0">
+              <a:rPr lang="en-US" sz="2400" u="sng" dirty="0">
                 <a:latin typeface="Helvetica" charset="0"/>
                 <a:ea typeface="Times New Roman" charset="0"/>
                 <a:cs typeface="Arial" charset="0"/>
               </a:rPr>
               <a:t>Predictor variable</a:t>
             </a:r>
-            <a:endParaRPr lang="en-US" sz="2400" u="sng" dirty="0" smtClean="0">
-              <a:latin typeface="Helvetica" charset="0"/>
-              <a:ea typeface="Times New Roman" charset="0"/>
-              <a:cs typeface="Arial" charset="0"/>
-            </a:endParaRPr>
           </a:p>
         </p:txBody>
       </p:sp>
@@ -5625,18 +5714,13 @@
               </a:spcAft>
             </a:pPr>
             <a:r>
-              <a:rPr lang="en-US" sz="2000" dirty="0" smtClean="0">
+              <a:rPr lang="en-US" sz="2000" dirty="0">
                 <a:latin typeface="Helvetica" charset="0"/>
                 <a:ea typeface="Times New Roman" charset="0"/>
                 <a:cs typeface="Arial" charset="0"/>
               </a:rPr>
               <a:t>Continuous</a:t>
             </a:r>
-            <a:endParaRPr lang="en-US" sz="2000" dirty="0" smtClean="0">
-              <a:latin typeface="Helvetica" charset="0"/>
-              <a:ea typeface="Times New Roman" charset="0"/>
-              <a:cs typeface="Arial" charset="0"/>
-            </a:endParaRPr>
           </a:p>
         </p:txBody>
       </p:sp>
@@ -5671,18 +5755,13 @@
               </a:spcAft>
             </a:pPr>
             <a:r>
-              <a:rPr lang="en-US" sz="2000" dirty="0" smtClean="0">
+              <a:rPr lang="en-US" sz="2000" dirty="0">
                 <a:latin typeface="Helvetica" charset="0"/>
                 <a:ea typeface="Times New Roman" charset="0"/>
                 <a:cs typeface="Arial" charset="0"/>
               </a:rPr>
               <a:t>Continuous</a:t>
             </a:r>
-            <a:endParaRPr lang="en-US" sz="2000" dirty="0" smtClean="0">
-              <a:latin typeface="Helvetica" charset="0"/>
-              <a:ea typeface="Times New Roman" charset="0"/>
-              <a:cs typeface="Arial" charset="0"/>
-            </a:endParaRPr>
           </a:p>
         </p:txBody>
       </p:sp>
@@ -5717,18 +5796,13 @@
               </a:spcAft>
             </a:pPr>
             <a:r>
-              <a:rPr lang="en-US" sz="2000" dirty="0" smtClean="0">
+              <a:rPr lang="en-US" sz="2000" dirty="0">
                 <a:latin typeface="Helvetica" charset="0"/>
                 <a:ea typeface="Times New Roman" charset="0"/>
                 <a:cs typeface="Arial" charset="0"/>
               </a:rPr>
               <a:t>Categorical</a:t>
             </a:r>
-            <a:endParaRPr lang="en-US" sz="2000" dirty="0" smtClean="0">
-              <a:latin typeface="Helvetica" charset="0"/>
-              <a:ea typeface="Times New Roman" charset="0"/>
-              <a:cs typeface="Arial" charset="0"/>
-            </a:endParaRPr>
           </a:p>
         </p:txBody>
       </p:sp>
@@ -5763,18 +5837,13 @@
               </a:spcAft>
             </a:pPr>
             <a:r>
-              <a:rPr lang="en-US" sz="2000" dirty="0" smtClean="0">
+              <a:rPr lang="en-US" sz="2000" dirty="0">
                 <a:latin typeface="Helvetica" charset="0"/>
                 <a:ea typeface="Times New Roman" charset="0"/>
                 <a:cs typeface="Arial" charset="0"/>
               </a:rPr>
               <a:t>Categorical</a:t>
             </a:r>
-            <a:endParaRPr lang="en-US" sz="2000" dirty="0" smtClean="0">
-              <a:latin typeface="Helvetica" charset="0"/>
-              <a:ea typeface="Times New Roman" charset="0"/>
-              <a:cs typeface="Arial" charset="0"/>
-            </a:endParaRPr>
           </a:p>
         </p:txBody>
       </p:sp>
@@ -5908,17 +5977,10 @@
   <p:clrMapOvr>
     <a:masterClrMapping/>
   </p:clrMapOvr>
-  <p:timing>
-    <p:tnLst>
-      <p:par>
-        <p:cTn xmlns:p14="http://schemas.microsoft.com/office/powerpoint/2010/main" id="1" dur="indefinite" restart="never" nodeType="tmRoot"/>
-      </p:par>
-    </p:tnLst>
-  </p:timing>
 </p:sld>
 </file>
 
-<file path=ppt/slides/slide13.xml><?xml version="1.0" encoding="utf-8"?>
+<file path=ppt/slides/slide14.xml><?xml version="1.0" encoding="utf-8"?>
 <p:sld xmlns:a="http://schemas.openxmlformats.org/drawingml/2006/main" xmlns:r="http://schemas.openxmlformats.org/officeDocument/2006/relationships" xmlns:p="http://schemas.openxmlformats.org/presentationml/2006/main">
   <p:cSld>
     <p:spTree>
@@ -5951,10 +6013,9 @@
           <a:lstStyle/>
           <a:p>
             <a:r>
-              <a:rPr lang="en-US" sz="2800" dirty="0" smtClean="0"/>
+              <a:rPr lang="en-US" sz="2800" dirty="0"/>
               <a:t>Is gene differentially expressed between the two developmental time-points?</a:t>
             </a:r>
-            <a:endParaRPr lang="en-US" sz="2800" dirty="0"/>
           </a:p>
         </p:txBody>
       </p:sp>
@@ -5993,17 +6054,10 @@
   <p:clrMapOvr>
     <a:masterClrMapping/>
   </p:clrMapOvr>
-  <p:timing>
-    <p:tnLst>
-      <p:par>
-        <p:cTn xmlns:p14="http://schemas.microsoft.com/office/powerpoint/2010/main" id="1" dur="indefinite" restart="never" nodeType="tmRoot"/>
-      </p:par>
-    </p:tnLst>
-  </p:timing>
 </p:sld>
 </file>
 
-<file path=ppt/slides/slide14.xml><?xml version="1.0" encoding="utf-8"?>
+<file path=ppt/slides/slide15.xml><?xml version="1.0" encoding="utf-8"?>
 <p:sld xmlns:a="http://schemas.openxmlformats.org/drawingml/2006/main" xmlns:r="http://schemas.openxmlformats.org/officeDocument/2006/relationships" xmlns:p="http://schemas.openxmlformats.org/presentationml/2006/main">
   <p:cSld>
     <p:spTree>
@@ -6036,10 +6090,9 @@
           <a:lstStyle/>
           <a:p>
             <a:r>
-              <a:rPr lang="en-US" sz="2800" dirty="0" smtClean="0"/>
+              <a:rPr lang="en-US" sz="2800" dirty="0"/>
               <a:t>Convince a skeptic: Repeat this experiment 1000 times </a:t>
             </a:r>
-            <a:endParaRPr lang="en-US" sz="2800" dirty="0"/>
           </a:p>
         </p:txBody>
       </p:sp>
@@ -6078,17 +6131,10 @@
   <p:clrMapOvr>
     <a:masterClrMapping/>
   </p:clrMapOvr>
-  <p:timing>
-    <p:tnLst>
-      <p:par>
-        <p:cTn xmlns:p14="http://schemas.microsoft.com/office/powerpoint/2010/main" id="1" dur="indefinite" restart="never" nodeType="tmRoot"/>
-      </p:par>
-    </p:tnLst>
-  </p:timing>
 </p:sld>
 </file>
 
-<file path=ppt/slides/slide15.xml><?xml version="1.0" encoding="utf-8"?>
+<file path=ppt/slides/slide16.xml><?xml version="1.0" encoding="utf-8"?>
 <p:sld xmlns:a="http://schemas.openxmlformats.org/drawingml/2006/main" xmlns:r="http://schemas.openxmlformats.org/officeDocument/2006/relationships" xmlns:p="http://schemas.openxmlformats.org/presentationml/2006/main">
   <p:cSld>
     <p:spTree>
@@ -6121,10 +6167,9 @@
           <a:lstStyle/>
           <a:p>
             <a:r>
-              <a:rPr lang="en-US" sz="2800" dirty="0" smtClean="0"/>
+              <a:rPr lang="en-US" sz="2800" dirty="0"/>
               <a:t>Central limit theorem allows us to estimate the variation of the location of the distribution </a:t>
             </a:r>
-            <a:endParaRPr lang="en-US" sz="2800" dirty="0"/>
           </a:p>
         </p:txBody>
       </p:sp>
@@ -6175,7 +6220,7 @@
           <a:graphicData uri="http://schemas.openxmlformats.org/presentationml/2006/ole">
             <mc:AlternateContent xmlns:mc="http://schemas.openxmlformats.org/markup-compatibility/2006">
               <mc:Choice xmlns:v="urn:schemas-microsoft-com:vml" Requires="v">
-                <p:oleObj spid="_x0000_s1058" name="Equation" r:id="rId4" imgW="1536700" imgH="431800" progId="Equation.3">
+                <p:oleObj spid="_x0000_s1073" name="Equation" r:id="rId4" imgW="1536700" imgH="431800" progId="Equation.3">
                   <p:embed/>
                 </p:oleObj>
               </mc:Choice>
@@ -6232,7 +6277,7 @@
           <a:graphicData uri="http://schemas.openxmlformats.org/presentationml/2006/ole">
             <mc:AlternateContent xmlns:mc="http://schemas.openxmlformats.org/markup-compatibility/2006">
               <mc:Choice xmlns:v="urn:schemas-microsoft-com:vml" Requires="v">
-                <p:oleObj spid="_x0000_s1059" name="Equation" r:id="rId6" imgW="2324100" imgH="431800" progId="Equation.3">
+                <p:oleObj spid="_x0000_s1074" name="Equation" r:id="rId6" imgW="2324100" imgH="431800" progId="Equation.3">
                   <p:embed/>
                 </p:oleObj>
               </mc:Choice>
@@ -6289,7 +6334,7 @@
           <a:graphicData uri="http://schemas.openxmlformats.org/presentationml/2006/ole">
             <mc:AlternateContent xmlns:mc="http://schemas.openxmlformats.org/markup-compatibility/2006">
               <mc:Choice xmlns:v="urn:schemas-microsoft-com:vml" Requires="v">
-                <p:oleObj spid="_x0000_s1060" name="Equation" r:id="rId8" imgW="1473200" imgH="431800" progId="Equation.3">
+                <p:oleObj spid="_x0000_s1075" name="Equation" r:id="rId8" imgW="1473200" imgH="431800" progId="Equation.3">
                   <p:embed/>
                 </p:oleObj>
               </mc:Choice>
@@ -6334,17 +6379,10 @@
   <p:clrMapOvr>
     <a:masterClrMapping/>
   </p:clrMapOvr>
-  <p:timing>
-    <p:tnLst>
-      <p:par>
-        <p:cTn xmlns:p14="http://schemas.microsoft.com/office/powerpoint/2010/main" id="1" dur="indefinite" restart="never" nodeType="tmRoot"/>
-      </p:par>
-    </p:tnLst>
-  </p:timing>
 </p:sld>
 </file>
 
-<file path=ppt/slides/slide16.xml><?xml version="1.0" encoding="utf-8"?>
+<file path=ppt/slides/slide17.xml><?xml version="1.0" encoding="utf-8"?>
 <p:sld xmlns:a="http://schemas.openxmlformats.org/drawingml/2006/main" xmlns:r="http://schemas.openxmlformats.org/officeDocument/2006/relationships" xmlns:p="http://schemas.openxmlformats.org/presentationml/2006/main">
   <p:cSld>
     <p:spTree>
@@ -6377,10 +6415,9 @@
           <a:lstStyle/>
           <a:p>
             <a:r>
-              <a:rPr lang="en-US" sz="2800" dirty="0" smtClean="0"/>
+              <a:rPr lang="en-US" sz="2800" dirty="0"/>
               <a:t>Theoretical distribution of difference in means</a:t>
             </a:r>
-            <a:endParaRPr lang="en-US" sz="2800" dirty="0"/>
           </a:p>
         </p:txBody>
       </p:sp>
@@ -6432,7 +6469,7 @@
           <a:lstStyle/>
           <a:p>
             <a:r>
-              <a:rPr lang="en-US" dirty="0" smtClean="0">
+              <a:rPr lang="en-US" dirty="0">
                 <a:solidFill>
                   <a:schemeClr val="accent1">
                     <a:lumMod val="60000"/>
@@ -6443,10 +6480,9 @@
               <a:t>Type I error </a:t>
             </a:r>
             <a:r>
-              <a:rPr lang="en-US" dirty="0" smtClean="0"/>
+              <a:rPr lang="en-US" dirty="0"/>
               <a:t>and p-value</a:t>
             </a:r>
-            <a:endParaRPr lang="en-US" dirty="0"/>
           </a:p>
         </p:txBody>
       </p:sp>
@@ -6460,17 +6496,10 @@
   <p:clrMapOvr>
     <a:masterClrMapping/>
   </p:clrMapOvr>
-  <p:timing>
-    <p:tnLst>
-      <p:par>
-        <p:cTn xmlns:p14="http://schemas.microsoft.com/office/powerpoint/2010/main" id="1" dur="indefinite" restart="never" nodeType="tmRoot"/>
-      </p:par>
-    </p:tnLst>
-  </p:timing>
 </p:sld>
 </file>
 
-<file path=ppt/slides/slide17.xml><?xml version="1.0" encoding="utf-8"?>
+<file path=ppt/slides/slide18.xml><?xml version="1.0" encoding="utf-8"?>
 <p:sld xmlns:a="http://schemas.openxmlformats.org/drawingml/2006/main" xmlns:r="http://schemas.openxmlformats.org/officeDocument/2006/relationships" xmlns:p="http://schemas.openxmlformats.org/presentationml/2006/main">
   <p:cSld>
     <p:spTree>
@@ -6503,10 +6532,9 @@
           <a:lstStyle/>
           <a:p>
             <a:r>
-              <a:rPr lang="en-US" sz="2800" dirty="0" smtClean="0"/>
+              <a:rPr lang="en-US" sz="2800" dirty="0"/>
               <a:t>Alter underlying variation</a:t>
             </a:r>
-            <a:endParaRPr lang="en-US" sz="2800" dirty="0"/>
           </a:p>
         </p:txBody>
       </p:sp>
@@ -6623,14 +6651,13 @@
           <a:lstStyle/>
           <a:p>
             <a:r>
-              <a:rPr lang="en-US" dirty="0" err="1" smtClean="0"/>
+              <a:rPr lang="en-US" dirty="0" err="1"/>
               <a:t>sd</a:t>
             </a:r>
             <a:r>
-              <a:rPr lang="en-US" dirty="0" smtClean="0"/>
+              <a:rPr lang="en-US" dirty="0"/>
               <a:t>=14</a:t>
             </a:r>
-            <a:endParaRPr lang="en-US" dirty="0"/>
           </a:p>
         </p:txBody>
       </p:sp>
@@ -6658,17 +6685,12 @@
           <a:p>
             <a:r>
               <a:rPr lang="en-US" dirty="0" err="1"/>
-              <a:t>s</a:t>
-            </a:r>
-            <a:r>
-              <a:rPr lang="en-US" dirty="0" err="1" smtClean="0"/>
-              <a:t>d</a:t>
-            </a:r>
-            <a:r>
-              <a:rPr lang="en-US" dirty="0" smtClean="0"/>
+              <a:t>sd</a:t>
+            </a:r>
+            <a:r>
+              <a:rPr lang="en-US" dirty="0"/>
               <a:t>=24</a:t>
             </a:r>
-            <a:endParaRPr lang="en-US" dirty="0"/>
           </a:p>
         </p:txBody>
       </p:sp>
@@ -6696,17 +6718,12 @@
           <a:p>
             <a:r>
               <a:rPr lang="en-US" dirty="0" err="1"/>
-              <a:t>s</a:t>
-            </a:r>
-            <a:r>
-              <a:rPr lang="en-US" dirty="0" err="1" smtClean="0"/>
-              <a:t>d</a:t>
-            </a:r>
-            <a:r>
-              <a:rPr lang="en-US" dirty="0" smtClean="0"/>
+              <a:t>sd</a:t>
+            </a:r>
+            <a:r>
+              <a:rPr lang="en-US" dirty="0"/>
               <a:t>=4</a:t>
             </a:r>
-            <a:endParaRPr lang="en-US" dirty="0"/>
           </a:p>
         </p:txBody>
       </p:sp>
@@ -6720,17 +6737,10 @@
   <p:clrMapOvr>
     <a:masterClrMapping/>
   </p:clrMapOvr>
-  <p:timing>
-    <p:tnLst>
-      <p:par>
-        <p:cTn xmlns:p14="http://schemas.microsoft.com/office/powerpoint/2010/main" id="1" dur="indefinite" restart="never" nodeType="tmRoot"/>
-      </p:par>
-    </p:tnLst>
-  </p:timing>
 </p:sld>
 </file>
 
-<file path=ppt/slides/slide18.xml><?xml version="1.0" encoding="utf-8"?>
+<file path=ppt/slides/slide19.xml><?xml version="1.0" encoding="utf-8"?>
 <p:sld xmlns:a="http://schemas.openxmlformats.org/drawingml/2006/main" xmlns:r="http://schemas.openxmlformats.org/officeDocument/2006/relationships" xmlns:p="http://schemas.openxmlformats.org/presentationml/2006/main">
   <p:cSld>
     <p:spTree>
@@ -6763,10 +6773,9 @@
           <a:lstStyle/>
           <a:p>
             <a:r>
-              <a:rPr lang="en-US" sz="2800" dirty="0" smtClean="0"/>
+              <a:rPr lang="en-US" sz="2800" dirty="0"/>
               <a:t>Alter the number of replicates</a:t>
             </a:r>
-            <a:endParaRPr lang="en-US" sz="2800" dirty="0"/>
           </a:p>
         </p:txBody>
       </p:sp>
@@ -6884,13 +6893,8 @@
           <a:p>
             <a:r>
               <a:rPr lang="en-US" dirty="0"/>
-              <a:t>n</a:t>
-            </a:r>
-            <a:r>
-              <a:rPr lang="en-US" dirty="0" smtClean="0"/>
-              <a:t>=4</a:t>
-            </a:r>
-            <a:endParaRPr lang="en-US" dirty="0"/>
+              <a:t>n=4</a:t>
+            </a:r>
           </a:p>
         </p:txBody>
       </p:sp>
@@ -6918,13 +6922,8 @@
           <a:p>
             <a:r>
               <a:rPr lang="en-US" dirty="0"/>
-              <a:t>n</a:t>
-            </a:r>
-            <a:r>
-              <a:rPr lang="en-US" dirty="0" smtClean="0"/>
-              <a:t>=3</a:t>
-            </a:r>
-            <a:endParaRPr lang="en-US" dirty="0"/>
+              <a:t>n=3</a:t>
+            </a:r>
           </a:p>
         </p:txBody>
       </p:sp>
@@ -6952,13 +6951,8 @@
           <a:p>
             <a:r>
               <a:rPr lang="en-US" dirty="0"/>
-              <a:t>n</a:t>
-            </a:r>
-            <a:r>
-              <a:rPr lang="en-US" dirty="0" smtClean="0"/>
-              <a:t>=15</a:t>
-            </a:r>
-            <a:endParaRPr lang="en-US" dirty="0"/>
+              <a:t>n=15</a:t>
+            </a:r>
           </a:p>
         </p:txBody>
       </p:sp>
@@ -6972,17 +6966,10 @@
   <p:clrMapOvr>
     <a:masterClrMapping/>
   </p:clrMapOvr>
-  <p:timing>
-    <p:tnLst>
-      <p:par>
-        <p:cTn xmlns:p14="http://schemas.microsoft.com/office/powerpoint/2010/main" id="1" dur="indefinite" restart="never" nodeType="tmRoot"/>
-      </p:par>
-    </p:tnLst>
-  </p:timing>
 </p:sld>
 </file>
 
-<file path=ppt/slides/slide19.xml><?xml version="1.0" encoding="utf-8"?>
+<file path=ppt/slides/slide2.xml><?xml version="1.0" encoding="utf-8"?>
 <p:sld xmlns:a="http://schemas.openxmlformats.org/drawingml/2006/main" xmlns:r="http://schemas.openxmlformats.org/officeDocument/2006/relationships" xmlns:p="http://schemas.openxmlformats.org/presentationml/2006/main">
   <p:cSld>
     <p:spTree>
@@ -7001,6 +6988,112 @@
       </p:grpSpPr>
       <p:sp>
         <p:nvSpPr>
+          <p:cNvPr id="2" name="Text Placeholder 1">
+            <a:extLst>
+              <a:ext uri="{FF2B5EF4-FFF2-40B4-BE49-F238E27FC236}">
+                <a16:creationId xmlns:a16="http://schemas.microsoft.com/office/drawing/2014/main" id="{568BC77D-A745-1C43-9431-F2D93E0FDC9A}"/>
+              </a:ext>
+            </a:extLst>
+          </p:cNvPr>
+          <p:cNvSpPr>
+            <a:spLocks noGrp="1"/>
+          </p:cNvSpPr>
+          <p:nvPr>
+            <p:ph type="body" sz="quarter" idx="10"/>
+          </p:nvPr>
+        </p:nvSpPr>
+        <p:spPr>
+          <a:xfrm>
+            <a:off x="838200" y="1876483"/>
+            <a:ext cx="10515600" cy="2711512"/>
+          </a:xfrm>
+        </p:spPr>
+        <p:txBody>
+          <a:bodyPr/>
+          <a:lstStyle/>
+          <a:p>
+            <a:r>
+              <a:rPr lang="en-US" dirty="0"/>
+              <a:t>Have been at Gladstone for over 6 years</a:t>
+            </a:r>
+          </a:p>
+          <a:p>
+            <a:r>
+              <a:rPr lang="en-US" dirty="0"/>
+              <a:t>Led statistical analysis covering a wide range of models on various data sets</a:t>
+            </a:r>
+          </a:p>
+          <a:p>
+            <a:r>
+              <a:rPr lang="en-US" dirty="0"/>
+              <a:t>Have a engineering and computational/statistical background via Northwestern University, NIH and Cal, Berkeley.</a:t>
+            </a:r>
+          </a:p>
+          <a:p>
+            <a:endParaRPr lang="en-US" dirty="0"/>
+          </a:p>
+        </p:txBody>
+      </p:sp>
+      <p:sp>
+        <p:nvSpPr>
+          <p:cNvPr id="3" name="Title 2">
+            <a:extLst>
+              <a:ext uri="{FF2B5EF4-FFF2-40B4-BE49-F238E27FC236}">
+                <a16:creationId xmlns:a16="http://schemas.microsoft.com/office/drawing/2014/main" id="{631AB50C-C8D7-C040-92E7-CFC238BF28AB}"/>
+              </a:ext>
+            </a:extLst>
+          </p:cNvPr>
+          <p:cNvSpPr>
+            <a:spLocks noGrp="1"/>
+          </p:cNvSpPr>
+          <p:nvPr>
+            <p:ph type="title"/>
+          </p:nvPr>
+        </p:nvSpPr>
+        <p:spPr/>
+        <p:txBody>
+          <a:bodyPr/>
+          <a:lstStyle/>
+          <a:p>
+            <a:r>
+              <a:rPr lang="en-US" dirty="0"/>
+              <a:t>About me</a:t>
+            </a:r>
+          </a:p>
+        </p:txBody>
+      </p:sp>
+    </p:spTree>
+    <p:extLst>
+      <p:ext uri="{BB962C8B-B14F-4D97-AF65-F5344CB8AC3E}">
+        <p14:creationId xmlns:p14="http://schemas.microsoft.com/office/powerpoint/2010/main" val="3928020515"/>
+      </p:ext>
+    </p:extLst>
+  </p:cSld>
+  <p:clrMapOvr>
+    <a:masterClrMapping/>
+  </p:clrMapOvr>
+</p:sld>
+</file>
+
+<file path=ppt/slides/slide20.xml><?xml version="1.0" encoding="utf-8"?>
+<p:sld xmlns:a="http://schemas.openxmlformats.org/drawingml/2006/main" xmlns:r="http://schemas.openxmlformats.org/officeDocument/2006/relationships" xmlns:p="http://schemas.openxmlformats.org/presentationml/2006/main">
+  <p:cSld>
+    <p:spTree>
+      <p:nvGrpSpPr>
+        <p:cNvPr id="1" name=""/>
+        <p:cNvGrpSpPr/>
+        <p:nvPr/>
+      </p:nvGrpSpPr>
+      <p:grpSpPr>
+        <a:xfrm>
+          <a:off x="0" y="0"/>
+          <a:ext cx="0" cy="0"/>
+          <a:chOff x="0" y="0"/>
+          <a:chExt cx="0" cy="0"/>
+        </a:xfrm>
+      </p:grpSpPr>
+      <p:sp>
+        <p:nvSpPr>
           <p:cNvPr id="2" name="Title 1"/>
           <p:cNvSpPr>
             <a:spLocks noGrp="1"/>
@@ -7015,10 +7108,9 @@
           <a:lstStyle/>
           <a:p>
             <a:r>
-              <a:rPr lang="en-US" sz="2800" dirty="0" smtClean="0"/>
+              <a:rPr lang="en-US" sz="2800" dirty="0"/>
               <a:t>Power to detect a difference of means of -15</a:t>
             </a:r>
-            <a:endParaRPr lang="en-US" sz="2800" dirty="0"/>
           </a:p>
         </p:txBody>
       </p:sp>
@@ -7070,7 +7162,7 @@
           <a:lstStyle/>
           <a:p>
             <a:r>
-              <a:rPr lang="en-US" dirty="0" smtClean="0">
+              <a:rPr lang="en-US" dirty="0">
                 <a:solidFill>
                   <a:schemeClr val="accent1">
                     <a:lumMod val="60000"/>
@@ -7081,11 +7173,11 @@
               <a:t>Type I</a:t>
             </a:r>
             <a:r>
-              <a:rPr lang="en-US" dirty="0" smtClean="0"/>
+              <a:rPr lang="en-US" dirty="0"/>
               <a:t>  and </a:t>
             </a:r>
             <a:r>
-              <a:rPr lang="en-US" dirty="0" smtClean="0">
+              <a:rPr lang="en-US" dirty="0">
                 <a:solidFill>
                   <a:srgbClr val="0000FF"/>
                 </a:solidFill>
@@ -7093,10 +7185,9 @@
               <a:t>Type II </a:t>
             </a:r>
             <a:r>
-              <a:rPr lang="en-US" dirty="0" smtClean="0"/>
+              <a:rPr lang="en-US" dirty="0"/>
               <a:t>error</a:t>
             </a:r>
-            <a:endParaRPr lang="en-US" dirty="0"/>
           </a:p>
         </p:txBody>
       </p:sp>
@@ -7110,17 +7201,10 @@
   <p:clrMapOvr>
     <a:masterClrMapping/>
   </p:clrMapOvr>
-  <p:timing>
-    <p:tnLst>
-      <p:par>
-        <p:cTn xmlns:p14="http://schemas.microsoft.com/office/powerpoint/2010/main" id="1" dur="indefinite" restart="never" nodeType="tmRoot"/>
-      </p:par>
-    </p:tnLst>
-  </p:timing>
 </p:sld>
 </file>
 
-<file path=ppt/slides/slide2.xml><?xml version="1.0" encoding="utf-8"?>
+<file path=ppt/slides/slide21.xml><?xml version="1.0" encoding="utf-8"?>
 <p:sld xmlns:a="http://schemas.openxmlformats.org/drawingml/2006/main" xmlns:r="http://schemas.openxmlformats.org/officeDocument/2006/relationships" xmlns:p="http://schemas.openxmlformats.org/presentationml/2006/main">
   <p:cSld>
     <p:spTree>
@@ -7139,144 +7223,6 @@
       </p:grpSpPr>
       <p:sp>
         <p:nvSpPr>
-          <p:cNvPr id="2" name="Text Placeholder 1"/>
-          <p:cNvSpPr>
-            <a:spLocks noGrp="1"/>
-          </p:cNvSpPr>
-          <p:nvPr>
-            <p:ph type="body" sz="quarter" idx="10"/>
-          </p:nvPr>
-        </p:nvSpPr>
-        <p:spPr>
-          <a:xfrm>
-            <a:off x="838200" y="1876483"/>
-            <a:ext cx="10515600" cy="4007251"/>
-          </a:xfrm>
-        </p:spPr>
-        <p:txBody>
-          <a:bodyPr/>
-          <a:lstStyle/>
-          <a:p>
-            <a:r>
-              <a:rPr lang="en-US" dirty="0" smtClean="0"/>
-              <a:t>Null hypothesis versus Alternative hypothesis</a:t>
-            </a:r>
-          </a:p>
-          <a:p>
-            <a:r>
-              <a:rPr lang="en-US" dirty="0" smtClean="0"/>
-              <a:t>P-values</a:t>
-            </a:r>
-          </a:p>
-          <a:p>
-            <a:r>
-              <a:rPr lang="en-US" dirty="0" smtClean="0"/>
-              <a:t>Two-sided test </a:t>
-            </a:r>
-            <a:r>
-              <a:rPr lang="en-US" i="1" dirty="0" smtClean="0"/>
-              <a:t>versus</a:t>
-            </a:r>
-            <a:r>
-              <a:rPr lang="en-US" dirty="0" smtClean="0"/>
-              <a:t> One-sided test</a:t>
-            </a:r>
-          </a:p>
-          <a:p>
-            <a:r>
-              <a:rPr lang="en-US" dirty="0" smtClean="0"/>
-              <a:t>Test statistic</a:t>
-            </a:r>
-          </a:p>
-          <a:p>
-            <a:r>
-              <a:rPr lang="en-US" dirty="0" smtClean="0"/>
-              <a:t>Sampling distribution</a:t>
-            </a:r>
-          </a:p>
-          <a:p>
-            <a:r>
-              <a:rPr lang="en-US" dirty="0" smtClean="0"/>
-              <a:t>Type I and Type II errors (Power)</a:t>
-            </a:r>
-          </a:p>
-          <a:p>
-            <a:r>
-              <a:rPr lang="en-US" dirty="0" smtClean="0"/>
-              <a:t>Multiple testing</a:t>
-            </a:r>
-          </a:p>
-          <a:p>
-            <a:r>
-              <a:rPr lang="en-US" dirty="0" smtClean="0"/>
-              <a:t>Assumptions of different tests</a:t>
-            </a:r>
-            <a:endParaRPr lang="en-US" dirty="0"/>
-          </a:p>
-        </p:txBody>
-      </p:sp>
-      <p:sp>
-        <p:nvSpPr>
-          <p:cNvPr id="3" name="Title 2"/>
-          <p:cNvSpPr>
-            <a:spLocks noGrp="1"/>
-          </p:cNvSpPr>
-          <p:nvPr>
-            <p:ph type="title"/>
-          </p:nvPr>
-        </p:nvSpPr>
-        <p:spPr/>
-        <p:txBody>
-          <a:bodyPr/>
-          <a:lstStyle/>
-          <a:p>
-            <a:r>
-              <a:rPr lang="en-US" dirty="0" smtClean="0"/>
-              <a:t>Terms one commonly encounters in hypothesis testing</a:t>
-            </a:r>
-            <a:endParaRPr lang="en-US" dirty="0"/>
-          </a:p>
-        </p:txBody>
-      </p:sp>
-    </p:spTree>
-    <p:extLst>
-      <p:ext uri="{BB962C8B-B14F-4D97-AF65-F5344CB8AC3E}">
-        <p14:creationId xmlns:p14="http://schemas.microsoft.com/office/powerpoint/2010/main" val="4085909018"/>
-      </p:ext>
-    </p:extLst>
-  </p:cSld>
-  <p:clrMapOvr>
-    <a:masterClrMapping/>
-  </p:clrMapOvr>
-  <p:timing>
-    <p:tnLst>
-      <p:par>
-        <p:cTn xmlns:p14="http://schemas.microsoft.com/office/powerpoint/2010/main" id="1" dur="indefinite" restart="never" nodeType="tmRoot"/>
-      </p:par>
-    </p:tnLst>
-  </p:timing>
-</p:sld>
-</file>
-
-<file path=ppt/slides/slide20.xml><?xml version="1.0" encoding="utf-8"?>
-<p:sld xmlns:a="http://schemas.openxmlformats.org/drawingml/2006/main" xmlns:r="http://schemas.openxmlformats.org/officeDocument/2006/relationships" xmlns:p="http://schemas.openxmlformats.org/presentationml/2006/main">
-  <p:cSld>
-    <p:spTree>
-      <p:nvGrpSpPr>
-        <p:cNvPr id="1" name=""/>
-        <p:cNvGrpSpPr/>
-        <p:nvPr/>
-      </p:nvGrpSpPr>
-      <p:grpSpPr>
-        <a:xfrm>
-          <a:off x="0" y="0"/>
-          <a:ext cx="0" cy="0"/>
-          <a:chOff x="0" y="0"/>
-          <a:chExt cx="0" cy="0"/>
-        </a:xfrm>
-      </p:grpSpPr>
-      <p:sp>
-        <p:nvSpPr>
           <p:cNvPr id="2" name="Title 1"/>
           <p:cNvSpPr>
             <a:spLocks noGrp="1"/>
@@ -7291,10 +7237,9 @@
           <a:lstStyle/>
           <a:p>
             <a:r>
-              <a:rPr lang="en-US" sz="2800" dirty="0" smtClean="0"/>
+              <a:rPr lang="en-US" sz="2800" dirty="0"/>
               <a:t>Power to detect varying levels of difference in mean differences</a:t>
             </a:r>
-            <a:endParaRPr lang="en-US" sz="2800" dirty="0"/>
           </a:p>
         </p:txBody>
       </p:sp>
@@ -7411,10 +7356,9 @@
           <a:lstStyle/>
           <a:p>
             <a:r>
-              <a:rPr lang="en-US" dirty="0" smtClean="0"/>
+              <a:rPr lang="en-US" dirty="0"/>
               <a:t>Mean diff = -15</a:t>
             </a:r>
-            <a:endParaRPr lang="en-US" dirty="0"/>
           </a:p>
         </p:txBody>
       </p:sp>
@@ -7441,10 +7385,9 @@
           <a:lstStyle/>
           <a:p>
             <a:r>
-              <a:rPr lang="en-US" dirty="0" smtClean="0"/>
+              <a:rPr lang="en-US" dirty="0"/>
               <a:t>Mean diff = -25</a:t>
             </a:r>
-            <a:endParaRPr lang="en-US" dirty="0"/>
           </a:p>
         </p:txBody>
       </p:sp>
@@ -7471,10 +7414,9 @@
           <a:lstStyle/>
           <a:p>
             <a:r>
-              <a:rPr lang="en-US" dirty="0" smtClean="0"/>
+              <a:rPr lang="en-US" dirty="0"/>
               <a:t>Mean diff = -5</a:t>
             </a:r>
-            <a:endParaRPr lang="en-US" dirty="0"/>
           </a:p>
         </p:txBody>
       </p:sp>
@@ -7488,92 +7430,6 @@
   <p:clrMapOvr>
     <a:masterClrMapping/>
   </p:clrMapOvr>
-  <p:timing>
-    <p:tnLst>
-      <p:par>
-        <p:cTn xmlns:p14="http://schemas.microsoft.com/office/powerpoint/2010/main" id="1" dur="indefinite" restart="never" nodeType="tmRoot"/>
-      </p:par>
-    </p:tnLst>
-  </p:timing>
-</p:sld>
-</file>
-
-<file path=ppt/slides/slide21.xml><?xml version="1.0" encoding="utf-8"?>
-<p:sld xmlns:a="http://schemas.openxmlformats.org/drawingml/2006/main" xmlns:r="http://schemas.openxmlformats.org/officeDocument/2006/relationships" xmlns:p="http://schemas.openxmlformats.org/presentationml/2006/main">
-  <p:cSld>
-    <p:spTree>
-      <p:nvGrpSpPr>
-        <p:cNvPr id="1" name=""/>
-        <p:cNvGrpSpPr/>
-        <p:nvPr/>
-      </p:nvGrpSpPr>
-      <p:grpSpPr>
-        <a:xfrm>
-          <a:off x="0" y="0"/>
-          <a:ext cx="0" cy="0"/>
-          <a:chOff x="0" y="0"/>
-          <a:chExt cx="0" cy="0"/>
-        </a:xfrm>
-      </p:grpSpPr>
-      <p:sp>
-        <p:nvSpPr>
-          <p:cNvPr id="4" name="Text Placeholder 3"/>
-          <p:cNvSpPr>
-            <a:spLocks noGrp="1"/>
-          </p:cNvSpPr>
-          <p:nvPr>
-            <p:ph type="body" sz="quarter" idx="10"/>
-          </p:nvPr>
-        </p:nvSpPr>
-        <p:spPr/>
-        <p:txBody>
-          <a:bodyPr/>
-          <a:lstStyle/>
-          <a:p>
-            <a:endParaRPr lang="en-US"/>
-          </a:p>
-        </p:txBody>
-      </p:sp>
-      <p:sp>
-        <p:nvSpPr>
-          <p:cNvPr id="3" name="Title 2"/>
-          <p:cNvSpPr>
-            <a:spLocks noGrp="1"/>
-          </p:cNvSpPr>
-          <p:nvPr>
-            <p:ph type="title"/>
-          </p:nvPr>
-        </p:nvSpPr>
-        <p:spPr/>
-        <p:txBody>
-          <a:bodyPr/>
-          <a:lstStyle/>
-          <a:p>
-            <a:r>
-              <a:rPr lang="en-US" dirty="0" smtClean="0"/>
-              <a:t>Expectations for this workshop</a:t>
-            </a:r>
-            <a:endParaRPr lang="en-US" dirty="0"/>
-          </a:p>
-        </p:txBody>
-      </p:sp>
-    </p:spTree>
-    <p:extLst>
-      <p:ext uri="{BB962C8B-B14F-4D97-AF65-F5344CB8AC3E}">
-        <p14:creationId xmlns:p14="http://schemas.microsoft.com/office/powerpoint/2010/main" val="703431832"/>
-      </p:ext>
-    </p:extLst>
-  </p:cSld>
-  <p:clrMapOvr>
-    <a:masterClrMapping/>
-  </p:clrMapOvr>
-  <p:timing>
-    <p:tnLst>
-      <p:par>
-        <p:cTn xmlns:p14="http://schemas.microsoft.com/office/powerpoint/2010/main" id="1" dur="indefinite" restart="never" nodeType="tmRoot"/>
-      </p:par>
-    </p:tnLst>
-  </p:timing>
 </p:sld>
 </file>
 
@@ -7596,6 +7452,77 @@
       </p:grpSpPr>
       <p:sp>
         <p:nvSpPr>
+          <p:cNvPr id="4" name="Text Placeholder 3"/>
+          <p:cNvSpPr>
+            <a:spLocks noGrp="1"/>
+          </p:cNvSpPr>
+          <p:nvPr>
+            <p:ph type="body" sz="quarter" idx="10"/>
+          </p:nvPr>
+        </p:nvSpPr>
+        <p:spPr/>
+        <p:txBody>
+          <a:bodyPr/>
+          <a:lstStyle/>
+          <a:p>
+            <a:endParaRPr lang="en-US"/>
+          </a:p>
+        </p:txBody>
+      </p:sp>
+      <p:sp>
+        <p:nvSpPr>
+          <p:cNvPr id="3" name="Title 2"/>
+          <p:cNvSpPr>
+            <a:spLocks noGrp="1"/>
+          </p:cNvSpPr>
+          <p:nvPr>
+            <p:ph type="title"/>
+          </p:nvPr>
+        </p:nvSpPr>
+        <p:spPr/>
+        <p:txBody>
+          <a:bodyPr/>
+          <a:lstStyle/>
+          <a:p>
+            <a:r>
+              <a:rPr lang="en-US" dirty="0"/>
+              <a:t>Expectations for this workshop</a:t>
+            </a:r>
+          </a:p>
+        </p:txBody>
+      </p:sp>
+    </p:spTree>
+    <p:extLst>
+      <p:ext uri="{BB962C8B-B14F-4D97-AF65-F5344CB8AC3E}">
+        <p14:creationId xmlns:p14="http://schemas.microsoft.com/office/powerpoint/2010/main" val="703431832"/>
+      </p:ext>
+    </p:extLst>
+  </p:cSld>
+  <p:clrMapOvr>
+    <a:masterClrMapping/>
+  </p:clrMapOvr>
+</p:sld>
+</file>
+
+<file path=ppt/slides/slide23.xml><?xml version="1.0" encoding="utf-8"?>
+<p:sld xmlns:a="http://schemas.openxmlformats.org/drawingml/2006/main" xmlns:r="http://schemas.openxmlformats.org/officeDocument/2006/relationships" xmlns:p="http://schemas.openxmlformats.org/presentationml/2006/main">
+  <p:cSld>
+    <p:spTree>
+      <p:nvGrpSpPr>
+        <p:cNvPr id="1" name=""/>
+        <p:cNvGrpSpPr/>
+        <p:nvPr/>
+      </p:nvGrpSpPr>
+      <p:grpSpPr>
+        <a:xfrm>
+          <a:off x="0" y="0"/>
+          <a:ext cx="0" cy="0"/>
+          <a:chOff x="0" y="0"/>
+          <a:chExt cx="0" cy="0"/>
+        </a:xfrm>
+      </p:grpSpPr>
+      <p:sp>
+        <p:nvSpPr>
           <p:cNvPr id="2" name="Text Placeholder 1"/>
           <p:cNvSpPr>
             <a:spLocks noGrp="1"/>
@@ -7629,10 +7556,9 @@
           <a:lstStyle/>
           <a:p>
             <a:r>
-              <a:rPr lang="en-US" dirty="0" smtClean="0"/>
+              <a:rPr lang="en-US" dirty="0"/>
               <a:t>Outline for this workshop</a:t>
             </a:r>
-            <a:endParaRPr lang="en-US" dirty="0"/>
           </a:p>
         </p:txBody>
       </p:sp>
@@ -7646,13 +7572,6 @@
   <p:clrMapOvr>
     <a:masterClrMapping/>
   </p:clrMapOvr>
-  <p:timing>
-    <p:tnLst>
-      <p:par>
-        <p:cTn xmlns:p14="http://schemas.microsoft.com/office/powerpoint/2010/main" id="1" dur="indefinite" restart="never" nodeType="tmRoot"/>
-      </p:par>
-    </p:tnLst>
-  </p:timing>
 </p:sld>
 </file>
 
@@ -7686,7 +7605,7 @@
         <p:spPr>
           <a:xfrm>
             <a:off x="838200" y="1876483"/>
-            <a:ext cx="10515600" cy="3753848"/>
+            <a:ext cx="10515600" cy="4007251"/>
           </a:xfrm>
         </p:spPr>
         <p:txBody>
@@ -7694,86 +7613,59 @@
           <a:lstStyle/>
           <a:p>
             <a:r>
-              <a:rPr lang="en-US" dirty="0" smtClean="0"/>
-              <a:t>We would like to make </a:t>
-            </a:r>
-            <a:r>
-              <a:rPr lang="en-US" b="1" dirty="0" smtClean="0"/>
-              <a:t>generalizable claims about an entire target population </a:t>
-            </a:r>
-            <a:r>
-              <a:rPr lang="en-US" dirty="0" smtClean="0"/>
-              <a:t>with data </a:t>
-            </a:r>
-            <a:r>
-              <a:rPr lang="en-US" b="1" dirty="0" smtClean="0"/>
-              <a:t>from only a random subset </a:t>
-            </a:r>
-            <a:r>
-              <a:rPr lang="en-US" dirty="0" smtClean="0"/>
-              <a:t>of this population.</a:t>
-            </a:r>
-          </a:p>
-          <a:p>
-            <a:r>
-              <a:rPr lang="en-US" b="1" dirty="0" smtClean="0"/>
-              <a:t>Random sampling</a:t>
-            </a:r>
-            <a:r>
-              <a:rPr lang="en-US" dirty="0" smtClean="0"/>
-              <a:t>, </a:t>
-            </a:r>
-            <a:r>
-              <a:rPr lang="en-US" b="1" dirty="0" smtClean="0"/>
-              <a:t>appropriate experimental design</a:t>
-            </a:r>
-            <a:r>
-              <a:rPr lang="en-US" dirty="0" smtClean="0"/>
-              <a:t> and </a:t>
-            </a:r>
-            <a:r>
-              <a:rPr lang="en-US" b="1" dirty="0" smtClean="0"/>
-              <a:t>Central Limit Theorem</a:t>
-            </a:r>
-            <a:r>
-              <a:rPr lang="en-US" dirty="0" smtClean="0"/>
-              <a:t> allows us to make generalizable claims </a:t>
-            </a:r>
-          </a:p>
-          <a:p>
-            <a:r>
-              <a:rPr lang="en-US" dirty="0" smtClean="0"/>
-              <a:t>Hypothesis testing rests on assuming the </a:t>
-            </a:r>
-            <a:r>
-              <a:rPr lang="en-US" b="1" dirty="0" smtClean="0"/>
-              <a:t>skeptical point of view</a:t>
-            </a:r>
-            <a:r>
-              <a:rPr lang="en-US" dirty="0" smtClean="0"/>
-              <a:t> and testing for deviations from this assumption </a:t>
-            </a:r>
-            <a:r>
-              <a:rPr lang="mr-IN" dirty="0" smtClean="0"/>
-              <a:t>–</a:t>
-            </a:r>
-            <a:r>
-              <a:rPr lang="en-US" dirty="0" smtClean="0"/>
-              <a:t> </a:t>
-            </a:r>
-            <a:r>
-              <a:rPr lang="en-US" b="1" dirty="0" smtClean="0"/>
-              <a:t>Null</a:t>
-            </a:r>
-            <a:r>
-              <a:rPr lang="en-US" dirty="0" smtClean="0"/>
-              <a:t> versus </a:t>
-            </a:r>
-            <a:r>
-              <a:rPr lang="en-US" b="1" dirty="0" smtClean="0"/>
-              <a:t>Alternative Assumption</a:t>
-            </a:r>
-            <a:endParaRPr lang="en-US" b="1" dirty="0"/>
+              <a:rPr lang="en-US" dirty="0"/>
+              <a:t>Null hypothesis versus Alternative hypothesis</a:t>
+            </a:r>
+          </a:p>
+          <a:p>
+            <a:r>
+              <a:rPr lang="en-US" dirty="0"/>
+              <a:t>P-values</a:t>
+            </a:r>
+          </a:p>
+          <a:p>
+            <a:r>
+              <a:rPr lang="en-US" dirty="0"/>
+              <a:t>Two-sided test </a:t>
+            </a:r>
+            <a:r>
+              <a:rPr lang="en-US" i="1" dirty="0"/>
+              <a:t>versus</a:t>
+            </a:r>
+            <a:r>
+              <a:rPr lang="en-US" dirty="0"/>
+              <a:t> One-sided test</a:t>
+            </a:r>
+          </a:p>
+          <a:p>
+            <a:r>
+              <a:rPr lang="en-US" dirty="0"/>
+              <a:t>Test statistic</a:t>
+            </a:r>
+          </a:p>
+          <a:p>
+            <a:r>
+              <a:rPr lang="en-US" dirty="0"/>
+              <a:t>Sampling distribution</a:t>
+            </a:r>
+          </a:p>
+          <a:p>
+            <a:r>
+              <a:rPr lang="en-US" dirty="0"/>
+              <a:t>Type I and Type II errors (Power)</a:t>
+            </a:r>
+          </a:p>
+          <a:p>
+            <a:r>
+              <a:rPr lang="en-US" dirty="0"/>
+              <a:t>Multiple testing</a:t>
+            </a:r>
+          </a:p>
+          <a:p>
+            <a:r>
+              <a:rPr lang="en-US" dirty="0"/>
+              <a:t>Assumptions of different tests</a:t>
+            </a:r>
           </a:p>
         </p:txBody>
       </p:sp>
@@ -7793,30 +7685,22 @@
           <a:lstStyle/>
           <a:p>
             <a:r>
-              <a:rPr lang="en-US" dirty="0" smtClean="0"/>
-              <a:t>Introduction to Hypothesis Testing</a:t>
-            </a:r>
-            <a:endParaRPr lang="en-US" dirty="0"/>
+              <a:rPr lang="en-US" dirty="0"/>
+              <a:t>Terms one commonly encounters in hypothesis testing</a:t>
+            </a:r>
           </a:p>
         </p:txBody>
       </p:sp>
     </p:spTree>
     <p:extLst>
       <p:ext uri="{BB962C8B-B14F-4D97-AF65-F5344CB8AC3E}">
-        <p14:creationId xmlns:p14="http://schemas.microsoft.com/office/powerpoint/2010/main" val="189381376"/>
+        <p14:creationId xmlns:p14="http://schemas.microsoft.com/office/powerpoint/2010/main" val="4085909018"/>
       </p:ext>
     </p:extLst>
   </p:cSld>
   <p:clrMapOvr>
     <a:masterClrMapping/>
   </p:clrMapOvr>
-  <p:timing>
-    <p:tnLst>
-      <p:par>
-        <p:cTn xmlns:p14="http://schemas.microsoft.com/office/powerpoint/2010/main" id="1" dur="indefinite" restart="never" nodeType="tmRoot"/>
-      </p:par>
-    </p:tnLst>
-  </p:timing>
 </p:sld>
 </file>
 
@@ -7839,6 +7723,109 @@
       </p:grpSpPr>
       <p:sp>
         <p:nvSpPr>
+          <p:cNvPr id="2" name="Text Placeholder 1"/>
+          <p:cNvSpPr>
+            <a:spLocks noGrp="1"/>
+          </p:cNvSpPr>
+          <p:nvPr>
+            <p:ph type="body" sz="quarter" idx="10"/>
+          </p:nvPr>
+        </p:nvSpPr>
+        <p:spPr>
+          <a:xfrm>
+            <a:off x="838200" y="1876483"/>
+            <a:ext cx="10515600" cy="3753848"/>
+          </a:xfrm>
+        </p:spPr>
+        <p:txBody>
+          <a:bodyPr/>
+          <a:lstStyle/>
+          <a:p>
+            <a:r>
+              <a:rPr lang="en-US" dirty="0"/>
+              <a:t>We would like to make </a:t>
+            </a:r>
+            <a:r>
+              <a:rPr lang="en-US" b="1" dirty="0"/>
+              <a:t>generalizable claims about an entire target population </a:t>
+            </a:r>
+            <a:r>
+              <a:rPr lang="en-US" dirty="0"/>
+              <a:t>with data </a:t>
+            </a:r>
+            <a:r>
+              <a:rPr lang="en-US" b="1" dirty="0"/>
+              <a:t>from only a random subset </a:t>
+            </a:r>
+            <a:r>
+              <a:rPr lang="en-US" dirty="0"/>
+              <a:t>of this population.</a:t>
+            </a:r>
+          </a:p>
+          <a:p>
+            <a:r>
+              <a:rPr lang="en-US" b="1" dirty="0"/>
+              <a:t>Random sampling</a:t>
+            </a:r>
+            <a:r>
+              <a:rPr lang="en-US" dirty="0"/>
+              <a:t>, </a:t>
+            </a:r>
+            <a:r>
+              <a:rPr lang="en-US" b="1" dirty="0"/>
+              <a:t>appropriate experimental design</a:t>
+            </a:r>
+            <a:r>
+              <a:rPr lang="en-US" dirty="0"/>
+              <a:t> and </a:t>
+            </a:r>
+            <a:r>
+              <a:rPr lang="en-US" b="1" dirty="0"/>
+              <a:t>Central Limit Theorem</a:t>
+            </a:r>
+            <a:r>
+              <a:rPr lang="en-US" dirty="0"/>
+              <a:t> allows us to make generalizable claims </a:t>
+            </a:r>
+          </a:p>
+          <a:p>
+            <a:r>
+              <a:rPr lang="en-US" dirty="0"/>
+              <a:t>Hypothesis testing rests on assuming the </a:t>
+            </a:r>
+            <a:r>
+              <a:rPr lang="en-US" b="1" dirty="0"/>
+              <a:t>skeptical point of view</a:t>
+            </a:r>
+            <a:r>
+              <a:rPr lang="en-US" dirty="0"/>
+              <a:t> and testing for deviations from this assumption </a:t>
+            </a:r>
+            <a:r>
+              <a:rPr lang="mr-IN" dirty="0"/>
+              <a:t>–</a:t>
+            </a:r>
+            <a:r>
+              <a:rPr lang="en-US" dirty="0"/>
+              <a:t> </a:t>
+            </a:r>
+            <a:r>
+              <a:rPr lang="en-US" b="1" dirty="0"/>
+              <a:t>Null</a:t>
+            </a:r>
+            <a:r>
+              <a:rPr lang="en-US" dirty="0"/>
+              <a:t> versus </a:t>
+            </a:r>
+            <a:r>
+              <a:rPr lang="en-US" b="1" dirty="0"/>
+              <a:t>Alternative Assumption</a:t>
+            </a:r>
+          </a:p>
+        </p:txBody>
+      </p:sp>
+      <p:sp>
+        <p:nvSpPr>
           <p:cNvPr id="3" name="Title 2"/>
           <p:cNvSpPr>
             <a:spLocks noGrp="1"/>
@@ -7853,10 +7840,61 @@
           <a:lstStyle/>
           <a:p>
             <a:r>
-              <a:rPr lang="en-US" dirty="0" smtClean="0"/>
+              <a:rPr lang="en-US" dirty="0"/>
+              <a:t>Introduction to Hypothesis Testing</a:t>
+            </a:r>
+          </a:p>
+        </p:txBody>
+      </p:sp>
+    </p:spTree>
+    <p:extLst>
+      <p:ext uri="{BB962C8B-B14F-4D97-AF65-F5344CB8AC3E}">
+        <p14:creationId xmlns:p14="http://schemas.microsoft.com/office/powerpoint/2010/main" val="189381376"/>
+      </p:ext>
+    </p:extLst>
+  </p:cSld>
+  <p:clrMapOvr>
+    <a:masterClrMapping/>
+  </p:clrMapOvr>
+</p:sld>
+</file>
+
+<file path=ppt/slides/slide5.xml><?xml version="1.0" encoding="utf-8"?>
+<p:sld xmlns:a="http://schemas.openxmlformats.org/drawingml/2006/main" xmlns:r="http://schemas.openxmlformats.org/officeDocument/2006/relationships" xmlns:p="http://schemas.openxmlformats.org/presentationml/2006/main">
+  <p:cSld>
+    <p:spTree>
+      <p:nvGrpSpPr>
+        <p:cNvPr id="1" name=""/>
+        <p:cNvGrpSpPr/>
+        <p:nvPr/>
+      </p:nvGrpSpPr>
+      <p:grpSpPr>
+        <a:xfrm>
+          <a:off x="0" y="0"/>
+          <a:ext cx="0" cy="0"/>
+          <a:chOff x="0" y="0"/>
+          <a:chExt cx="0" cy="0"/>
+        </a:xfrm>
+      </p:grpSpPr>
+      <p:sp>
+        <p:nvSpPr>
+          <p:cNvPr id="3" name="Title 2"/>
+          <p:cNvSpPr>
+            <a:spLocks noGrp="1"/>
+          </p:cNvSpPr>
+          <p:nvPr>
+            <p:ph type="title"/>
+          </p:nvPr>
+        </p:nvSpPr>
+        <p:spPr/>
+        <p:txBody>
+          <a:bodyPr/>
+          <a:lstStyle/>
+          <a:p>
+            <a:r>
+              <a:rPr lang="en-US" dirty="0"/>
               <a:t>How do I choose which statistical test to use?</a:t>
             </a:r>
-            <a:endParaRPr lang="en-US" dirty="0"/>
           </a:p>
         </p:txBody>
       </p:sp>
@@ -8017,18 +8055,13 @@
               </a:spcAft>
             </a:pPr>
             <a:r>
-              <a:rPr lang="en-US" sz="2400" u="sng" dirty="0" smtClean="0">
+              <a:rPr lang="en-US" sz="2400" u="sng" dirty="0">
                 <a:latin typeface="Helvetica" charset="0"/>
                 <a:ea typeface="Times New Roman" charset="0"/>
                 <a:cs typeface="Arial" charset="0"/>
               </a:rPr>
               <a:t>Response variable</a:t>
             </a:r>
-            <a:endParaRPr lang="en-US" sz="2400" u="sng" dirty="0" smtClean="0">
-              <a:latin typeface="Helvetica" charset="0"/>
-              <a:ea typeface="Times New Roman" charset="0"/>
-              <a:cs typeface="Arial" charset="0"/>
-            </a:endParaRPr>
           </a:p>
         </p:txBody>
       </p:sp>
@@ -8063,18 +8096,13 @@
               </a:spcAft>
             </a:pPr>
             <a:r>
-              <a:rPr lang="en-US" sz="2400" u="sng" dirty="0" smtClean="0">
+              <a:rPr lang="en-US" sz="2400" u="sng" dirty="0">
                 <a:latin typeface="Helvetica" charset="0"/>
                 <a:ea typeface="Times New Roman" charset="0"/>
                 <a:cs typeface="Arial" charset="0"/>
               </a:rPr>
               <a:t>Predictor variable</a:t>
             </a:r>
-            <a:endParaRPr lang="en-US" sz="2400" u="sng" dirty="0" smtClean="0">
-              <a:latin typeface="Helvetica" charset="0"/>
-              <a:ea typeface="Times New Roman" charset="0"/>
-              <a:cs typeface="Arial" charset="0"/>
-            </a:endParaRPr>
           </a:p>
         </p:txBody>
       </p:sp>
@@ -8109,18 +8137,13 @@
               </a:spcAft>
             </a:pPr>
             <a:r>
-              <a:rPr lang="en-US" sz="2000" dirty="0" smtClean="0">
+              <a:rPr lang="en-US" sz="2000" dirty="0">
                 <a:latin typeface="Helvetica" charset="0"/>
                 <a:ea typeface="Times New Roman" charset="0"/>
                 <a:cs typeface="Arial" charset="0"/>
               </a:rPr>
               <a:t>Continuous</a:t>
             </a:r>
-            <a:endParaRPr lang="en-US" sz="2000" dirty="0" smtClean="0">
-              <a:latin typeface="Helvetica" charset="0"/>
-              <a:ea typeface="Times New Roman" charset="0"/>
-              <a:cs typeface="Arial" charset="0"/>
-            </a:endParaRPr>
           </a:p>
         </p:txBody>
       </p:sp>
@@ -8155,18 +8178,13 @@
               </a:spcAft>
             </a:pPr>
             <a:r>
-              <a:rPr lang="en-US" sz="2000" dirty="0" smtClean="0">
+              <a:rPr lang="en-US" sz="2000" dirty="0">
                 <a:latin typeface="Helvetica" charset="0"/>
                 <a:ea typeface="Times New Roman" charset="0"/>
                 <a:cs typeface="Arial" charset="0"/>
               </a:rPr>
               <a:t>Continuous</a:t>
             </a:r>
-            <a:endParaRPr lang="en-US" sz="2000" dirty="0" smtClean="0">
-              <a:latin typeface="Helvetica" charset="0"/>
-              <a:ea typeface="Times New Roman" charset="0"/>
-              <a:cs typeface="Arial" charset="0"/>
-            </a:endParaRPr>
           </a:p>
         </p:txBody>
       </p:sp>
@@ -8201,18 +8219,13 @@
               </a:spcAft>
             </a:pPr>
             <a:r>
-              <a:rPr lang="en-US" sz="2000" dirty="0" smtClean="0">
+              <a:rPr lang="en-US" sz="2000" dirty="0">
                 <a:latin typeface="Helvetica" charset="0"/>
                 <a:ea typeface="Times New Roman" charset="0"/>
                 <a:cs typeface="Arial" charset="0"/>
               </a:rPr>
               <a:t>Categorical</a:t>
             </a:r>
-            <a:endParaRPr lang="en-US" sz="2000" dirty="0" smtClean="0">
-              <a:latin typeface="Helvetica" charset="0"/>
-              <a:ea typeface="Times New Roman" charset="0"/>
-              <a:cs typeface="Arial" charset="0"/>
-            </a:endParaRPr>
           </a:p>
         </p:txBody>
       </p:sp>
@@ -8247,18 +8260,13 @@
               </a:spcAft>
             </a:pPr>
             <a:r>
-              <a:rPr lang="en-US" sz="2000" dirty="0" smtClean="0">
+              <a:rPr lang="en-US" sz="2000" dirty="0">
                 <a:latin typeface="Helvetica" charset="0"/>
                 <a:ea typeface="Times New Roman" charset="0"/>
                 <a:cs typeface="Arial" charset="0"/>
               </a:rPr>
               <a:t>Categorical/Factor</a:t>
             </a:r>
-            <a:endParaRPr lang="en-US" sz="2000" dirty="0" smtClean="0">
-              <a:latin typeface="Helvetica" charset="0"/>
-              <a:ea typeface="Times New Roman" charset="0"/>
-              <a:cs typeface="Arial" charset="0"/>
-            </a:endParaRPr>
           </a:p>
         </p:txBody>
       </p:sp>
@@ -8293,7 +8301,7 @@
               </a:spcAft>
             </a:pPr>
             <a:r>
-              <a:rPr lang="en-US" sz="2400" b="1" dirty="0" smtClean="0">
+              <a:rPr lang="en-US" sz="2400" b="1" dirty="0">
                 <a:solidFill>
                   <a:srgbClr val="FF0000"/>
                 </a:solidFill>
@@ -8303,14 +8311,6 @@
               </a:rPr>
               <a:t>X</a:t>
             </a:r>
-            <a:endParaRPr lang="en-US" sz="2400" b="1" dirty="0" smtClean="0">
-              <a:solidFill>
-                <a:srgbClr val="FF0000"/>
-              </a:solidFill>
-              <a:latin typeface="Helvetica" charset="0"/>
-              <a:ea typeface="Times New Roman" charset="0"/>
-              <a:cs typeface="Arial" charset="0"/>
-            </a:endParaRPr>
           </a:p>
         </p:txBody>
       </p:sp>
@@ -8345,7 +8345,7 @@
               </a:spcAft>
             </a:pPr>
             <a:r>
-              <a:rPr lang="en-US" sz="2400" dirty="0" smtClean="0">
+              <a:rPr lang="en-US" sz="2400" dirty="0">
                 <a:solidFill>
                   <a:srgbClr val="FF0000"/>
                 </a:solidFill>
@@ -8355,14 +8355,6 @@
               </a:rPr>
               <a:t>X</a:t>
             </a:r>
-            <a:endParaRPr lang="en-US" sz="2400" dirty="0" smtClean="0">
-              <a:solidFill>
-                <a:srgbClr val="FF0000"/>
-              </a:solidFill>
-              <a:latin typeface="Helvetica" charset="0"/>
-              <a:ea typeface="Times New Roman" charset="0"/>
-              <a:cs typeface="Arial" charset="0"/>
-            </a:endParaRPr>
           </a:p>
         </p:txBody>
       </p:sp>
@@ -8397,7 +8389,7 @@
               </a:spcAft>
             </a:pPr>
             <a:r>
-              <a:rPr lang="en-US" sz="2400" dirty="0" smtClean="0">
+              <a:rPr lang="en-US" sz="2400" dirty="0">
                 <a:solidFill>
                   <a:srgbClr val="FF0000"/>
                 </a:solidFill>
@@ -8407,14 +8399,6 @@
               </a:rPr>
               <a:t>X</a:t>
             </a:r>
-            <a:endParaRPr lang="en-US" sz="2400" dirty="0" smtClean="0">
-              <a:solidFill>
-                <a:srgbClr val="FF0000"/>
-              </a:solidFill>
-              <a:latin typeface="Helvetica" charset="0"/>
-              <a:ea typeface="Times New Roman" charset="0"/>
-              <a:cs typeface="Arial" charset="0"/>
-            </a:endParaRPr>
           </a:p>
         </p:txBody>
       </p:sp>
@@ -8449,7 +8433,7 @@
               </a:spcAft>
             </a:pPr>
             <a:r>
-              <a:rPr lang="en-US" sz="2400" dirty="0" smtClean="0">
+              <a:rPr lang="en-US" sz="2400" dirty="0">
                 <a:solidFill>
                   <a:srgbClr val="FF0000"/>
                 </a:solidFill>
@@ -8459,14 +8443,6 @@
               </a:rPr>
               <a:t>X</a:t>
             </a:r>
-            <a:endParaRPr lang="en-US" sz="2400" dirty="0" smtClean="0">
-              <a:solidFill>
-                <a:srgbClr val="FF0000"/>
-              </a:solidFill>
-              <a:latin typeface="Helvetica" charset="0"/>
-              <a:ea typeface="Times New Roman" charset="0"/>
-              <a:cs typeface="Arial" charset="0"/>
-            </a:endParaRPr>
           </a:p>
         </p:txBody>
       </p:sp>
@@ -8480,17 +8456,10 @@
   <p:clrMapOvr>
     <a:masterClrMapping/>
   </p:clrMapOvr>
-  <p:timing>
-    <p:tnLst>
-      <p:par>
-        <p:cTn xmlns:p14="http://schemas.microsoft.com/office/powerpoint/2010/main" id="1" dur="indefinite" restart="never" nodeType="tmRoot"/>
-      </p:par>
-    </p:tnLst>
-  </p:timing>
 </p:sld>
 </file>
 
-<file path=ppt/slides/slide5.xml><?xml version="1.0" encoding="utf-8"?>
+<file path=ppt/slides/slide6.xml><?xml version="1.0" encoding="utf-8"?>
 <p:sld xmlns:a="http://schemas.openxmlformats.org/drawingml/2006/main" xmlns:r="http://schemas.openxmlformats.org/officeDocument/2006/relationships" xmlns:p="http://schemas.openxmlformats.org/presentationml/2006/main">
   <p:cSld>
     <p:spTree>
@@ -8523,29 +8492,24 @@
           <a:lstStyle/>
           <a:p>
             <a:r>
-              <a:rPr lang="en-US" b="1" dirty="0" err="1" smtClean="0"/>
+              <a:rPr lang="en-US" b="1" dirty="0" err="1"/>
               <a:t>Response</a:t>
             </a:r>
             <a:r>
-              <a:rPr lang="en-US" dirty="0" err="1" smtClean="0"/>
+              <a:rPr lang="en-US" dirty="0" err="1"/>
               <a:t>:Continuous</a:t>
             </a:r>
-            <a:r>
-              <a:rPr lang="en-US" dirty="0" smtClean="0"/>
-              <a:t/>
-            </a:r>
             <a:br>
-              <a:rPr lang="en-US" dirty="0" smtClean="0"/>
+              <a:rPr lang="en-US" dirty="0"/>
             </a:br>
             <a:r>
-              <a:rPr lang="en-US" b="1" dirty="0" smtClean="0"/>
+              <a:rPr lang="en-US" b="1" dirty="0"/>
               <a:t>Predictor</a:t>
             </a:r>
             <a:r>
-              <a:rPr lang="en-US" dirty="0" smtClean="0"/>
+              <a:rPr lang="en-US" dirty="0"/>
               <a:t>: Continuous</a:t>
             </a:r>
-            <a:endParaRPr lang="en-US" dirty="0"/>
           </a:p>
         </p:txBody>
       </p:sp>
@@ -8610,7 +8574,7 @@
               </a:spcAft>
             </a:pPr>
             <a:r>
-              <a:rPr lang="en-US" sz="2000" dirty="0" smtClean="0">
+              <a:rPr lang="en-US" sz="2000" dirty="0">
                 <a:latin typeface="Helvetica" charset="0"/>
                 <a:ea typeface="Times New Roman" charset="0"/>
                 <a:cs typeface="Arial" charset="0"/>
@@ -8625,7 +8589,7 @@
               </a:spcAft>
             </a:pPr>
             <a:r>
-              <a:rPr lang="en-US" sz="2000" i="1" dirty="0" smtClean="0">
+              <a:rPr lang="en-US" sz="2000" i="1" dirty="0">
                 <a:latin typeface="Helvetica" charset="0"/>
                 <a:ea typeface="Times New Roman" charset="0"/>
                 <a:cs typeface="Arial" charset="0"/>
@@ -8633,18 +8597,13 @@
               <a:t>Parameter/effect size</a:t>
             </a:r>
             <a:r>
-              <a:rPr lang="en-US" sz="2000" dirty="0" smtClean="0">
+              <a:rPr lang="en-US" sz="2000" dirty="0">
                 <a:latin typeface="Helvetica" charset="0"/>
                 <a:ea typeface="Times New Roman" charset="0"/>
                 <a:cs typeface="Arial" charset="0"/>
               </a:rPr>
               <a:t>: slope</a:t>
             </a:r>
-            <a:endParaRPr lang="en-US" sz="2000" dirty="0" smtClean="0">
-              <a:latin typeface="Helvetica" charset="0"/>
-              <a:ea typeface="Times New Roman" charset="0"/>
-              <a:cs typeface="Arial" charset="0"/>
-            </a:endParaRPr>
           </a:p>
         </p:txBody>
       </p:sp>
@@ -8658,17 +8617,10 @@
   <p:clrMapOvr>
     <a:masterClrMapping/>
   </p:clrMapOvr>
-  <p:timing>
-    <p:tnLst>
-      <p:par>
-        <p:cTn xmlns:p14="http://schemas.microsoft.com/office/powerpoint/2010/main" id="1" dur="indefinite" restart="never" nodeType="tmRoot"/>
-      </p:par>
-    </p:tnLst>
-  </p:timing>
 </p:sld>
 </file>
 
-<file path=ppt/slides/slide6.xml><?xml version="1.0" encoding="utf-8"?>
+<file path=ppt/slides/slide7.xml><?xml version="1.0" encoding="utf-8"?>
 <p:sld xmlns:a="http://schemas.openxmlformats.org/drawingml/2006/main" xmlns:r="http://schemas.openxmlformats.org/officeDocument/2006/relationships" xmlns:p="http://schemas.openxmlformats.org/presentationml/2006/main">
   <p:cSld>
     <p:spTree>
@@ -8701,10 +8653,9 @@
           <a:lstStyle/>
           <a:p>
             <a:r>
-              <a:rPr lang="en-US" dirty="0" smtClean="0"/>
+              <a:rPr lang="en-US" dirty="0"/>
               <a:t>How do I choose which statistical test to use?</a:t>
             </a:r>
-            <a:endParaRPr lang="en-US" dirty="0"/>
           </a:p>
         </p:txBody>
       </p:sp>
@@ -8865,18 +8816,13 @@
               </a:spcAft>
             </a:pPr>
             <a:r>
-              <a:rPr lang="en-US" sz="2400" u="sng" dirty="0" smtClean="0">
+              <a:rPr lang="en-US" sz="2400" u="sng" dirty="0">
                 <a:latin typeface="Helvetica" charset="0"/>
                 <a:ea typeface="Times New Roman" charset="0"/>
                 <a:cs typeface="Arial" charset="0"/>
               </a:rPr>
               <a:t>Response variable</a:t>
             </a:r>
-            <a:endParaRPr lang="en-US" sz="2400" u="sng" dirty="0" smtClean="0">
-              <a:latin typeface="Helvetica" charset="0"/>
-              <a:ea typeface="Times New Roman" charset="0"/>
-              <a:cs typeface="Arial" charset="0"/>
-            </a:endParaRPr>
           </a:p>
         </p:txBody>
       </p:sp>
@@ -8911,18 +8857,13 @@
               </a:spcAft>
             </a:pPr>
             <a:r>
-              <a:rPr lang="en-US" sz="2400" u="sng" dirty="0" smtClean="0">
+              <a:rPr lang="en-US" sz="2400" u="sng" dirty="0">
                 <a:latin typeface="Helvetica" charset="0"/>
                 <a:ea typeface="Times New Roman" charset="0"/>
                 <a:cs typeface="Arial" charset="0"/>
               </a:rPr>
               <a:t>Predictor variable</a:t>
             </a:r>
-            <a:endParaRPr lang="en-US" sz="2400" u="sng" dirty="0" smtClean="0">
-              <a:latin typeface="Helvetica" charset="0"/>
-              <a:ea typeface="Times New Roman" charset="0"/>
-              <a:cs typeface="Arial" charset="0"/>
-            </a:endParaRPr>
           </a:p>
         </p:txBody>
       </p:sp>
@@ -8957,18 +8898,13 @@
               </a:spcAft>
             </a:pPr>
             <a:r>
-              <a:rPr lang="en-US" sz="2000" dirty="0" smtClean="0">
+              <a:rPr lang="en-US" sz="2000" dirty="0">
                 <a:latin typeface="Helvetica" charset="0"/>
                 <a:ea typeface="Times New Roman" charset="0"/>
                 <a:cs typeface="Arial" charset="0"/>
               </a:rPr>
               <a:t>Continuous</a:t>
             </a:r>
-            <a:endParaRPr lang="en-US" sz="2000" dirty="0" smtClean="0">
-              <a:latin typeface="Helvetica" charset="0"/>
-              <a:ea typeface="Times New Roman" charset="0"/>
-              <a:cs typeface="Arial" charset="0"/>
-            </a:endParaRPr>
           </a:p>
         </p:txBody>
       </p:sp>
@@ -9003,18 +8939,13 @@
               </a:spcAft>
             </a:pPr>
             <a:r>
-              <a:rPr lang="en-US" sz="2000" dirty="0" smtClean="0">
+              <a:rPr lang="en-US" sz="2000" dirty="0">
                 <a:latin typeface="Helvetica" charset="0"/>
                 <a:ea typeface="Times New Roman" charset="0"/>
                 <a:cs typeface="Arial" charset="0"/>
               </a:rPr>
               <a:t>Continuous</a:t>
             </a:r>
-            <a:endParaRPr lang="en-US" sz="2000" dirty="0" smtClean="0">
-              <a:latin typeface="Helvetica" charset="0"/>
-              <a:ea typeface="Times New Roman" charset="0"/>
-              <a:cs typeface="Arial" charset="0"/>
-            </a:endParaRPr>
           </a:p>
         </p:txBody>
       </p:sp>
@@ -9049,18 +8980,13 @@
               </a:spcAft>
             </a:pPr>
             <a:r>
-              <a:rPr lang="en-US" sz="2000" dirty="0" smtClean="0">
+              <a:rPr lang="en-US" sz="2000" dirty="0">
                 <a:latin typeface="Helvetica" charset="0"/>
                 <a:ea typeface="Times New Roman" charset="0"/>
                 <a:cs typeface="Arial" charset="0"/>
               </a:rPr>
               <a:t>Categorical</a:t>
             </a:r>
-            <a:endParaRPr lang="en-US" sz="2000" dirty="0" smtClean="0">
-              <a:latin typeface="Helvetica" charset="0"/>
-              <a:ea typeface="Times New Roman" charset="0"/>
-              <a:cs typeface="Arial" charset="0"/>
-            </a:endParaRPr>
           </a:p>
         </p:txBody>
       </p:sp>
@@ -9095,18 +9021,13 @@
               </a:spcAft>
             </a:pPr>
             <a:r>
-              <a:rPr lang="en-US" sz="2000" dirty="0" smtClean="0">
+              <a:rPr lang="en-US" sz="2000" dirty="0">
                 <a:latin typeface="Helvetica" charset="0"/>
                 <a:ea typeface="Times New Roman" charset="0"/>
                 <a:cs typeface="Arial" charset="0"/>
               </a:rPr>
               <a:t>Categorical</a:t>
             </a:r>
-            <a:endParaRPr lang="en-US" sz="2000" dirty="0" smtClean="0">
-              <a:latin typeface="Helvetica" charset="0"/>
-              <a:ea typeface="Times New Roman" charset="0"/>
-              <a:cs typeface="Arial" charset="0"/>
-            </a:endParaRPr>
           </a:p>
         </p:txBody>
       </p:sp>
@@ -9171,7 +9092,7 @@
               </a:spcAft>
             </a:pPr>
             <a:r>
-              <a:rPr lang="en-US" sz="2400" b="1" dirty="0" smtClean="0">
+              <a:rPr lang="en-US" sz="2400" b="1" dirty="0">
                 <a:solidFill>
                   <a:srgbClr val="FF0000"/>
                 </a:solidFill>
@@ -9181,14 +9102,6 @@
               </a:rPr>
               <a:t>X</a:t>
             </a:r>
-            <a:endParaRPr lang="en-US" sz="2400" b="1" dirty="0" smtClean="0">
-              <a:solidFill>
-                <a:srgbClr val="FF0000"/>
-              </a:solidFill>
-              <a:latin typeface="Helvetica" charset="0"/>
-              <a:ea typeface="Times New Roman" charset="0"/>
-              <a:cs typeface="Arial" charset="0"/>
-            </a:endParaRPr>
           </a:p>
         </p:txBody>
       </p:sp>
@@ -9223,7 +9136,7 @@
               </a:spcAft>
             </a:pPr>
             <a:r>
-              <a:rPr lang="en-US" sz="2400" dirty="0" smtClean="0">
+              <a:rPr lang="en-US" sz="2400" dirty="0">
                 <a:solidFill>
                   <a:srgbClr val="FF0000"/>
                 </a:solidFill>
@@ -9233,14 +9146,6 @@
               </a:rPr>
               <a:t>X</a:t>
             </a:r>
-            <a:endParaRPr lang="en-US" sz="2400" dirty="0" smtClean="0">
-              <a:solidFill>
-                <a:srgbClr val="FF0000"/>
-              </a:solidFill>
-              <a:latin typeface="Helvetica" charset="0"/>
-              <a:ea typeface="Times New Roman" charset="0"/>
-              <a:cs typeface="Arial" charset="0"/>
-            </a:endParaRPr>
           </a:p>
         </p:txBody>
       </p:sp>
@@ -9275,7 +9180,7 @@
               </a:spcAft>
             </a:pPr>
             <a:r>
-              <a:rPr lang="en-US" sz="2400" dirty="0" smtClean="0">
+              <a:rPr lang="en-US" sz="2400" dirty="0">
                 <a:solidFill>
                   <a:srgbClr val="FF0000"/>
                 </a:solidFill>
@@ -9285,14 +9190,6 @@
               </a:rPr>
               <a:t>X</a:t>
             </a:r>
-            <a:endParaRPr lang="en-US" sz="2400" dirty="0" smtClean="0">
-              <a:solidFill>
-                <a:srgbClr val="FF0000"/>
-              </a:solidFill>
-              <a:latin typeface="Helvetica" charset="0"/>
-              <a:ea typeface="Times New Roman" charset="0"/>
-              <a:cs typeface="Arial" charset="0"/>
-            </a:endParaRPr>
           </a:p>
         </p:txBody>
       </p:sp>
@@ -9306,17 +9203,10 @@
   <p:clrMapOvr>
     <a:masterClrMapping/>
   </p:clrMapOvr>
-  <p:timing>
-    <p:tnLst>
-      <p:par>
-        <p:cTn xmlns:p14="http://schemas.microsoft.com/office/powerpoint/2010/main" id="1" dur="indefinite" restart="never" nodeType="tmRoot"/>
-      </p:par>
-    </p:tnLst>
-  </p:timing>
 </p:sld>
 </file>
 
-<file path=ppt/slides/slide7.xml><?xml version="1.0" encoding="utf-8"?>
+<file path=ppt/slides/slide8.xml><?xml version="1.0" encoding="utf-8"?>
 <p:sld xmlns:a="http://schemas.openxmlformats.org/drawingml/2006/main" xmlns:r="http://schemas.openxmlformats.org/officeDocument/2006/relationships" xmlns:p="http://schemas.openxmlformats.org/presentationml/2006/main">
   <p:cSld>
     <p:spTree>
@@ -9349,29 +9239,24 @@
           <a:lstStyle/>
           <a:p>
             <a:r>
-              <a:rPr lang="en-US" b="1" dirty="0" err="1" smtClean="0"/>
+              <a:rPr lang="en-US" b="1" dirty="0" err="1"/>
               <a:t>Response</a:t>
             </a:r>
             <a:r>
-              <a:rPr lang="en-US" dirty="0" err="1" smtClean="0"/>
+              <a:rPr lang="en-US" dirty="0" err="1"/>
               <a:t>:Continuous</a:t>
             </a:r>
-            <a:r>
-              <a:rPr lang="en-US" dirty="0" smtClean="0"/>
-              <a:t/>
-            </a:r>
             <a:br>
-              <a:rPr lang="en-US" dirty="0" smtClean="0"/>
+              <a:rPr lang="en-US" dirty="0"/>
             </a:br>
             <a:r>
-              <a:rPr lang="en-US" b="1" dirty="0" smtClean="0"/>
+              <a:rPr lang="en-US" b="1" dirty="0"/>
               <a:t>Predictor</a:t>
             </a:r>
             <a:r>
-              <a:rPr lang="en-US" dirty="0" smtClean="0"/>
+              <a:rPr lang="en-US" dirty="0"/>
               <a:t>: Categorical</a:t>
             </a:r>
-            <a:endParaRPr lang="en-US" dirty="0"/>
           </a:p>
         </p:txBody>
       </p:sp>
@@ -9406,18 +9291,13 @@
               </a:spcAft>
             </a:pPr>
             <a:r>
-              <a:rPr lang="en-US" sz="2000" dirty="0" smtClean="0">
+              <a:rPr lang="en-US" sz="2000" dirty="0">
                 <a:latin typeface="Helvetica" charset="0"/>
                 <a:ea typeface="Times New Roman" charset="0"/>
                 <a:cs typeface="Arial" charset="0"/>
               </a:rPr>
               <a:t>T-tests, ANOVA</a:t>
             </a:r>
-            <a:endParaRPr lang="en-US" sz="2000" dirty="0" smtClean="0">
-              <a:latin typeface="Helvetica" charset="0"/>
-              <a:ea typeface="Times New Roman" charset="0"/>
-              <a:cs typeface="Arial" charset="0"/>
-            </a:endParaRPr>
           </a:p>
           <a:p>
             <a:pPr>
@@ -9426,7 +9306,7 @@
               </a:spcAft>
             </a:pPr>
             <a:r>
-              <a:rPr lang="en-US" sz="2000" i="1" dirty="0" smtClean="0">
+              <a:rPr lang="en-US" sz="2000" i="1" dirty="0">
                 <a:latin typeface="Helvetica" charset="0"/>
                 <a:ea typeface="Times New Roman" charset="0"/>
                 <a:cs typeface="Arial" charset="0"/>
@@ -9434,7 +9314,7 @@
               <a:t>Parameter/effect size</a:t>
             </a:r>
             <a:r>
-              <a:rPr lang="en-US" sz="2000" dirty="0" smtClean="0">
+              <a:rPr lang="en-US" sz="2000" dirty="0">
                 <a:latin typeface="Helvetica" charset="0"/>
                 <a:ea typeface="Times New Roman" charset="0"/>
                 <a:cs typeface="Arial" charset="0"/>
@@ -9454,21 +9334,8 @@
                 <a:ea typeface="Times New Roman" charset="0"/>
                 <a:cs typeface="Arial" charset="0"/>
               </a:rPr>
-              <a:t> </a:t>
-            </a:r>
-            <a:r>
-              <a:rPr lang="en-US" sz="2000" dirty="0" smtClean="0">
-                <a:latin typeface="Helvetica" charset="0"/>
-                <a:ea typeface="Times New Roman" charset="0"/>
-                <a:cs typeface="Arial" charset="0"/>
-              </a:rPr>
-              <a:t>                                   means</a:t>
-            </a:r>
-            <a:endParaRPr lang="en-US" sz="2000" dirty="0" smtClean="0">
-              <a:latin typeface="Helvetica" charset="0"/>
-              <a:ea typeface="Times New Roman" charset="0"/>
-              <a:cs typeface="Arial" charset="0"/>
-            </a:endParaRPr>
+              <a:t>                                    means</a:t>
+            </a:r>
           </a:p>
         </p:txBody>
       </p:sp>
@@ -9512,17 +9379,10 @@
   <p:clrMapOvr>
     <a:masterClrMapping/>
   </p:clrMapOvr>
-  <p:timing>
-    <p:tnLst>
-      <p:par>
-        <p:cTn xmlns:p14="http://schemas.microsoft.com/office/powerpoint/2010/main" id="1" dur="indefinite" restart="never" nodeType="tmRoot"/>
-      </p:par>
-    </p:tnLst>
-  </p:timing>
 </p:sld>
 </file>
 
-<file path=ppt/slides/slide8.xml><?xml version="1.0" encoding="utf-8"?>
+<file path=ppt/slides/slide9.xml><?xml version="1.0" encoding="utf-8"?>
 <p:sld xmlns:a="http://schemas.openxmlformats.org/drawingml/2006/main" xmlns:r="http://schemas.openxmlformats.org/officeDocument/2006/relationships" xmlns:p="http://schemas.openxmlformats.org/presentationml/2006/main">
   <p:cSld>
     <p:spTree>
@@ -9555,10 +9415,9 @@
           <a:lstStyle/>
           <a:p>
             <a:r>
-              <a:rPr lang="en-US" dirty="0" smtClean="0"/>
+              <a:rPr lang="en-US" dirty="0"/>
               <a:t>How do I choose which statistical test to use?</a:t>
             </a:r>
-            <a:endParaRPr lang="en-US" dirty="0"/>
           </a:p>
         </p:txBody>
       </p:sp>
@@ -9719,18 +9578,13 @@
               </a:spcAft>
             </a:pPr>
             <a:r>
-              <a:rPr lang="en-US" sz="2400" u="sng" dirty="0" smtClean="0">
+              <a:rPr lang="en-US" sz="2400" u="sng" dirty="0">
                 <a:latin typeface="Helvetica" charset="0"/>
                 <a:ea typeface="Times New Roman" charset="0"/>
                 <a:cs typeface="Arial" charset="0"/>
               </a:rPr>
               <a:t>Response variable</a:t>
             </a:r>
-            <a:endParaRPr lang="en-US" sz="2400" u="sng" dirty="0" smtClean="0">
-              <a:latin typeface="Helvetica" charset="0"/>
-              <a:ea typeface="Times New Roman" charset="0"/>
-              <a:cs typeface="Arial" charset="0"/>
-            </a:endParaRPr>
           </a:p>
         </p:txBody>
       </p:sp>
@@ -9765,18 +9619,13 @@
               </a:spcAft>
             </a:pPr>
             <a:r>
-              <a:rPr lang="en-US" sz="2400" u="sng" dirty="0" smtClean="0">
+              <a:rPr lang="en-US" sz="2400" u="sng" dirty="0">
                 <a:latin typeface="Helvetica" charset="0"/>
                 <a:ea typeface="Times New Roman" charset="0"/>
                 <a:cs typeface="Arial" charset="0"/>
               </a:rPr>
               <a:t>Predictor variable</a:t>
             </a:r>
-            <a:endParaRPr lang="en-US" sz="2400" u="sng" dirty="0" smtClean="0">
-              <a:latin typeface="Helvetica" charset="0"/>
-              <a:ea typeface="Times New Roman" charset="0"/>
-              <a:cs typeface="Arial" charset="0"/>
-            </a:endParaRPr>
           </a:p>
         </p:txBody>
       </p:sp>
@@ -9811,18 +9660,13 @@
               </a:spcAft>
             </a:pPr>
             <a:r>
-              <a:rPr lang="en-US" sz="2000" dirty="0" smtClean="0">
+              <a:rPr lang="en-US" sz="2000" dirty="0">
                 <a:latin typeface="Helvetica" charset="0"/>
                 <a:ea typeface="Times New Roman" charset="0"/>
                 <a:cs typeface="Arial" charset="0"/>
               </a:rPr>
               <a:t>Continuous</a:t>
             </a:r>
-            <a:endParaRPr lang="en-US" sz="2000" dirty="0" smtClean="0">
-              <a:latin typeface="Helvetica" charset="0"/>
-              <a:ea typeface="Times New Roman" charset="0"/>
-              <a:cs typeface="Arial" charset="0"/>
-            </a:endParaRPr>
           </a:p>
         </p:txBody>
       </p:sp>
@@ -9857,18 +9701,13 @@
               </a:spcAft>
             </a:pPr>
             <a:r>
-              <a:rPr lang="en-US" sz="2000" dirty="0" smtClean="0">
+              <a:rPr lang="en-US" sz="2000" dirty="0">
                 <a:latin typeface="Helvetica" charset="0"/>
                 <a:ea typeface="Times New Roman" charset="0"/>
                 <a:cs typeface="Arial" charset="0"/>
               </a:rPr>
               <a:t>Continuous</a:t>
             </a:r>
-            <a:endParaRPr lang="en-US" sz="2000" dirty="0" smtClean="0">
-              <a:latin typeface="Helvetica" charset="0"/>
-              <a:ea typeface="Times New Roman" charset="0"/>
-              <a:cs typeface="Arial" charset="0"/>
-            </a:endParaRPr>
           </a:p>
         </p:txBody>
       </p:sp>
@@ -9903,18 +9742,13 @@
               </a:spcAft>
             </a:pPr>
             <a:r>
-              <a:rPr lang="en-US" sz="2000" dirty="0" smtClean="0">
+              <a:rPr lang="en-US" sz="2000" dirty="0">
                 <a:latin typeface="Helvetica" charset="0"/>
                 <a:ea typeface="Times New Roman" charset="0"/>
                 <a:cs typeface="Arial" charset="0"/>
               </a:rPr>
               <a:t>Categorical</a:t>
             </a:r>
-            <a:endParaRPr lang="en-US" sz="2000" dirty="0" smtClean="0">
-              <a:latin typeface="Helvetica" charset="0"/>
-              <a:ea typeface="Times New Roman" charset="0"/>
-              <a:cs typeface="Arial" charset="0"/>
-            </a:endParaRPr>
           </a:p>
         </p:txBody>
       </p:sp>
@@ -9949,18 +9783,13 @@
               </a:spcAft>
             </a:pPr>
             <a:r>
-              <a:rPr lang="en-US" sz="2000" dirty="0" smtClean="0">
+              <a:rPr lang="en-US" sz="2000" dirty="0">
                 <a:latin typeface="Helvetica" charset="0"/>
                 <a:ea typeface="Times New Roman" charset="0"/>
                 <a:cs typeface="Arial" charset="0"/>
               </a:rPr>
               <a:t>Categorical</a:t>
             </a:r>
-            <a:endParaRPr lang="en-US" sz="2000" dirty="0" smtClean="0">
-              <a:latin typeface="Helvetica" charset="0"/>
-              <a:ea typeface="Times New Roman" charset="0"/>
-              <a:cs typeface="Arial" charset="0"/>
-            </a:endParaRPr>
           </a:p>
         </p:txBody>
       </p:sp>
@@ -10055,7 +9884,7 @@
               </a:spcAft>
             </a:pPr>
             <a:r>
-              <a:rPr lang="en-US" sz="2400" dirty="0" smtClean="0">
+              <a:rPr lang="en-US" sz="2400" dirty="0">
                 <a:solidFill>
                   <a:srgbClr val="FF0000"/>
                 </a:solidFill>
@@ -10065,14 +9894,6 @@
               </a:rPr>
               <a:t>X</a:t>
             </a:r>
-            <a:endParaRPr lang="en-US" sz="2400" dirty="0" smtClean="0">
-              <a:solidFill>
-                <a:srgbClr val="FF0000"/>
-              </a:solidFill>
-              <a:latin typeface="Helvetica" charset="0"/>
-              <a:ea typeface="Times New Roman" charset="0"/>
-              <a:cs typeface="Arial" charset="0"/>
-            </a:endParaRPr>
           </a:p>
         </p:txBody>
       </p:sp>
@@ -10107,7 +9928,7 @@
               </a:spcAft>
             </a:pPr>
             <a:r>
-              <a:rPr lang="en-US" sz="2400" b="1" dirty="0" smtClean="0">
+              <a:rPr lang="en-US" sz="2400" b="1" dirty="0">
                 <a:solidFill>
                   <a:srgbClr val="FF0000"/>
                 </a:solidFill>
@@ -10117,14 +9938,6 @@
               </a:rPr>
               <a:t>X</a:t>
             </a:r>
-            <a:endParaRPr lang="en-US" sz="2400" b="1" dirty="0" smtClean="0">
-              <a:solidFill>
-                <a:srgbClr val="FF0000"/>
-              </a:solidFill>
-              <a:latin typeface="Helvetica" charset="0"/>
-              <a:ea typeface="Times New Roman" charset="0"/>
-              <a:cs typeface="Arial" charset="0"/>
-            </a:endParaRPr>
           </a:p>
         </p:txBody>
       </p:sp>
@@ -10138,212 +9951,6 @@
   <p:clrMapOvr>
     <a:masterClrMapping/>
   </p:clrMapOvr>
-  <p:timing>
-    <p:tnLst>
-      <p:par>
-        <p:cTn xmlns:p14="http://schemas.microsoft.com/office/powerpoint/2010/main" id="1" dur="indefinite" restart="never" nodeType="tmRoot"/>
-      </p:par>
-    </p:tnLst>
-  </p:timing>
-</p:sld>
-</file>
-
-<file path=ppt/slides/slide9.xml><?xml version="1.0" encoding="utf-8"?>
-<p:sld xmlns:a="http://schemas.openxmlformats.org/drawingml/2006/main" xmlns:r="http://schemas.openxmlformats.org/officeDocument/2006/relationships" xmlns:p="http://schemas.openxmlformats.org/presentationml/2006/main">
-  <p:cSld>
-    <p:spTree>
-      <p:nvGrpSpPr>
-        <p:cNvPr id="1" name=""/>
-        <p:cNvGrpSpPr/>
-        <p:nvPr/>
-      </p:nvGrpSpPr>
-      <p:grpSpPr>
-        <a:xfrm>
-          <a:off x="0" y="0"/>
-          <a:ext cx="0" cy="0"/>
-          <a:chOff x="0" y="0"/>
-          <a:chExt cx="0" cy="0"/>
-        </a:xfrm>
-      </p:grpSpPr>
-      <p:sp>
-        <p:nvSpPr>
-          <p:cNvPr id="3" name="Title 2"/>
-          <p:cNvSpPr>
-            <a:spLocks noGrp="1"/>
-          </p:cNvSpPr>
-          <p:nvPr>
-            <p:ph type="title"/>
-          </p:nvPr>
-        </p:nvSpPr>
-        <p:spPr/>
-        <p:txBody>
-          <a:bodyPr/>
-          <a:lstStyle/>
-          <a:p>
-            <a:r>
-              <a:rPr lang="en-US" b="1" dirty="0" err="1" smtClean="0"/>
-              <a:t>Response</a:t>
-            </a:r>
-            <a:r>
-              <a:rPr lang="en-US" dirty="0" err="1" smtClean="0"/>
-              <a:t>:Categorical</a:t>
-            </a:r>
-            <a:r>
-              <a:rPr lang="en-US" dirty="0" smtClean="0"/>
-              <a:t/>
-            </a:r>
-            <a:br>
-              <a:rPr lang="en-US" dirty="0" smtClean="0"/>
-            </a:br>
-            <a:r>
-              <a:rPr lang="en-US" b="1" dirty="0" smtClean="0"/>
-              <a:t>Predictor</a:t>
-            </a:r>
-            <a:r>
-              <a:rPr lang="en-US" dirty="0" smtClean="0"/>
-              <a:t>: Categorical</a:t>
-            </a:r>
-            <a:endParaRPr lang="en-US" dirty="0"/>
-          </a:p>
-        </p:txBody>
-      </p:sp>
-      <p:sp>
-        <p:nvSpPr>
-          <p:cNvPr id="5" name="TextBox 4"/>
-          <p:cNvSpPr txBox="1"/>
-          <p:nvPr/>
-        </p:nvSpPr>
-        <p:spPr>
-          <a:xfrm>
-            <a:off x="7363361" y="3453079"/>
-            <a:ext cx="914400" cy="914400"/>
-          </a:xfrm>
-          <a:prstGeom prst="rect">
-            <a:avLst/>
-          </a:prstGeom>
-          <a:noFill/>
-          <a:ln>
-            <a:noFill/>
-          </a:ln>
-        </p:spPr>
-        <p:txBody>
-          <a:bodyPr wrap="none" rtlCol="0" anchor="ctr" anchorCtr="0">
-            <a:noAutofit/>
-          </a:bodyPr>
-          <a:lstStyle/>
-          <a:p>
-            <a:pPr>
-              <a:spcAft>
-                <a:spcPts val="600"/>
-              </a:spcAft>
-            </a:pPr>
-            <a:r>
-              <a:rPr lang="en-US" sz="2000" dirty="0" smtClean="0">
-                <a:latin typeface="Helvetica" charset="0"/>
-                <a:ea typeface="Times New Roman" charset="0"/>
-                <a:cs typeface="Arial" charset="0"/>
-              </a:rPr>
-              <a:t>Fisher’s test, </a:t>
-            </a:r>
-            <a:r>
-              <a:rPr lang="en-US" sz="2000" dirty="0" err="1" smtClean="0">
-                <a:latin typeface="Helvetica" charset="0"/>
-                <a:ea typeface="Times New Roman" charset="0"/>
-                <a:cs typeface="Arial" charset="0"/>
-              </a:rPr>
-              <a:t>Chiq</a:t>
-            </a:r>
-            <a:r>
-              <a:rPr lang="en-US" sz="2000" dirty="0" smtClean="0">
-                <a:latin typeface="Helvetica" charset="0"/>
-                <a:ea typeface="Times New Roman" charset="0"/>
-                <a:cs typeface="Arial" charset="0"/>
-              </a:rPr>
-              <a:t>-square test, 2x2 tables</a:t>
-            </a:r>
-            <a:endParaRPr lang="en-US" sz="2000" dirty="0" smtClean="0">
-              <a:latin typeface="Helvetica" charset="0"/>
-              <a:ea typeface="Times New Roman" charset="0"/>
-              <a:cs typeface="Arial" charset="0"/>
-            </a:endParaRPr>
-          </a:p>
-          <a:p>
-            <a:pPr>
-              <a:spcAft>
-                <a:spcPts val="600"/>
-              </a:spcAft>
-            </a:pPr>
-            <a:r>
-              <a:rPr lang="en-US" sz="2000" i="1" dirty="0" smtClean="0">
-                <a:latin typeface="Helvetica" charset="0"/>
-                <a:ea typeface="Times New Roman" charset="0"/>
-                <a:cs typeface="Arial" charset="0"/>
-              </a:rPr>
-              <a:t>Parameter/effect size</a:t>
-            </a:r>
-            <a:r>
-              <a:rPr lang="en-US" sz="2000" dirty="0" smtClean="0">
-                <a:latin typeface="Helvetica" charset="0"/>
-                <a:ea typeface="Times New Roman" charset="0"/>
-                <a:cs typeface="Arial" charset="0"/>
-              </a:rPr>
-              <a:t>: odds ratio</a:t>
-            </a:r>
-            <a:endParaRPr lang="en-US" sz="2000" dirty="0" smtClean="0">
-              <a:latin typeface="Helvetica" charset="0"/>
-              <a:ea typeface="Times New Roman" charset="0"/>
-              <a:cs typeface="Arial" charset="0"/>
-            </a:endParaRPr>
-          </a:p>
-        </p:txBody>
-      </p:sp>
-      <p:pic>
-        <p:nvPicPr>
-          <p:cNvPr id="4" name="Picture 3" descr="TwoByTwoTable.pdf"/>
-          <p:cNvPicPr>
-            <a:picLocks noChangeAspect="1"/>
-          </p:cNvPicPr>
-          <p:nvPr/>
-        </p:nvPicPr>
-        <p:blipFill>
-          <a:blip r:embed="rId2">
-            <a:extLst>
-              <a:ext uri="{28A0092B-C50C-407E-A947-70E740481C1C}">
-                <a14:useLocalDpi xmlns:a14="http://schemas.microsoft.com/office/drawing/2010/main" val="0"/>
-              </a:ext>
-            </a:extLst>
-          </a:blip>
-          <a:stretch>
-            <a:fillRect/>
-          </a:stretch>
-        </p:blipFill>
-        <p:spPr>
-          <a:xfrm>
-            <a:off x="679901" y="1868574"/>
-            <a:ext cx="6283899" cy="4630241"/>
-          </a:xfrm>
-          <a:prstGeom prst="rect">
-            <a:avLst/>
-          </a:prstGeom>
-        </p:spPr>
-      </p:pic>
-    </p:spTree>
-    <p:extLst>
-      <p:ext uri="{BB962C8B-B14F-4D97-AF65-F5344CB8AC3E}">
-        <p14:creationId xmlns:p14="http://schemas.microsoft.com/office/powerpoint/2010/main" val="743370568"/>
-      </p:ext>
-    </p:extLst>
-  </p:cSld>
-  <p:clrMapOvr>
-    <a:masterClrMapping/>
-  </p:clrMapOvr>
-  <p:timing>
-    <p:tnLst>
-      <p:par>
-        <p:cTn xmlns:p14="http://schemas.microsoft.com/office/powerpoint/2010/main" id="1" dur="indefinite" restart="never" nodeType="tmRoot"/>
-      </p:par>
-    </p:tnLst>
-  </p:timing>
 </p:sld>
 </file>
 
@@ -10630,7 +10237,7 @@
   <a:extraClrSchemeLst/>
   <a:extLst>
     <a:ext uri="{05A4C25C-085E-4340-85A3-A5531E510DB2}">
-      <thm15:themeFamily xmlns:thm15="http://schemas.microsoft.com/office/thememl/2012/main" xmlns="" name="Presentation3" id="{520861A0-039A-2D44-AB17-004FAF73F726}" vid="{04C3138C-DD1C-EC4B-885C-41923CF60C2A}"/>
+      <thm15:themeFamily xmlns:thm15="http://schemas.microsoft.com/office/thememl/2012/main" name="Presentation3" id="{520861A0-039A-2D44-AB17-004FAF73F726}" vid="{04C3138C-DD1C-EC4B-885C-41923CF60C2A}"/>
     </a:ext>
   </a:extLst>
 </a:theme>
@@ -10891,7 +10498,7 @@
   <a:extraClrSchemeLst/>
   <a:extLst>
     <a:ext uri="{05A4C25C-085E-4340-85A3-A5531E510DB2}">
-      <thm15:themeFamily xmlns:thm15="http://schemas.microsoft.com/office/thememl/2012/main" xmlns="" name="Office Theme" id="{62F939B6-93AF-4DB8-9C6B-D6C7DFDC589F}" vid="{4A3C46E8-61CC-4603-A589-7422A47A8E4A}"/>
+      <thm15:themeFamily xmlns:thm15="http://schemas.microsoft.com/office/thememl/2012/main" name="Office Theme" id="{62F939B6-93AF-4DB8-9C6B-D6C7DFDC589F}" vid="{4A3C46E8-61CC-4603-A589-7422A47A8E4A}"/>
     </a:ext>
   </a:extLst>
 </a:theme>
@@ -11152,7 +10759,7 @@
   <a:extraClrSchemeLst/>
   <a:extLst>
     <a:ext uri="{05A4C25C-085E-4340-85A3-A5531E510DB2}">
-      <thm15:themeFamily xmlns:thm15="http://schemas.microsoft.com/office/thememl/2012/main" xmlns="" name="Office Theme" id="{62F939B6-93AF-4DB8-9C6B-D6C7DFDC589F}" vid="{4A3C46E8-61CC-4603-A589-7422A47A8E4A}"/>
+      <thm15:themeFamily xmlns:thm15="http://schemas.microsoft.com/office/thememl/2012/main" name="Office Theme" id="{62F939B6-93AF-4DB8-9C6B-D6C7DFDC589F}" vid="{4A3C46E8-61CC-4603-A589-7422A47A8E4A}"/>
     </a:ext>
   </a:extLst>
 </a:theme>

--- a/hypothesis-testing/HypothesisTesting.pptx
+++ b/hypothesis-testing/HypothesisTesting.pptx
@@ -5,35 +5,52 @@
     <p:sldMasterId id="2147483756" r:id="rId1"/>
   </p:sldMasterIdLst>
   <p:notesMasterIdLst>
-    <p:notesMasterId r:id="rId25"/>
+    <p:notesMasterId r:id="rId42"/>
   </p:notesMasterIdLst>
   <p:handoutMasterIdLst>
-    <p:handoutMasterId r:id="rId26"/>
+    <p:handoutMasterId r:id="rId43"/>
   </p:handoutMasterIdLst>
   <p:sldIdLst>
     <p:sldId id="471" r:id="rId2"/>
     <p:sldId id="660" r:id="rId3"/>
-    <p:sldId id="656" r:id="rId4"/>
-    <p:sldId id="657" r:id="rId5"/>
-    <p:sldId id="637" r:id="rId6"/>
-    <p:sldId id="640" r:id="rId7"/>
-    <p:sldId id="641" r:id="rId8"/>
-    <p:sldId id="642" r:id="rId9"/>
-    <p:sldId id="643" r:id="rId10"/>
-    <p:sldId id="644" r:id="rId11"/>
-    <p:sldId id="645" r:id="rId12"/>
-    <p:sldId id="646" r:id="rId13"/>
-    <p:sldId id="647" r:id="rId14"/>
-    <p:sldId id="648" r:id="rId15"/>
-    <p:sldId id="649" r:id="rId16"/>
-    <p:sldId id="650" r:id="rId17"/>
-    <p:sldId id="651" r:id="rId18"/>
-    <p:sldId id="652" r:id="rId19"/>
-    <p:sldId id="653" r:id="rId20"/>
-    <p:sldId id="654" r:id="rId21"/>
-    <p:sldId id="655" r:id="rId22"/>
-    <p:sldId id="658" r:id="rId23"/>
-    <p:sldId id="659" r:id="rId24"/>
+    <p:sldId id="663" r:id="rId4"/>
+    <p:sldId id="656" r:id="rId5"/>
+    <p:sldId id="662" r:id="rId6"/>
+    <p:sldId id="664" r:id="rId7"/>
+    <p:sldId id="657" r:id="rId8"/>
+    <p:sldId id="666" r:id="rId9"/>
+    <p:sldId id="661" r:id="rId10"/>
+    <p:sldId id="667" r:id="rId11"/>
+    <p:sldId id="637" r:id="rId12"/>
+    <p:sldId id="640" r:id="rId13"/>
+    <p:sldId id="641" r:id="rId14"/>
+    <p:sldId id="642" r:id="rId15"/>
+    <p:sldId id="643" r:id="rId16"/>
+    <p:sldId id="644" r:id="rId17"/>
+    <p:sldId id="645" r:id="rId18"/>
+    <p:sldId id="646" r:id="rId19"/>
+    <p:sldId id="647" r:id="rId20"/>
+    <p:sldId id="668" r:id="rId21"/>
+    <p:sldId id="648" r:id="rId22"/>
+    <p:sldId id="649" r:id="rId23"/>
+    <p:sldId id="650" r:id="rId24"/>
+    <p:sldId id="651" r:id="rId25"/>
+    <p:sldId id="652" r:id="rId26"/>
+    <p:sldId id="653" r:id="rId27"/>
+    <p:sldId id="654" r:id="rId28"/>
+    <p:sldId id="655" r:id="rId29"/>
+    <p:sldId id="281" r:id="rId30"/>
+    <p:sldId id="282" r:id="rId31"/>
+    <p:sldId id="671" r:id="rId32"/>
+    <p:sldId id="672" r:id="rId33"/>
+    <p:sldId id="673" r:id="rId34"/>
+    <p:sldId id="674" r:id="rId35"/>
+    <p:sldId id="675" r:id="rId36"/>
+    <p:sldId id="658" r:id="rId37"/>
+    <p:sldId id="669" r:id="rId38"/>
+    <p:sldId id="670" r:id="rId39"/>
+    <p:sldId id="665" r:id="rId40"/>
+    <p:sldId id="659" r:id="rId41"/>
   </p:sldIdLst>
   <p:sldSz cx="12192000" cy="6858000"/>
   <p:notesSz cx="6858000" cy="9144000"/>
@@ -777,6 +794,480 @@
     <p:extLst>
       <p:ext uri="{BB962C8B-B14F-4D97-AF65-F5344CB8AC3E}">
         <p14:creationId xmlns:p14="http://schemas.microsoft.com/office/powerpoint/2010/main" val="1078870895"/>
+      </p:ext>
+    </p:extLst>
+  </p:cSld>
+  <p:clrMapOvr>
+    <a:masterClrMapping/>
+  </p:clrMapOvr>
+</p:notes>
+</file>
+
+<file path=ppt/notesSlides/notesSlide2.xml><?xml version="1.0" encoding="utf-8"?>
+<p:notes xmlns:a="http://schemas.openxmlformats.org/drawingml/2006/main" xmlns:r="http://schemas.openxmlformats.org/officeDocument/2006/relationships" xmlns:p="http://schemas.openxmlformats.org/presentationml/2006/main">
+  <p:cSld>
+    <p:spTree>
+      <p:nvGrpSpPr>
+        <p:cNvPr id="1" name=""/>
+        <p:cNvGrpSpPr/>
+        <p:nvPr/>
+      </p:nvGrpSpPr>
+      <p:grpSpPr>
+        <a:xfrm>
+          <a:off x="0" y="0"/>
+          <a:ext cx="0" cy="0"/>
+          <a:chOff x="0" y="0"/>
+          <a:chExt cx="0" cy="0"/>
+        </a:xfrm>
+      </p:grpSpPr>
+      <p:sp>
+        <p:nvSpPr>
+          <p:cNvPr id="2" name="Slide Image Placeholder 1"/>
+          <p:cNvSpPr>
+            <a:spLocks noGrp="1" noRot="1" noChangeAspect="1"/>
+          </p:cNvSpPr>
+          <p:nvPr>
+            <p:ph type="sldImg"/>
+          </p:nvPr>
+        </p:nvSpPr>
+        <p:spPr/>
+      </p:sp>
+      <p:sp>
+        <p:nvSpPr>
+          <p:cNvPr id="3" name="Notes Placeholder 2"/>
+          <p:cNvSpPr>
+            <a:spLocks noGrp="1"/>
+          </p:cNvSpPr>
+          <p:nvPr>
+            <p:ph type="body" idx="1"/>
+          </p:nvPr>
+        </p:nvSpPr>
+        <p:spPr/>
+        <p:txBody>
+          <a:bodyPr/>
+          <a:lstStyle/>
+          <a:p>
+            <a:endParaRPr lang="en-US" dirty="0"/>
+          </a:p>
+        </p:txBody>
+      </p:sp>
+      <p:sp>
+        <p:nvSpPr>
+          <p:cNvPr id="4" name="Slide Number Placeholder 3"/>
+          <p:cNvSpPr>
+            <a:spLocks noGrp="1"/>
+          </p:cNvSpPr>
+          <p:nvPr>
+            <p:ph type="sldNum" sz="quarter" idx="5"/>
+          </p:nvPr>
+        </p:nvSpPr>
+        <p:spPr/>
+        <p:txBody>
+          <a:bodyPr/>
+          <a:lstStyle/>
+          <a:p>
+            <a:fld id="{39297335-E23B-0545-8DFE-98A3B1147F8C}" type="slidenum">
+              <a:rPr lang="en-US" smtClean="0"/>
+              <a:pPr/>
+              <a:t>24</a:t>
+            </a:fld>
+            <a:endParaRPr lang="en-US" dirty="0"/>
+          </a:p>
+        </p:txBody>
+      </p:sp>
+    </p:spTree>
+    <p:extLst>
+      <p:ext uri="{BB962C8B-B14F-4D97-AF65-F5344CB8AC3E}">
+        <p14:creationId xmlns:p14="http://schemas.microsoft.com/office/powerpoint/2010/main" val="3736838014"/>
+      </p:ext>
+    </p:extLst>
+  </p:cSld>
+  <p:clrMapOvr>
+    <a:masterClrMapping/>
+  </p:clrMapOvr>
+</p:notes>
+</file>
+
+<file path=ppt/notesSlides/notesSlide3.xml><?xml version="1.0" encoding="utf-8"?>
+<p:notes xmlns:a="http://schemas.openxmlformats.org/drawingml/2006/main" xmlns:r="http://schemas.openxmlformats.org/officeDocument/2006/relationships" xmlns:p="http://schemas.openxmlformats.org/presentationml/2006/main">
+  <p:cSld>
+    <p:spTree>
+      <p:nvGrpSpPr>
+        <p:cNvPr id="1" name=""/>
+        <p:cNvGrpSpPr/>
+        <p:nvPr/>
+      </p:nvGrpSpPr>
+      <p:grpSpPr>
+        <a:xfrm>
+          <a:off x="0" y="0"/>
+          <a:ext cx="0" cy="0"/>
+          <a:chOff x="0" y="0"/>
+          <a:chExt cx="0" cy="0"/>
+        </a:xfrm>
+      </p:grpSpPr>
+      <p:sp>
+        <p:nvSpPr>
+          <p:cNvPr id="2" name="Slide Image Placeholder 1"/>
+          <p:cNvSpPr>
+            <a:spLocks noGrp="1" noRot="1" noChangeAspect="1"/>
+          </p:cNvSpPr>
+          <p:nvPr>
+            <p:ph type="sldImg"/>
+          </p:nvPr>
+        </p:nvSpPr>
+        <p:spPr/>
+      </p:sp>
+      <p:sp>
+        <p:nvSpPr>
+          <p:cNvPr id="3" name="Notes Placeholder 2"/>
+          <p:cNvSpPr>
+            <a:spLocks noGrp="1"/>
+          </p:cNvSpPr>
+          <p:nvPr>
+            <p:ph type="body" idx="1"/>
+          </p:nvPr>
+        </p:nvSpPr>
+        <p:spPr/>
+        <p:txBody>
+          <a:bodyPr/>
+          <a:lstStyle/>
+          <a:p>
+            <a:r>
+              <a:rPr lang="en-US" dirty="0"/>
+              <a:t>https://</a:t>
+            </a:r>
+            <a:r>
+              <a:rPr lang="en-US" dirty="0" err="1"/>
+              <a:t>en.wikipedia.org</a:t>
+            </a:r>
+            <a:r>
+              <a:rPr lang="en-US" dirty="0"/>
+              <a:t>/wiki/Student%27s_t-distribution</a:t>
+            </a:r>
+          </a:p>
+        </p:txBody>
+      </p:sp>
+      <p:sp>
+        <p:nvSpPr>
+          <p:cNvPr id="4" name="Slide Number Placeholder 3"/>
+          <p:cNvSpPr>
+            <a:spLocks noGrp="1"/>
+          </p:cNvSpPr>
+          <p:nvPr>
+            <p:ph type="sldNum" sz="quarter" idx="5"/>
+          </p:nvPr>
+        </p:nvSpPr>
+        <p:spPr/>
+        <p:txBody>
+          <a:bodyPr/>
+          <a:lstStyle/>
+          <a:p>
+            <a:fld id="{39297335-E23B-0545-8DFE-98A3B1147F8C}" type="slidenum">
+              <a:rPr lang="en-US" smtClean="0"/>
+              <a:pPr/>
+              <a:t>30</a:t>
+            </a:fld>
+            <a:endParaRPr lang="en-US" dirty="0"/>
+          </a:p>
+        </p:txBody>
+      </p:sp>
+    </p:spTree>
+    <p:extLst>
+      <p:ext uri="{BB962C8B-B14F-4D97-AF65-F5344CB8AC3E}">
+        <p14:creationId xmlns:p14="http://schemas.microsoft.com/office/powerpoint/2010/main" val="3653662566"/>
+      </p:ext>
+    </p:extLst>
+  </p:cSld>
+  <p:clrMapOvr>
+    <a:masterClrMapping/>
+  </p:clrMapOvr>
+</p:notes>
+</file>
+
+<file path=ppt/notesSlides/notesSlide4.xml><?xml version="1.0" encoding="utf-8"?>
+<p:notes xmlns:a="http://schemas.openxmlformats.org/drawingml/2006/main" xmlns:r="http://schemas.openxmlformats.org/officeDocument/2006/relationships" xmlns:p="http://schemas.openxmlformats.org/presentationml/2006/main">
+  <p:cSld>
+    <p:spTree>
+      <p:nvGrpSpPr>
+        <p:cNvPr id="1" name=""/>
+        <p:cNvGrpSpPr/>
+        <p:nvPr/>
+      </p:nvGrpSpPr>
+      <p:grpSpPr>
+        <a:xfrm>
+          <a:off x="0" y="0"/>
+          <a:ext cx="0" cy="0"/>
+          <a:chOff x="0" y="0"/>
+          <a:chExt cx="0" cy="0"/>
+        </a:xfrm>
+      </p:grpSpPr>
+      <p:sp>
+        <p:nvSpPr>
+          <p:cNvPr id="2" name="Slide Image Placeholder 1"/>
+          <p:cNvSpPr>
+            <a:spLocks noGrp="1" noRot="1" noChangeAspect="1"/>
+          </p:cNvSpPr>
+          <p:nvPr>
+            <p:ph type="sldImg"/>
+          </p:nvPr>
+        </p:nvSpPr>
+        <p:spPr/>
+      </p:sp>
+      <p:sp>
+        <p:nvSpPr>
+          <p:cNvPr id="3" name="Notes Placeholder 2"/>
+          <p:cNvSpPr>
+            <a:spLocks noGrp="1"/>
+          </p:cNvSpPr>
+          <p:nvPr>
+            <p:ph type="body" idx="1"/>
+          </p:nvPr>
+        </p:nvSpPr>
+        <p:spPr/>
+        <p:txBody>
+          <a:bodyPr/>
+          <a:lstStyle/>
+          <a:p>
+            <a:r>
+              <a:rPr lang="en-US" dirty="0"/>
+              <a:t>http://</a:t>
+            </a:r>
+            <a:r>
+              <a:rPr lang="en-US" dirty="0" err="1"/>
+              <a:t>www.real-statistics.com</a:t>
+            </a:r>
+            <a:r>
+              <a:rPr lang="en-US" dirty="0"/>
+              <a:t>/statistics-tables/</a:t>
+            </a:r>
+            <a:r>
+              <a:rPr lang="en-US" dirty="0" err="1"/>
+              <a:t>mann</a:t>
+            </a:r>
+            <a:r>
+              <a:rPr lang="en-US" dirty="0"/>
+              <a:t>-</a:t>
+            </a:r>
+            <a:r>
+              <a:rPr lang="en-US" dirty="0" err="1"/>
+              <a:t>whitney</a:t>
+            </a:r>
+            <a:r>
+              <a:rPr lang="en-US" dirty="0"/>
+              <a:t>-table/</a:t>
+            </a:r>
+          </a:p>
+        </p:txBody>
+      </p:sp>
+      <p:sp>
+        <p:nvSpPr>
+          <p:cNvPr id="4" name="Slide Number Placeholder 3"/>
+          <p:cNvSpPr>
+            <a:spLocks noGrp="1"/>
+          </p:cNvSpPr>
+          <p:nvPr>
+            <p:ph type="sldNum" sz="quarter" idx="5"/>
+          </p:nvPr>
+        </p:nvSpPr>
+        <p:spPr/>
+        <p:txBody>
+          <a:bodyPr/>
+          <a:lstStyle/>
+          <a:p>
+            <a:fld id="{39297335-E23B-0545-8DFE-98A3B1147F8C}" type="slidenum">
+              <a:rPr lang="en-US" smtClean="0"/>
+              <a:pPr/>
+              <a:t>32</a:t>
+            </a:fld>
+            <a:endParaRPr lang="en-US" dirty="0"/>
+          </a:p>
+        </p:txBody>
+      </p:sp>
+    </p:spTree>
+    <p:extLst>
+      <p:ext uri="{BB962C8B-B14F-4D97-AF65-F5344CB8AC3E}">
+        <p14:creationId xmlns:p14="http://schemas.microsoft.com/office/powerpoint/2010/main" val="431951085"/>
+      </p:ext>
+    </p:extLst>
+  </p:cSld>
+  <p:clrMapOvr>
+    <a:masterClrMapping/>
+  </p:clrMapOvr>
+</p:notes>
+</file>
+
+<file path=ppt/notesSlides/notesSlide5.xml><?xml version="1.0" encoding="utf-8"?>
+<p:notes xmlns:a="http://schemas.openxmlformats.org/drawingml/2006/main" xmlns:r="http://schemas.openxmlformats.org/officeDocument/2006/relationships" xmlns:p="http://schemas.openxmlformats.org/presentationml/2006/main">
+  <p:cSld>
+    <p:spTree>
+      <p:nvGrpSpPr>
+        <p:cNvPr id="1" name=""/>
+        <p:cNvGrpSpPr/>
+        <p:nvPr/>
+      </p:nvGrpSpPr>
+      <p:grpSpPr>
+        <a:xfrm>
+          <a:off x="0" y="0"/>
+          <a:ext cx="0" cy="0"/>
+          <a:chOff x="0" y="0"/>
+          <a:chExt cx="0" cy="0"/>
+        </a:xfrm>
+      </p:grpSpPr>
+      <p:sp>
+        <p:nvSpPr>
+          <p:cNvPr id="2" name="Slide Image Placeholder 1"/>
+          <p:cNvSpPr>
+            <a:spLocks noGrp="1" noRot="1" noChangeAspect="1"/>
+          </p:cNvSpPr>
+          <p:nvPr>
+            <p:ph type="sldImg"/>
+          </p:nvPr>
+        </p:nvSpPr>
+        <p:spPr/>
+      </p:sp>
+      <p:sp>
+        <p:nvSpPr>
+          <p:cNvPr id="3" name="Notes Placeholder 2"/>
+          <p:cNvSpPr>
+            <a:spLocks noGrp="1"/>
+          </p:cNvSpPr>
+          <p:nvPr>
+            <p:ph type="body" idx="1"/>
+          </p:nvPr>
+        </p:nvSpPr>
+        <p:spPr/>
+        <p:txBody>
+          <a:bodyPr/>
+          <a:lstStyle/>
+          <a:p>
+            <a:r>
+              <a:rPr lang="en-US" dirty="0"/>
+              <a:t>https://</a:t>
+            </a:r>
+            <a:r>
+              <a:rPr lang="en-US" dirty="0" err="1"/>
+              <a:t>en.wikipedia.org</a:t>
+            </a:r>
+            <a:r>
+              <a:rPr lang="en-US" dirty="0"/>
+              <a:t>/wiki/F-distribution</a:t>
+            </a:r>
+          </a:p>
+        </p:txBody>
+      </p:sp>
+      <p:sp>
+        <p:nvSpPr>
+          <p:cNvPr id="4" name="Slide Number Placeholder 3"/>
+          <p:cNvSpPr>
+            <a:spLocks noGrp="1"/>
+          </p:cNvSpPr>
+          <p:nvPr>
+            <p:ph type="sldNum" sz="quarter" idx="5"/>
+          </p:nvPr>
+        </p:nvSpPr>
+        <p:spPr/>
+        <p:txBody>
+          <a:bodyPr/>
+          <a:lstStyle/>
+          <a:p>
+            <a:fld id="{39297335-E23B-0545-8DFE-98A3B1147F8C}" type="slidenum">
+              <a:rPr lang="en-US" smtClean="0"/>
+              <a:pPr/>
+              <a:t>34</a:t>
+            </a:fld>
+            <a:endParaRPr lang="en-US" dirty="0"/>
+          </a:p>
+        </p:txBody>
+      </p:sp>
+    </p:spTree>
+    <p:extLst>
+      <p:ext uri="{BB962C8B-B14F-4D97-AF65-F5344CB8AC3E}">
+        <p14:creationId xmlns:p14="http://schemas.microsoft.com/office/powerpoint/2010/main" val="4088668485"/>
+      </p:ext>
+    </p:extLst>
+  </p:cSld>
+  <p:clrMapOvr>
+    <a:masterClrMapping/>
+  </p:clrMapOvr>
+</p:notes>
+</file>
+
+<file path=ppt/notesSlides/notesSlide6.xml><?xml version="1.0" encoding="utf-8"?>
+<p:notes xmlns:a="http://schemas.openxmlformats.org/drawingml/2006/main" xmlns:r="http://schemas.openxmlformats.org/officeDocument/2006/relationships" xmlns:p="http://schemas.openxmlformats.org/presentationml/2006/main">
+  <p:cSld>
+    <p:spTree>
+      <p:nvGrpSpPr>
+        <p:cNvPr id="1" name=""/>
+        <p:cNvGrpSpPr/>
+        <p:nvPr/>
+      </p:nvGrpSpPr>
+      <p:grpSpPr>
+        <a:xfrm>
+          <a:off x="0" y="0"/>
+          <a:ext cx="0" cy="0"/>
+          <a:chOff x="0" y="0"/>
+          <a:chExt cx="0" cy="0"/>
+        </a:xfrm>
+      </p:grpSpPr>
+      <p:sp>
+        <p:nvSpPr>
+          <p:cNvPr id="2" name="Slide Image Placeholder 1"/>
+          <p:cNvSpPr>
+            <a:spLocks noGrp="1" noRot="1" noChangeAspect="1"/>
+          </p:cNvSpPr>
+          <p:nvPr>
+            <p:ph type="sldImg"/>
+          </p:nvPr>
+        </p:nvSpPr>
+        <p:spPr/>
+      </p:sp>
+      <p:sp>
+        <p:nvSpPr>
+          <p:cNvPr id="3" name="Notes Placeholder 2"/>
+          <p:cNvSpPr>
+            <a:spLocks noGrp="1"/>
+          </p:cNvSpPr>
+          <p:nvPr>
+            <p:ph type="body" idx="1"/>
+          </p:nvPr>
+        </p:nvSpPr>
+        <p:spPr/>
+        <p:txBody>
+          <a:bodyPr/>
+          <a:lstStyle/>
+          <a:p>
+            <a:endParaRPr lang="en-US" dirty="0"/>
+          </a:p>
+        </p:txBody>
+      </p:sp>
+      <p:sp>
+        <p:nvSpPr>
+          <p:cNvPr id="4" name="Slide Number Placeholder 3"/>
+          <p:cNvSpPr>
+            <a:spLocks noGrp="1"/>
+          </p:cNvSpPr>
+          <p:nvPr>
+            <p:ph type="sldNum" sz="quarter" idx="5"/>
+          </p:nvPr>
+        </p:nvSpPr>
+        <p:spPr/>
+        <p:txBody>
+          <a:bodyPr/>
+          <a:lstStyle/>
+          <a:p>
+            <a:fld id="{39297335-E23B-0545-8DFE-98A3B1147F8C}" type="slidenum">
+              <a:rPr lang="en-US" smtClean="0"/>
+              <a:pPr/>
+              <a:t>38</a:t>
+            </a:fld>
+            <a:endParaRPr lang="en-US" dirty="0"/>
+          </a:p>
+        </p:txBody>
+      </p:sp>
+    </p:spTree>
+    <p:extLst>
+      <p:ext uri="{BB962C8B-B14F-4D97-AF65-F5344CB8AC3E}">
+        <p14:creationId xmlns:p14="http://schemas.microsoft.com/office/powerpoint/2010/main" val="420261667"/>
       </p:ext>
     </p:extLst>
   </p:cSld>
@@ -4477,155 +4968,93 @@
       </p:grpSpPr>
       <p:sp>
         <p:nvSpPr>
-          <p:cNvPr id="3" name="Title 2"/>
+          <p:cNvPr id="2" name="Text Placeholder 1">
+            <a:extLst>
+              <a:ext uri="{FF2B5EF4-FFF2-40B4-BE49-F238E27FC236}">
+                <a16:creationId xmlns:a16="http://schemas.microsoft.com/office/drawing/2014/main" id="{A3EEA15B-B3DC-994C-99E3-5270E778154F}"/>
+              </a:ext>
+            </a:extLst>
+          </p:cNvPr>
           <p:cNvSpPr>
             <a:spLocks noGrp="1"/>
           </p:cNvSpPr>
           <p:nvPr>
-            <p:ph type="title"/>
-          </p:nvPr>
-        </p:nvSpPr>
-        <p:spPr/>
+            <p:ph type="body" sz="quarter" idx="10"/>
+          </p:nvPr>
+        </p:nvSpPr>
+        <p:spPr>
+          <a:xfrm>
+            <a:off x="838200" y="1876483"/>
+            <a:ext cx="10515600" cy="2451953"/>
+          </a:xfrm>
+        </p:spPr>
         <p:txBody>
           <a:bodyPr/>
           <a:lstStyle/>
           <a:p>
             <a:r>
-              <a:rPr lang="en-US" b="1" dirty="0" err="1"/>
-              <a:t>Response</a:t>
-            </a:r>
-            <a:r>
-              <a:rPr lang="en-US" dirty="0" err="1"/>
-              <a:t>:Categorical</a:t>
-            </a:r>
-            <a:br>
               <a:rPr lang="en-US" dirty="0"/>
-            </a:br>
+              <a:t>Introduction to hypothesis testing</a:t>
+            </a:r>
+          </a:p>
+          <a:p>
+            <a:r>
+              <a:rPr lang="en-US" dirty="0"/>
+              <a:t>Define variables</a:t>
+            </a:r>
+          </a:p>
+          <a:p>
             <a:r>
               <a:rPr lang="en-US" b="1" dirty="0"/>
-              <a:t>Predictor</a:t>
-            </a:r>
+              <a:t>Choosing the right test</a:t>
+            </a:r>
+          </a:p>
+          <a:p>
             <a:r>
               <a:rPr lang="en-US" dirty="0"/>
-              <a:t>: Categorical</a:t>
-            </a:r>
-          </a:p>
-        </p:txBody>
-      </p:sp>
-      <p:sp>
-        <p:nvSpPr>
-          <p:cNvPr id="5" name="TextBox 4"/>
-          <p:cNvSpPr txBox="1"/>
-          <p:nvPr/>
-        </p:nvSpPr>
-        <p:spPr>
-          <a:xfrm>
-            <a:off x="7363361" y="3453079"/>
-            <a:ext cx="914400" cy="914400"/>
-          </a:xfrm>
-          <a:prstGeom prst="rect">
-            <a:avLst/>
-          </a:prstGeom>
-          <a:noFill/>
-          <a:ln>
-            <a:noFill/>
-          </a:ln>
-        </p:spPr>
-        <p:txBody>
-          <a:bodyPr wrap="none" rtlCol="0" anchor="ctr" anchorCtr="0">
-            <a:noAutofit/>
-          </a:bodyPr>
-          <a:lstStyle/>
-          <a:p>
-            <a:pPr>
-              <a:spcAft>
-                <a:spcPts val="600"/>
-              </a:spcAft>
-            </a:pPr>
-            <a:r>
-              <a:rPr lang="en-US" sz="2000" dirty="0">
-                <a:latin typeface="Helvetica" charset="0"/>
-                <a:ea typeface="Times New Roman" charset="0"/>
-                <a:cs typeface="Arial" charset="0"/>
-              </a:rPr>
-              <a:t>Fisher’s test, </a:t>
-            </a:r>
-            <a:r>
-              <a:rPr lang="en-US" sz="2000" dirty="0" err="1">
-                <a:latin typeface="Helvetica" charset="0"/>
-                <a:ea typeface="Times New Roman" charset="0"/>
-                <a:cs typeface="Arial" charset="0"/>
-              </a:rPr>
-              <a:t>Chiq</a:t>
-            </a:r>
-            <a:r>
-              <a:rPr lang="en-US" sz="2000" dirty="0">
-                <a:latin typeface="Helvetica" charset="0"/>
-                <a:ea typeface="Times New Roman" charset="0"/>
-                <a:cs typeface="Arial" charset="0"/>
-              </a:rPr>
-              <a:t>-square test, 2x2 tables</a:t>
-            </a:r>
-          </a:p>
-          <a:p>
-            <a:pPr>
-              <a:spcAft>
-                <a:spcPts val="600"/>
-              </a:spcAft>
-            </a:pPr>
-            <a:r>
-              <a:rPr lang="en-US" sz="2000" i="1" dirty="0">
-                <a:latin typeface="Helvetica" charset="0"/>
-                <a:ea typeface="Times New Roman" charset="0"/>
-                <a:cs typeface="Arial" charset="0"/>
-              </a:rPr>
-              <a:t>Parameter/effect size</a:t>
-            </a:r>
-            <a:r>
-              <a:rPr lang="en-US" sz="2000" dirty="0">
-                <a:latin typeface="Helvetica" charset="0"/>
-                <a:ea typeface="Times New Roman" charset="0"/>
-                <a:cs typeface="Arial" charset="0"/>
-              </a:rPr>
-              <a:t>: odds ratio</a:t>
-            </a:r>
-          </a:p>
-        </p:txBody>
-      </p:sp>
-      <p:pic>
-        <p:nvPicPr>
-          <p:cNvPr id="4" name="Picture 3" descr="TwoByTwoTable.pdf"/>
-          <p:cNvPicPr>
-            <a:picLocks noChangeAspect="1"/>
-          </p:cNvPicPr>
-          <p:nvPr/>
-        </p:nvPicPr>
-        <p:blipFill>
-          <a:blip r:embed="rId2">
+              <a:t>Basic concepts in hypothesis testing</a:t>
+            </a:r>
+          </a:p>
+          <a:p>
+            <a:r>
+              <a:rPr lang="en-US" dirty="0"/>
+              <a:t>Hands-on</a:t>
+            </a:r>
+          </a:p>
+        </p:txBody>
+      </p:sp>
+      <p:sp>
+        <p:nvSpPr>
+          <p:cNvPr id="3" name="Title 2">
             <a:extLst>
-              <a:ext uri="{28A0092B-C50C-407E-A947-70E740481C1C}">
-                <a14:useLocalDpi xmlns:a14="http://schemas.microsoft.com/office/drawing/2010/main" val="0"/>
+              <a:ext uri="{FF2B5EF4-FFF2-40B4-BE49-F238E27FC236}">
+                <a16:creationId xmlns:a16="http://schemas.microsoft.com/office/drawing/2014/main" id="{81700280-AF15-F343-9638-52E16E9A2149}"/>
               </a:ext>
             </a:extLst>
-          </a:blip>
-          <a:stretch>
-            <a:fillRect/>
-          </a:stretch>
-        </p:blipFill>
-        <p:spPr>
-          <a:xfrm>
-            <a:off x="679901" y="1868574"/>
-            <a:ext cx="6283899" cy="4630241"/>
-          </a:xfrm>
-          <a:prstGeom prst="rect">
-            <a:avLst/>
-          </a:prstGeom>
-        </p:spPr>
-      </p:pic>
+          </p:cNvPr>
+          <p:cNvSpPr>
+            <a:spLocks noGrp="1"/>
+          </p:cNvSpPr>
+          <p:nvPr>
+            <p:ph type="title"/>
+          </p:nvPr>
+        </p:nvSpPr>
+        <p:spPr/>
+        <p:txBody>
+          <a:bodyPr/>
+          <a:lstStyle/>
+          <a:p>
+            <a:r>
+              <a:rPr lang="en-US" dirty="0"/>
+              <a:t>Outline</a:t>
+            </a:r>
+          </a:p>
+        </p:txBody>
+      </p:sp>
     </p:spTree>
     <p:extLst>
       <p:ext uri="{BB962C8B-B14F-4D97-AF65-F5344CB8AC3E}">
-        <p14:creationId xmlns:p14="http://schemas.microsoft.com/office/powerpoint/2010/main" val="743370568"/>
+        <p14:creationId xmlns:p14="http://schemas.microsoft.com/office/powerpoint/2010/main" val="501333745"/>
       </p:ext>
     </p:extLst>
   </p:cSld>
@@ -5041,110 +5470,20 @@
                 <a:ea typeface="Times New Roman" charset="0"/>
                 <a:cs typeface="Arial" charset="0"/>
               </a:rPr>
-              <a:t>Categorical</a:t>
-            </a:r>
-          </a:p>
-        </p:txBody>
-      </p:sp>
-      <p:pic>
-        <p:nvPicPr>
-          <p:cNvPr id="15" name="Picture 14" descr="LinearRegression.pdf"/>
-          <p:cNvPicPr>
-            <a:picLocks noChangeAspect="1"/>
-          </p:cNvPicPr>
-          <p:nvPr/>
-        </p:nvPicPr>
-        <p:blipFill>
-          <a:blip r:embed="rId2">
-            <a:extLst>
-              <a:ext uri="{28A0092B-C50C-407E-A947-70E740481C1C}">
-                <a14:useLocalDpi xmlns:a14="http://schemas.microsoft.com/office/drawing/2010/main" val="0"/>
-              </a:ext>
-            </a:extLst>
-          </a:blip>
-          <a:stretch>
-            <a:fillRect/>
-          </a:stretch>
-        </p:blipFill>
-        <p:spPr>
-          <a:xfrm>
-            <a:off x="3576728" y="4357370"/>
-            <a:ext cx="1929234" cy="1421541"/>
-          </a:xfrm>
-          <a:prstGeom prst="rect">
-            <a:avLst/>
-          </a:prstGeom>
-        </p:spPr>
-      </p:pic>
-      <p:pic>
-        <p:nvPicPr>
-          <p:cNvPr id="19" name="Picture 18" descr="BoxPlotChickenFeed.pdf"/>
-          <p:cNvPicPr>
-            <a:picLocks noChangeAspect="1"/>
-          </p:cNvPicPr>
-          <p:nvPr/>
-        </p:nvPicPr>
-        <p:blipFill>
-          <a:blip r:embed="rId3">
-            <a:extLst>
-              <a:ext uri="{28A0092B-C50C-407E-A947-70E740481C1C}">
-                <a14:useLocalDpi xmlns:a14="http://schemas.microsoft.com/office/drawing/2010/main" val="0"/>
-              </a:ext>
-            </a:extLst>
-          </a:blip>
-          <a:stretch>
-            <a:fillRect/>
-          </a:stretch>
-        </p:blipFill>
-        <p:spPr>
-          <a:xfrm>
-            <a:off x="5888480" y="4357370"/>
-            <a:ext cx="2534729" cy="1527723"/>
-          </a:xfrm>
-          <a:prstGeom prst="rect">
-            <a:avLst/>
-          </a:prstGeom>
-        </p:spPr>
-      </p:pic>
-      <p:pic>
-        <p:nvPicPr>
-          <p:cNvPr id="20" name="Picture 19" descr="TwoByTwoTable.pdf"/>
-          <p:cNvPicPr>
-            <a:picLocks noChangeAspect="1"/>
-          </p:cNvPicPr>
-          <p:nvPr/>
-        </p:nvPicPr>
-        <p:blipFill>
-          <a:blip r:embed="rId4">
-            <a:extLst>
-              <a:ext uri="{28A0092B-C50C-407E-A947-70E740481C1C}">
-                <a14:useLocalDpi xmlns:a14="http://schemas.microsoft.com/office/drawing/2010/main" val="0"/>
-              </a:ext>
-            </a:extLst>
-          </a:blip>
-          <a:stretch>
-            <a:fillRect/>
-          </a:stretch>
-        </p:blipFill>
-        <p:spPr>
-          <a:xfrm>
-            <a:off x="5890814" y="2143592"/>
-            <a:ext cx="2532395" cy="1865975"/>
-          </a:xfrm>
-          <a:prstGeom prst="rect">
-            <a:avLst/>
-          </a:prstGeom>
-        </p:spPr>
-      </p:pic>
-      <p:sp>
-        <p:nvSpPr>
-          <p:cNvPr id="21" name="TextBox 20"/>
+              <a:t>Categorical/Factor</a:t>
+            </a:r>
+          </a:p>
+        </p:txBody>
+      </p:sp>
+      <p:sp>
+        <p:nvSpPr>
+          <p:cNvPr id="19" name="TextBox 18"/>
           <p:cNvSpPr txBox="1"/>
           <p:nvPr/>
         </p:nvSpPr>
         <p:spPr>
           <a:xfrm>
-            <a:off x="4210231" y="2807011"/>
+            <a:off x="4066973" y="4632840"/>
             <a:ext cx="914400" cy="914400"/>
           </a:xfrm>
           <a:prstGeom prst="rect">
@@ -5180,10 +5519,142 @@
           </a:p>
         </p:txBody>
       </p:sp>
+      <p:sp>
+        <p:nvSpPr>
+          <p:cNvPr id="20" name="TextBox 19"/>
+          <p:cNvSpPr txBox="1"/>
+          <p:nvPr/>
+        </p:nvSpPr>
+        <p:spPr>
+          <a:xfrm>
+            <a:off x="6274265" y="4643143"/>
+            <a:ext cx="914400" cy="914400"/>
+          </a:xfrm>
+          <a:prstGeom prst="rect">
+            <a:avLst/>
+          </a:prstGeom>
+          <a:noFill/>
+          <a:ln>
+            <a:noFill/>
+          </a:ln>
+        </p:spPr>
+        <p:txBody>
+          <a:bodyPr wrap="none" rtlCol="0" anchor="ctr" anchorCtr="0">
+            <a:noAutofit/>
+          </a:bodyPr>
+          <a:lstStyle/>
+          <a:p>
+            <a:pPr>
+              <a:spcAft>
+                <a:spcPts val="600"/>
+              </a:spcAft>
+            </a:pPr>
+            <a:r>
+              <a:rPr lang="en-US" sz="2400" dirty="0">
+                <a:solidFill>
+                  <a:srgbClr val="FF0000"/>
+                </a:solidFill>
+                <a:latin typeface="Helvetica" charset="0"/>
+                <a:ea typeface="Times New Roman" charset="0"/>
+                <a:cs typeface="Arial" charset="0"/>
+              </a:rPr>
+              <a:t>X</a:t>
+            </a:r>
+          </a:p>
+        </p:txBody>
+      </p:sp>
+      <p:sp>
+        <p:nvSpPr>
+          <p:cNvPr id="21" name="TextBox 20"/>
+          <p:cNvSpPr txBox="1"/>
+          <p:nvPr/>
+        </p:nvSpPr>
+        <p:spPr>
+          <a:xfrm>
+            <a:off x="4210231" y="2807011"/>
+            <a:ext cx="914400" cy="914400"/>
+          </a:xfrm>
+          <a:prstGeom prst="rect">
+            <a:avLst/>
+          </a:prstGeom>
+          <a:noFill/>
+          <a:ln>
+            <a:noFill/>
+          </a:ln>
+        </p:spPr>
+        <p:txBody>
+          <a:bodyPr wrap="none" rtlCol="0" anchor="ctr" anchorCtr="0">
+            <a:noAutofit/>
+          </a:bodyPr>
+          <a:lstStyle/>
+          <a:p>
+            <a:pPr>
+              <a:spcAft>
+                <a:spcPts val="600"/>
+              </a:spcAft>
+            </a:pPr>
+            <a:r>
+              <a:rPr lang="en-US" sz="2400" dirty="0">
+                <a:solidFill>
+                  <a:srgbClr val="FF0000"/>
+                </a:solidFill>
+                <a:latin typeface="Helvetica" charset="0"/>
+                <a:ea typeface="Times New Roman" charset="0"/>
+                <a:cs typeface="Arial" charset="0"/>
+              </a:rPr>
+              <a:t>X</a:t>
+            </a:r>
+          </a:p>
+        </p:txBody>
+      </p:sp>
+      <p:sp>
+        <p:nvSpPr>
+          <p:cNvPr id="22" name="TextBox 21"/>
+          <p:cNvSpPr txBox="1"/>
+          <p:nvPr/>
+        </p:nvSpPr>
+        <p:spPr>
+          <a:xfrm>
+            <a:off x="6135582" y="2812163"/>
+            <a:ext cx="914400" cy="914400"/>
+          </a:xfrm>
+          <a:prstGeom prst="rect">
+            <a:avLst/>
+          </a:prstGeom>
+          <a:noFill/>
+          <a:ln>
+            <a:noFill/>
+          </a:ln>
+        </p:spPr>
+        <p:txBody>
+          <a:bodyPr wrap="none" rtlCol="0" anchor="ctr" anchorCtr="0">
+            <a:noAutofit/>
+          </a:bodyPr>
+          <a:lstStyle/>
+          <a:p>
+            <a:pPr>
+              <a:spcAft>
+                <a:spcPts val="600"/>
+              </a:spcAft>
+            </a:pPr>
+            <a:r>
+              <a:rPr lang="en-US" sz="2400" dirty="0">
+                <a:solidFill>
+                  <a:srgbClr val="FF0000"/>
+                </a:solidFill>
+                <a:latin typeface="Helvetica" charset="0"/>
+                <a:ea typeface="Times New Roman" charset="0"/>
+                <a:cs typeface="Arial" charset="0"/>
+              </a:rPr>
+              <a:t>X</a:t>
+            </a:r>
+          </a:p>
+        </p:txBody>
+      </p:sp>
     </p:spTree>
     <p:extLst>
       <p:ext uri="{BB962C8B-B14F-4D97-AF65-F5344CB8AC3E}">
-        <p14:creationId xmlns:p14="http://schemas.microsoft.com/office/powerpoint/2010/main" val="546583268"/>
+        <p14:creationId xmlns:p14="http://schemas.microsoft.com/office/powerpoint/2010/main" val="1014941451"/>
       </p:ext>
     </p:extLst>
   </p:cSld>
@@ -5231,7 +5702,7 @@
             </a:r>
             <a:r>
               <a:rPr lang="en-US" dirty="0" err="1"/>
-              <a:t>:Categorical</a:t>
+              <a:t>:Continuous</a:t>
             </a:r>
             <a:br>
               <a:rPr lang="en-US" dirty="0"/>
@@ -5247,73 +5718,9 @@
           </a:p>
         </p:txBody>
       </p:sp>
-      <p:sp>
-        <p:nvSpPr>
-          <p:cNvPr id="5" name="TextBox 4"/>
-          <p:cNvSpPr txBox="1"/>
-          <p:nvPr/>
-        </p:nvSpPr>
-        <p:spPr>
-          <a:xfrm>
-            <a:off x="7363361" y="3453079"/>
-            <a:ext cx="914400" cy="914400"/>
-          </a:xfrm>
-          <a:prstGeom prst="rect">
-            <a:avLst/>
-          </a:prstGeom>
-          <a:noFill/>
-          <a:ln>
-            <a:noFill/>
-          </a:ln>
-        </p:spPr>
-        <p:txBody>
-          <a:bodyPr wrap="none" rtlCol="0" anchor="ctr" anchorCtr="0">
-            <a:noAutofit/>
-          </a:bodyPr>
-          <a:lstStyle/>
-          <a:p>
-            <a:pPr>
-              <a:spcAft>
-                <a:spcPts val="600"/>
-              </a:spcAft>
-            </a:pPr>
-            <a:r>
-              <a:rPr lang="en-US" sz="2000" dirty="0">
-                <a:latin typeface="Helvetica" charset="0"/>
-                <a:ea typeface="Times New Roman" charset="0"/>
-                <a:cs typeface="Arial" charset="0"/>
-              </a:rPr>
-              <a:t>Logistic regression</a:t>
-            </a:r>
-          </a:p>
-          <a:p>
-            <a:pPr>
-              <a:spcAft>
-                <a:spcPts val="600"/>
-              </a:spcAft>
-            </a:pPr>
-            <a:r>
-              <a:rPr lang="en-US" sz="2000" i="1" dirty="0">
-                <a:latin typeface="Helvetica" charset="0"/>
-                <a:ea typeface="Times New Roman" charset="0"/>
-                <a:cs typeface="Arial" charset="0"/>
-              </a:rPr>
-              <a:t>Parameter/effect size</a:t>
-            </a:r>
-            <a:r>
-              <a:rPr lang="en-US" sz="2000" dirty="0">
-                <a:latin typeface="Helvetica" charset="0"/>
-                <a:ea typeface="Times New Roman" charset="0"/>
-                <a:cs typeface="Arial" charset="0"/>
-              </a:rPr>
-              <a:t>: odds ratio</a:t>
-            </a:r>
-          </a:p>
-        </p:txBody>
-      </p:sp>
       <p:pic>
         <p:nvPicPr>
-          <p:cNvPr id="2" name="Picture 1" descr="Exam_pass_logistic_curve.jpg"/>
+          <p:cNvPr id="4" name="Picture 3" descr="LinearRegression.pdf"/>
           <p:cNvPicPr>
             <a:picLocks noChangeAspect="1"/>
           </p:cNvPicPr>
@@ -5333,8 +5740,8 @@
         </p:blipFill>
         <p:spPr>
           <a:xfrm>
-            <a:off x="838200" y="1855493"/>
-            <a:ext cx="5790588" cy="4196376"/>
+            <a:off x="1165083" y="2217244"/>
+            <a:ext cx="6298169" cy="4640756"/>
           </a:xfrm>
           <a:prstGeom prst="rect">
             <a:avLst/>
@@ -5343,22 +5750,26 @@
       </p:pic>
       <p:sp>
         <p:nvSpPr>
-          <p:cNvPr id="6" name="Rectangle 5"/>
-          <p:cNvSpPr/>
+          <p:cNvPr id="5" name="TextBox 4"/>
+          <p:cNvSpPr txBox="1"/>
           <p:nvPr/>
         </p:nvSpPr>
         <p:spPr>
           <a:xfrm>
-            <a:off x="1121539" y="6507625"/>
-            <a:ext cx="6096000" cy="276999"/>
+            <a:off x="7948435" y="3396003"/>
+            <a:ext cx="914400" cy="914400"/>
           </a:xfrm>
           <a:prstGeom prst="rect">
             <a:avLst/>
           </a:prstGeom>
-        </p:spPr>
-        <p:txBody>
-          <a:bodyPr>
-            <a:spAutoFit/>
+          <a:noFill/>
+          <a:ln>
+            <a:noFill/>
+          </a:ln>
+        </p:spPr>
+        <p:txBody>
+          <a:bodyPr wrap="none" rtlCol="0" anchor="ctr" anchorCtr="0">
+            <a:noAutofit/>
           </a:bodyPr>
           <a:lstStyle/>
           <a:p>
@@ -5368,65 +5779,43 @@
               </a:spcAft>
             </a:pPr>
             <a:r>
-              <a:rPr lang="en-US" sz="1200" dirty="0">
+              <a:rPr lang="en-US" sz="2000" dirty="0">
                 <a:latin typeface="Helvetica" charset="0"/>
                 <a:ea typeface="Times New Roman" charset="0"/>
                 <a:cs typeface="Arial" charset="0"/>
               </a:rPr>
-              <a:t>https://</a:t>
-            </a:r>
-            <a:r>
-              <a:rPr lang="en-US" sz="1200" dirty="0" err="1">
+              <a:t>Linear regression</a:t>
+            </a:r>
+          </a:p>
+          <a:p>
+            <a:pPr>
+              <a:spcAft>
+                <a:spcPts val="600"/>
+              </a:spcAft>
+            </a:pPr>
+            <a:r>
+              <a:rPr lang="en-US" sz="2000" i="1" dirty="0">
                 <a:latin typeface="Helvetica" charset="0"/>
                 <a:ea typeface="Times New Roman" charset="0"/>
                 <a:cs typeface="Arial" charset="0"/>
               </a:rPr>
-              <a:t>upload.wikimedia.org</a:t>
-            </a:r>
-            <a:r>
-              <a:rPr lang="en-US" sz="1200" dirty="0">
+              <a:t>Parameter/effect size</a:t>
+            </a:r>
+            <a:r>
+              <a:rPr lang="en-US" sz="2000" dirty="0">
                 <a:latin typeface="Helvetica" charset="0"/>
                 <a:ea typeface="Times New Roman" charset="0"/>
                 <a:cs typeface="Arial" charset="0"/>
               </a:rPr>
-              <a:t>/</a:t>
-            </a:r>
-            <a:r>
-              <a:rPr lang="en-US" sz="1200" dirty="0" err="1">
-                <a:latin typeface="Helvetica" charset="0"/>
-                <a:ea typeface="Times New Roman" charset="0"/>
-                <a:cs typeface="Arial" charset="0"/>
-              </a:rPr>
-              <a:t>wikipedia</a:t>
-            </a:r>
-            <a:r>
-              <a:rPr lang="en-US" sz="1200" dirty="0">
-                <a:latin typeface="Helvetica" charset="0"/>
-                <a:ea typeface="Times New Roman" charset="0"/>
-                <a:cs typeface="Arial" charset="0"/>
-              </a:rPr>
-              <a:t>/commons/6/6d/</a:t>
-            </a:r>
-            <a:r>
-              <a:rPr lang="en-US" sz="1200" dirty="0" err="1">
-                <a:latin typeface="Helvetica" charset="0"/>
-                <a:ea typeface="Times New Roman" charset="0"/>
-                <a:cs typeface="Arial" charset="0"/>
-              </a:rPr>
-              <a:t>Exam_pass_logistic_curve.jpeg</a:t>
-            </a:r>
-            <a:endParaRPr lang="en-US" sz="1200" dirty="0">
-              <a:latin typeface="Helvetica" charset="0"/>
-              <a:ea typeface="Times New Roman" charset="0"/>
-              <a:cs typeface="Arial" charset="0"/>
-            </a:endParaRPr>
+              <a:t>: slope</a:t>
+            </a:r>
           </a:p>
         </p:txBody>
       </p:sp>
     </p:spTree>
     <p:extLst>
       <p:ext uri="{BB962C8B-B14F-4D97-AF65-F5344CB8AC3E}">
-        <p14:creationId xmlns:p14="http://schemas.microsoft.com/office/powerpoint/2010/main" val="1323194350"/>
+        <p14:creationId xmlns:p14="http://schemas.microsoft.com/office/powerpoint/2010/main" val="1792540531"/>
       </p:ext>
     </p:extLst>
   </p:cSld>
@@ -5877,6 +6266,1517 @@
           </a:prstGeom>
         </p:spPr>
       </p:pic>
+      <p:sp>
+        <p:nvSpPr>
+          <p:cNvPr id="19" name="TextBox 18"/>
+          <p:cNvSpPr txBox="1"/>
+          <p:nvPr/>
+        </p:nvSpPr>
+        <p:spPr>
+          <a:xfrm>
+            <a:off x="6274265" y="4643143"/>
+            <a:ext cx="914400" cy="914400"/>
+          </a:xfrm>
+          <a:prstGeom prst="rect">
+            <a:avLst/>
+          </a:prstGeom>
+          <a:noFill/>
+          <a:ln>
+            <a:noFill/>
+          </a:ln>
+        </p:spPr>
+        <p:txBody>
+          <a:bodyPr wrap="none" rtlCol="0" anchor="ctr" anchorCtr="0">
+            <a:noAutofit/>
+          </a:bodyPr>
+          <a:lstStyle/>
+          <a:p>
+            <a:pPr>
+              <a:spcAft>
+                <a:spcPts val="600"/>
+              </a:spcAft>
+            </a:pPr>
+            <a:r>
+              <a:rPr lang="en-US" sz="2400" b="1" dirty="0">
+                <a:solidFill>
+                  <a:srgbClr val="FF0000"/>
+                </a:solidFill>
+                <a:latin typeface="Helvetica" charset="0"/>
+                <a:ea typeface="Times New Roman" charset="0"/>
+                <a:cs typeface="Arial" charset="0"/>
+              </a:rPr>
+              <a:t>X</a:t>
+            </a:r>
+          </a:p>
+        </p:txBody>
+      </p:sp>
+      <p:sp>
+        <p:nvSpPr>
+          <p:cNvPr id="20" name="TextBox 19"/>
+          <p:cNvSpPr txBox="1"/>
+          <p:nvPr/>
+        </p:nvSpPr>
+        <p:spPr>
+          <a:xfrm>
+            <a:off x="4210231" y="2807011"/>
+            <a:ext cx="914400" cy="914400"/>
+          </a:xfrm>
+          <a:prstGeom prst="rect">
+            <a:avLst/>
+          </a:prstGeom>
+          <a:noFill/>
+          <a:ln>
+            <a:noFill/>
+          </a:ln>
+        </p:spPr>
+        <p:txBody>
+          <a:bodyPr wrap="none" rtlCol="0" anchor="ctr" anchorCtr="0">
+            <a:noAutofit/>
+          </a:bodyPr>
+          <a:lstStyle/>
+          <a:p>
+            <a:pPr>
+              <a:spcAft>
+                <a:spcPts val="600"/>
+              </a:spcAft>
+            </a:pPr>
+            <a:r>
+              <a:rPr lang="en-US" sz="2400" dirty="0">
+                <a:solidFill>
+                  <a:srgbClr val="FF0000"/>
+                </a:solidFill>
+                <a:latin typeface="Helvetica" charset="0"/>
+                <a:ea typeface="Times New Roman" charset="0"/>
+                <a:cs typeface="Arial" charset="0"/>
+              </a:rPr>
+              <a:t>X</a:t>
+            </a:r>
+          </a:p>
+        </p:txBody>
+      </p:sp>
+      <p:sp>
+        <p:nvSpPr>
+          <p:cNvPr id="21" name="TextBox 20"/>
+          <p:cNvSpPr txBox="1"/>
+          <p:nvPr/>
+        </p:nvSpPr>
+        <p:spPr>
+          <a:xfrm>
+            <a:off x="6135582" y="2812163"/>
+            <a:ext cx="914400" cy="914400"/>
+          </a:xfrm>
+          <a:prstGeom prst="rect">
+            <a:avLst/>
+          </a:prstGeom>
+          <a:noFill/>
+          <a:ln>
+            <a:noFill/>
+          </a:ln>
+        </p:spPr>
+        <p:txBody>
+          <a:bodyPr wrap="none" rtlCol="0" anchor="ctr" anchorCtr="0">
+            <a:noAutofit/>
+          </a:bodyPr>
+          <a:lstStyle/>
+          <a:p>
+            <a:pPr>
+              <a:spcAft>
+                <a:spcPts val="600"/>
+              </a:spcAft>
+            </a:pPr>
+            <a:r>
+              <a:rPr lang="en-US" sz="2400" dirty="0">
+                <a:solidFill>
+                  <a:srgbClr val="FF0000"/>
+                </a:solidFill>
+                <a:latin typeface="Helvetica" charset="0"/>
+                <a:ea typeface="Times New Roman" charset="0"/>
+                <a:cs typeface="Arial" charset="0"/>
+              </a:rPr>
+              <a:t>X</a:t>
+            </a:r>
+          </a:p>
+        </p:txBody>
+      </p:sp>
+    </p:spTree>
+    <p:extLst>
+      <p:ext uri="{BB962C8B-B14F-4D97-AF65-F5344CB8AC3E}">
+        <p14:creationId xmlns:p14="http://schemas.microsoft.com/office/powerpoint/2010/main" val="3737829134"/>
+      </p:ext>
+    </p:extLst>
+  </p:cSld>
+  <p:clrMapOvr>
+    <a:masterClrMapping/>
+  </p:clrMapOvr>
+</p:sld>
+</file>
+
+<file path=ppt/slides/slide14.xml><?xml version="1.0" encoding="utf-8"?>
+<p:sld xmlns:a="http://schemas.openxmlformats.org/drawingml/2006/main" xmlns:r="http://schemas.openxmlformats.org/officeDocument/2006/relationships" xmlns:p="http://schemas.openxmlformats.org/presentationml/2006/main">
+  <p:cSld>
+    <p:spTree>
+      <p:nvGrpSpPr>
+        <p:cNvPr id="1" name=""/>
+        <p:cNvGrpSpPr/>
+        <p:nvPr/>
+      </p:nvGrpSpPr>
+      <p:grpSpPr>
+        <a:xfrm>
+          <a:off x="0" y="0"/>
+          <a:ext cx="0" cy="0"/>
+          <a:chOff x="0" y="0"/>
+          <a:chExt cx="0" cy="0"/>
+        </a:xfrm>
+      </p:grpSpPr>
+      <p:sp>
+        <p:nvSpPr>
+          <p:cNvPr id="3" name="Title 2"/>
+          <p:cNvSpPr>
+            <a:spLocks noGrp="1"/>
+          </p:cNvSpPr>
+          <p:nvPr>
+            <p:ph type="title"/>
+          </p:nvPr>
+        </p:nvSpPr>
+        <p:spPr/>
+        <p:txBody>
+          <a:bodyPr/>
+          <a:lstStyle/>
+          <a:p>
+            <a:r>
+              <a:rPr lang="en-US" b="1" dirty="0" err="1"/>
+              <a:t>Response</a:t>
+            </a:r>
+            <a:r>
+              <a:rPr lang="en-US" dirty="0" err="1"/>
+              <a:t>:Continuous</a:t>
+            </a:r>
+            <a:br>
+              <a:rPr lang="en-US" dirty="0"/>
+            </a:br>
+            <a:r>
+              <a:rPr lang="en-US" b="1" dirty="0"/>
+              <a:t>Predictor</a:t>
+            </a:r>
+            <a:r>
+              <a:rPr lang="en-US" dirty="0"/>
+              <a:t>: Categorical</a:t>
+            </a:r>
+          </a:p>
+        </p:txBody>
+      </p:sp>
+      <p:sp>
+        <p:nvSpPr>
+          <p:cNvPr id="5" name="TextBox 4"/>
+          <p:cNvSpPr txBox="1"/>
+          <p:nvPr/>
+        </p:nvSpPr>
+        <p:spPr>
+          <a:xfrm>
+            <a:off x="7948435" y="3396003"/>
+            <a:ext cx="914400" cy="914400"/>
+          </a:xfrm>
+          <a:prstGeom prst="rect">
+            <a:avLst/>
+          </a:prstGeom>
+          <a:noFill/>
+          <a:ln>
+            <a:noFill/>
+          </a:ln>
+        </p:spPr>
+        <p:txBody>
+          <a:bodyPr wrap="none" rtlCol="0" anchor="ctr" anchorCtr="0">
+            <a:noAutofit/>
+          </a:bodyPr>
+          <a:lstStyle/>
+          <a:p>
+            <a:pPr>
+              <a:spcAft>
+                <a:spcPts val="600"/>
+              </a:spcAft>
+            </a:pPr>
+            <a:r>
+              <a:rPr lang="en-US" sz="2000" dirty="0">
+                <a:latin typeface="Helvetica" charset="0"/>
+                <a:ea typeface="Times New Roman" charset="0"/>
+                <a:cs typeface="Arial" charset="0"/>
+              </a:rPr>
+              <a:t>T-tests, ANOVA</a:t>
+            </a:r>
+          </a:p>
+          <a:p>
+            <a:pPr>
+              <a:spcAft>
+                <a:spcPts val="600"/>
+              </a:spcAft>
+            </a:pPr>
+            <a:r>
+              <a:rPr lang="en-US" sz="2000" i="1" dirty="0">
+                <a:latin typeface="Helvetica" charset="0"/>
+                <a:ea typeface="Times New Roman" charset="0"/>
+                <a:cs typeface="Arial" charset="0"/>
+              </a:rPr>
+              <a:t>Parameter/effect size</a:t>
+            </a:r>
+            <a:r>
+              <a:rPr lang="en-US" sz="2000" dirty="0">
+                <a:latin typeface="Helvetica" charset="0"/>
+                <a:ea typeface="Times New Roman" charset="0"/>
+                <a:cs typeface="Arial" charset="0"/>
+              </a:rPr>
+              <a:t>: difference of</a:t>
+            </a:r>
+          </a:p>
+          <a:p>
+            <a:pPr>
+              <a:spcAft>
+                <a:spcPts val="600"/>
+              </a:spcAft>
+            </a:pPr>
+            <a:r>
+              <a:rPr lang="en-US" sz="2000" dirty="0">
+                <a:latin typeface="Helvetica" charset="0"/>
+                <a:ea typeface="Times New Roman" charset="0"/>
+                <a:cs typeface="Arial" charset="0"/>
+              </a:rPr>
+              <a:t>                                    means</a:t>
+            </a:r>
+          </a:p>
+        </p:txBody>
+      </p:sp>
+      <p:pic>
+        <p:nvPicPr>
+          <p:cNvPr id="2" name="Picture 1" descr="BoxPlotChickenFeed.pdf"/>
+          <p:cNvPicPr>
+            <a:picLocks noChangeAspect="1"/>
+          </p:cNvPicPr>
+          <p:nvPr/>
+        </p:nvPicPr>
+        <p:blipFill>
+          <a:blip r:embed="rId2">
+            <a:extLst>
+              <a:ext uri="{28A0092B-C50C-407E-A947-70E740481C1C}">
+                <a14:useLocalDpi xmlns:a14="http://schemas.microsoft.com/office/drawing/2010/main" val="0"/>
+              </a:ext>
+            </a:extLst>
+          </a:blip>
+          <a:stretch>
+            <a:fillRect/>
+          </a:stretch>
+        </p:blipFill>
+        <p:spPr>
+          <a:xfrm>
+            <a:off x="351689" y="2056153"/>
+            <a:ext cx="7480300" cy="4508500"/>
+          </a:xfrm>
+          <a:prstGeom prst="rect">
+            <a:avLst/>
+          </a:prstGeom>
+        </p:spPr>
+      </p:pic>
+    </p:spTree>
+    <p:extLst>
+      <p:ext uri="{BB962C8B-B14F-4D97-AF65-F5344CB8AC3E}">
+        <p14:creationId xmlns:p14="http://schemas.microsoft.com/office/powerpoint/2010/main" val="2101823978"/>
+      </p:ext>
+    </p:extLst>
+  </p:cSld>
+  <p:clrMapOvr>
+    <a:masterClrMapping/>
+  </p:clrMapOvr>
+</p:sld>
+</file>
+
+<file path=ppt/slides/slide15.xml><?xml version="1.0" encoding="utf-8"?>
+<p:sld xmlns:a="http://schemas.openxmlformats.org/drawingml/2006/main" xmlns:r="http://schemas.openxmlformats.org/officeDocument/2006/relationships" xmlns:p="http://schemas.openxmlformats.org/presentationml/2006/main">
+  <p:cSld>
+    <p:spTree>
+      <p:nvGrpSpPr>
+        <p:cNvPr id="1" name=""/>
+        <p:cNvGrpSpPr/>
+        <p:nvPr/>
+      </p:nvGrpSpPr>
+      <p:grpSpPr>
+        <a:xfrm>
+          <a:off x="0" y="0"/>
+          <a:ext cx="0" cy="0"/>
+          <a:chOff x="0" y="0"/>
+          <a:chExt cx="0" cy="0"/>
+        </a:xfrm>
+      </p:grpSpPr>
+      <p:sp>
+        <p:nvSpPr>
+          <p:cNvPr id="3" name="Title 2"/>
+          <p:cNvSpPr>
+            <a:spLocks noGrp="1"/>
+          </p:cNvSpPr>
+          <p:nvPr>
+            <p:ph type="title"/>
+          </p:nvPr>
+        </p:nvSpPr>
+        <p:spPr/>
+        <p:txBody>
+          <a:bodyPr/>
+          <a:lstStyle/>
+          <a:p>
+            <a:r>
+              <a:rPr lang="en-US" dirty="0"/>
+              <a:t>How do I choose which statistical test to use?</a:t>
+            </a:r>
+          </a:p>
+        </p:txBody>
+      </p:sp>
+      <p:cxnSp>
+        <p:nvCxnSpPr>
+          <p:cNvPr id="5" name="Straight Connector 4"/>
+          <p:cNvCxnSpPr/>
+          <p:nvPr/>
+        </p:nvCxnSpPr>
+        <p:spPr>
+          <a:xfrm>
+            <a:off x="3439089" y="2068993"/>
+            <a:ext cx="14270" cy="4123719"/>
+          </a:xfrm>
+          <a:prstGeom prst="line">
+            <a:avLst/>
+          </a:prstGeom>
+        </p:spPr>
+        <p:style>
+          <a:lnRef idx="2">
+            <a:schemeClr val="accent1"/>
+          </a:lnRef>
+          <a:fillRef idx="0">
+            <a:schemeClr val="accent1"/>
+          </a:fillRef>
+          <a:effectRef idx="1">
+            <a:schemeClr val="accent1"/>
+          </a:effectRef>
+          <a:fontRef idx="minor">
+            <a:schemeClr val="tx1"/>
+          </a:fontRef>
+        </p:style>
+      </p:cxnSp>
+      <p:cxnSp>
+        <p:nvCxnSpPr>
+          <p:cNvPr id="7" name="Straight Connector 6"/>
+          <p:cNvCxnSpPr/>
+          <p:nvPr/>
+        </p:nvCxnSpPr>
+        <p:spPr>
+          <a:xfrm flipV="1">
+            <a:off x="3139418" y="5992947"/>
+            <a:ext cx="5023068" cy="57075"/>
+          </a:xfrm>
+          <a:prstGeom prst="line">
+            <a:avLst/>
+          </a:prstGeom>
+        </p:spPr>
+        <p:style>
+          <a:lnRef idx="2">
+            <a:schemeClr val="accent1"/>
+          </a:lnRef>
+          <a:fillRef idx="0">
+            <a:schemeClr val="accent1"/>
+          </a:fillRef>
+          <a:effectRef idx="1">
+            <a:schemeClr val="accent1"/>
+          </a:effectRef>
+          <a:fontRef idx="minor">
+            <a:schemeClr val="tx1"/>
+          </a:fontRef>
+        </p:style>
+      </p:cxnSp>
+      <p:cxnSp>
+        <p:nvCxnSpPr>
+          <p:cNvPr id="9" name="Straight Connector 8"/>
+          <p:cNvCxnSpPr/>
+          <p:nvPr/>
+        </p:nvCxnSpPr>
+        <p:spPr>
+          <a:xfrm>
+            <a:off x="3139418" y="4009567"/>
+            <a:ext cx="5023068" cy="0"/>
+          </a:xfrm>
+          <a:prstGeom prst="line">
+            <a:avLst/>
+          </a:prstGeom>
+          <a:ln>
+            <a:prstDash val="dash"/>
+          </a:ln>
+        </p:spPr>
+        <p:style>
+          <a:lnRef idx="2">
+            <a:schemeClr val="accent1"/>
+          </a:lnRef>
+          <a:fillRef idx="0">
+            <a:schemeClr val="accent1"/>
+          </a:fillRef>
+          <a:effectRef idx="1">
+            <a:schemeClr val="accent1"/>
+          </a:effectRef>
+          <a:fontRef idx="minor">
+            <a:schemeClr val="tx1"/>
+          </a:fontRef>
+        </p:style>
+      </p:cxnSp>
+      <p:cxnSp>
+        <p:nvCxnSpPr>
+          <p:cNvPr id="11" name="Straight Connector 10"/>
+          <p:cNvCxnSpPr/>
+          <p:nvPr/>
+        </p:nvCxnSpPr>
+        <p:spPr>
+          <a:xfrm>
+            <a:off x="5608142" y="2068993"/>
+            <a:ext cx="71350" cy="4123719"/>
+          </a:xfrm>
+          <a:prstGeom prst="line">
+            <a:avLst/>
+          </a:prstGeom>
+          <a:ln>
+            <a:prstDash val="dash"/>
+          </a:ln>
+        </p:spPr>
+        <p:style>
+          <a:lnRef idx="2">
+            <a:schemeClr val="accent1"/>
+          </a:lnRef>
+          <a:fillRef idx="0">
+            <a:schemeClr val="accent1"/>
+          </a:fillRef>
+          <a:effectRef idx="1">
+            <a:schemeClr val="accent1"/>
+          </a:effectRef>
+          <a:fontRef idx="minor">
+            <a:schemeClr val="tx1"/>
+          </a:fontRef>
+        </p:style>
+      </p:cxnSp>
+      <p:sp>
+        <p:nvSpPr>
+          <p:cNvPr id="12" name="TextBox 11"/>
+          <p:cNvSpPr txBox="1"/>
+          <p:nvPr/>
+        </p:nvSpPr>
+        <p:spPr>
+          <a:xfrm>
+            <a:off x="709770" y="1726537"/>
+            <a:ext cx="914400" cy="914400"/>
+          </a:xfrm>
+          <a:prstGeom prst="rect">
+            <a:avLst/>
+          </a:prstGeom>
+          <a:noFill/>
+          <a:ln>
+            <a:noFill/>
+          </a:ln>
+        </p:spPr>
+        <p:txBody>
+          <a:bodyPr wrap="none" rtlCol="0" anchor="ctr" anchorCtr="0">
+            <a:noAutofit/>
+          </a:bodyPr>
+          <a:lstStyle/>
+          <a:p>
+            <a:pPr>
+              <a:spcAft>
+                <a:spcPts val="600"/>
+              </a:spcAft>
+            </a:pPr>
+            <a:r>
+              <a:rPr lang="en-US" sz="2400" u="sng" dirty="0">
+                <a:latin typeface="Helvetica" charset="0"/>
+                <a:ea typeface="Times New Roman" charset="0"/>
+                <a:cs typeface="Arial" charset="0"/>
+              </a:rPr>
+              <a:t>Response variable</a:t>
+            </a:r>
+          </a:p>
+        </p:txBody>
+      </p:sp>
+      <p:sp>
+        <p:nvSpPr>
+          <p:cNvPr id="13" name="TextBox 12"/>
+          <p:cNvSpPr txBox="1"/>
+          <p:nvPr/>
+        </p:nvSpPr>
+        <p:spPr>
+          <a:xfrm>
+            <a:off x="8162486" y="6073999"/>
+            <a:ext cx="914400" cy="914400"/>
+          </a:xfrm>
+          <a:prstGeom prst="rect">
+            <a:avLst/>
+          </a:prstGeom>
+          <a:noFill/>
+          <a:ln>
+            <a:noFill/>
+          </a:ln>
+        </p:spPr>
+        <p:txBody>
+          <a:bodyPr wrap="none" rtlCol="0" anchor="ctr" anchorCtr="0">
+            <a:noAutofit/>
+          </a:bodyPr>
+          <a:lstStyle/>
+          <a:p>
+            <a:pPr>
+              <a:spcAft>
+                <a:spcPts val="600"/>
+              </a:spcAft>
+            </a:pPr>
+            <a:r>
+              <a:rPr lang="en-US" sz="2400" u="sng" dirty="0">
+                <a:latin typeface="Helvetica" charset="0"/>
+                <a:ea typeface="Times New Roman" charset="0"/>
+                <a:cs typeface="Arial" charset="0"/>
+              </a:rPr>
+              <a:t>Predictor variable</a:t>
+            </a:r>
+          </a:p>
+        </p:txBody>
+      </p:sp>
+      <p:sp>
+        <p:nvSpPr>
+          <p:cNvPr id="14" name="TextBox 13"/>
+          <p:cNvSpPr txBox="1"/>
+          <p:nvPr/>
+        </p:nvSpPr>
+        <p:spPr>
+          <a:xfrm>
+            <a:off x="3753031" y="5778911"/>
+            <a:ext cx="914400" cy="914400"/>
+          </a:xfrm>
+          <a:prstGeom prst="rect">
+            <a:avLst/>
+          </a:prstGeom>
+          <a:noFill/>
+          <a:ln>
+            <a:noFill/>
+          </a:ln>
+        </p:spPr>
+        <p:txBody>
+          <a:bodyPr wrap="none" rtlCol="0" anchor="ctr" anchorCtr="0">
+            <a:noAutofit/>
+          </a:bodyPr>
+          <a:lstStyle/>
+          <a:p>
+            <a:pPr>
+              <a:spcAft>
+                <a:spcPts val="600"/>
+              </a:spcAft>
+            </a:pPr>
+            <a:r>
+              <a:rPr lang="en-US" sz="2000" dirty="0">
+                <a:latin typeface="Helvetica" charset="0"/>
+                <a:ea typeface="Times New Roman" charset="0"/>
+                <a:cs typeface="Arial" charset="0"/>
+              </a:rPr>
+              <a:t>Continuous</a:t>
+            </a:r>
+          </a:p>
+        </p:txBody>
+      </p:sp>
+      <p:sp>
+        <p:nvSpPr>
+          <p:cNvPr id="16" name="TextBox 15"/>
+          <p:cNvSpPr txBox="1"/>
+          <p:nvPr/>
+        </p:nvSpPr>
+        <p:spPr>
+          <a:xfrm>
+            <a:off x="1844860" y="4632840"/>
+            <a:ext cx="914400" cy="914400"/>
+          </a:xfrm>
+          <a:prstGeom prst="rect">
+            <a:avLst/>
+          </a:prstGeom>
+          <a:noFill/>
+          <a:ln>
+            <a:noFill/>
+          </a:ln>
+        </p:spPr>
+        <p:txBody>
+          <a:bodyPr wrap="none" rtlCol="0" anchor="ctr" anchorCtr="0">
+            <a:noAutofit/>
+          </a:bodyPr>
+          <a:lstStyle/>
+          <a:p>
+            <a:pPr>
+              <a:spcAft>
+                <a:spcPts val="600"/>
+              </a:spcAft>
+            </a:pPr>
+            <a:r>
+              <a:rPr lang="en-US" sz="2000" dirty="0">
+                <a:latin typeface="Helvetica" charset="0"/>
+                <a:ea typeface="Times New Roman" charset="0"/>
+                <a:cs typeface="Arial" charset="0"/>
+              </a:rPr>
+              <a:t>Continuous</a:t>
+            </a:r>
+          </a:p>
+        </p:txBody>
+      </p:sp>
+      <p:sp>
+        <p:nvSpPr>
+          <p:cNvPr id="17" name="TextBox 16"/>
+          <p:cNvSpPr txBox="1"/>
+          <p:nvPr/>
+        </p:nvSpPr>
+        <p:spPr>
+          <a:xfrm>
+            <a:off x="1844860" y="2759053"/>
+            <a:ext cx="914400" cy="914400"/>
+          </a:xfrm>
+          <a:prstGeom prst="rect">
+            <a:avLst/>
+          </a:prstGeom>
+          <a:noFill/>
+          <a:ln>
+            <a:noFill/>
+          </a:ln>
+        </p:spPr>
+        <p:txBody>
+          <a:bodyPr wrap="none" rtlCol="0" anchor="ctr" anchorCtr="0">
+            <a:noAutofit/>
+          </a:bodyPr>
+          <a:lstStyle/>
+          <a:p>
+            <a:pPr>
+              <a:spcAft>
+                <a:spcPts val="600"/>
+              </a:spcAft>
+            </a:pPr>
+            <a:r>
+              <a:rPr lang="en-US" sz="2000" dirty="0">
+                <a:latin typeface="Helvetica" charset="0"/>
+                <a:ea typeface="Times New Roman" charset="0"/>
+                <a:cs typeface="Arial" charset="0"/>
+              </a:rPr>
+              <a:t>Categorical</a:t>
+            </a:r>
+          </a:p>
+        </p:txBody>
+      </p:sp>
+      <p:sp>
+        <p:nvSpPr>
+          <p:cNvPr id="18" name="TextBox 17"/>
+          <p:cNvSpPr txBox="1"/>
+          <p:nvPr/>
+        </p:nvSpPr>
+        <p:spPr>
+          <a:xfrm>
+            <a:off x="6135582" y="5778911"/>
+            <a:ext cx="914400" cy="914400"/>
+          </a:xfrm>
+          <a:prstGeom prst="rect">
+            <a:avLst/>
+          </a:prstGeom>
+          <a:noFill/>
+          <a:ln>
+            <a:noFill/>
+          </a:ln>
+        </p:spPr>
+        <p:txBody>
+          <a:bodyPr wrap="none" rtlCol="0" anchor="ctr" anchorCtr="0">
+            <a:noAutofit/>
+          </a:bodyPr>
+          <a:lstStyle/>
+          <a:p>
+            <a:pPr>
+              <a:spcAft>
+                <a:spcPts val="600"/>
+              </a:spcAft>
+            </a:pPr>
+            <a:r>
+              <a:rPr lang="en-US" sz="2000" dirty="0">
+                <a:latin typeface="Helvetica" charset="0"/>
+                <a:ea typeface="Times New Roman" charset="0"/>
+                <a:cs typeface="Arial" charset="0"/>
+              </a:rPr>
+              <a:t>Categorical</a:t>
+            </a:r>
+          </a:p>
+        </p:txBody>
+      </p:sp>
+      <p:pic>
+        <p:nvPicPr>
+          <p:cNvPr id="15" name="Picture 14" descr="LinearRegression.pdf"/>
+          <p:cNvPicPr>
+            <a:picLocks noChangeAspect="1"/>
+          </p:cNvPicPr>
+          <p:nvPr/>
+        </p:nvPicPr>
+        <p:blipFill>
+          <a:blip r:embed="rId2">
+            <a:extLst>
+              <a:ext uri="{28A0092B-C50C-407E-A947-70E740481C1C}">
+                <a14:useLocalDpi xmlns:a14="http://schemas.microsoft.com/office/drawing/2010/main" val="0"/>
+              </a:ext>
+            </a:extLst>
+          </a:blip>
+          <a:stretch>
+            <a:fillRect/>
+          </a:stretch>
+        </p:blipFill>
+        <p:spPr>
+          <a:xfrm>
+            <a:off x="3576728" y="4357370"/>
+            <a:ext cx="1929234" cy="1421541"/>
+          </a:xfrm>
+          <a:prstGeom prst="rect">
+            <a:avLst/>
+          </a:prstGeom>
+        </p:spPr>
+      </p:pic>
+      <p:pic>
+        <p:nvPicPr>
+          <p:cNvPr id="19" name="Picture 18" descr="BoxPlotChickenFeed.pdf"/>
+          <p:cNvPicPr>
+            <a:picLocks noChangeAspect="1"/>
+          </p:cNvPicPr>
+          <p:nvPr/>
+        </p:nvPicPr>
+        <p:blipFill>
+          <a:blip r:embed="rId3">
+            <a:extLst>
+              <a:ext uri="{28A0092B-C50C-407E-A947-70E740481C1C}">
+                <a14:useLocalDpi xmlns:a14="http://schemas.microsoft.com/office/drawing/2010/main" val="0"/>
+              </a:ext>
+            </a:extLst>
+          </a:blip>
+          <a:stretch>
+            <a:fillRect/>
+          </a:stretch>
+        </p:blipFill>
+        <p:spPr>
+          <a:xfrm>
+            <a:off x="5888480" y="4357370"/>
+            <a:ext cx="2534729" cy="1527723"/>
+          </a:xfrm>
+          <a:prstGeom prst="rect">
+            <a:avLst/>
+          </a:prstGeom>
+        </p:spPr>
+      </p:pic>
+      <p:sp>
+        <p:nvSpPr>
+          <p:cNvPr id="20" name="TextBox 19"/>
+          <p:cNvSpPr txBox="1"/>
+          <p:nvPr/>
+        </p:nvSpPr>
+        <p:spPr>
+          <a:xfrm>
+            <a:off x="4210231" y="2807011"/>
+            <a:ext cx="914400" cy="914400"/>
+          </a:xfrm>
+          <a:prstGeom prst="rect">
+            <a:avLst/>
+          </a:prstGeom>
+          <a:noFill/>
+          <a:ln>
+            <a:noFill/>
+          </a:ln>
+        </p:spPr>
+        <p:txBody>
+          <a:bodyPr wrap="none" rtlCol="0" anchor="ctr" anchorCtr="0">
+            <a:noAutofit/>
+          </a:bodyPr>
+          <a:lstStyle/>
+          <a:p>
+            <a:pPr>
+              <a:spcAft>
+                <a:spcPts val="600"/>
+              </a:spcAft>
+            </a:pPr>
+            <a:r>
+              <a:rPr lang="en-US" sz="2400" dirty="0">
+                <a:solidFill>
+                  <a:srgbClr val="FF0000"/>
+                </a:solidFill>
+                <a:latin typeface="Helvetica" charset="0"/>
+                <a:ea typeface="Times New Roman" charset="0"/>
+                <a:cs typeface="Arial" charset="0"/>
+              </a:rPr>
+              <a:t>X</a:t>
+            </a:r>
+          </a:p>
+        </p:txBody>
+      </p:sp>
+      <p:sp>
+        <p:nvSpPr>
+          <p:cNvPr id="21" name="TextBox 20"/>
+          <p:cNvSpPr txBox="1"/>
+          <p:nvPr/>
+        </p:nvSpPr>
+        <p:spPr>
+          <a:xfrm>
+            <a:off x="6135582" y="2812163"/>
+            <a:ext cx="914400" cy="914400"/>
+          </a:xfrm>
+          <a:prstGeom prst="rect">
+            <a:avLst/>
+          </a:prstGeom>
+          <a:noFill/>
+          <a:ln>
+            <a:noFill/>
+          </a:ln>
+        </p:spPr>
+        <p:txBody>
+          <a:bodyPr wrap="none" rtlCol="0" anchor="ctr" anchorCtr="0">
+            <a:noAutofit/>
+          </a:bodyPr>
+          <a:lstStyle/>
+          <a:p>
+            <a:pPr>
+              <a:spcAft>
+                <a:spcPts val="600"/>
+              </a:spcAft>
+            </a:pPr>
+            <a:r>
+              <a:rPr lang="en-US" sz="2400" b="1" dirty="0">
+                <a:solidFill>
+                  <a:srgbClr val="FF0000"/>
+                </a:solidFill>
+                <a:latin typeface="Helvetica" charset="0"/>
+                <a:ea typeface="Times New Roman" charset="0"/>
+                <a:cs typeface="Arial" charset="0"/>
+              </a:rPr>
+              <a:t>X</a:t>
+            </a:r>
+          </a:p>
+        </p:txBody>
+      </p:sp>
+    </p:spTree>
+    <p:extLst>
+      <p:ext uri="{BB962C8B-B14F-4D97-AF65-F5344CB8AC3E}">
+        <p14:creationId xmlns:p14="http://schemas.microsoft.com/office/powerpoint/2010/main" val="4171581429"/>
+      </p:ext>
+    </p:extLst>
+  </p:cSld>
+  <p:clrMapOvr>
+    <a:masterClrMapping/>
+  </p:clrMapOvr>
+</p:sld>
+</file>
+
+<file path=ppt/slides/slide16.xml><?xml version="1.0" encoding="utf-8"?>
+<p:sld xmlns:a="http://schemas.openxmlformats.org/drawingml/2006/main" xmlns:r="http://schemas.openxmlformats.org/officeDocument/2006/relationships" xmlns:p="http://schemas.openxmlformats.org/presentationml/2006/main">
+  <p:cSld>
+    <p:spTree>
+      <p:nvGrpSpPr>
+        <p:cNvPr id="1" name=""/>
+        <p:cNvGrpSpPr/>
+        <p:nvPr/>
+      </p:nvGrpSpPr>
+      <p:grpSpPr>
+        <a:xfrm>
+          <a:off x="0" y="0"/>
+          <a:ext cx="0" cy="0"/>
+          <a:chOff x="0" y="0"/>
+          <a:chExt cx="0" cy="0"/>
+        </a:xfrm>
+      </p:grpSpPr>
+      <p:sp>
+        <p:nvSpPr>
+          <p:cNvPr id="3" name="Title 2"/>
+          <p:cNvSpPr>
+            <a:spLocks noGrp="1"/>
+          </p:cNvSpPr>
+          <p:nvPr>
+            <p:ph type="title"/>
+          </p:nvPr>
+        </p:nvSpPr>
+        <p:spPr/>
+        <p:txBody>
+          <a:bodyPr/>
+          <a:lstStyle/>
+          <a:p>
+            <a:r>
+              <a:rPr lang="en-US" b="1" dirty="0" err="1"/>
+              <a:t>Response</a:t>
+            </a:r>
+            <a:r>
+              <a:rPr lang="en-US" dirty="0" err="1"/>
+              <a:t>:Categorical</a:t>
+            </a:r>
+            <a:br>
+              <a:rPr lang="en-US" dirty="0"/>
+            </a:br>
+            <a:r>
+              <a:rPr lang="en-US" b="1" dirty="0"/>
+              <a:t>Predictor</a:t>
+            </a:r>
+            <a:r>
+              <a:rPr lang="en-US" dirty="0"/>
+              <a:t>: Categorical</a:t>
+            </a:r>
+          </a:p>
+        </p:txBody>
+      </p:sp>
+      <p:sp>
+        <p:nvSpPr>
+          <p:cNvPr id="5" name="TextBox 4"/>
+          <p:cNvSpPr txBox="1"/>
+          <p:nvPr/>
+        </p:nvSpPr>
+        <p:spPr>
+          <a:xfrm>
+            <a:off x="7363361" y="3453079"/>
+            <a:ext cx="914400" cy="914400"/>
+          </a:xfrm>
+          <a:prstGeom prst="rect">
+            <a:avLst/>
+          </a:prstGeom>
+          <a:noFill/>
+          <a:ln>
+            <a:noFill/>
+          </a:ln>
+        </p:spPr>
+        <p:txBody>
+          <a:bodyPr wrap="none" rtlCol="0" anchor="ctr" anchorCtr="0">
+            <a:noAutofit/>
+          </a:bodyPr>
+          <a:lstStyle/>
+          <a:p>
+            <a:pPr>
+              <a:spcAft>
+                <a:spcPts val="600"/>
+              </a:spcAft>
+            </a:pPr>
+            <a:r>
+              <a:rPr lang="en-US" sz="2000" dirty="0">
+                <a:latin typeface="Helvetica" charset="0"/>
+                <a:ea typeface="Times New Roman" charset="0"/>
+                <a:cs typeface="Arial" charset="0"/>
+              </a:rPr>
+              <a:t>Fisher’s test, </a:t>
+            </a:r>
+            <a:r>
+              <a:rPr lang="en-US" sz="2000" dirty="0" err="1">
+                <a:latin typeface="Helvetica" charset="0"/>
+                <a:ea typeface="Times New Roman" charset="0"/>
+                <a:cs typeface="Arial" charset="0"/>
+              </a:rPr>
+              <a:t>Chiq</a:t>
+            </a:r>
+            <a:r>
+              <a:rPr lang="en-US" sz="2000" dirty="0">
+                <a:latin typeface="Helvetica" charset="0"/>
+                <a:ea typeface="Times New Roman" charset="0"/>
+                <a:cs typeface="Arial" charset="0"/>
+              </a:rPr>
+              <a:t>-square test, 2x2 tables</a:t>
+            </a:r>
+          </a:p>
+          <a:p>
+            <a:pPr>
+              <a:spcAft>
+                <a:spcPts val="600"/>
+              </a:spcAft>
+            </a:pPr>
+            <a:r>
+              <a:rPr lang="en-US" sz="2000" i="1" dirty="0">
+                <a:latin typeface="Helvetica" charset="0"/>
+                <a:ea typeface="Times New Roman" charset="0"/>
+                <a:cs typeface="Arial" charset="0"/>
+              </a:rPr>
+              <a:t>Parameter/effect size</a:t>
+            </a:r>
+            <a:r>
+              <a:rPr lang="en-US" sz="2000" dirty="0">
+                <a:latin typeface="Helvetica" charset="0"/>
+                <a:ea typeface="Times New Roman" charset="0"/>
+                <a:cs typeface="Arial" charset="0"/>
+              </a:rPr>
+              <a:t>: odds ratio</a:t>
+            </a:r>
+          </a:p>
+        </p:txBody>
+      </p:sp>
+      <p:pic>
+        <p:nvPicPr>
+          <p:cNvPr id="4" name="Picture 3" descr="TwoByTwoTable.pdf"/>
+          <p:cNvPicPr>
+            <a:picLocks noChangeAspect="1"/>
+          </p:cNvPicPr>
+          <p:nvPr/>
+        </p:nvPicPr>
+        <p:blipFill>
+          <a:blip r:embed="rId2">
+            <a:extLst>
+              <a:ext uri="{28A0092B-C50C-407E-A947-70E740481C1C}">
+                <a14:useLocalDpi xmlns:a14="http://schemas.microsoft.com/office/drawing/2010/main" val="0"/>
+              </a:ext>
+            </a:extLst>
+          </a:blip>
+          <a:stretch>
+            <a:fillRect/>
+          </a:stretch>
+        </p:blipFill>
+        <p:spPr>
+          <a:xfrm>
+            <a:off x="679901" y="1868574"/>
+            <a:ext cx="6283899" cy="4630241"/>
+          </a:xfrm>
+          <a:prstGeom prst="rect">
+            <a:avLst/>
+          </a:prstGeom>
+        </p:spPr>
+      </p:pic>
+    </p:spTree>
+    <p:extLst>
+      <p:ext uri="{BB962C8B-B14F-4D97-AF65-F5344CB8AC3E}">
+        <p14:creationId xmlns:p14="http://schemas.microsoft.com/office/powerpoint/2010/main" val="743370568"/>
+      </p:ext>
+    </p:extLst>
+  </p:cSld>
+  <p:clrMapOvr>
+    <a:masterClrMapping/>
+  </p:clrMapOvr>
+</p:sld>
+</file>
+
+<file path=ppt/slides/slide17.xml><?xml version="1.0" encoding="utf-8"?>
+<p:sld xmlns:a="http://schemas.openxmlformats.org/drawingml/2006/main" xmlns:r="http://schemas.openxmlformats.org/officeDocument/2006/relationships" xmlns:p="http://schemas.openxmlformats.org/presentationml/2006/main">
+  <p:cSld>
+    <p:spTree>
+      <p:nvGrpSpPr>
+        <p:cNvPr id="1" name=""/>
+        <p:cNvGrpSpPr/>
+        <p:nvPr/>
+      </p:nvGrpSpPr>
+      <p:grpSpPr>
+        <a:xfrm>
+          <a:off x="0" y="0"/>
+          <a:ext cx="0" cy="0"/>
+          <a:chOff x="0" y="0"/>
+          <a:chExt cx="0" cy="0"/>
+        </a:xfrm>
+      </p:grpSpPr>
+      <p:sp>
+        <p:nvSpPr>
+          <p:cNvPr id="3" name="Title 2"/>
+          <p:cNvSpPr>
+            <a:spLocks noGrp="1"/>
+          </p:cNvSpPr>
+          <p:nvPr>
+            <p:ph type="title"/>
+          </p:nvPr>
+        </p:nvSpPr>
+        <p:spPr/>
+        <p:txBody>
+          <a:bodyPr/>
+          <a:lstStyle/>
+          <a:p>
+            <a:r>
+              <a:rPr lang="en-US" dirty="0"/>
+              <a:t>How do I choose which statistical test to use?</a:t>
+            </a:r>
+          </a:p>
+        </p:txBody>
+      </p:sp>
+      <p:cxnSp>
+        <p:nvCxnSpPr>
+          <p:cNvPr id="5" name="Straight Connector 4"/>
+          <p:cNvCxnSpPr/>
+          <p:nvPr/>
+        </p:nvCxnSpPr>
+        <p:spPr>
+          <a:xfrm>
+            <a:off x="3439089" y="2068993"/>
+            <a:ext cx="14270" cy="4123719"/>
+          </a:xfrm>
+          <a:prstGeom prst="line">
+            <a:avLst/>
+          </a:prstGeom>
+        </p:spPr>
+        <p:style>
+          <a:lnRef idx="2">
+            <a:schemeClr val="accent1"/>
+          </a:lnRef>
+          <a:fillRef idx="0">
+            <a:schemeClr val="accent1"/>
+          </a:fillRef>
+          <a:effectRef idx="1">
+            <a:schemeClr val="accent1"/>
+          </a:effectRef>
+          <a:fontRef idx="minor">
+            <a:schemeClr val="tx1"/>
+          </a:fontRef>
+        </p:style>
+      </p:cxnSp>
+      <p:cxnSp>
+        <p:nvCxnSpPr>
+          <p:cNvPr id="7" name="Straight Connector 6"/>
+          <p:cNvCxnSpPr/>
+          <p:nvPr/>
+        </p:nvCxnSpPr>
+        <p:spPr>
+          <a:xfrm flipV="1">
+            <a:off x="3139418" y="5992947"/>
+            <a:ext cx="5023068" cy="57075"/>
+          </a:xfrm>
+          <a:prstGeom prst="line">
+            <a:avLst/>
+          </a:prstGeom>
+        </p:spPr>
+        <p:style>
+          <a:lnRef idx="2">
+            <a:schemeClr val="accent1"/>
+          </a:lnRef>
+          <a:fillRef idx="0">
+            <a:schemeClr val="accent1"/>
+          </a:fillRef>
+          <a:effectRef idx="1">
+            <a:schemeClr val="accent1"/>
+          </a:effectRef>
+          <a:fontRef idx="minor">
+            <a:schemeClr val="tx1"/>
+          </a:fontRef>
+        </p:style>
+      </p:cxnSp>
+      <p:cxnSp>
+        <p:nvCxnSpPr>
+          <p:cNvPr id="9" name="Straight Connector 8"/>
+          <p:cNvCxnSpPr/>
+          <p:nvPr/>
+        </p:nvCxnSpPr>
+        <p:spPr>
+          <a:xfrm>
+            <a:off x="3139418" y="4009567"/>
+            <a:ext cx="5023068" cy="0"/>
+          </a:xfrm>
+          <a:prstGeom prst="line">
+            <a:avLst/>
+          </a:prstGeom>
+          <a:ln>
+            <a:prstDash val="dash"/>
+          </a:ln>
+        </p:spPr>
+        <p:style>
+          <a:lnRef idx="2">
+            <a:schemeClr val="accent1"/>
+          </a:lnRef>
+          <a:fillRef idx="0">
+            <a:schemeClr val="accent1"/>
+          </a:fillRef>
+          <a:effectRef idx="1">
+            <a:schemeClr val="accent1"/>
+          </a:effectRef>
+          <a:fontRef idx="minor">
+            <a:schemeClr val="tx1"/>
+          </a:fontRef>
+        </p:style>
+      </p:cxnSp>
+      <p:cxnSp>
+        <p:nvCxnSpPr>
+          <p:cNvPr id="11" name="Straight Connector 10"/>
+          <p:cNvCxnSpPr/>
+          <p:nvPr/>
+        </p:nvCxnSpPr>
+        <p:spPr>
+          <a:xfrm>
+            <a:off x="5608142" y="2068993"/>
+            <a:ext cx="71350" cy="4123719"/>
+          </a:xfrm>
+          <a:prstGeom prst="line">
+            <a:avLst/>
+          </a:prstGeom>
+          <a:ln>
+            <a:prstDash val="dash"/>
+          </a:ln>
+        </p:spPr>
+        <p:style>
+          <a:lnRef idx="2">
+            <a:schemeClr val="accent1"/>
+          </a:lnRef>
+          <a:fillRef idx="0">
+            <a:schemeClr val="accent1"/>
+          </a:fillRef>
+          <a:effectRef idx="1">
+            <a:schemeClr val="accent1"/>
+          </a:effectRef>
+          <a:fontRef idx="minor">
+            <a:schemeClr val="tx1"/>
+          </a:fontRef>
+        </p:style>
+      </p:cxnSp>
+      <p:sp>
+        <p:nvSpPr>
+          <p:cNvPr id="12" name="TextBox 11"/>
+          <p:cNvSpPr txBox="1"/>
+          <p:nvPr/>
+        </p:nvSpPr>
+        <p:spPr>
+          <a:xfrm>
+            <a:off x="709770" y="1726537"/>
+            <a:ext cx="914400" cy="914400"/>
+          </a:xfrm>
+          <a:prstGeom prst="rect">
+            <a:avLst/>
+          </a:prstGeom>
+          <a:noFill/>
+          <a:ln>
+            <a:noFill/>
+          </a:ln>
+        </p:spPr>
+        <p:txBody>
+          <a:bodyPr wrap="none" rtlCol="0" anchor="ctr" anchorCtr="0">
+            <a:noAutofit/>
+          </a:bodyPr>
+          <a:lstStyle/>
+          <a:p>
+            <a:pPr>
+              <a:spcAft>
+                <a:spcPts val="600"/>
+              </a:spcAft>
+            </a:pPr>
+            <a:r>
+              <a:rPr lang="en-US" sz="2400" u="sng" dirty="0">
+                <a:latin typeface="Helvetica" charset="0"/>
+                <a:ea typeface="Times New Roman" charset="0"/>
+                <a:cs typeface="Arial" charset="0"/>
+              </a:rPr>
+              <a:t>Response variable</a:t>
+            </a:r>
+          </a:p>
+        </p:txBody>
+      </p:sp>
+      <p:sp>
+        <p:nvSpPr>
+          <p:cNvPr id="13" name="TextBox 12"/>
+          <p:cNvSpPr txBox="1"/>
+          <p:nvPr/>
+        </p:nvSpPr>
+        <p:spPr>
+          <a:xfrm>
+            <a:off x="8162486" y="6073999"/>
+            <a:ext cx="914400" cy="914400"/>
+          </a:xfrm>
+          <a:prstGeom prst="rect">
+            <a:avLst/>
+          </a:prstGeom>
+          <a:noFill/>
+          <a:ln>
+            <a:noFill/>
+          </a:ln>
+        </p:spPr>
+        <p:txBody>
+          <a:bodyPr wrap="none" rtlCol="0" anchor="ctr" anchorCtr="0">
+            <a:noAutofit/>
+          </a:bodyPr>
+          <a:lstStyle/>
+          <a:p>
+            <a:pPr>
+              <a:spcAft>
+                <a:spcPts val="600"/>
+              </a:spcAft>
+            </a:pPr>
+            <a:r>
+              <a:rPr lang="en-US" sz="2400" u="sng" dirty="0">
+                <a:latin typeface="Helvetica" charset="0"/>
+                <a:ea typeface="Times New Roman" charset="0"/>
+                <a:cs typeface="Arial" charset="0"/>
+              </a:rPr>
+              <a:t>Predictor variable</a:t>
+            </a:r>
+          </a:p>
+        </p:txBody>
+      </p:sp>
+      <p:sp>
+        <p:nvSpPr>
+          <p:cNvPr id="14" name="TextBox 13"/>
+          <p:cNvSpPr txBox="1"/>
+          <p:nvPr/>
+        </p:nvSpPr>
+        <p:spPr>
+          <a:xfrm>
+            <a:off x="3753031" y="5778911"/>
+            <a:ext cx="914400" cy="914400"/>
+          </a:xfrm>
+          <a:prstGeom prst="rect">
+            <a:avLst/>
+          </a:prstGeom>
+          <a:noFill/>
+          <a:ln>
+            <a:noFill/>
+          </a:ln>
+        </p:spPr>
+        <p:txBody>
+          <a:bodyPr wrap="none" rtlCol="0" anchor="ctr" anchorCtr="0">
+            <a:noAutofit/>
+          </a:bodyPr>
+          <a:lstStyle/>
+          <a:p>
+            <a:pPr>
+              <a:spcAft>
+                <a:spcPts val="600"/>
+              </a:spcAft>
+            </a:pPr>
+            <a:r>
+              <a:rPr lang="en-US" sz="2000" dirty="0">
+                <a:latin typeface="Helvetica" charset="0"/>
+                <a:ea typeface="Times New Roman" charset="0"/>
+                <a:cs typeface="Arial" charset="0"/>
+              </a:rPr>
+              <a:t>Continuous</a:t>
+            </a:r>
+          </a:p>
+        </p:txBody>
+      </p:sp>
+      <p:sp>
+        <p:nvSpPr>
+          <p:cNvPr id="16" name="TextBox 15"/>
+          <p:cNvSpPr txBox="1"/>
+          <p:nvPr/>
+        </p:nvSpPr>
+        <p:spPr>
+          <a:xfrm>
+            <a:off x="1844860" y="4632840"/>
+            <a:ext cx="914400" cy="914400"/>
+          </a:xfrm>
+          <a:prstGeom prst="rect">
+            <a:avLst/>
+          </a:prstGeom>
+          <a:noFill/>
+          <a:ln>
+            <a:noFill/>
+          </a:ln>
+        </p:spPr>
+        <p:txBody>
+          <a:bodyPr wrap="none" rtlCol="0" anchor="ctr" anchorCtr="0">
+            <a:noAutofit/>
+          </a:bodyPr>
+          <a:lstStyle/>
+          <a:p>
+            <a:pPr>
+              <a:spcAft>
+                <a:spcPts val="600"/>
+              </a:spcAft>
+            </a:pPr>
+            <a:r>
+              <a:rPr lang="en-US" sz="2000" dirty="0">
+                <a:latin typeface="Helvetica" charset="0"/>
+                <a:ea typeface="Times New Roman" charset="0"/>
+                <a:cs typeface="Arial" charset="0"/>
+              </a:rPr>
+              <a:t>Continuous</a:t>
+            </a:r>
+          </a:p>
+        </p:txBody>
+      </p:sp>
+      <p:sp>
+        <p:nvSpPr>
+          <p:cNvPr id="17" name="TextBox 16"/>
+          <p:cNvSpPr txBox="1"/>
+          <p:nvPr/>
+        </p:nvSpPr>
+        <p:spPr>
+          <a:xfrm>
+            <a:off x="1844860" y="2759053"/>
+            <a:ext cx="914400" cy="914400"/>
+          </a:xfrm>
+          <a:prstGeom prst="rect">
+            <a:avLst/>
+          </a:prstGeom>
+          <a:noFill/>
+          <a:ln>
+            <a:noFill/>
+          </a:ln>
+        </p:spPr>
+        <p:txBody>
+          <a:bodyPr wrap="none" rtlCol="0" anchor="ctr" anchorCtr="0">
+            <a:noAutofit/>
+          </a:bodyPr>
+          <a:lstStyle/>
+          <a:p>
+            <a:pPr>
+              <a:spcAft>
+                <a:spcPts val="600"/>
+              </a:spcAft>
+            </a:pPr>
+            <a:r>
+              <a:rPr lang="en-US" sz="2000" dirty="0">
+                <a:latin typeface="Helvetica" charset="0"/>
+                <a:ea typeface="Times New Roman" charset="0"/>
+                <a:cs typeface="Arial" charset="0"/>
+              </a:rPr>
+              <a:t>Categorical</a:t>
+            </a:r>
+          </a:p>
+        </p:txBody>
+      </p:sp>
+      <p:sp>
+        <p:nvSpPr>
+          <p:cNvPr id="18" name="TextBox 17"/>
+          <p:cNvSpPr txBox="1"/>
+          <p:nvPr/>
+        </p:nvSpPr>
+        <p:spPr>
+          <a:xfrm>
+            <a:off x="6135582" y="5778911"/>
+            <a:ext cx="914400" cy="914400"/>
+          </a:xfrm>
+          <a:prstGeom prst="rect">
+            <a:avLst/>
+          </a:prstGeom>
+          <a:noFill/>
+          <a:ln>
+            <a:noFill/>
+          </a:ln>
+        </p:spPr>
+        <p:txBody>
+          <a:bodyPr wrap="none" rtlCol="0" anchor="ctr" anchorCtr="0">
+            <a:noAutofit/>
+          </a:bodyPr>
+          <a:lstStyle/>
+          <a:p>
+            <a:pPr>
+              <a:spcAft>
+                <a:spcPts val="600"/>
+              </a:spcAft>
+            </a:pPr>
+            <a:r>
+              <a:rPr lang="en-US" sz="2000" dirty="0">
+                <a:latin typeface="Helvetica" charset="0"/>
+                <a:ea typeface="Times New Roman" charset="0"/>
+                <a:cs typeface="Arial" charset="0"/>
+              </a:rPr>
+              <a:t>Categorical</a:t>
+            </a:r>
+          </a:p>
+        </p:txBody>
+      </p:sp>
+      <p:pic>
+        <p:nvPicPr>
+          <p:cNvPr id="15" name="Picture 14" descr="LinearRegression.pdf"/>
+          <p:cNvPicPr>
+            <a:picLocks noChangeAspect="1"/>
+          </p:cNvPicPr>
+          <p:nvPr/>
+        </p:nvPicPr>
+        <p:blipFill>
+          <a:blip r:embed="rId2">
+            <a:extLst>
+              <a:ext uri="{28A0092B-C50C-407E-A947-70E740481C1C}">
+                <a14:useLocalDpi xmlns:a14="http://schemas.microsoft.com/office/drawing/2010/main" val="0"/>
+              </a:ext>
+            </a:extLst>
+          </a:blip>
+          <a:stretch>
+            <a:fillRect/>
+          </a:stretch>
+        </p:blipFill>
+        <p:spPr>
+          <a:xfrm>
+            <a:off x="3576728" y="4357370"/>
+            <a:ext cx="1929234" cy="1421541"/>
+          </a:xfrm>
+          <a:prstGeom prst="rect">
+            <a:avLst/>
+          </a:prstGeom>
+        </p:spPr>
+      </p:pic>
       <p:pic>
         <p:nvPicPr>
           <p:cNvPr id="19" name="Picture 18" descr="BoxPlotChickenFeed.pdf"/>
@@ -5937,6 +7837,807 @@
           </a:prstGeom>
         </p:spPr>
       </p:pic>
+      <p:sp>
+        <p:nvSpPr>
+          <p:cNvPr id="21" name="TextBox 20"/>
+          <p:cNvSpPr txBox="1"/>
+          <p:nvPr/>
+        </p:nvSpPr>
+        <p:spPr>
+          <a:xfrm>
+            <a:off x="4210231" y="2807011"/>
+            <a:ext cx="914400" cy="914400"/>
+          </a:xfrm>
+          <a:prstGeom prst="rect">
+            <a:avLst/>
+          </a:prstGeom>
+          <a:noFill/>
+          <a:ln>
+            <a:noFill/>
+          </a:ln>
+        </p:spPr>
+        <p:txBody>
+          <a:bodyPr wrap="none" rtlCol="0" anchor="ctr" anchorCtr="0">
+            <a:noAutofit/>
+          </a:bodyPr>
+          <a:lstStyle/>
+          <a:p>
+            <a:pPr>
+              <a:spcAft>
+                <a:spcPts val="600"/>
+              </a:spcAft>
+            </a:pPr>
+            <a:r>
+              <a:rPr lang="en-US" sz="2400" b="1" dirty="0">
+                <a:solidFill>
+                  <a:srgbClr val="FF0000"/>
+                </a:solidFill>
+                <a:latin typeface="Helvetica" charset="0"/>
+                <a:ea typeface="Times New Roman" charset="0"/>
+                <a:cs typeface="Arial" charset="0"/>
+              </a:rPr>
+              <a:t>X</a:t>
+            </a:r>
+          </a:p>
+        </p:txBody>
+      </p:sp>
+    </p:spTree>
+    <p:extLst>
+      <p:ext uri="{BB962C8B-B14F-4D97-AF65-F5344CB8AC3E}">
+        <p14:creationId xmlns:p14="http://schemas.microsoft.com/office/powerpoint/2010/main" val="546583268"/>
+      </p:ext>
+    </p:extLst>
+  </p:cSld>
+  <p:clrMapOvr>
+    <a:masterClrMapping/>
+  </p:clrMapOvr>
+</p:sld>
+</file>
+
+<file path=ppt/slides/slide18.xml><?xml version="1.0" encoding="utf-8"?>
+<p:sld xmlns:a="http://schemas.openxmlformats.org/drawingml/2006/main" xmlns:r="http://schemas.openxmlformats.org/officeDocument/2006/relationships" xmlns:p="http://schemas.openxmlformats.org/presentationml/2006/main">
+  <p:cSld>
+    <p:spTree>
+      <p:nvGrpSpPr>
+        <p:cNvPr id="1" name=""/>
+        <p:cNvGrpSpPr/>
+        <p:nvPr/>
+      </p:nvGrpSpPr>
+      <p:grpSpPr>
+        <a:xfrm>
+          <a:off x="0" y="0"/>
+          <a:ext cx="0" cy="0"/>
+          <a:chOff x="0" y="0"/>
+          <a:chExt cx="0" cy="0"/>
+        </a:xfrm>
+      </p:grpSpPr>
+      <p:sp>
+        <p:nvSpPr>
+          <p:cNvPr id="3" name="Title 2"/>
+          <p:cNvSpPr>
+            <a:spLocks noGrp="1"/>
+          </p:cNvSpPr>
+          <p:nvPr>
+            <p:ph type="title"/>
+          </p:nvPr>
+        </p:nvSpPr>
+        <p:spPr/>
+        <p:txBody>
+          <a:bodyPr/>
+          <a:lstStyle/>
+          <a:p>
+            <a:r>
+              <a:rPr lang="en-US" b="1" dirty="0" err="1"/>
+              <a:t>Response</a:t>
+            </a:r>
+            <a:r>
+              <a:rPr lang="en-US" dirty="0" err="1"/>
+              <a:t>:Categorical</a:t>
+            </a:r>
+            <a:br>
+              <a:rPr lang="en-US" dirty="0"/>
+            </a:br>
+            <a:r>
+              <a:rPr lang="en-US" b="1" dirty="0"/>
+              <a:t>Predictor</a:t>
+            </a:r>
+            <a:r>
+              <a:rPr lang="en-US" dirty="0"/>
+              <a:t>: Continuous</a:t>
+            </a:r>
+          </a:p>
+        </p:txBody>
+      </p:sp>
+      <p:sp>
+        <p:nvSpPr>
+          <p:cNvPr id="5" name="TextBox 4"/>
+          <p:cNvSpPr txBox="1"/>
+          <p:nvPr/>
+        </p:nvSpPr>
+        <p:spPr>
+          <a:xfrm>
+            <a:off x="7363361" y="3453079"/>
+            <a:ext cx="914400" cy="914400"/>
+          </a:xfrm>
+          <a:prstGeom prst="rect">
+            <a:avLst/>
+          </a:prstGeom>
+          <a:noFill/>
+          <a:ln>
+            <a:noFill/>
+          </a:ln>
+        </p:spPr>
+        <p:txBody>
+          <a:bodyPr wrap="none" rtlCol="0" anchor="ctr" anchorCtr="0">
+            <a:noAutofit/>
+          </a:bodyPr>
+          <a:lstStyle/>
+          <a:p>
+            <a:pPr>
+              <a:spcAft>
+                <a:spcPts val="600"/>
+              </a:spcAft>
+            </a:pPr>
+            <a:r>
+              <a:rPr lang="en-US" sz="2000" dirty="0">
+                <a:latin typeface="Helvetica" charset="0"/>
+                <a:ea typeface="Times New Roman" charset="0"/>
+                <a:cs typeface="Arial" charset="0"/>
+              </a:rPr>
+              <a:t>Logistic regression</a:t>
+            </a:r>
+          </a:p>
+          <a:p>
+            <a:pPr>
+              <a:spcAft>
+                <a:spcPts val="600"/>
+              </a:spcAft>
+            </a:pPr>
+            <a:r>
+              <a:rPr lang="en-US" sz="2000" i="1" dirty="0">
+                <a:latin typeface="Helvetica" charset="0"/>
+                <a:ea typeface="Times New Roman" charset="0"/>
+                <a:cs typeface="Arial" charset="0"/>
+              </a:rPr>
+              <a:t>Parameter/effect size</a:t>
+            </a:r>
+            <a:r>
+              <a:rPr lang="en-US" sz="2000" dirty="0">
+                <a:latin typeface="Helvetica" charset="0"/>
+                <a:ea typeface="Times New Roman" charset="0"/>
+                <a:cs typeface="Arial" charset="0"/>
+              </a:rPr>
+              <a:t>: odds ratio</a:t>
+            </a:r>
+          </a:p>
+        </p:txBody>
+      </p:sp>
+      <p:pic>
+        <p:nvPicPr>
+          <p:cNvPr id="2" name="Picture 1" descr="Exam_pass_logistic_curve.jpg"/>
+          <p:cNvPicPr>
+            <a:picLocks noChangeAspect="1"/>
+          </p:cNvPicPr>
+          <p:nvPr/>
+        </p:nvPicPr>
+        <p:blipFill>
+          <a:blip r:embed="rId2">
+            <a:extLst>
+              <a:ext uri="{28A0092B-C50C-407E-A947-70E740481C1C}">
+                <a14:useLocalDpi xmlns:a14="http://schemas.microsoft.com/office/drawing/2010/main" val="0"/>
+              </a:ext>
+            </a:extLst>
+          </a:blip>
+          <a:stretch>
+            <a:fillRect/>
+          </a:stretch>
+        </p:blipFill>
+        <p:spPr>
+          <a:xfrm>
+            <a:off x="838200" y="1855493"/>
+            <a:ext cx="5790588" cy="4196376"/>
+          </a:xfrm>
+          <a:prstGeom prst="rect">
+            <a:avLst/>
+          </a:prstGeom>
+        </p:spPr>
+      </p:pic>
+      <p:sp>
+        <p:nvSpPr>
+          <p:cNvPr id="6" name="Rectangle 5"/>
+          <p:cNvSpPr/>
+          <p:nvPr/>
+        </p:nvSpPr>
+        <p:spPr>
+          <a:xfrm>
+            <a:off x="1121539" y="6507625"/>
+            <a:ext cx="6096000" cy="276999"/>
+          </a:xfrm>
+          <a:prstGeom prst="rect">
+            <a:avLst/>
+          </a:prstGeom>
+        </p:spPr>
+        <p:txBody>
+          <a:bodyPr>
+            <a:spAutoFit/>
+          </a:bodyPr>
+          <a:lstStyle/>
+          <a:p>
+            <a:pPr>
+              <a:spcAft>
+                <a:spcPts val="600"/>
+              </a:spcAft>
+            </a:pPr>
+            <a:r>
+              <a:rPr lang="en-US" sz="1200" dirty="0">
+                <a:latin typeface="Helvetica" charset="0"/>
+                <a:ea typeface="Times New Roman" charset="0"/>
+                <a:cs typeface="Arial" charset="0"/>
+              </a:rPr>
+              <a:t>https://</a:t>
+            </a:r>
+            <a:r>
+              <a:rPr lang="en-US" sz="1200" dirty="0" err="1">
+                <a:latin typeface="Helvetica" charset="0"/>
+                <a:ea typeface="Times New Roman" charset="0"/>
+                <a:cs typeface="Arial" charset="0"/>
+              </a:rPr>
+              <a:t>upload.wikimedia.org</a:t>
+            </a:r>
+            <a:r>
+              <a:rPr lang="en-US" sz="1200" dirty="0">
+                <a:latin typeface="Helvetica" charset="0"/>
+                <a:ea typeface="Times New Roman" charset="0"/>
+                <a:cs typeface="Arial" charset="0"/>
+              </a:rPr>
+              <a:t>/</a:t>
+            </a:r>
+            <a:r>
+              <a:rPr lang="en-US" sz="1200" dirty="0" err="1">
+                <a:latin typeface="Helvetica" charset="0"/>
+                <a:ea typeface="Times New Roman" charset="0"/>
+                <a:cs typeface="Arial" charset="0"/>
+              </a:rPr>
+              <a:t>wikipedia</a:t>
+            </a:r>
+            <a:r>
+              <a:rPr lang="en-US" sz="1200" dirty="0">
+                <a:latin typeface="Helvetica" charset="0"/>
+                <a:ea typeface="Times New Roman" charset="0"/>
+                <a:cs typeface="Arial" charset="0"/>
+              </a:rPr>
+              <a:t>/commons/6/6d/</a:t>
+            </a:r>
+            <a:r>
+              <a:rPr lang="en-US" sz="1200" dirty="0" err="1">
+                <a:latin typeface="Helvetica" charset="0"/>
+                <a:ea typeface="Times New Roman" charset="0"/>
+                <a:cs typeface="Arial" charset="0"/>
+              </a:rPr>
+              <a:t>Exam_pass_logistic_curve.jpeg</a:t>
+            </a:r>
+            <a:endParaRPr lang="en-US" sz="1200" dirty="0">
+              <a:latin typeface="Helvetica" charset="0"/>
+              <a:ea typeface="Times New Roman" charset="0"/>
+              <a:cs typeface="Arial" charset="0"/>
+            </a:endParaRPr>
+          </a:p>
+        </p:txBody>
+      </p:sp>
+    </p:spTree>
+    <p:extLst>
+      <p:ext uri="{BB962C8B-B14F-4D97-AF65-F5344CB8AC3E}">
+        <p14:creationId xmlns:p14="http://schemas.microsoft.com/office/powerpoint/2010/main" val="1323194350"/>
+      </p:ext>
+    </p:extLst>
+  </p:cSld>
+  <p:clrMapOvr>
+    <a:masterClrMapping/>
+  </p:clrMapOvr>
+</p:sld>
+</file>
+
+<file path=ppt/slides/slide19.xml><?xml version="1.0" encoding="utf-8"?>
+<p:sld xmlns:a="http://schemas.openxmlformats.org/drawingml/2006/main" xmlns:r="http://schemas.openxmlformats.org/officeDocument/2006/relationships" xmlns:p="http://schemas.openxmlformats.org/presentationml/2006/main">
+  <p:cSld>
+    <p:spTree>
+      <p:nvGrpSpPr>
+        <p:cNvPr id="1" name=""/>
+        <p:cNvGrpSpPr/>
+        <p:nvPr/>
+      </p:nvGrpSpPr>
+      <p:grpSpPr>
+        <a:xfrm>
+          <a:off x="0" y="0"/>
+          <a:ext cx="0" cy="0"/>
+          <a:chOff x="0" y="0"/>
+          <a:chExt cx="0" cy="0"/>
+        </a:xfrm>
+      </p:grpSpPr>
+      <p:sp>
+        <p:nvSpPr>
+          <p:cNvPr id="3" name="Title 2"/>
+          <p:cNvSpPr>
+            <a:spLocks noGrp="1"/>
+          </p:cNvSpPr>
+          <p:nvPr>
+            <p:ph type="title"/>
+          </p:nvPr>
+        </p:nvSpPr>
+        <p:spPr/>
+        <p:txBody>
+          <a:bodyPr/>
+          <a:lstStyle/>
+          <a:p>
+            <a:r>
+              <a:rPr lang="en-US" dirty="0"/>
+              <a:t>How do I choose which statistical test to use?</a:t>
+            </a:r>
+          </a:p>
+        </p:txBody>
+      </p:sp>
+      <p:cxnSp>
+        <p:nvCxnSpPr>
+          <p:cNvPr id="5" name="Straight Connector 4"/>
+          <p:cNvCxnSpPr/>
+          <p:nvPr/>
+        </p:nvCxnSpPr>
+        <p:spPr>
+          <a:xfrm>
+            <a:off x="3439089" y="2068993"/>
+            <a:ext cx="14270" cy="4123719"/>
+          </a:xfrm>
+          <a:prstGeom prst="line">
+            <a:avLst/>
+          </a:prstGeom>
+        </p:spPr>
+        <p:style>
+          <a:lnRef idx="2">
+            <a:schemeClr val="accent1"/>
+          </a:lnRef>
+          <a:fillRef idx="0">
+            <a:schemeClr val="accent1"/>
+          </a:fillRef>
+          <a:effectRef idx="1">
+            <a:schemeClr val="accent1"/>
+          </a:effectRef>
+          <a:fontRef idx="minor">
+            <a:schemeClr val="tx1"/>
+          </a:fontRef>
+        </p:style>
+      </p:cxnSp>
+      <p:cxnSp>
+        <p:nvCxnSpPr>
+          <p:cNvPr id="7" name="Straight Connector 6"/>
+          <p:cNvCxnSpPr/>
+          <p:nvPr/>
+        </p:nvCxnSpPr>
+        <p:spPr>
+          <a:xfrm flipV="1">
+            <a:off x="3139418" y="5992947"/>
+            <a:ext cx="5023068" cy="57075"/>
+          </a:xfrm>
+          <a:prstGeom prst="line">
+            <a:avLst/>
+          </a:prstGeom>
+        </p:spPr>
+        <p:style>
+          <a:lnRef idx="2">
+            <a:schemeClr val="accent1"/>
+          </a:lnRef>
+          <a:fillRef idx="0">
+            <a:schemeClr val="accent1"/>
+          </a:fillRef>
+          <a:effectRef idx="1">
+            <a:schemeClr val="accent1"/>
+          </a:effectRef>
+          <a:fontRef idx="minor">
+            <a:schemeClr val="tx1"/>
+          </a:fontRef>
+        </p:style>
+      </p:cxnSp>
+      <p:cxnSp>
+        <p:nvCxnSpPr>
+          <p:cNvPr id="9" name="Straight Connector 8"/>
+          <p:cNvCxnSpPr/>
+          <p:nvPr/>
+        </p:nvCxnSpPr>
+        <p:spPr>
+          <a:xfrm>
+            <a:off x="3139418" y="4009567"/>
+            <a:ext cx="5023068" cy="0"/>
+          </a:xfrm>
+          <a:prstGeom prst="line">
+            <a:avLst/>
+          </a:prstGeom>
+          <a:ln>
+            <a:prstDash val="dash"/>
+          </a:ln>
+        </p:spPr>
+        <p:style>
+          <a:lnRef idx="2">
+            <a:schemeClr val="accent1"/>
+          </a:lnRef>
+          <a:fillRef idx="0">
+            <a:schemeClr val="accent1"/>
+          </a:fillRef>
+          <a:effectRef idx="1">
+            <a:schemeClr val="accent1"/>
+          </a:effectRef>
+          <a:fontRef idx="minor">
+            <a:schemeClr val="tx1"/>
+          </a:fontRef>
+        </p:style>
+      </p:cxnSp>
+      <p:cxnSp>
+        <p:nvCxnSpPr>
+          <p:cNvPr id="11" name="Straight Connector 10"/>
+          <p:cNvCxnSpPr/>
+          <p:nvPr/>
+        </p:nvCxnSpPr>
+        <p:spPr>
+          <a:xfrm>
+            <a:off x="5608142" y="2068993"/>
+            <a:ext cx="71350" cy="4123719"/>
+          </a:xfrm>
+          <a:prstGeom prst="line">
+            <a:avLst/>
+          </a:prstGeom>
+          <a:ln>
+            <a:prstDash val="dash"/>
+          </a:ln>
+        </p:spPr>
+        <p:style>
+          <a:lnRef idx="2">
+            <a:schemeClr val="accent1"/>
+          </a:lnRef>
+          <a:fillRef idx="0">
+            <a:schemeClr val="accent1"/>
+          </a:fillRef>
+          <a:effectRef idx="1">
+            <a:schemeClr val="accent1"/>
+          </a:effectRef>
+          <a:fontRef idx="minor">
+            <a:schemeClr val="tx1"/>
+          </a:fontRef>
+        </p:style>
+      </p:cxnSp>
+      <p:sp>
+        <p:nvSpPr>
+          <p:cNvPr id="12" name="TextBox 11"/>
+          <p:cNvSpPr txBox="1"/>
+          <p:nvPr/>
+        </p:nvSpPr>
+        <p:spPr>
+          <a:xfrm>
+            <a:off x="709770" y="1726537"/>
+            <a:ext cx="914400" cy="914400"/>
+          </a:xfrm>
+          <a:prstGeom prst="rect">
+            <a:avLst/>
+          </a:prstGeom>
+          <a:noFill/>
+          <a:ln>
+            <a:noFill/>
+          </a:ln>
+        </p:spPr>
+        <p:txBody>
+          <a:bodyPr wrap="none" rtlCol="0" anchor="ctr" anchorCtr="0">
+            <a:noAutofit/>
+          </a:bodyPr>
+          <a:lstStyle/>
+          <a:p>
+            <a:pPr>
+              <a:spcAft>
+                <a:spcPts val="600"/>
+              </a:spcAft>
+            </a:pPr>
+            <a:r>
+              <a:rPr lang="en-US" sz="2400" u="sng" dirty="0">
+                <a:latin typeface="Helvetica" charset="0"/>
+                <a:ea typeface="Times New Roman" charset="0"/>
+                <a:cs typeface="Arial" charset="0"/>
+              </a:rPr>
+              <a:t>Response variable</a:t>
+            </a:r>
+          </a:p>
+        </p:txBody>
+      </p:sp>
+      <p:sp>
+        <p:nvSpPr>
+          <p:cNvPr id="13" name="TextBox 12"/>
+          <p:cNvSpPr txBox="1"/>
+          <p:nvPr/>
+        </p:nvSpPr>
+        <p:spPr>
+          <a:xfrm>
+            <a:off x="8162486" y="6073999"/>
+            <a:ext cx="914400" cy="914400"/>
+          </a:xfrm>
+          <a:prstGeom prst="rect">
+            <a:avLst/>
+          </a:prstGeom>
+          <a:noFill/>
+          <a:ln>
+            <a:noFill/>
+          </a:ln>
+        </p:spPr>
+        <p:txBody>
+          <a:bodyPr wrap="none" rtlCol="0" anchor="ctr" anchorCtr="0">
+            <a:noAutofit/>
+          </a:bodyPr>
+          <a:lstStyle/>
+          <a:p>
+            <a:pPr>
+              <a:spcAft>
+                <a:spcPts val="600"/>
+              </a:spcAft>
+            </a:pPr>
+            <a:r>
+              <a:rPr lang="en-US" sz="2400" u="sng" dirty="0">
+                <a:latin typeface="Helvetica" charset="0"/>
+                <a:ea typeface="Times New Roman" charset="0"/>
+                <a:cs typeface="Arial" charset="0"/>
+              </a:rPr>
+              <a:t>Predictor variable</a:t>
+            </a:r>
+          </a:p>
+        </p:txBody>
+      </p:sp>
+      <p:sp>
+        <p:nvSpPr>
+          <p:cNvPr id="14" name="TextBox 13"/>
+          <p:cNvSpPr txBox="1"/>
+          <p:nvPr/>
+        </p:nvSpPr>
+        <p:spPr>
+          <a:xfrm>
+            <a:off x="3753031" y="5778911"/>
+            <a:ext cx="914400" cy="914400"/>
+          </a:xfrm>
+          <a:prstGeom prst="rect">
+            <a:avLst/>
+          </a:prstGeom>
+          <a:noFill/>
+          <a:ln>
+            <a:noFill/>
+          </a:ln>
+        </p:spPr>
+        <p:txBody>
+          <a:bodyPr wrap="none" rtlCol="0" anchor="ctr" anchorCtr="0">
+            <a:noAutofit/>
+          </a:bodyPr>
+          <a:lstStyle/>
+          <a:p>
+            <a:pPr>
+              <a:spcAft>
+                <a:spcPts val="600"/>
+              </a:spcAft>
+            </a:pPr>
+            <a:r>
+              <a:rPr lang="en-US" sz="2000" dirty="0">
+                <a:latin typeface="Helvetica" charset="0"/>
+                <a:ea typeface="Times New Roman" charset="0"/>
+                <a:cs typeface="Arial" charset="0"/>
+              </a:rPr>
+              <a:t>Continuous</a:t>
+            </a:r>
+          </a:p>
+        </p:txBody>
+      </p:sp>
+      <p:sp>
+        <p:nvSpPr>
+          <p:cNvPr id="16" name="TextBox 15"/>
+          <p:cNvSpPr txBox="1"/>
+          <p:nvPr/>
+        </p:nvSpPr>
+        <p:spPr>
+          <a:xfrm>
+            <a:off x="1844860" y="4632840"/>
+            <a:ext cx="914400" cy="914400"/>
+          </a:xfrm>
+          <a:prstGeom prst="rect">
+            <a:avLst/>
+          </a:prstGeom>
+          <a:noFill/>
+          <a:ln>
+            <a:noFill/>
+          </a:ln>
+        </p:spPr>
+        <p:txBody>
+          <a:bodyPr wrap="none" rtlCol="0" anchor="ctr" anchorCtr="0">
+            <a:noAutofit/>
+          </a:bodyPr>
+          <a:lstStyle/>
+          <a:p>
+            <a:pPr>
+              <a:spcAft>
+                <a:spcPts val="600"/>
+              </a:spcAft>
+            </a:pPr>
+            <a:r>
+              <a:rPr lang="en-US" sz="2000" dirty="0">
+                <a:latin typeface="Helvetica" charset="0"/>
+                <a:ea typeface="Times New Roman" charset="0"/>
+                <a:cs typeface="Arial" charset="0"/>
+              </a:rPr>
+              <a:t>Continuous</a:t>
+            </a:r>
+          </a:p>
+        </p:txBody>
+      </p:sp>
+      <p:sp>
+        <p:nvSpPr>
+          <p:cNvPr id="17" name="TextBox 16"/>
+          <p:cNvSpPr txBox="1"/>
+          <p:nvPr/>
+        </p:nvSpPr>
+        <p:spPr>
+          <a:xfrm>
+            <a:off x="1844860" y="2759053"/>
+            <a:ext cx="914400" cy="914400"/>
+          </a:xfrm>
+          <a:prstGeom prst="rect">
+            <a:avLst/>
+          </a:prstGeom>
+          <a:noFill/>
+          <a:ln>
+            <a:noFill/>
+          </a:ln>
+        </p:spPr>
+        <p:txBody>
+          <a:bodyPr wrap="none" rtlCol="0" anchor="ctr" anchorCtr="0">
+            <a:noAutofit/>
+          </a:bodyPr>
+          <a:lstStyle/>
+          <a:p>
+            <a:pPr>
+              <a:spcAft>
+                <a:spcPts val="600"/>
+              </a:spcAft>
+            </a:pPr>
+            <a:r>
+              <a:rPr lang="en-US" sz="2000" dirty="0">
+                <a:latin typeface="Helvetica" charset="0"/>
+                <a:ea typeface="Times New Roman" charset="0"/>
+                <a:cs typeface="Arial" charset="0"/>
+              </a:rPr>
+              <a:t>Categorical</a:t>
+            </a:r>
+          </a:p>
+        </p:txBody>
+      </p:sp>
+      <p:sp>
+        <p:nvSpPr>
+          <p:cNvPr id="18" name="TextBox 17"/>
+          <p:cNvSpPr txBox="1"/>
+          <p:nvPr/>
+        </p:nvSpPr>
+        <p:spPr>
+          <a:xfrm>
+            <a:off x="6135582" y="5778911"/>
+            <a:ext cx="914400" cy="914400"/>
+          </a:xfrm>
+          <a:prstGeom prst="rect">
+            <a:avLst/>
+          </a:prstGeom>
+          <a:noFill/>
+          <a:ln>
+            <a:noFill/>
+          </a:ln>
+        </p:spPr>
+        <p:txBody>
+          <a:bodyPr wrap="none" rtlCol="0" anchor="ctr" anchorCtr="0">
+            <a:noAutofit/>
+          </a:bodyPr>
+          <a:lstStyle/>
+          <a:p>
+            <a:pPr>
+              <a:spcAft>
+                <a:spcPts val="600"/>
+              </a:spcAft>
+            </a:pPr>
+            <a:r>
+              <a:rPr lang="en-US" sz="2000" dirty="0">
+                <a:latin typeface="Helvetica" charset="0"/>
+                <a:ea typeface="Times New Roman" charset="0"/>
+                <a:cs typeface="Arial" charset="0"/>
+              </a:rPr>
+              <a:t>Categorical</a:t>
+            </a:r>
+          </a:p>
+        </p:txBody>
+      </p:sp>
+      <p:pic>
+        <p:nvPicPr>
+          <p:cNvPr id="15" name="Picture 14" descr="LinearRegression.pdf"/>
+          <p:cNvPicPr>
+            <a:picLocks noChangeAspect="1"/>
+          </p:cNvPicPr>
+          <p:nvPr/>
+        </p:nvPicPr>
+        <p:blipFill>
+          <a:blip r:embed="rId2">
+            <a:extLst>
+              <a:ext uri="{28A0092B-C50C-407E-A947-70E740481C1C}">
+                <a14:useLocalDpi xmlns:a14="http://schemas.microsoft.com/office/drawing/2010/main" val="0"/>
+              </a:ext>
+            </a:extLst>
+          </a:blip>
+          <a:stretch>
+            <a:fillRect/>
+          </a:stretch>
+        </p:blipFill>
+        <p:spPr>
+          <a:xfrm>
+            <a:off x="3576728" y="4357370"/>
+            <a:ext cx="1929234" cy="1421541"/>
+          </a:xfrm>
+          <a:prstGeom prst="rect">
+            <a:avLst/>
+          </a:prstGeom>
+        </p:spPr>
+      </p:pic>
+      <p:pic>
+        <p:nvPicPr>
+          <p:cNvPr id="19" name="Picture 18" descr="BoxPlotChickenFeed.pdf"/>
+          <p:cNvPicPr>
+            <a:picLocks noChangeAspect="1"/>
+          </p:cNvPicPr>
+          <p:nvPr/>
+        </p:nvPicPr>
+        <p:blipFill>
+          <a:blip r:embed="rId3">
+            <a:extLst>
+              <a:ext uri="{28A0092B-C50C-407E-A947-70E740481C1C}">
+                <a14:useLocalDpi xmlns:a14="http://schemas.microsoft.com/office/drawing/2010/main" val="0"/>
+              </a:ext>
+            </a:extLst>
+          </a:blip>
+          <a:stretch>
+            <a:fillRect/>
+          </a:stretch>
+        </p:blipFill>
+        <p:spPr>
+          <a:xfrm>
+            <a:off x="5888480" y="4357370"/>
+            <a:ext cx="2534729" cy="1527723"/>
+          </a:xfrm>
+          <a:prstGeom prst="rect">
+            <a:avLst/>
+          </a:prstGeom>
+        </p:spPr>
+      </p:pic>
+      <p:pic>
+        <p:nvPicPr>
+          <p:cNvPr id="20" name="Picture 19" descr="TwoByTwoTable.pdf"/>
+          <p:cNvPicPr>
+            <a:picLocks noChangeAspect="1"/>
+          </p:cNvPicPr>
+          <p:nvPr/>
+        </p:nvPicPr>
+        <p:blipFill>
+          <a:blip r:embed="rId4">
+            <a:extLst>
+              <a:ext uri="{28A0092B-C50C-407E-A947-70E740481C1C}">
+                <a14:useLocalDpi xmlns:a14="http://schemas.microsoft.com/office/drawing/2010/main" val="0"/>
+              </a:ext>
+            </a:extLst>
+          </a:blip>
+          <a:stretch>
+            <a:fillRect/>
+          </a:stretch>
+        </p:blipFill>
+        <p:spPr>
+          <a:xfrm>
+            <a:off x="5890814" y="2143592"/>
+            <a:ext cx="2532395" cy="1865975"/>
+          </a:xfrm>
+          <a:prstGeom prst="rect">
+            <a:avLst/>
+          </a:prstGeom>
+        </p:spPr>
+      </p:pic>
       <p:pic>
         <p:nvPicPr>
           <p:cNvPr id="21" name="Picture 20" descr="Exam_pass_logistic_curve.jpg"/>
@@ -5980,7 +8681,228 @@
 </p:sld>
 </file>
 
-<file path=ppt/slides/slide14.xml><?xml version="1.0" encoding="utf-8"?>
+<file path=ppt/slides/slide2.xml><?xml version="1.0" encoding="utf-8"?>
+<p:sld xmlns:a="http://schemas.openxmlformats.org/drawingml/2006/main" xmlns:r="http://schemas.openxmlformats.org/officeDocument/2006/relationships" xmlns:p="http://schemas.openxmlformats.org/presentationml/2006/main">
+  <p:cSld>
+    <p:spTree>
+      <p:nvGrpSpPr>
+        <p:cNvPr id="1" name=""/>
+        <p:cNvGrpSpPr/>
+        <p:nvPr/>
+      </p:nvGrpSpPr>
+      <p:grpSpPr>
+        <a:xfrm>
+          <a:off x="0" y="0"/>
+          <a:ext cx="0" cy="0"/>
+          <a:chOff x="0" y="0"/>
+          <a:chExt cx="0" cy="0"/>
+        </a:xfrm>
+      </p:grpSpPr>
+      <p:sp>
+        <p:nvSpPr>
+          <p:cNvPr id="2" name="Text Placeholder 1">
+            <a:extLst>
+              <a:ext uri="{FF2B5EF4-FFF2-40B4-BE49-F238E27FC236}">
+                <a16:creationId xmlns:a16="http://schemas.microsoft.com/office/drawing/2014/main" id="{568BC77D-A745-1C43-9431-F2D93E0FDC9A}"/>
+              </a:ext>
+            </a:extLst>
+          </p:cNvPr>
+          <p:cNvSpPr>
+            <a:spLocks noGrp="1"/>
+          </p:cNvSpPr>
+          <p:nvPr>
+            <p:ph type="body" sz="quarter" idx="10"/>
+          </p:nvPr>
+        </p:nvSpPr>
+        <p:spPr>
+          <a:xfrm>
+            <a:off x="838200" y="1876483"/>
+            <a:ext cx="10515600" cy="3099310"/>
+          </a:xfrm>
+        </p:spPr>
+        <p:txBody>
+          <a:bodyPr/>
+          <a:lstStyle/>
+          <a:p>
+            <a:r>
+              <a:rPr lang="en-US" dirty="0"/>
+              <a:t>Have been at Gladstone for over 6 years</a:t>
+            </a:r>
+          </a:p>
+          <a:p>
+            <a:r>
+              <a:rPr lang="en-US" dirty="0"/>
+              <a:t>Led statistical analysis covering a wide range of models on various data sets</a:t>
+            </a:r>
+          </a:p>
+          <a:p>
+            <a:r>
+              <a:rPr lang="en-US" dirty="0"/>
+              <a:t>Have a engineering and computational/statistical background via IIT Bombay, Northwestern University, NIH and Cal, Berkeley.</a:t>
+            </a:r>
+          </a:p>
+          <a:p>
+            <a:endParaRPr lang="en-US" dirty="0"/>
+          </a:p>
+        </p:txBody>
+      </p:sp>
+      <p:sp>
+        <p:nvSpPr>
+          <p:cNvPr id="3" name="Title 2">
+            <a:extLst>
+              <a:ext uri="{FF2B5EF4-FFF2-40B4-BE49-F238E27FC236}">
+                <a16:creationId xmlns:a16="http://schemas.microsoft.com/office/drawing/2014/main" id="{631AB50C-C8D7-C040-92E7-CFC238BF28AB}"/>
+              </a:ext>
+            </a:extLst>
+          </p:cNvPr>
+          <p:cNvSpPr>
+            <a:spLocks noGrp="1"/>
+          </p:cNvSpPr>
+          <p:nvPr>
+            <p:ph type="title"/>
+          </p:nvPr>
+        </p:nvSpPr>
+        <p:spPr/>
+        <p:txBody>
+          <a:bodyPr/>
+          <a:lstStyle/>
+          <a:p>
+            <a:r>
+              <a:rPr lang="en-US" dirty="0"/>
+              <a:t>About me</a:t>
+            </a:r>
+          </a:p>
+        </p:txBody>
+      </p:sp>
+    </p:spTree>
+    <p:extLst>
+      <p:ext uri="{BB962C8B-B14F-4D97-AF65-F5344CB8AC3E}">
+        <p14:creationId xmlns:p14="http://schemas.microsoft.com/office/powerpoint/2010/main" val="3928020515"/>
+      </p:ext>
+    </p:extLst>
+  </p:cSld>
+  <p:clrMapOvr>
+    <a:masterClrMapping/>
+  </p:clrMapOvr>
+</p:sld>
+</file>
+
+<file path=ppt/slides/slide20.xml><?xml version="1.0" encoding="utf-8"?>
+<p:sld xmlns:a="http://schemas.openxmlformats.org/drawingml/2006/main" xmlns:r="http://schemas.openxmlformats.org/officeDocument/2006/relationships" xmlns:p="http://schemas.openxmlformats.org/presentationml/2006/main">
+  <p:cSld>
+    <p:spTree>
+      <p:nvGrpSpPr>
+        <p:cNvPr id="1" name=""/>
+        <p:cNvGrpSpPr/>
+        <p:nvPr/>
+      </p:nvGrpSpPr>
+      <p:grpSpPr>
+        <a:xfrm>
+          <a:off x="0" y="0"/>
+          <a:ext cx="0" cy="0"/>
+          <a:chOff x="0" y="0"/>
+          <a:chExt cx="0" cy="0"/>
+        </a:xfrm>
+      </p:grpSpPr>
+      <p:sp>
+        <p:nvSpPr>
+          <p:cNvPr id="2" name="Text Placeholder 1">
+            <a:extLst>
+              <a:ext uri="{FF2B5EF4-FFF2-40B4-BE49-F238E27FC236}">
+                <a16:creationId xmlns:a16="http://schemas.microsoft.com/office/drawing/2014/main" id="{A3EEA15B-B3DC-994C-99E3-5270E778154F}"/>
+              </a:ext>
+            </a:extLst>
+          </p:cNvPr>
+          <p:cNvSpPr>
+            <a:spLocks noGrp="1"/>
+          </p:cNvSpPr>
+          <p:nvPr>
+            <p:ph type="body" sz="quarter" idx="10"/>
+          </p:nvPr>
+        </p:nvSpPr>
+        <p:spPr>
+          <a:xfrm>
+            <a:off x="838200" y="1876483"/>
+            <a:ext cx="10515600" cy="2451953"/>
+          </a:xfrm>
+        </p:spPr>
+        <p:txBody>
+          <a:bodyPr/>
+          <a:lstStyle/>
+          <a:p>
+            <a:r>
+              <a:rPr lang="en-US" dirty="0"/>
+              <a:t>Introduction to hypothesis testing</a:t>
+            </a:r>
+          </a:p>
+          <a:p>
+            <a:r>
+              <a:rPr lang="en-US" dirty="0"/>
+              <a:t>Define variables</a:t>
+            </a:r>
+          </a:p>
+          <a:p>
+            <a:r>
+              <a:rPr lang="en-US" dirty="0"/>
+              <a:t>Choosing the right test</a:t>
+            </a:r>
+          </a:p>
+          <a:p>
+            <a:r>
+              <a:rPr lang="en-US" b="1" dirty="0"/>
+              <a:t>Basic concepts in hypothesis testing</a:t>
+            </a:r>
+          </a:p>
+          <a:p>
+            <a:r>
+              <a:rPr lang="en-US" dirty="0"/>
+              <a:t>Hands-on</a:t>
+            </a:r>
+          </a:p>
+        </p:txBody>
+      </p:sp>
+      <p:sp>
+        <p:nvSpPr>
+          <p:cNvPr id="3" name="Title 2">
+            <a:extLst>
+              <a:ext uri="{FF2B5EF4-FFF2-40B4-BE49-F238E27FC236}">
+                <a16:creationId xmlns:a16="http://schemas.microsoft.com/office/drawing/2014/main" id="{81700280-AF15-F343-9638-52E16E9A2149}"/>
+              </a:ext>
+            </a:extLst>
+          </p:cNvPr>
+          <p:cNvSpPr>
+            <a:spLocks noGrp="1"/>
+          </p:cNvSpPr>
+          <p:nvPr>
+            <p:ph type="title"/>
+          </p:nvPr>
+        </p:nvSpPr>
+        <p:spPr/>
+        <p:txBody>
+          <a:bodyPr/>
+          <a:lstStyle/>
+          <a:p>
+            <a:r>
+              <a:rPr lang="en-US" dirty="0"/>
+              <a:t>Outline</a:t>
+            </a:r>
+          </a:p>
+        </p:txBody>
+      </p:sp>
+    </p:spTree>
+    <p:extLst>
+      <p:ext uri="{BB962C8B-B14F-4D97-AF65-F5344CB8AC3E}">
+        <p14:creationId xmlns:p14="http://schemas.microsoft.com/office/powerpoint/2010/main" val="2672501176"/>
+      </p:ext>
+    </p:extLst>
+  </p:cSld>
+  <p:clrMapOvr>
+    <a:masterClrMapping/>
+  </p:clrMapOvr>
+</p:sld>
+</file>
+
+<file path=ppt/slides/slide21.xml><?xml version="1.0" encoding="utf-8"?>
 <p:sld xmlns:a="http://schemas.openxmlformats.org/drawingml/2006/main" xmlns:r="http://schemas.openxmlformats.org/officeDocument/2006/relationships" xmlns:p="http://schemas.openxmlformats.org/presentationml/2006/main">
   <p:cSld>
     <p:spTree>
@@ -6057,7 +8979,7 @@
 </p:sld>
 </file>
 
-<file path=ppt/slides/slide15.xml><?xml version="1.0" encoding="utf-8"?>
+<file path=ppt/slides/slide22.xml><?xml version="1.0" encoding="utf-8"?>
 <p:sld xmlns:a="http://schemas.openxmlformats.org/drawingml/2006/main" xmlns:r="http://schemas.openxmlformats.org/officeDocument/2006/relationships" xmlns:p="http://schemas.openxmlformats.org/presentationml/2006/main">
   <p:cSld>
     <p:spTree>
@@ -6134,7 +9056,7 @@
 </p:sld>
 </file>
 
-<file path=ppt/slides/slide16.xml><?xml version="1.0" encoding="utf-8"?>
+<file path=ppt/slides/slide23.xml><?xml version="1.0" encoding="utf-8"?>
 <p:sld xmlns:a="http://schemas.openxmlformats.org/drawingml/2006/main" xmlns:r="http://schemas.openxmlformats.org/officeDocument/2006/relationships" xmlns:p="http://schemas.openxmlformats.org/presentationml/2006/main">
   <p:cSld>
     <p:spTree>
@@ -6220,7 +9142,7 @@
           <a:graphicData uri="http://schemas.openxmlformats.org/presentationml/2006/ole">
             <mc:AlternateContent xmlns:mc="http://schemas.openxmlformats.org/markup-compatibility/2006">
               <mc:Choice xmlns:v="urn:schemas-microsoft-com:vml" Requires="v">
-                <p:oleObj spid="_x0000_s1073" name="Equation" r:id="rId4" imgW="1536700" imgH="431800" progId="Equation.3">
+                <p:oleObj spid="_x0000_s1133" name="Equation" r:id="rId4" imgW="1536700" imgH="431800" progId="Equation.3">
                   <p:embed/>
                 </p:oleObj>
               </mc:Choice>
@@ -6277,7 +9199,7 @@
           <a:graphicData uri="http://schemas.openxmlformats.org/presentationml/2006/ole">
             <mc:AlternateContent xmlns:mc="http://schemas.openxmlformats.org/markup-compatibility/2006">
               <mc:Choice xmlns:v="urn:schemas-microsoft-com:vml" Requires="v">
-                <p:oleObj spid="_x0000_s1074" name="Equation" r:id="rId6" imgW="2324100" imgH="431800" progId="Equation.3">
+                <p:oleObj spid="_x0000_s1134" name="Equation" r:id="rId6" imgW="2324100" imgH="431800" progId="Equation.3">
                   <p:embed/>
                 </p:oleObj>
               </mc:Choice>
@@ -6334,7 +9256,7 @@
           <a:graphicData uri="http://schemas.openxmlformats.org/presentationml/2006/ole">
             <mc:AlternateContent xmlns:mc="http://schemas.openxmlformats.org/markup-compatibility/2006">
               <mc:Choice xmlns:v="urn:schemas-microsoft-com:vml" Requires="v">
-                <p:oleObj spid="_x0000_s1075" name="Equation" r:id="rId8" imgW="1473200" imgH="431800" progId="Equation.3">
+                <p:oleObj spid="_x0000_s1135" name="Equation" r:id="rId8" imgW="1473200" imgH="431800" progId="Equation.3">
                   <p:embed/>
                 </p:oleObj>
               </mc:Choice>
@@ -6382,7 +9304,7 @@
 </p:sld>
 </file>
 
-<file path=ppt/slides/slide17.xml><?xml version="1.0" encoding="utf-8"?>
+<file path=ppt/slides/slide24.xml><?xml version="1.0" encoding="utf-8"?>
 <p:sld xmlns:a="http://schemas.openxmlformats.org/drawingml/2006/main" xmlns:r="http://schemas.openxmlformats.org/officeDocument/2006/relationships" xmlns:p="http://schemas.openxmlformats.org/presentationml/2006/main">
   <p:cSld>
     <p:spTree>
@@ -6432,7 +9354,7 @@
           </p:nvPr>
         </p:nvPicPr>
         <p:blipFill>
-          <a:blip r:embed="rId2">
+          <a:blip r:embed="rId3">
             <a:extLst>
               <a:ext uri="{28A0092B-C50C-407E-A947-70E740481C1C}">
                 <a14:useLocalDpi xmlns:a14="http://schemas.microsoft.com/office/drawing/2010/main" val="0"/>
@@ -6444,7 +9366,12 @@
             <a:fillRect/>
           </a:stretch>
         </p:blipFill>
-        <p:spPr/>
+        <p:spPr>
+          <a:xfrm>
+            <a:off x="-2282952" y="1910704"/>
+            <a:ext cx="10515600" cy="4351338"/>
+          </a:xfrm>
+        </p:spPr>
       </p:pic>
       <p:sp>
         <p:nvSpPr>
@@ -6454,8 +9381,8 @@
         </p:nvSpPr>
         <p:spPr>
           <a:xfrm>
-            <a:off x="3576253" y="6018281"/>
-            <a:ext cx="2431675" cy="369332"/>
+            <a:off x="4555802" y="6281780"/>
+            <a:ext cx="3080395" cy="461665"/>
           </a:xfrm>
           <a:prstGeom prst="rect">
             <a:avLst/>
@@ -6469,7 +9396,15 @@
           <a:lstStyle/>
           <a:p>
             <a:r>
-              <a:rPr lang="en-US" dirty="0">
+              <a:rPr lang="en-US" sz="2400" b="1" u="sng" dirty="0">
+                <a:solidFill>
+                  <a:srgbClr val="FF0000"/>
+                </a:solidFill>
+              </a:rPr>
+              <a:t>Type I error</a:t>
+            </a:r>
+            <a:r>
+              <a:rPr lang="en-US" sz="2400" b="1" u="sng" dirty="0">
                 <a:solidFill>
                   <a:schemeClr val="accent1">
                     <a:lumMod val="60000"/>
@@ -6477,15 +9412,842 @@
                   </a:schemeClr>
                 </a:solidFill>
               </a:rPr>
-              <a:t>Type I error </a:t>
+              <a:t> </a:t>
             </a:r>
             <a:r>
               <a:rPr lang="en-US" dirty="0"/>
-              <a:t>and p-value</a:t>
-            </a:r>
-          </a:p>
-        </p:txBody>
-      </p:sp>
+              <a:t>and </a:t>
+            </a:r>
+            <a:r>
+              <a:rPr lang="en-US" sz="2400" b="1" u="sng" dirty="0"/>
+              <a:t>p-value</a:t>
+            </a:r>
+          </a:p>
+        </p:txBody>
+      </p:sp>
+      <p:pic>
+        <p:nvPicPr>
+          <p:cNvPr id="5" name="Content Placeholder 7" descr="Null_Z_Distribution_sd_14_n_4.pdf">
+            <a:extLst>
+              <a:ext uri="{FF2B5EF4-FFF2-40B4-BE49-F238E27FC236}">
+                <a16:creationId xmlns:a16="http://schemas.microsoft.com/office/drawing/2014/main" id="{8D50BAA4-89CC-EB40-BC32-985569E33EB9}"/>
+              </a:ext>
+            </a:extLst>
+          </p:cNvPr>
+          <p:cNvPicPr>
+            <a:picLocks noChangeAspect="1"/>
+          </p:cNvPicPr>
+          <p:nvPr/>
+        </p:nvPicPr>
+        <p:blipFill>
+          <a:blip r:embed="rId3">
+            <a:extLst>
+              <a:ext uri="{28A0092B-C50C-407E-A947-70E740481C1C}">
+                <a14:useLocalDpi xmlns:a14="http://schemas.microsoft.com/office/drawing/2010/main" val="0"/>
+              </a:ext>
+            </a:extLst>
+          </a:blip>
+          <a:srcRect l="-40157" r="-40157"/>
+          <a:stretch>
+            <a:fillRect/>
+          </a:stretch>
+        </p:blipFill>
+        <p:spPr>
+          <a:xfrm>
+            <a:off x="3831336" y="1910704"/>
+            <a:ext cx="10515600" cy="4351338"/>
+          </a:xfrm>
+          <a:prstGeom prst="rect">
+            <a:avLst/>
+          </a:prstGeom>
+        </p:spPr>
+      </p:pic>
+      <p:cxnSp>
+        <p:nvCxnSpPr>
+          <p:cNvPr id="4" name="Straight Connector 3">
+            <a:extLst>
+              <a:ext uri="{FF2B5EF4-FFF2-40B4-BE49-F238E27FC236}">
+                <a16:creationId xmlns:a16="http://schemas.microsoft.com/office/drawing/2014/main" id="{590A0B25-BEF6-C54E-9C2B-71C3A3B4EEE2}"/>
+              </a:ext>
+            </a:extLst>
+          </p:cNvPr>
+          <p:cNvCxnSpPr/>
+          <p:nvPr/>
+        </p:nvCxnSpPr>
+        <p:spPr>
+          <a:xfrm>
+            <a:off x="7997952" y="5035296"/>
+            <a:ext cx="0" cy="719328"/>
+          </a:xfrm>
+          <a:prstGeom prst="line">
+            <a:avLst/>
+          </a:prstGeom>
+          <a:ln w="31750">
+            <a:tailEnd type="triangle"/>
+          </a:ln>
+        </p:spPr>
+        <p:style>
+          <a:lnRef idx="1">
+            <a:schemeClr val="accent1"/>
+          </a:lnRef>
+          <a:fillRef idx="0">
+            <a:schemeClr val="accent1"/>
+          </a:fillRef>
+          <a:effectRef idx="0">
+            <a:schemeClr val="accent1"/>
+          </a:effectRef>
+          <a:fontRef idx="minor">
+            <a:schemeClr val="tx1"/>
+          </a:fontRef>
+        </p:style>
+      </p:cxnSp>
+      <p:cxnSp>
+        <p:nvCxnSpPr>
+          <p:cNvPr id="7" name="Straight Connector 6">
+            <a:extLst>
+              <a:ext uri="{FF2B5EF4-FFF2-40B4-BE49-F238E27FC236}">
+                <a16:creationId xmlns:a16="http://schemas.microsoft.com/office/drawing/2014/main" id="{B4DD3EFC-8D78-ED4B-B49F-3C6AEDE989DB}"/>
+              </a:ext>
+            </a:extLst>
+          </p:cNvPr>
+          <p:cNvCxnSpPr>
+            <a:cxnSpLocks/>
+          </p:cNvCxnSpPr>
+          <p:nvPr/>
+        </p:nvCxnSpPr>
+        <p:spPr>
+          <a:xfrm>
+            <a:off x="7851648" y="5535168"/>
+            <a:ext cx="85852" cy="144907"/>
+          </a:xfrm>
+          <a:prstGeom prst="line">
+            <a:avLst/>
+          </a:prstGeom>
+        </p:spPr>
+        <p:style>
+          <a:lnRef idx="1">
+            <a:schemeClr val="accent1"/>
+          </a:lnRef>
+          <a:fillRef idx="0">
+            <a:schemeClr val="accent1"/>
+          </a:fillRef>
+          <a:effectRef idx="0">
+            <a:schemeClr val="accent1"/>
+          </a:effectRef>
+          <a:fontRef idx="minor">
+            <a:schemeClr val="tx1"/>
+          </a:fontRef>
+        </p:style>
+      </p:cxnSp>
+      <p:cxnSp>
+        <p:nvCxnSpPr>
+          <p:cNvPr id="12" name="Straight Connector 11">
+            <a:extLst>
+              <a:ext uri="{FF2B5EF4-FFF2-40B4-BE49-F238E27FC236}">
+                <a16:creationId xmlns:a16="http://schemas.microsoft.com/office/drawing/2014/main" id="{50B73448-12C7-A446-BC99-D2027FE9A80A}"/>
+              </a:ext>
+            </a:extLst>
+          </p:cNvPr>
+          <p:cNvCxnSpPr/>
+          <p:nvPr/>
+        </p:nvCxnSpPr>
+        <p:spPr>
+          <a:xfrm>
+            <a:off x="7894574" y="5473700"/>
+            <a:ext cx="103378" cy="161925"/>
+          </a:xfrm>
+          <a:prstGeom prst="line">
+            <a:avLst/>
+          </a:prstGeom>
+        </p:spPr>
+        <p:style>
+          <a:lnRef idx="1">
+            <a:schemeClr val="accent1"/>
+          </a:lnRef>
+          <a:fillRef idx="0">
+            <a:schemeClr val="accent1"/>
+          </a:fillRef>
+          <a:effectRef idx="0">
+            <a:schemeClr val="accent1"/>
+          </a:effectRef>
+          <a:fontRef idx="minor">
+            <a:schemeClr val="tx1"/>
+          </a:fontRef>
+        </p:style>
+      </p:cxnSp>
+      <p:cxnSp>
+        <p:nvCxnSpPr>
+          <p:cNvPr id="14" name="Straight Connector 13">
+            <a:extLst>
+              <a:ext uri="{FF2B5EF4-FFF2-40B4-BE49-F238E27FC236}">
+                <a16:creationId xmlns:a16="http://schemas.microsoft.com/office/drawing/2014/main" id="{EF4AAC68-B3A3-6645-89BC-8D5DD4288692}"/>
+              </a:ext>
+            </a:extLst>
+          </p:cNvPr>
+          <p:cNvCxnSpPr>
+            <a:cxnSpLocks/>
+          </p:cNvCxnSpPr>
+          <p:nvPr/>
+        </p:nvCxnSpPr>
+        <p:spPr>
+          <a:xfrm>
+            <a:off x="7791196" y="5562600"/>
+            <a:ext cx="60452" cy="117475"/>
+          </a:xfrm>
+          <a:prstGeom prst="line">
+            <a:avLst/>
+          </a:prstGeom>
+        </p:spPr>
+        <p:style>
+          <a:lnRef idx="1">
+            <a:schemeClr val="accent1"/>
+          </a:lnRef>
+          <a:fillRef idx="0">
+            <a:schemeClr val="accent1"/>
+          </a:fillRef>
+          <a:effectRef idx="0">
+            <a:schemeClr val="accent1"/>
+          </a:effectRef>
+          <a:fontRef idx="minor">
+            <a:schemeClr val="tx1"/>
+          </a:fontRef>
+        </p:style>
+      </p:cxnSp>
+      <p:cxnSp>
+        <p:nvCxnSpPr>
+          <p:cNvPr id="17" name="Straight Connector 16">
+            <a:extLst>
+              <a:ext uri="{FF2B5EF4-FFF2-40B4-BE49-F238E27FC236}">
+                <a16:creationId xmlns:a16="http://schemas.microsoft.com/office/drawing/2014/main" id="{4F2C3363-3DA4-5C46-A753-EA47E5A2DBD7}"/>
+              </a:ext>
+            </a:extLst>
+          </p:cNvPr>
+          <p:cNvCxnSpPr/>
+          <p:nvPr/>
+        </p:nvCxnSpPr>
+        <p:spPr>
+          <a:xfrm>
+            <a:off x="7693025" y="5607621"/>
+            <a:ext cx="57150" cy="72454"/>
+          </a:xfrm>
+          <a:prstGeom prst="line">
+            <a:avLst/>
+          </a:prstGeom>
+        </p:spPr>
+        <p:style>
+          <a:lnRef idx="1">
+            <a:schemeClr val="accent1"/>
+          </a:lnRef>
+          <a:fillRef idx="0">
+            <a:schemeClr val="accent1"/>
+          </a:fillRef>
+          <a:effectRef idx="0">
+            <a:schemeClr val="accent1"/>
+          </a:effectRef>
+          <a:fontRef idx="minor">
+            <a:schemeClr val="tx1"/>
+          </a:fontRef>
+        </p:style>
+      </p:cxnSp>
+      <p:cxnSp>
+        <p:nvCxnSpPr>
+          <p:cNvPr id="19" name="Straight Connector 18">
+            <a:extLst>
+              <a:ext uri="{FF2B5EF4-FFF2-40B4-BE49-F238E27FC236}">
+                <a16:creationId xmlns:a16="http://schemas.microsoft.com/office/drawing/2014/main" id="{E8FFEF7F-9142-614F-BDAB-31DEBF62AFF5}"/>
+              </a:ext>
+            </a:extLst>
+          </p:cNvPr>
+          <p:cNvCxnSpPr/>
+          <p:nvPr/>
+        </p:nvCxnSpPr>
+        <p:spPr>
+          <a:xfrm>
+            <a:off x="7741158" y="5562600"/>
+            <a:ext cx="60452" cy="117475"/>
+          </a:xfrm>
+          <a:prstGeom prst="line">
+            <a:avLst/>
+          </a:prstGeom>
+        </p:spPr>
+        <p:style>
+          <a:lnRef idx="1">
+            <a:schemeClr val="accent1"/>
+          </a:lnRef>
+          <a:fillRef idx="0">
+            <a:schemeClr val="accent1"/>
+          </a:fillRef>
+          <a:effectRef idx="0">
+            <a:schemeClr val="accent1"/>
+          </a:effectRef>
+          <a:fontRef idx="minor">
+            <a:schemeClr val="tx1"/>
+          </a:fontRef>
+        </p:style>
+      </p:cxnSp>
+      <p:cxnSp>
+        <p:nvCxnSpPr>
+          <p:cNvPr id="21" name="Straight Connector 20">
+            <a:extLst>
+              <a:ext uri="{FF2B5EF4-FFF2-40B4-BE49-F238E27FC236}">
+                <a16:creationId xmlns:a16="http://schemas.microsoft.com/office/drawing/2014/main" id="{40CBA9F1-71BD-3347-B956-92E5A08A5417}"/>
+              </a:ext>
+            </a:extLst>
+          </p:cNvPr>
+          <p:cNvCxnSpPr/>
+          <p:nvPr/>
+        </p:nvCxnSpPr>
+        <p:spPr>
+          <a:xfrm>
+            <a:off x="7589647" y="5621337"/>
+            <a:ext cx="60452" cy="58738"/>
+          </a:xfrm>
+          <a:prstGeom prst="line">
+            <a:avLst/>
+          </a:prstGeom>
+        </p:spPr>
+        <p:style>
+          <a:lnRef idx="1">
+            <a:schemeClr val="accent1"/>
+          </a:lnRef>
+          <a:fillRef idx="0">
+            <a:schemeClr val="accent1"/>
+          </a:fillRef>
+          <a:effectRef idx="0">
+            <a:schemeClr val="accent1"/>
+          </a:effectRef>
+          <a:fontRef idx="minor">
+            <a:schemeClr val="tx1"/>
+          </a:fontRef>
+        </p:style>
+      </p:cxnSp>
+      <p:cxnSp>
+        <p:nvCxnSpPr>
+          <p:cNvPr id="23" name="Straight Connector 22">
+            <a:extLst>
+              <a:ext uri="{FF2B5EF4-FFF2-40B4-BE49-F238E27FC236}">
+                <a16:creationId xmlns:a16="http://schemas.microsoft.com/office/drawing/2014/main" id="{9C72996F-F35E-4E45-97C9-977C3387D34D}"/>
+              </a:ext>
+            </a:extLst>
+          </p:cNvPr>
+          <p:cNvCxnSpPr/>
+          <p:nvPr/>
+        </p:nvCxnSpPr>
+        <p:spPr>
+          <a:xfrm>
+            <a:off x="7650099" y="5607621"/>
+            <a:ext cx="55245" cy="72454"/>
+          </a:xfrm>
+          <a:prstGeom prst="line">
+            <a:avLst/>
+          </a:prstGeom>
+        </p:spPr>
+        <p:style>
+          <a:lnRef idx="1">
+            <a:schemeClr val="accent1"/>
+          </a:lnRef>
+          <a:fillRef idx="0">
+            <a:schemeClr val="accent1"/>
+          </a:fillRef>
+          <a:effectRef idx="0">
+            <a:schemeClr val="accent1"/>
+          </a:effectRef>
+          <a:fontRef idx="minor">
+            <a:schemeClr val="tx1"/>
+          </a:fontRef>
+        </p:style>
+      </p:cxnSp>
+      <p:cxnSp>
+        <p:nvCxnSpPr>
+          <p:cNvPr id="25" name="Straight Connector 24">
+            <a:extLst>
+              <a:ext uri="{FF2B5EF4-FFF2-40B4-BE49-F238E27FC236}">
+                <a16:creationId xmlns:a16="http://schemas.microsoft.com/office/drawing/2014/main" id="{78987700-C112-B843-A44E-AF61043FA063}"/>
+              </a:ext>
+            </a:extLst>
+          </p:cNvPr>
+          <p:cNvCxnSpPr/>
+          <p:nvPr/>
+        </p:nvCxnSpPr>
+        <p:spPr>
+          <a:xfrm>
+            <a:off x="7503795" y="5643848"/>
+            <a:ext cx="52706" cy="36227"/>
+          </a:xfrm>
+          <a:prstGeom prst="line">
+            <a:avLst/>
+          </a:prstGeom>
+        </p:spPr>
+        <p:style>
+          <a:lnRef idx="1">
+            <a:schemeClr val="accent1"/>
+          </a:lnRef>
+          <a:fillRef idx="0">
+            <a:schemeClr val="accent1"/>
+          </a:fillRef>
+          <a:effectRef idx="0">
+            <a:schemeClr val="accent1"/>
+          </a:effectRef>
+          <a:fontRef idx="minor">
+            <a:schemeClr val="tx1"/>
+          </a:fontRef>
+        </p:style>
+      </p:cxnSp>
+      <p:cxnSp>
+        <p:nvCxnSpPr>
+          <p:cNvPr id="27" name="Straight Connector 26">
+            <a:extLst>
+              <a:ext uri="{FF2B5EF4-FFF2-40B4-BE49-F238E27FC236}">
+                <a16:creationId xmlns:a16="http://schemas.microsoft.com/office/drawing/2014/main" id="{91AFBEF4-7787-774B-A4A0-B8376DBDACFA}"/>
+              </a:ext>
+            </a:extLst>
+          </p:cNvPr>
+          <p:cNvCxnSpPr/>
+          <p:nvPr/>
+        </p:nvCxnSpPr>
+        <p:spPr>
+          <a:xfrm>
+            <a:off x="7808722" y="5535168"/>
+            <a:ext cx="83882" cy="144907"/>
+          </a:xfrm>
+          <a:prstGeom prst="line">
+            <a:avLst/>
+          </a:prstGeom>
+        </p:spPr>
+        <p:style>
+          <a:lnRef idx="1">
+            <a:schemeClr val="accent1"/>
+          </a:lnRef>
+          <a:fillRef idx="0">
+            <a:schemeClr val="accent1"/>
+          </a:fillRef>
+          <a:effectRef idx="0">
+            <a:schemeClr val="accent1"/>
+          </a:effectRef>
+          <a:fontRef idx="minor">
+            <a:schemeClr val="tx1"/>
+          </a:fontRef>
+        </p:style>
+      </p:cxnSp>
+      <p:cxnSp>
+        <p:nvCxnSpPr>
+          <p:cNvPr id="29" name="Straight Connector 28">
+            <a:extLst>
+              <a:ext uri="{FF2B5EF4-FFF2-40B4-BE49-F238E27FC236}">
+                <a16:creationId xmlns:a16="http://schemas.microsoft.com/office/drawing/2014/main" id="{AEF4D71A-1083-984C-8491-7100665E7AFF}"/>
+              </a:ext>
+            </a:extLst>
+          </p:cNvPr>
+          <p:cNvCxnSpPr>
+            <a:cxnSpLocks/>
+          </p:cNvCxnSpPr>
+          <p:nvPr/>
+        </p:nvCxnSpPr>
+        <p:spPr>
+          <a:xfrm>
+            <a:off x="7867585" y="5505767"/>
+            <a:ext cx="130367" cy="164048"/>
+          </a:xfrm>
+          <a:prstGeom prst="line">
+            <a:avLst/>
+          </a:prstGeom>
+        </p:spPr>
+        <p:style>
+          <a:lnRef idx="1">
+            <a:schemeClr val="accent1"/>
+          </a:lnRef>
+          <a:fillRef idx="0">
+            <a:schemeClr val="accent1"/>
+          </a:fillRef>
+          <a:effectRef idx="0">
+            <a:schemeClr val="accent1"/>
+          </a:effectRef>
+          <a:fontRef idx="minor">
+            <a:schemeClr val="tx1"/>
+          </a:fontRef>
+        </p:style>
+      </p:cxnSp>
+      <p:cxnSp>
+        <p:nvCxnSpPr>
+          <p:cNvPr id="32" name="Straight Connector 31">
+            <a:extLst>
+              <a:ext uri="{FF2B5EF4-FFF2-40B4-BE49-F238E27FC236}">
+                <a16:creationId xmlns:a16="http://schemas.microsoft.com/office/drawing/2014/main" id="{655FEA8B-364F-0E44-8B68-15D47704BAD9}"/>
+              </a:ext>
+            </a:extLst>
+          </p:cNvPr>
+          <p:cNvCxnSpPr/>
+          <p:nvPr/>
+        </p:nvCxnSpPr>
+        <p:spPr>
+          <a:xfrm>
+            <a:off x="7935530" y="5453962"/>
+            <a:ext cx="62422" cy="81206"/>
+          </a:xfrm>
+          <a:prstGeom prst="line">
+            <a:avLst/>
+          </a:prstGeom>
+        </p:spPr>
+        <p:style>
+          <a:lnRef idx="1">
+            <a:schemeClr val="accent1"/>
+          </a:lnRef>
+          <a:fillRef idx="0">
+            <a:schemeClr val="accent1"/>
+          </a:fillRef>
+          <a:effectRef idx="0">
+            <a:schemeClr val="accent1"/>
+          </a:effectRef>
+          <a:fontRef idx="minor">
+            <a:schemeClr val="tx1"/>
+          </a:fontRef>
+        </p:style>
+      </p:cxnSp>
+      <p:cxnSp>
+        <p:nvCxnSpPr>
+          <p:cNvPr id="34" name="Straight Connector 33">
+            <a:extLst>
+              <a:ext uri="{FF2B5EF4-FFF2-40B4-BE49-F238E27FC236}">
+                <a16:creationId xmlns:a16="http://schemas.microsoft.com/office/drawing/2014/main" id="{FBE73088-7FBF-C349-8BB6-18689ED4529C}"/>
+              </a:ext>
+            </a:extLst>
+          </p:cNvPr>
+          <p:cNvCxnSpPr/>
+          <p:nvPr/>
+        </p:nvCxnSpPr>
+        <p:spPr>
+          <a:xfrm flipH="1">
+            <a:off x="7835389" y="5463440"/>
+            <a:ext cx="145037" cy="206375"/>
+          </a:xfrm>
+          <a:prstGeom prst="line">
+            <a:avLst/>
+          </a:prstGeom>
+        </p:spPr>
+        <p:style>
+          <a:lnRef idx="1">
+            <a:schemeClr val="accent1"/>
+          </a:lnRef>
+          <a:fillRef idx="0">
+            <a:schemeClr val="accent1"/>
+          </a:fillRef>
+          <a:effectRef idx="0">
+            <a:schemeClr val="accent1"/>
+          </a:effectRef>
+          <a:fontRef idx="minor">
+            <a:schemeClr val="tx1"/>
+          </a:fontRef>
+        </p:style>
+      </p:cxnSp>
+      <p:cxnSp>
+        <p:nvCxnSpPr>
+          <p:cNvPr id="36" name="Straight Connector 35">
+            <a:extLst>
+              <a:ext uri="{FF2B5EF4-FFF2-40B4-BE49-F238E27FC236}">
+                <a16:creationId xmlns:a16="http://schemas.microsoft.com/office/drawing/2014/main" id="{B9914AA2-6E8D-7145-8B6F-CCF7F19A1F19}"/>
+              </a:ext>
+            </a:extLst>
+          </p:cNvPr>
+          <p:cNvCxnSpPr/>
+          <p:nvPr/>
+        </p:nvCxnSpPr>
+        <p:spPr>
+          <a:xfrm flipH="1">
+            <a:off x="7906958" y="5562600"/>
+            <a:ext cx="90993" cy="117475"/>
+          </a:xfrm>
+          <a:prstGeom prst="line">
+            <a:avLst/>
+          </a:prstGeom>
+        </p:spPr>
+        <p:style>
+          <a:lnRef idx="1">
+            <a:schemeClr val="accent1"/>
+          </a:lnRef>
+          <a:fillRef idx="0">
+            <a:schemeClr val="accent1"/>
+          </a:fillRef>
+          <a:effectRef idx="0">
+            <a:schemeClr val="accent1"/>
+          </a:effectRef>
+          <a:fontRef idx="minor">
+            <a:schemeClr val="tx1"/>
+          </a:fontRef>
+        </p:style>
+      </p:cxnSp>
+      <p:cxnSp>
+        <p:nvCxnSpPr>
+          <p:cNvPr id="38" name="Straight Connector 37">
+            <a:extLst>
+              <a:ext uri="{FF2B5EF4-FFF2-40B4-BE49-F238E27FC236}">
+                <a16:creationId xmlns:a16="http://schemas.microsoft.com/office/drawing/2014/main" id="{E4822A9A-3137-6646-999A-F4E1E15422FA}"/>
+              </a:ext>
+            </a:extLst>
+          </p:cNvPr>
+          <p:cNvCxnSpPr/>
+          <p:nvPr/>
+        </p:nvCxnSpPr>
+        <p:spPr>
+          <a:xfrm flipH="1">
+            <a:off x="7702774" y="5535168"/>
+            <a:ext cx="107853" cy="154385"/>
+          </a:xfrm>
+          <a:prstGeom prst="line">
+            <a:avLst/>
+          </a:prstGeom>
+        </p:spPr>
+        <p:style>
+          <a:lnRef idx="1">
+            <a:schemeClr val="accent1"/>
+          </a:lnRef>
+          <a:fillRef idx="0">
+            <a:schemeClr val="accent1"/>
+          </a:fillRef>
+          <a:effectRef idx="0">
+            <a:schemeClr val="accent1"/>
+          </a:effectRef>
+          <a:fontRef idx="minor">
+            <a:schemeClr val="tx1"/>
+          </a:fontRef>
+        </p:style>
+      </p:cxnSp>
+      <p:cxnSp>
+        <p:nvCxnSpPr>
+          <p:cNvPr id="40" name="Straight Connector 39">
+            <a:extLst>
+              <a:ext uri="{FF2B5EF4-FFF2-40B4-BE49-F238E27FC236}">
+                <a16:creationId xmlns:a16="http://schemas.microsoft.com/office/drawing/2014/main" id="{6685C497-CC03-6347-83D3-DE0D29FF0CFF}"/>
+              </a:ext>
+            </a:extLst>
+          </p:cNvPr>
+          <p:cNvCxnSpPr/>
+          <p:nvPr/>
+        </p:nvCxnSpPr>
+        <p:spPr>
+          <a:xfrm flipH="1">
+            <a:off x="7801610" y="5494565"/>
+            <a:ext cx="89141" cy="185510"/>
+          </a:xfrm>
+          <a:prstGeom prst="line">
+            <a:avLst/>
+          </a:prstGeom>
+        </p:spPr>
+        <p:style>
+          <a:lnRef idx="1">
+            <a:schemeClr val="accent1"/>
+          </a:lnRef>
+          <a:fillRef idx="0">
+            <a:schemeClr val="accent1"/>
+          </a:fillRef>
+          <a:effectRef idx="0">
+            <a:schemeClr val="accent1"/>
+          </a:effectRef>
+          <a:fontRef idx="minor">
+            <a:schemeClr val="tx1"/>
+          </a:fontRef>
+        </p:style>
+      </p:cxnSp>
+      <p:cxnSp>
+        <p:nvCxnSpPr>
+          <p:cNvPr id="42" name="Straight Connector 41">
+            <a:extLst>
+              <a:ext uri="{FF2B5EF4-FFF2-40B4-BE49-F238E27FC236}">
+                <a16:creationId xmlns:a16="http://schemas.microsoft.com/office/drawing/2014/main" id="{67936186-BC42-634B-8435-F971CD10D9C9}"/>
+              </a:ext>
+            </a:extLst>
+          </p:cNvPr>
+          <p:cNvCxnSpPr/>
+          <p:nvPr/>
+        </p:nvCxnSpPr>
+        <p:spPr>
+          <a:xfrm flipH="1">
+            <a:off x="7593148" y="5606667"/>
+            <a:ext cx="99876" cy="72626"/>
+          </a:xfrm>
+          <a:prstGeom prst="line">
+            <a:avLst/>
+          </a:prstGeom>
+        </p:spPr>
+        <p:style>
+          <a:lnRef idx="1">
+            <a:schemeClr val="accent1"/>
+          </a:lnRef>
+          <a:fillRef idx="0">
+            <a:schemeClr val="accent1"/>
+          </a:fillRef>
+          <a:effectRef idx="0">
+            <a:schemeClr val="accent1"/>
+          </a:effectRef>
+          <a:fontRef idx="minor">
+            <a:schemeClr val="tx1"/>
+          </a:fontRef>
+        </p:style>
+      </p:cxnSp>
+      <p:cxnSp>
+        <p:nvCxnSpPr>
+          <p:cNvPr id="44" name="Straight Connector 43">
+            <a:extLst>
+              <a:ext uri="{FF2B5EF4-FFF2-40B4-BE49-F238E27FC236}">
+                <a16:creationId xmlns:a16="http://schemas.microsoft.com/office/drawing/2014/main" id="{1A3ADE15-9F84-FE4C-9732-4C4AD8631B49}"/>
+              </a:ext>
+            </a:extLst>
+          </p:cNvPr>
+          <p:cNvCxnSpPr/>
+          <p:nvPr/>
+        </p:nvCxnSpPr>
+        <p:spPr>
+          <a:xfrm flipH="1">
+            <a:off x="7506463" y="5635625"/>
+            <a:ext cx="74506" cy="53928"/>
+          </a:xfrm>
+          <a:prstGeom prst="line">
+            <a:avLst/>
+          </a:prstGeom>
+        </p:spPr>
+        <p:style>
+          <a:lnRef idx="1">
+            <a:schemeClr val="accent1"/>
+          </a:lnRef>
+          <a:fillRef idx="0">
+            <a:schemeClr val="accent1"/>
+          </a:fillRef>
+          <a:effectRef idx="0">
+            <a:schemeClr val="accent1"/>
+          </a:effectRef>
+          <a:fontRef idx="minor">
+            <a:schemeClr val="tx1"/>
+          </a:fontRef>
+        </p:style>
+      </p:cxnSp>
+      <p:cxnSp>
+        <p:nvCxnSpPr>
+          <p:cNvPr id="46" name="Straight Arrow Connector 45">
+            <a:extLst>
+              <a:ext uri="{FF2B5EF4-FFF2-40B4-BE49-F238E27FC236}">
+                <a16:creationId xmlns:a16="http://schemas.microsoft.com/office/drawing/2014/main" id="{1125D717-1C75-0C4F-A474-37AEC348769A}"/>
+              </a:ext>
+            </a:extLst>
+          </p:cNvPr>
+          <p:cNvCxnSpPr>
+            <a:stCxn id="9" idx="1"/>
+          </p:cNvCxnSpPr>
+          <p:nvPr/>
+        </p:nvCxnSpPr>
+        <p:spPr>
+          <a:xfrm flipH="1" flipV="1">
+            <a:off x="2002420" y="5689553"/>
+            <a:ext cx="2553382" cy="823060"/>
+          </a:xfrm>
+          <a:prstGeom prst="straightConnector1">
+            <a:avLst/>
+          </a:prstGeom>
+          <a:ln>
+            <a:tailEnd type="triangle"/>
+          </a:ln>
+        </p:spPr>
+        <p:style>
+          <a:lnRef idx="1">
+            <a:schemeClr val="accent1"/>
+          </a:lnRef>
+          <a:fillRef idx="0">
+            <a:schemeClr val="accent1"/>
+          </a:fillRef>
+          <a:effectRef idx="0">
+            <a:schemeClr val="accent1"/>
+          </a:effectRef>
+          <a:fontRef idx="minor">
+            <a:schemeClr val="tx1"/>
+          </a:fontRef>
+        </p:style>
+      </p:cxnSp>
+      <p:sp>
+        <p:nvSpPr>
+          <p:cNvPr id="47" name="TextBox 46">
+            <a:extLst>
+              <a:ext uri="{FF2B5EF4-FFF2-40B4-BE49-F238E27FC236}">
+                <a16:creationId xmlns:a16="http://schemas.microsoft.com/office/drawing/2014/main" id="{6A4BEA81-BD5F-234D-BCAA-622AAE4F04F6}"/>
+              </a:ext>
+            </a:extLst>
+          </p:cNvPr>
+          <p:cNvSpPr txBox="1"/>
+          <p:nvPr/>
+        </p:nvSpPr>
+        <p:spPr>
+          <a:xfrm>
+            <a:off x="7396223" y="4409959"/>
+            <a:ext cx="914400" cy="914400"/>
+          </a:xfrm>
+          <a:prstGeom prst="rect">
+            <a:avLst/>
+          </a:prstGeom>
+          <a:noFill/>
+          <a:ln>
+            <a:noFill/>
+          </a:ln>
+        </p:spPr>
+        <p:txBody>
+          <a:bodyPr wrap="none" rtlCol="0" anchor="ctr" anchorCtr="0">
+            <a:noAutofit/>
+          </a:bodyPr>
+          <a:lstStyle/>
+          <a:p>
+            <a:pPr>
+              <a:spcAft>
+                <a:spcPts val="600"/>
+              </a:spcAft>
+            </a:pPr>
+            <a:r>
+              <a:rPr lang="en-US" sz="2000" dirty="0">
+                <a:latin typeface="Helvetica" charset="0"/>
+                <a:ea typeface="Times New Roman" charset="0"/>
+                <a:cs typeface="Arial" charset="0"/>
+              </a:rPr>
+              <a:t>Observed difference</a:t>
+            </a:r>
+          </a:p>
+        </p:txBody>
+      </p:sp>
+      <p:cxnSp>
+        <p:nvCxnSpPr>
+          <p:cNvPr id="49" name="Straight Arrow Connector 48">
+            <a:extLst>
+              <a:ext uri="{FF2B5EF4-FFF2-40B4-BE49-F238E27FC236}">
+                <a16:creationId xmlns:a16="http://schemas.microsoft.com/office/drawing/2014/main" id="{7809EC33-036B-9E45-A0A3-C282F47772BB}"/>
+              </a:ext>
+            </a:extLst>
+          </p:cNvPr>
+          <p:cNvCxnSpPr>
+            <a:stCxn id="9" idx="3"/>
+          </p:cNvCxnSpPr>
+          <p:nvPr/>
+        </p:nvCxnSpPr>
+        <p:spPr>
+          <a:xfrm flipV="1">
+            <a:off x="7636197" y="5679293"/>
+            <a:ext cx="215451" cy="833320"/>
+          </a:xfrm>
+          <a:prstGeom prst="straightConnector1">
+            <a:avLst/>
+          </a:prstGeom>
+          <a:ln>
+            <a:tailEnd type="triangle"/>
+          </a:ln>
+        </p:spPr>
+        <p:style>
+          <a:lnRef idx="1">
+            <a:schemeClr val="accent1"/>
+          </a:lnRef>
+          <a:fillRef idx="0">
+            <a:schemeClr val="accent1"/>
+          </a:fillRef>
+          <a:effectRef idx="0">
+            <a:schemeClr val="accent1"/>
+          </a:effectRef>
+          <a:fontRef idx="minor">
+            <a:schemeClr val="tx1"/>
+          </a:fontRef>
+        </p:style>
+      </p:cxnSp>
     </p:spTree>
     <p:extLst>
       <p:ext uri="{BB962C8B-B14F-4D97-AF65-F5344CB8AC3E}">
@@ -6499,7 +10261,7 @@
 </p:sld>
 </file>
 
-<file path=ppt/slides/slide18.xml><?xml version="1.0" encoding="utf-8"?>
+<file path=ppt/slides/slide25.xml><?xml version="1.0" encoding="utf-8"?>
 <p:sld xmlns:a="http://schemas.openxmlformats.org/drawingml/2006/main" xmlns:r="http://schemas.openxmlformats.org/officeDocument/2006/relationships" xmlns:p="http://schemas.openxmlformats.org/presentationml/2006/main">
   <p:cSld>
     <p:spTree>
@@ -6740,7 +10502,7 @@
 </p:sld>
 </file>
 
-<file path=ppt/slides/slide19.xml><?xml version="1.0" encoding="utf-8"?>
+<file path=ppt/slides/slide26.xml><?xml version="1.0" encoding="utf-8"?>
 <p:sld xmlns:a="http://schemas.openxmlformats.org/drawingml/2006/main" xmlns:r="http://schemas.openxmlformats.org/officeDocument/2006/relationships" xmlns:p="http://schemas.openxmlformats.org/presentationml/2006/main">
   <p:cSld>
     <p:spTree>
@@ -6969,7 +10731,7 @@
 </p:sld>
 </file>
 
-<file path=ppt/slides/slide2.xml><?xml version="1.0" encoding="utf-8"?>
+<file path=ppt/slides/slide27.xml><?xml version="1.0" encoding="utf-8"?>
 <p:sld xmlns:a="http://schemas.openxmlformats.org/drawingml/2006/main" xmlns:r="http://schemas.openxmlformats.org/officeDocument/2006/relationships" xmlns:p="http://schemas.openxmlformats.org/presentationml/2006/main">
   <p:cSld>
     <p:spTree>
@@ -6988,112 +10750,6 @@
       </p:grpSpPr>
       <p:sp>
         <p:nvSpPr>
-          <p:cNvPr id="2" name="Text Placeholder 1">
-            <a:extLst>
-              <a:ext uri="{FF2B5EF4-FFF2-40B4-BE49-F238E27FC236}">
-                <a16:creationId xmlns:a16="http://schemas.microsoft.com/office/drawing/2014/main" id="{568BC77D-A745-1C43-9431-F2D93E0FDC9A}"/>
-              </a:ext>
-            </a:extLst>
-          </p:cNvPr>
-          <p:cNvSpPr>
-            <a:spLocks noGrp="1"/>
-          </p:cNvSpPr>
-          <p:nvPr>
-            <p:ph type="body" sz="quarter" idx="10"/>
-          </p:nvPr>
-        </p:nvSpPr>
-        <p:spPr>
-          <a:xfrm>
-            <a:off x="838200" y="1876483"/>
-            <a:ext cx="10515600" cy="2711512"/>
-          </a:xfrm>
-        </p:spPr>
-        <p:txBody>
-          <a:bodyPr/>
-          <a:lstStyle/>
-          <a:p>
-            <a:r>
-              <a:rPr lang="en-US" dirty="0"/>
-              <a:t>Have been at Gladstone for over 6 years</a:t>
-            </a:r>
-          </a:p>
-          <a:p>
-            <a:r>
-              <a:rPr lang="en-US" dirty="0"/>
-              <a:t>Led statistical analysis covering a wide range of models on various data sets</a:t>
-            </a:r>
-          </a:p>
-          <a:p>
-            <a:r>
-              <a:rPr lang="en-US" dirty="0"/>
-              <a:t>Have a engineering and computational/statistical background via Northwestern University, NIH and Cal, Berkeley.</a:t>
-            </a:r>
-          </a:p>
-          <a:p>
-            <a:endParaRPr lang="en-US" dirty="0"/>
-          </a:p>
-        </p:txBody>
-      </p:sp>
-      <p:sp>
-        <p:nvSpPr>
-          <p:cNvPr id="3" name="Title 2">
-            <a:extLst>
-              <a:ext uri="{FF2B5EF4-FFF2-40B4-BE49-F238E27FC236}">
-                <a16:creationId xmlns:a16="http://schemas.microsoft.com/office/drawing/2014/main" id="{631AB50C-C8D7-C040-92E7-CFC238BF28AB}"/>
-              </a:ext>
-            </a:extLst>
-          </p:cNvPr>
-          <p:cNvSpPr>
-            <a:spLocks noGrp="1"/>
-          </p:cNvSpPr>
-          <p:nvPr>
-            <p:ph type="title"/>
-          </p:nvPr>
-        </p:nvSpPr>
-        <p:spPr/>
-        <p:txBody>
-          <a:bodyPr/>
-          <a:lstStyle/>
-          <a:p>
-            <a:r>
-              <a:rPr lang="en-US" dirty="0"/>
-              <a:t>About me</a:t>
-            </a:r>
-          </a:p>
-        </p:txBody>
-      </p:sp>
-    </p:spTree>
-    <p:extLst>
-      <p:ext uri="{BB962C8B-B14F-4D97-AF65-F5344CB8AC3E}">
-        <p14:creationId xmlns:p14="http://schemas.microsoft.com/office/powerpoint/2010/main" val="3928020515"/>
-      </p:ext>
-    </p:extLst>
-  </p:cSld>
-  <p:clrMapOvr>
-    <a:masterClrMapping/>
-  </p:clrMapOvr>
-</p:sld>
-</file>
-
-<file path=ppt/slides/slide20.xml><?xml version="1.0" encoding="utf-8"?>
-<p:sld xmlns:a="http://schemas.openxmlformats.org/drawingml/2006/main" xmlns:r="http://schemas.openxmlformats.org/officeDocument/2006/relationships" xmlns:p="http://schemas.openxmlformats.org/presentationml/2006/main">
-  <p:cSld>
-    <p:spTree>
-      <p:nvGrpSpPr>
-        <p:cNvPr id="1" name=""/>
-        <p:cNvGrpSpPr/>
-        <p:nvPr/>
-      </p:nvGrpSpPr>
-      <p:grpSpPr>
-        <a:xfrm>
-          <a:off x="0" y="0"/>
-          <a:ext cx="0" cy="0"/>
-          <a:chOff x="0" y="0"/>
-          <a:chExt cx="0" cy="0"/>
-        </a:xfrm>
-      </p:grpSpPr>
-      <p:sp>
-        <p:nvSpPr>
           <p:cNvPr id="2" name="Title 1"/>
           <p:cNvSpPr>
             <a:spLocks noGrp="1"/>
@@ -7147,8 +10803,8 @@
         </p:nvSpPr>
         <p:spPr>
           <a:xfrm>
-            <a:off x="3576253" y="6018281"/>
-            <a:ext cx="2409584" cy="369332"/>
+            <a:off x="4783261" y="6176963"/>
+            <a:ext cx="2857962" cy="461665"/>
           </a:xfrm>
           <a:prstGeom prst="rect">
             <a:avLst/>
@@ -7162,19 +10818,24 @@
           <a:lstStyle/>
           <a:p>
             <a:r>
-              <a:rPr lang="en-US" dirty="0">
+              <a:rPr lang="en-US" sz="2400" b="1" dirty="0">
                 <a:solidFill>
-                  <a:schemeClr val="accent1">
-                    <a:lumMod val="60000"/>
-                    <a:lumOff val="40000"/>
-                  </a:schemeClr>
+                  <a:srgbClr val="FF0000"/>
                 </a:solidFill>
               </a:rPr>
-              <a:t>Type I</a:t>
+              <a:t>Type I  </a:t>
             </a:r>
             <a:r>
               <a:rPr lang="en-US" dirty="0"/>
-              <a:t>  and </a:t>
+              <a:t>and </a:t>
+            </a:r>
+            <a:r>
+              <a:rPr lang="en-US" sz="2400" b="1" dirty="0">
+                <a:solidFill>
+                  <a:srgbClr val="0000FF"/>
+                </a:solidFill>
+              </a:rPr>
+              <a:t>Type II</a:t>
             </a:r>
             <a:r>
               <a:rPr lang="en-US" dirty="0">
@@ -7182,7 +10843,7 @@
                   <a:srgbClr val="0000FF"/>
                 </a:solidFill>
               </a:rPr>
-              <a:t>Type II </a:t>
+              <a:t> </a:t>
             </a:r>
             <a:r>
               <a:rPr lang="en-US" dirty="0"/>
@@ -7204,7 +10865,7 @@
 </p:sld>
 </file>
 
-<file path=ppt/slides/slide21.xml><?xml version="1.0" encoding="utf-8"?>
+<file path=ppt/slides/slide28.xml><?xml version="1.0" encoding="utf-8"?>
 <p:sld xmlns:a="http://schemas.openxmlformats.org/drawingml/2006/main" xmlns:r="http://schemas.openxmlformats.org/officeDocument/2006/relationships" xmlns:p="http://schemas.openxmlformats.org/presentationml/2006/main">
   <p:cSld>
     <p:spTree>
@@ -7433,7 +11094,7 @@
 </p:sld>
 </file>
 
-<file path=ppt/slides/slide22.xml><?xml version="1.0" encoding="utf-8"?>
+<file path=ppt/slides/slide29.xml><?xml version="1.0" encoding="utf-8"?>
 <p:sld xmlns:a="http://schemas.openxmlformats.org/drawingml/2006/main" xmlns:r="http://schemas.openxmlformats.org/officeDocument/2006/relationships" xmlns:p="http://schemas.openxmlformats.org/presentationml/2006/main">
   <p:cSld>
     <p:spTree>
@@ -7452,12 +11113,12 @@
       </p:grpSpPr>
       <p:sp>
         <p:nvSpPr>
-          <p:cNvPr id="4" name="Text Placeholder 3"/>
+          <p:cNvPr id="2" name="Title 1"/>
           <p:cNvSpPr>
             <a:spLocks noGrp="1"/>
           </p:cNvSpPr>
           <p:nvPr>
-            <p:ph type="body" sz="quarter" idx="10"/>
+            <p:ph type="title"/>
           </p:nvPr>
         </p:nvSpPr>
         <p:spPr/>
@@ -7465,107 +11126,72 @@
           <a:bodyPr/>
           <a:lstStyle/>
           <a:p>
-            <a:endParaRPr lang="en-US"/>
-          </a:p>
-        </p:txBody>
-      </p:sp>
-      <p:sp>
-        <p:nvSpPr>
-          <p:cNvPr id="3" name="Title 2"/>
-          <p:cNvSpPr>
-            <a:spLocks noGrp="1"/>
-          </p:cNvSpPr>
-          <p:nvPr>
-            <p:ph type="title"/>
-          </p:nvPr>
-        </p:nvSpPr>
-        <p:spPr/>
-        <p:txBody>
-          <a:bodyPr/>
-          <a:lstStyle/>
-          <a:p>
-            <a:r>
-              <a:rPr lang="en-US" dirty="0"/>
-              <a:t>Expectations for this workshop</a:t>
-            </a:r>
-          </a:p>
-        </p:txBody>
-      </p:sp>
+            <a:r>
+              <a:rPr lang="en-US" sz="2800" dirty="0"/>
+              <a:t>Z/T-statistic (</a:t>
+            </a:r>
+            <a:r>
+              <a:rPr lang="en-US" sz="2800" u="sng" dirty="0"/>
+              <a:t>Two-sample t-test)</a:t>
+            </a:r>
+          </a:p>
+        </p:txBody>
+      </p:sp>
+      <p:graphicFrame>
+        <p:nvGraphicFramePr>
+          <p:cNvPr id="4" name="Object 3"/>
+          <p:cNvGraphicFramePr>
+            <a:graphicFrameLocks noChangeAspect="1"/>
+          </p:cNvGraphicFramePr>
+          <p:nvPr/>
+        </p:nvGraphicFramePr>
+        <p:xfrm>
+          <a:off x="2921343" y="2423361"/>
+          <a:ext cx="6830671" cy="2322428"/>
+        </p:xfrm>
+        <a:graphic>
+          <a:graphicData uri="http://schemas.openxmlformats.org/presentationml/2006/ole">
+            <mc:AlternateContent xmlns:mc="http://schemas.openxmlformats.org/markup-compatibility/2006">
+              <mc:Choice xmlns:v="urn:schemas-microsoft-com:vml" Requires="v">
+                <p:oleObj spid="_x0000_s2065" name="Equation" r:id="rId3" imgW="1905000" imgH="647700" progId="Equation.3">
+                  <p:embed/>
+                </p:oleObj>
+              </mc:Choice>
+              <mc:Fallback>
+                <p:oleObj name="Equation" r:id="rId3" imgW="1905000" imgH="647700" progId="Equation.3">
+                  <p:embed/>
+                  <p:pic>
+                    <p:nvPicPr>
+                      <p:cNvPr id="4" name="Object 3"/>
+                      <p:cNvPicPr/>
+                      <p:nvPr/>
+                    </p:nvPicPr>
+                    <p:blipFill>
+                      <a:blip r:embed="rId4"/>
+                      <a:stretch>
+                        <a:fillRect/>
+                      </a:stretch>
+                    </p:blipFill>
+                    <p:spPr>
+                      <a:xfrm>
+                        <a:off x="2921343" y="2423361"/>
+                        <a:ext cx="6830671" cy="2322428"/>
+                      </a:xfrm>
+                      <a:prstGeom prst="rect">
+                        <a:avLst/>
+                      </a:prstGeom>
+                    </p:spPr>
+                  </p:pic>
+                </p:oleObj>
+              </mc:Fallback>
+            </mc:AlternateContent>
+          </a:graphicData>
+        </a:graphic>
+      </p:graphicFrame>
     </p:spTree>
     <p:extLst>
       <p:ext uri="{BB962C8B-B14F-4D97-AF65-F5344CB8AC3E}">
-        <p14:creationId xmlns:p14="http://schemas.microsoft.com/office/powerpoint/2010/main" val="703431832"/>
-      </p:ext>
-    </p:extLst>
-  </p:cSld>
-  <p:clrMapOvr>
-    <a:masterClrMapping/>
-  </p:clrMapOvr>
-</p:sld>
-</file>
-
-<file path=ppt/slides/slide23.xml><?xml version="1.0" encoding="utf-8"?>
-<p:sld xmlns:a="http://schemas.openxmlformats.org/drawingml/2006/main" xmlns:r="http://schemas.openxmlformats.org/officeDocument/2006/relationships" xmlns:p="http://schemas.openxmlformats.org/presentationml/2006/main">
-  <p:cSld>
-    <p:spTree>
-      <p:nvGrpSpPr>
-        <p:cNvPr id="1" name=""/>
-        <p:cNvGrpSpPr/>
-        <p:nvPr/>
-      </p:nvGrpSpPr>
-      <p:grpSpPr>
-        <a:xfrm>
-          <a:off x="0" y="0"/>
-          <a:ext cx="0" cy="0"/>
-          <a:chOff x="0" y="0"/>
-          <a:chExt cx="0" cy="0"/>
-        </a:xfrm>
-      </p:grpSpPr>
-      <p:sp>
-        <p:nvSpPr>
-          <p:cNvPr id="2" name="Text Placeholder 1"/>
-          <p:cNvSpPr>
-            <a:spLocks noGrp="1"/>
-          </p:cNvSpPr>
-          <p:nvPr>
-            <p:ph type="body" sz="quarter" idx="10"/>
-          </p:nvPr>
-        </p:nvSpPr>
-        <p:spPr/>
-        <p:txBody>
-          <a:bodyPr/>
-          <a:lstStyle/>
-          <a:p>
-            <a:endParaRPr lang="en-US"/>
-          </a:p>
-        </p:txBody>
-      </p:sp>
-      <p:sp>
-        <p:nvSpPr>
-          <p:cNvPr id="3" name="Title 2"/>
-          <p:cNvSpPr>
-            <a:spLocks noGrp="1"/>
-          </p:cNvSpPr>
-          <p:nvPr>
-            <p:ph type="title"/>
-          </p:nvPr>
-        </p:nvSpPr>
-        <p:spPr/>
-        <p:txBody>
-          <a:bodyPr/>
-          <a:lstStyle/>
-          <a:p>
-            <a:r>
-              <a:rPr lang="en-US" dirty="0"/>
-              <a:t>Outline for this workshop</a:t>
-            </a:r>
-          </a:p>
-        </p:txBody>
-      </p:sp>
-    </p:spTree>
-    <p:extLst>
-      <p:ext uri="{BB962C8B-B14F-4D97-AF65-F5344CB8AC3E}">
-        <p14:creationId xmlns:p14="http://schemas.microsoft.com/office/powerpoint/2010/main" val="3891151486"/>
+        <p14:creationId xmlns:p14="http://schemas.microsoft.com/office/powerpoint/2010/main" val="2450583276"/>
       </p:ext>
     </p:extLst>
   </p:cSld>
@@ -7594,7 +11220,13 @@
       </p:grpSpPr>
       <p:sp>
         <p:nvSpPr>
-          <p:cNvPr id="2" name="Text Placeholder 1"/>
+          <p:cNvPr id="2" name="Text Placeholder 1">
+            <a:extLst>
+              <a:ext uri="{FF2B5EF4-FFF2-40B4-BE49-F238E27FC236}">
+                <a16:creationId xmlns:a16="http://schemas.microsoft.com/office/drawing/2014/main" id="{181B3E60-0E59-BA4E-AC07-535209F1EEC0}"/>
+              </a:ext>
+            </a:extLst>
+          </p:cNvPr>
           <p:cNvSpPr>
             <a:spLocks noGrp="1"/>
           </p:cNvSpPr>
@@ -7605,7 +11237,7 @@
         <p:spPr>
           <a:xfrm>
             <a:off x="838200" y="1876483"/>
-            <a:ext cx="10515600" cy="4007251"/>
+            <a:ext cx="10515600" cy="2583271"/>
           </a:xfrm>
         </p:spPr>
         <p:txBody>
@@ -7614,29 +11246,890 @@
           <a:p>
             <a:r>
               <a:rPr lang="en-US" dirty="0"/>
-              <a:t>Null hypothesis versus Alternative hypothesis</a:t>
+              <a:t>Very basic introduction to the concepts and terminology of hypothesis testing</a:t>
             </a:r>
           </a:p>
           <a:p>
             <a:r>
               <a:rPr lang="en-US" dirty="0"/>
-              <a:t>P-values</a:t>
+              <a:t>Some guidance on choosing tests in relatively simple situations</a:t>
             </a:r>
           </a:p>
           <a:p>
             <a:r>
               <a:rPr lang="en-US" dirty="0"/>
-              <a:t>Two-sided test </a:t>
-            </a:r>
-            <a:r>
-              <a:rPr lang="en-US" i="1" dirty="0"/>
-              <a:t>versus</a:t>
-            </a:r>
+              <a:t>Hands-on training on implementing statistical tests in R, requires some basic familiarity in working with R/</a:t>
+            </a:r>
+            <a:r>
+              <a:rPr lang="en-US" dirty="0" err="1"/>
+              <a:t>Rstudio</a:t>
+            </a:r>
+            <a:endParaRPr lang="en-US" dirty="0"/>
+          </a:p>
+        </p:txBody>
+      </p:sp>
+      <p:sp>
+        <p:nvSpPr>
+          <p:cNvPr id="3" name="Title 2">
+            <a:extLst>
+              <a:ext uri="{FF2B5EF4-FFF2-40B4-BE49-F238E27FC236}">
+                <a16:creationId xmlns:a16="http://schemas.microsoft.com/office/drawing/2014/main" id="{D63FEB00-2902-DC4E-B430-256034554AD0}"/>
+              </a:ext>
+            </a:extLst>
+          </p:cNvPr>
+          <p:cNvSpPr>
+            <a:spLocks noGrp="1"/>
+          </p:cNvSpPr>
+          <p:nvPr>
+            <p:ph type="title"/>
+          </p:nvPr>
+        </p:nvSpPr>
+        <p:spPr/>
+        <p:txBody>
+          <a:bodyPr/>
+          <a:lstStyle/>
+          <a:p>
             <a:r>
               <a:rPr lang="en-US" dirty="0"/>
-              <a:t> One-sided test</a:t>
-            </a:r>
-          </a:p>
+              <a:t>This workshop</a:t>
+            </a:r>
+          </a:p>
+        </p:txBody>
+      </p:sp>
+    </p:spTree>
+    <p:extLst>
+      <p:ext uri="{BB962C8B-B14F-4D97-AF65-F5344CB8AC3E}">
+        <p14:creationId xmlns:p14="http://schemas.microsoft.com/office/powerpoint/2010/main" val="2317687001"/>
+      </p:ext>
+    </p:extLst>
+  </p:cSld>
+  <p:clrMapOvr>
+    <a:masterClrMapping/>
+  </p:clrMapOvr>
+</p:sld>
+</file>
+
+<file path=ppt/slides/slide30.xml><?xml version="1.0" encoding="utf-8"?>
+<p:sld xmlns:a="http://schemas.openxmlformats.org/drawingml/2006/main" xmlns:r="http://schemas.openxmlformats.org/officeDocument/2006/relationships" xmlns:p="http://schemas.openxmlformats.org/presentationml/2006/main">
+  <p:cSld>
+    <p:spTree>
+      <p:nvGrpSpPr>
+        <p:cNvPr id="1" name=""/>
+        <p:cNvGrpSpPr/>
+        <p:nvPr/>
+      </p:nvGrpSpPr>
+      <p:grpSpPr>
+        <a:xfrm>
+          <a:off x="0" y="0"/>
+          <a:ext cx="0" cy="0"/>
+          <a:chOff x="0" y="0"/>
+          <a:chExt cx="0" cy="0"/>
+        </a:xfrm>
+      </p:grpSpPr>
+      <p:sp>
+        <p:nvSpPr>
+          <p:cNvPr id="2" name="Title 1"/>
+          <p:cNvSpPr>
+            <a:spLocks noGrp="1"/>
+          </p:cNvSpPr>
+          <p:nvPr>
+            <p:ph type="title"/>
+          </p:nvPr>
+        </p:nvSpPr>
+        <p:spPr/>
+        <p:txBody>
+          <a:bodyPr/>
+          <a:lstStyle/>
+          <a:p>
+            <a:r>
+              <a:rPr lang="en-US" sz="2800" dirty="0"/>
+              <a:t>Sampling distribution of T-statistic</a:t>
+            </a:r>
+          </a:p>
+        </p:txBody>
+      </p:sp>
+      <p:pic>
+        <p:nvPicPr>
+          <p:cNvPr id="4" name="Content Placeholder 3" descr="Histogram_of_t-statistics.pdf"/>
+          <p:cNvPicPr>
+            <a:picLocks noGrp="1" noChangeAspect="1"/>
+          </p:cNvPicPr>
+          <p:nvPr>
+            <p:ph idx="1"/>
+          </p:nvPr>
+        </p:nvPicPr>
+        <p:blipFill>
+          <a:blip r:embed="rId3">
+            <a:extLst>
+              <a:ext uri="{28A0092B-C50C-407E-A947-70E740481C1C}">
+                <a14:useLocalDpi xmlns:a14="http://schemas.microsoft.com/office/drawing/2010/main" val="0"/>
+              </a:ext>
+            </a:extLst>
+          </a:blip>
+          <a:srcRect l="-40157" r="-40157"/>
+          <a:stretch>
+            <a:fillRect/>
+          </a:stretch>
+        </p:blipFill>
+        <p:spPr>
+          <a:xfrm>
+            <a:off x="-1434555" y="1454410"/>
+            <a:ext cx="9743383" cy="5403590"/>
+          </a:xfrm>
+        </p:spPr>
+      </p:pic>
+      <p:pic>
+        <p:nvPicPr>
+          <p:cNvPr id="5" name="Picture 4">
+            <a:extLst>
+              <a:ext uri="{FF2B5EF4-FFF2-40B4-BE49-F238E27FC236}">
+                <a16:creationId xmlns:a16="http://schemas.microsoft.com/office/drawing/2014/main" id="{6F6F0660-4E6F-E148-8A96-0D7D9FA8A11A}"/>
+              </a:ext>
+            </a:extLst>
+          </p:cNvPr>
+          <p:cNvPicPr>
+            <a:picLocks noChangeAspect="1"/>
+          </p:cNvPicPr>
+          <p:nvPr/>
+        </p:nvPicPr>
+        <p:blipFill>
+          <a:blip r:embed="rId4"/>
+          <a:stretch>
+            <a:fillRect/>
+          </a:stretch>
+        </p:blipFill>
+        <p:spPr>
+          <a:xfrm>
+            <a:off x="6588004" y="2365505"/>
+            <a:ext cx="4178300" cy="3581400"/>
+          </a:xfrm>
+          <a:prstGeom prst="rect">
+            <a:avLst/>
+          </a:prstGeom>
+        </p:spPr>
+      </p:pic>
+    </p:spTree>
+    <p:extLst>
+      <p:ext uri="{BB962C8B-B14F-4D97-AF65-F5344CB8AC3E}">
+        <p14:creationId xmlns:p14="http://schemas.microsoft.com/office/powerpoint/2010/main" val="328737997"/>
+      </p:ext>
+    </p:extLst>
+  </p:cSld>
+  <p:clrMapOvr>
+    <a:masterClrMapping/>
+  </p:clrMapOvr>
+</p:sld>
+</file>
+
+<file path=ppt/slides/slide31.xml><?xml version="1.0" encoding="utf-8"?>
+<p:sld xmlns:a="http://schemas.openxmlformats.org/drawingml/2006/main" xmlns:r="http://schemas.openxmlformats.org/officeDocument/2006/relationships" xmlns:p="http://schemas.openxmlformats.org/presentationml/2006/main">
+  <p:cSld>
+    <p:spTree>
+      <p:nvGrpSpPr>
+        <p:cNvPr id="1" name=""/>
+        <p:cNvGrpSpPr/>
+        <p:nvPr/>
+      </p:nvGrpSpPr>
+      <p:grpSpPr>
+        <a:xfrm>
+          <a:off x="0" y="0"/>
+          <a:ext cx="0" cy="0"/>
+          <a:chOff x="0" y="0"/>
+          <a:chExt cx="0" cy="0"/>
+        </a:xfrm>
+      </p:grpSpPr>
+      <p:sp>
+        <p:nvSpPr>
+          <p:cNvPr id="2" name="Title 1">
+            <a:extLst>
+              <a:ext uri="{FF2B5EF4-FFF2-40B4-BE49-F238E27FC236}">
+                <a16:creationId xmlns:a16="http://schemas.microsoft.com/office/drawing/2014/main" id="{BFA365EC-30BA-0E4A-8CD7-6DA7F96C71B3}"/>
+              </a:ext>
+            </a:extLst>
+          </p:cNvPr>
+          <p:cNvSpPr>
+            <a:spLocks noGrp="1"/>
+          </p:cNvSpPr>
+          <p:nvPr>
+            <p:ph type="title"/>
+          </p:nvPr>
+        </p:nvSpPr>
+        <p:spPr/>
+        <p:txBody>
+          <a:bodyPr/>
+          <a:lstStyle/>
+          <a:p>
+            <a:r>
+              <a:rPr lang="en-US" dirty="0"/>
+              <a:t>U-statistic (</a:t>
+            </a:r>
+            <a:r>
+              <a:rPr lang="en-US" sz="3600" dirty="0"/>
+              <a:t>Mann Whitney test, two sample test</a:t>
+            </a:r>
+            <a:r>
+              <a:rPr lang="en-US" dirty="0"/>
+              <a:t>)</a:t>
+            </a:r>
+          </a:p>
+        </p:txBody>
+      </p:sp>
+      <p:pic>
+        <p:nvPicPr>
+          <p:cNvPr id="5" name="Content Placeholder 4">
+            <a:extLst>
+              <a:ext uri="{FF2B5EF4-FFF2-40B4-BE49-F238E27FC236}">
+                <a16:creationId xmlns:a16="http://schemas.microsoft.com/office/drawing/2014/main" id="{D848B4B0-B1C9-B54C-A36A-878FB3EB7652}"/>
+              </a:ext>
+            </a:extLst>
+          </p:cNvPr>
+          <p:cNvPicPr>
+            <a:picLocks noGrp="1" noChangeAspect="1"/>
+          </p:cNvPicPr>
+          <p:nvPr>
+            <p:ph idx="1"/>
+          </p:nvPr>
+        </p:nvPicPr>
+        <p:blipFill>
+          <a:blip r:embed="rId2"/>
+          <a:stretch>
+            <a:fillRect/>
+          </a:stretch>
+        </p:blipFill>
+        <p:spPr>
+          <a:xfrm>
+            <a:off x="1331976" y="2167160"/>
+            <a:ext cx="4401184" cy="1100296"/>
+          </a:xfrm>
+        </p:spPr>
+      </p:pic>
+    </p:spTree>
+    <p:extLst>
+      <p:ext uri="{BB962C8B-B14F-4D97-AF65-F5344CB8AC3E}">
+        <p14:creationId xmlns:p14="http://schemas.microsoft.com/office/powerpoint/2010/main" val="2717688165"/>
+      </p:ext>
+    </p:extLst>
+  </p:cSld>
+  <p:clrMapOvr>
+    <a:masterClrMapping/>
+  </p:clrMapOvr>
+</p:sld>
+</file>
+
+<file path=ppt/slides/slide32.xml><?xml version="1.0" encoding="utf-8"?>
+<p:sld xmlns:a="http://schemas.openxmlformats.org/drawingml/2006/main" xmlns:r="http://schemas.openxmlformats.org/officeDocument/2006/relationships" xmlns:p="http://schemas.openxmlformats.org/presentationml/2006/main">
+  <p:cSld>
+    <p:spTree>
+      <p:nvGrpSpPr>
+        <p:cNvPr id="1" name=""/>
+        <p:cNvGrpSpPr/>
+        <p:nvPr/>
+      </p:nvGrpSpPr>
+      <p:grpSpPr>
+        <a:xfrm>
+          <a:off x="0" y="0"/>
+          <a:ext cx="0" cy="0"/>
+          <a:chOff x="0" y="0"/>
+          <a:chExt cx="0" cy="0"/>
+        </a:xfrm>
+      </p:grpSpPr>
+      <p:sp>
+        <p:nvSpPr>
+          <p:cNvPr id="2" name="Title 1">
+            <a:extLst>
+              <a:ext uri="{FF2B5EF4-FFF2-40B4-BE49-F238E27FC236}">
+                <a16:creationId xmlns:a16="http://schemas.microsoft.com/office/drawing/2014/main" id="{1937ECFD-F021-F34D-940A-594D13BDEC33}"/>
+              </a:ext>
+            </a:extLst>
+          </p:cNvPr>
+          <p:cNvSpPr>
+            <a:spLocks noGrp="1"/>
+          </p:cNvSpPr>
+          <p:nvPr>
+            <p:ph type="title"/>
+          </p:nvPr>
+        </p:nvSpPr>
+        <p:spPr/>
+        <p:txBody>
+          <a:bodyPr/>
+          <a:lstStyle/>
+          <a:p>
+            <a:r>
+              <a:rPr lang="en-US" dirty="0"/>
+              <a:t>U-statistic sampling distribution in terms of tables</a:t>
+            </a:r>
+          </a:p>
+        </p:txBody>
+      </p:sp>
+      <p:pic>
+        <p:nvPicPr>
+          <p:cNvPr id="5" name="Content Placeholder 4">
+            <a:extLst>
+              <a:ext uri="{FF2B5EF4-FFF2-40B4-BE49-F238E27FC236}">
+                <a16:creationId xmlns:a16="http://schemas.microsoft.com/office/drawing/2014/main" id="{36456D8F-B11C-8444-B686-E045E99BC5FD}"/>
+              </a:ext>
+            </a:extLst>
+          </p:cNvPr>
+          <p:cNvPicPr>
+            <a:picLocks noGrp="1" noChangeAspect="1"/>
+          </p:cNvPicPr>
+          <p:nvPr>
+            <p:ph idx="1"/>
+          </p:nvPr>
+        </p:nvPicPr>
+        <p:blipFill>
+          <a:blip r:embed="rId3"/>
+          <a:stretch>
+            <a:fillRect/>
+          </a:stretch>
+        </p:blipFill>
+        <p:spPr>
+          <a:xfrm>
+            <a:off x="2813332" y="1895073"/>
+            <a:ext cx="4597640" cy="4351338"/>
+          </a:xfrm>
+        </p:spPr>
+      </p:pic>
+      <p:pic>
+        <p:nvPicPr>
+          <p:cNvPr id="6" name="Content Placeholder 12" descr="Null_Z_Distribution_sd_14_n_4.pdf">
+            <a:extLst>
+              <a:ext uri="{FF2B5EF4-FFF2-40B4-BE49-F238E27FC236}">
+                <a16:creationId xmlns:a16="http://schemas.microsoft.com/office/drawing/2014/main" id="{2344EB36-2285-8C4E-B93C-5D5B1315F143}"/>
+              </a:ext>
+            </a:extLst>
+          </p:cNvPr>
+          <p:cNvPicPr>
+            <a:picLocks noChangeAspect="1"/>
+          </p:cNvPicPr>
+          <p:nvPr/>
+        </p:nvPicPr>
+        <p:blipFill>
+          <a:blip r:embed="rId4">
+            <a:extLst>
+              <a:ext uri="{28A0092B-C50C-407E-A947-70E740481C1C}">
+                <a14:useLocalDpi xmlns:a14="http://schemas.microsoft.com/office/drawing/2010/main" val="0"/>
+              </a:ext>
+            </a:extLst>
+          </a:blip>
+          <a:srcRect t="-6869" b="-6869"/>
+          <a:stretch>
+            <a:fillRect/>
+          </a:stretch>
+        </p:blipFill>
+        <p:spPr>
+          <a:xfrm>
+            <a:off x="8618250" y="1537965"/>
+            <a:ext cx="3254765" cy="2776417"/>
+          </a:xfrm>
+          <a:prstGeom prst="rect">
+            <a:avLst/>
+          </a:prstGeom>
+        </p:spPr>
+      </p:pic>
+      <p:sp>
+        <p:nvSpPr>
+          <p:cNvPr id="7" name="TextBox 6">
+            <a:extLst>
+              <a:ext uri="{FF2B5EF4-FFF2-40B4-BE49-F238E27FC236}">
+                <a16:creationId xmlns:a16="http://schemas.microsoft.com/office/drawing/2014/main" id="{2C94500D-C9DC-2444-83AC-8358A2D9BC89}"/>
+              </a:ext>
+            </a:extLst>
+          </p:cNvPr>
+          <p:cNvSpPr txBox="1"/>
+          <p:nvPr/>
+        </p:nvSpPr>
+        <p:spPr>
+          <a:xfrm>
+            <a:off x="8518967" y="4421529"/>
+            <a:ext cx="914400" cy="914400"/>
+          </a:xfrm>
+          <a:prstGeom prst="rect">
+            <a:avLst/>
+          </a:prstGeom>
+          <a:noFill/>
+          <a:ln>
+            <a:noFill/>
+          </a:ln>
+        </p:spPr>
+        <p:txBody>
+          <a:bodyPr wrap="none" rtlCol="0" anchor="ctr" anchorCtr="0">
+            <a:noAutofit/>
+          </a:bodyPr>
+          <a:lstStyle/>
+          <a:p>
+            <a:pPr>
+              <a:spcAft>
+                <a:spcPts val="600"/>
+              </a:spcAft>
+            </a:pPr>
+            <a:r>
+              <a:rPr lang="en-US" sz="2000" dirty="0">
+                <a:latin typeface="Helvetica" charset="0"/>
+                <a:ea typeface="Times New Roman" charset="0"/>
+                <a:cs typeface="Arial" charset="0"/>
+              </a:rPr>
+              <a:t>Area of red shaded part=0.001</a:t>
+            </a:r>
+          </a:p>
+        </p:txBody>
+      </p:sp>
+      <p:cxnSp>
+        <p:nvCxnSpPr>
+          <p:cNvPr id="9" name="Straight Connector 8">
+            <a:extLst>
+              <a:ext uri="{FF2B5EF4-FFF2-40B4-BE49-F238E27FC236}">
+                <a16:creationId xmlns:a16="http://schemas.microsoft.com/office/drawing/2014/main" id="{44CCA05F-99D4-5642-B578-C84D1048E8F7}"/>
+              </a:ext>
+            </a:extLst>
+          </p:cNvPr>
+          <p:cNvCxnSpPr/>
+          <p:nvPr/>
+        </p:nvCxnSpPr>
+        <p:spPr>
+          <a:xfrm flipV="1">
+            <a:off x="9378668" y="3819646"/>
+            <a:ext cx="251469" cy="856526"/>
+          </a:xfrm>
+          <a:prstGeom prst="line">
+            <a:avLst/>
+          </a:prstGeom>
+          <a:ln>
+            <a:tailEnd type="triangle"/>
+          </a:ln>
+        </p:spPr>
+        <p:style>
+          <a:lnRef idx="1">
+            <a:schemeClr val="accent1"/>
+          </a:lnRef>
+          <a:fillRef idx="0">
+            <a:schemeClr val="accent1"/>
+          </a:fillRef>
+          <a:effectRef idx="0">
+            <a:schemeClr val="accent1"/>
+          </a:effectRef>
+          <a:fontRef idx="minor">
+            <a:schemeClr val="tx1"/>
+          </a:fontRef>
+        </p:style>
+      </p:cxnSp>
+      <p:cxnSp>
+        <p:nvCxnSpPr>
+          <p:cNvPr id="11" name="Straight Connector 10">
+            <a:extLst>
+              <a:ext uri="{FF2B5EF4-FFF2-40B4-BE49-F238E27FC236}">
+                <a16:creationId xmlns:a16="http://schemas.microsoft.com/office/drawing/2014/main" id="{7F70DE3D-C9BC-9247-B058-E77D4D9049BD}"/>
+              </a:ext>
+            </a:extLst>
+          </p:cNvPr>
+          <p:cNvCxnSpPr/>
+          <p:nvPr/>
+        </p:nvCxnSpPr>
+        <p:spPr>
+          <a:xfrm>
+            <a:off x="9848850" y="3165475"/>
+            <a:ext cx="0" cy="654171"/>
+          </a:xfrm>
+          <a:prstGeom prst="line">
+            <a:avLst/>
+          </a:prstGeom>
+          <a:ln>
+            <a:tailEnd type="triangle" w="med" len="med"/>
+          </a:ln>
+        </p:spPr>
+        <p:style>
+          <a:lnRef idx="1">
+            <a:schemeClr val="accent1"/>
+          </a:lnRef>
+          <a:fillRef idx="0">
+            <a:schemeClr val="accent1"/>
+          </a:fillRef>
+          <a:effectRef idx="0">
+            <a:schemeClr val="accent1"/>
+          </a:effectRef>
+          <a:fontRef idx="minor">
+            <a:schemeClr val="tx1"/>
+          </a:fontRef>
+        </p:style>
+      </p:cxnSp>
+      <p:sp>
+        <p:nvSpPr>
+          <p:cNvPr id="12" name="TextBox 11">
+            <a:extLst>
+              <a:ext uri="{FF2B5EF4-FFF2-40B4-BE49-F238E27FC236}">
+                <a16:creationId xmlns:a16="http://schemas.microsoft.com/office/drawing/2014/main" id="{3D06E923-21D8-4C43-B46A-EA5D965F8448}"/>
+              </a:ext>
+            </a:extLst>
+          </p:cNvPr>
+          <p:cNvSpPr txBox="1"/>
+          <p:nvPr/>
+        </p:nvSpPr>
+        <p:spPr>
+          <a:xfrm>
+            <a:off x="9182100" y="2628900"/>
+            <a:ext cx="914400" cy="914400"/>
+          </a:xfrm>
+          <a:prstGeom prst="rect">
+            <a:avLst/>
+          </a:prstGeom>
+          <a:noFill/>
+          <a:ln>
+            <a:noFill/>
+          </a:ln>
+        </p:spPr>
+        <p:txBody>
+          <a:bodyPr wrap="none" rtlCol="0" anchor="ctr" anchorCtr="0">
+            <a:noAutofit/>
+          </a:bodyPr>
+          <a:lstStyle/>
+          <a:p>
+            <a:pPr>
+              <a:spcAft>
+                <a:spcPts val="600"/>
+              </a:spcAft>
+            </a:pPr>
+            <a:r>
+              <a:rPr lang="en-US" sz="2000" dirty="0">
+                <a:latin typeface="Helvetica" charset="0"/>
+                <a:ea typeface="Times New Roman" charset="0"/>
+                <a:cs typeface="Arial" charset="0"/>
+              </a:rPr>
+              <a:t>Critical value of statistic</a:t>
+            </a:r>
+          </a:p>
+        </p:txBody>
+      </p:sp>
+    </p:spTree>
+    <p:extLst>
+      <p:ext uri="{BB962C8B-B14F-4D97-AF65-F5344CB8AC3E}">
+        <p14:creationId xmlns:p14="http://schemas.microsoft.com/office/powerpoint/2010/main" val="3308334999"/>
+      </p:ext>
+    </p:extLst>
+  </p:cSld>
+  <p:clrMapOvr>
+    <a:masterClrMapping/>
+  </p:clrMapOvr>
+</p:sld>
+</file>
+
+<file path=ppt/slides/slide33.xml><?xml version="1.0" encoding="utf-8"?>
+<p:sld xmlns:a="http://schemas.openxmlformats.org/drawingml/2006/main" xmlns:r="http://schemas.openxmlformats.org/officeDocument/2006/relationships" xmlns:p="http://schemas.openxmlformats.org/presentationml/2006/main">
+  <p:cSld>
+    <p:spTree>
+      <p:nvGrpSpPr>
+        <p:cNvPr id="1" name=""/>
+        <p:cNvGrpSpPr/>
+        <p:nvPr/>
+      </p:nvGrpSpPr>
+      <p:grpSpPr>
+        <a:xfrm>
+          <a:off x="0" y="0"/>
+          <a:ext cx="0" cy="0"/>
+          <a:chOff x="0" y="0"/>
+          <a:chExt cx="0" cy="0"/>
+        </a:xfrm>
+      </p:grpSpPr>
+      <p:sp>
+        <p:nvSpPr>
+          <p:cNvPr id="2" name="Title 1">
+            <a:extLst>
+              <a:ext uri="{FF2B5EF4-FFF2-40B4-BE49-F238E27FC236}">
+                <a16:creationId xmlns:a16="http://schemas.microsoft.com/office/drawing/2014/main" id="{FB183A63-F1DC-FA4B-9098-3DD4A5808479}"/>
+              </a:ext>
+            </a:extLst>
+          </p:cNvPr>
+          <p:cNvSpPr>
+            <a:spLocks noGrp="1"/>
+          </p:cNvSpPr>
+          <p:nvPr>
+            <p:ph type="title"/>
+          </p:nvPr>
+        </p:nvSpPr>
+        <p:spPr/>
+        <p:txBody>
+          <a:bodyPr/>
+          <a:lstStyle/>
+          <a:p>
+            <a:r>
+              <a:rPr lang="en-US" dirty="0"/>
+              <a:t>F-statistic (ANOVA)</a:t>
+            </a:r>
+          </a:p>
+        </p:txBody>
+      </p:sp>
+      <p:pic>
+        <p:nvPicPr>
+          <p:cNvPr id="5" name="Content Placeholder 4">
+            <a:extLst>
+              <a:ext uri="{FF2B5EF4-FFF2-40B4-BE49-F238E27FC236}">
+                <a16:creationId xmlns:a16="http://schemas.microsoft.com/office/drawing/2014/main" id="{AB42D8F1-8177-DD47-BF71-9C5A230278A8}"/>
+              </a:ext>
+            </a:extLst>
+          </p:cNvPr>
+          <p:cNvPicPr>
+            <a:picLocks noGrp="1" noChangeAspect="1"/>
+          </p:cNvPicPr>
+          <p:nvPr>
+            <p:ph idx="1"/>
+          </p:nvPr>
+        </p:nvPicPr>
+        <p:blipFill>
+          <a:blip r:embed="rId2"/>
+          <a:stretch>
+            <a:fillRect/>
+          </a:stretch>
+        </p:blipFill>
+        <p:spPr>
+          <a:xfrm>
+            <a:off x="1487185" y="1916244"/>
+            <a:ext cx="4141213" cy="792232"/>
+          </a:xfrm>
+        </p:spPr>
+      </p:pic>
+    </p:spTree>
+    <p:extLst>
+      <p:ext uri="{BB962C8B-B14F-4D97-AF65-F5344CB8AC3E}">
+        <p14:creationId xmlns:p14="http://schemas.microsoft.com/office/powerpoint/2010/main" val="950016743"/>
+      </p:ext>
+    </p:extLst>
+  </p:cSld>
+  <p:clrMapOvr>
+    <a:masterClrMapping/>
+  </p:clrMapOvr>
+</p:sld>
+</file>
+
+<file path=ppt/slides/slide34.xml><?xml version="1.0" encoding="utf-8"?>
+<p:sld xmlns:a="http://schemas.openxmlformats.org/drawingml/2006/main" xmlns:r="http://schemas.openxmlformats.org/officeDocument/2006/relationships" xmlns:p="http://schemas.openxmlformats.org/presentationml/2006/main">
+  <p:cSld>
+    <p:spTree>
+      <p:nvGrpSpPr>
+        <p:cNvPr id="1" name=""/>
+        <p:cNvGrpSpPr/>
+        <p:nvPr/>
+      </p:nvGrpSpPr>
+      <p:grpSpPr>
+        <a:xfrm>
+          <a:off x="0" y="0"/>
+          <a:ext cx="0" cy="0"/>
+          <a:chOff x="0" y="0"/>
+          <a:chExt cx="0" cy="0"/>
+        </a:xfrm>
+      </p:grpSpPr>
+      <p:sp>
+        <p:nvSpPr>
+          <p:cNvPr id="2" name="Title 1">
+            <a:extLst>
+              <a:ext uri="{FF2B5EF4-FFF2-40B4-BE49-F238E27FC236}">
+                <a16:creationId xmlns:a16="http://schemas.microsoft.com/office/drawing/2014/main" id="{88DEC43B-34F8-2E47-A486-7EBE67B7E1CF}"/>
+              </a:ext>
+            </a:extLst>
+          </p:cNvPr>
+          <p:cNvSpPr>
+            <a:spLocks noGrp="1"/>
+          </p:cNvSpPr>
+          <p:nvPr>
+            <p:ph type="title"/>
+          </p:nvPr>
+        </p:nvSpPr>
+        <p:spPr/>
+        <p:txBody>
+          <a:bodyPr/>
+          <a:lstStyle/>
+          <a:p>
+            <a:r>
+              <a:rPr lang="en-US" dirty="0"/>
+              <a:t>Sampling distribution of the F-statistic</a:t>
+            </a:r>
+          </a:p>
+        </p:txBody>
+      </p:sp>
+      <p:pic>
+        <p:nvPicPr>
+          <p:cNvPr id="5" name="Content Placeholder 4">
+            <a:extLst>
+              <a:ext uri="{FF2B5EF4-FFF2-40B4-BE49-F238E27FC236}">
+                <a16:creationId xmlns:a16="http://schemas.microsoft.com/office/drawing/2014/main" id="{5581F31C-3DE1-EA4D-BFE1-F218C0EC11BE}"/>
+              </a:ext>
+            </a:extLst>
+          </p:cNvPr>
+          <p:cNvPicPr>
+            <a:picLocks noGrp="1" noChangeAspect="1"/>
+          </p:cNvPicPr>
+          <p:nvPr>
+            <p:ph idx="1"/>
+          </p:nvPr>
+        </p:nvPicPr>
+        <p:blipFill>
+          <a:blip r:embed="rId3"/>
+          <a:stretch>
+            <a:fillRect/>
+          </a:stretch>
+        </p:blipFill>
+        <p:spPr>
+          <a:xfrm>
+            <a:off x="3302241" y="2202797"/>
+            <a:ext cx="4406900" cy="3365500"/>
+          </a:xfrm>
+        </p:spPr>
+      </p:pic>
+    </p:spTree>
+    <p:extLst>
+      <p:ext uri="{BB962C8B-B14F-4D97-AF65-F5344CB8AC3E}">
+        <p14:creationId xmlns:p14="http://schemas.microsoft.com/office/powerpoint/2010/main" val="2775107312"/>
+      </p:ext>
+    </p:extLst>
+  </p:cSld>
+  <p:clrMapOvr>
+    <a:masterClrMapping/>
+  </p:clrMapOvr>
+</p:sld>
+</file>
+
+<file path=ppt/slides/slide35.xml><?xml version="1.0" encoding="utf-8"?>
+<p:sld xmlns:a="http://schemas.openxmlformats.org/drawingml/2006/main" xmlns:r="http://schemas.openxmlformats.org/officeDocument/2006/relationships" xmlns:p="http://schemas.openxmlformats.org/presentationml/2006/main">
+  <p:cSld>
+    <p:spTree>
+      <p:nvGrpSpPr>
+        <p:cNvPr id="1" name=""/>
+        <p:cNvGrpSpPr/>
+        <p:nvPr/>
+      </p:nvGrpSpPr>
+      <p:grpSpPr>
+        <a:xfrm>
+          <a:off x="0" y="0"/>
+          <a:ext cx="0" cy="0"/>
+          <a:chOff x="0" y="0"/>
+          <a:chExt cx="0" cy="0"/>
+        </a:xfrm>
+      </p:grpSpPr>
+      <p:sp>
+        <p:nvSpPr>
+          <p:cNvPr id="4" name="Text Placeholder 3">
+            <a:extLst>
+              <a:ext uri="{FF2B5EF4-FFF2-40B4-BE49-F238E27FC236}">
+                <a16:creationId xmlns:a16="http://schemas.microsoft.com/office/drawing/2014/main" id="{91511AC0-E9AF-9B4D-AFB0-22DE96B3C723}"/>
+              </a:ext>
+            </a:extLst>
+          </p:cNvPr>
+          <p:cNvSpPr>
+            <a:spLocks noGrp="1"/>
+          </p:cNvSpPr>
+          <p:nvPr>
+            <p:ph type="body" sz="quarter" idx="10"/>
+          </p:nvPr>
+        </p:nvSpPr>
+        <p:spPr>
+          <a:xfrm>
+            <a:off x="838200" y="1876483"/>
+            <a:ext cx="10515600" cy="2250873"/>
+          </a:xfrm>
+        </p:spPr>
+        <p:txBody>
+          <a:bodyPr/>
+          <a:lstStyle/>
+          <a:p>
+            <a:r>
+              <a:rPr lang="en-US" dirty="0"/>
+              <a:t>Sampling distribution derived via Central Limit Theorem only valid only if certain </a:t>
+            </a:r>
+            <a:r>
+              <a:rPr lang="en-US" sz="3200" b="1" u="sng" dirty="0"/>
+              <a:t>assumptions</a:t>
+            </a:r>
+            <a:r>
+              <a:rPr lang="en-US" dirty="0"/>
+              <a:t> met with underlying data</a:t>
+            </a:r>
+          </a:p>
+          <a:p>
+            <a:r>
+              <a:rPr lang="en-US" dirty="0"/>
+              <a:t>E.g. of assumptions could be Normality, Equality of variances etc.</a:t>
+            </a:r>
+          </a:p>
+          <a:p>
+            <a:endParaRPr lang="en-US" dirty="0"/>
+          </a:p>
+        </p:txBody>
+      </p:sp>
+      <p:sp>
+        <p:nvSpPr>
+          <p:cNvPr id="2" name="Title 1">
+            <a:extLst>
+              <a:ext uri="{FF2B5EF4-FFF2-40B4-BE49-F238E27FC236}">
+                <a16:creationId xmlns:a16="http://schemas.microsoft.com/office/drawing/2014/main" id="{F1E79716-23D5-4247-A156-1CD26B59F351}"/>
+              </a:ext>
+            </a:extLst>
+          </p:cNvPr>
+          <p:cNvSpPr>
+            <a:spLocks noGrp="1"/>
+          </p:cNvSpPr>
+          <p:nvPr>
+            <p:ph type="title"/>
+          </p:nvPr>
+        </p:nvSpPr>
+        <p:spPr/>
+        <p:txBody>
+          <a:bodyPr/>
+          <a:lstStyle/>
+          <a:p>
+            <a:r>
+              <a:rPr lang="en-US" dirty="0"/>
+              <a:t>Why do we have so many different tests?</a:t>
+            </a:r>
+          </a:p>
+        </p:txBody>
+      </p:sp>
+    </p:spTree>
+    <p:extLst>
+      <p:ext uri="{BB962C8B-B14F-4D97-AF65-F5344CB8AC3E}">
+        <p14:creationId xmlns:p14="http://schemas.microsoft.com/office/powerpoint/2010/main" val="3800520997"/>
+      </p:ext>
+    </p:extLst>
+  </p:cSld>
+  <p:clrMapOvr>
+    <a:masterClrMapping/>
+  </p:clrMapOvr>
+</p:sld>
+</file>
+
+<file path=ppt/slides/slide36.xml><?xml version="1.0" encoding="utf-8"?>
+<p:sld xmlns:a="http://schemas.openxmlformats.org/drawingml/2006/main" xmlns:r="http://schemas.openxmlformats.org/officeDocument/2006/relationships" xmlns:p="http://schemas.openxmlformats.org/presentationml/2006/main">
+  <p:cSld>
+    <p:spTree>
+      <p:nvGrpSpPr>
+        <p:cNvPr id="1" name=""/>
+        <p:cNvGrpSpPr/>
+        <p:nvPr/>
+      </p:nvGrpSpPr>
+      <p:grpSpPr>
+        <a:xfrm>
+          <a:off x="0" y="0"/>
+          <a:ext cx="0" cy="0"/>
+          <a:chOff x="0" y="0"/>
+          <a:chExt cx="0" cy="0"/>
+        </a:xfrm>
+      </p:grpSpPr>
+      <p:sp>
+        <p:nvSpPr>
+          <p:cNvPr id="4" name="Text Placeholder 3"/>
+          <p:cNvSpPr>
+            <a:spLocks noGrp="1"/>
+          </p:cNvSpPr>
+          <p:nvPr>
+            <p:ph type="body" sz="quarter" idx="10"/>
+          </p:nvPr>
+        </p:nvSpPr>
+        <p:spPr>
+          <a:xfrm>
+            <a:off x="838200" y="1876483"/>
+            <a:ext cx="10515600" cy="3743589"/>
+          </a:xfrm>
+        </p:spPr>
+        <p:txBody>
+          <a:bodyPr/>
+          <a:lstStyle/>
           <a:p>
             <a:r>
               <a:rPr lang="en-US" dirty="0"/>
@@ -7646,26 +12139,30 @@
           <a:p>
             <a:r>
               <a:rPr lang="en-US" dirty="0"/>
-              <a:t>Sampling distribution</a:t>
+              <a:t>Sampling distribution of test statistic under the null hypothesis</a:t>
             </a:r>
           </a:p>
           <a:p>
             <a:r>
               <a:rPr lang="en-US" dirty="0"/>
-              <a:t>Type I and Type II errors (Power)</a:t>
-            </a:r>
-          </a:p>
-          <a:p>
+              <a:t>A Type I error that will be allowable – fraction of times you are willing to accept a false-positive as a real result</a:t>
+            </a:r>
+          </a:p>
+          <a:p>
+            <a:r>
+              <a:rPr lang="en-US" u="sng" dirty="0"/>
+              <a:t>Note:</a:t>
+            </a:r>
             <a:r>
               <a:rPr lang="en-US" dirty="0"/>
-              <a:t>Multiple testing</a:t>
-            </a:r>
-          </a:p>
-          <a:p>
-            <a:r>
-              <a:rPr lang="en-US" dirty="0"/>
-              <a:t>Assumptions of different tests</a:t>
-            </a:r>
+              <a:t> Use of test statistic and associated sampling distribution depends on your data meeting certain assumptions</a:t>
+            </a:r>
+          </a:p>
+          <a:p>
+            <a:endParaRPr lang="en-US" dirty="0"/>
+          </a:p>
+          <a:p>
+            <a:endParaRPr lang="en-US" dirty="0"/>
           </a:p>
         </p:txBody>
       </p:sp>
@@ -7686,7 +12183,7 @@
           <a:p>
             <a:r>
               <a:rPr lang="en-US" dirty="0"/>
-              <a:t>Terms one commonly encounters in hypothesis testing</a:t>
+              <a:t>Every hypothesis test requires…</a:t>
             </a:r>
           </a:p>
         </p:txBody>
@@ -7694,7 +12191,328 @@
     </p:spTree>
     <p:extLst>
       <p:ext uri="{BB962C8B-B14F-4D97-AF65-F5344CB8AC3E}">
-        <p14:creationId xmlns:p14="http://schemas.microsoft.com/office/powerpoint/2010/main" val="4085909018"/>
+        <p14:creationId xmlns:p14="http://schemas.microsoft.com/office/powerpoint/2010/main" val="703431832"/>
+      </p:ext>
+    </p:extLst>
+  </p:cSld>
+  <p:clrMapOvr>
+    <a:masterClrMapping/>
+  </p:clrMapOvr>
+</p:sld>
+</file>
+
+<file path=ppt/slides/slide37.xml><?xml version="1.0" encoding="utf-8"?>
+<p:sld xmlns:a="http://schemas.openxmlformats.org/drawingml/2006/main" xmlns:r="http://schemas.openxmlformats.org/officeDocument/2006/relationships" xmlns:p="http://schemas.openxmlformats.org/presentationml/2006/main">
+  <p:cSld>
+    <p:spTree>
+      <p:nvGrpSpPr>
+        <p:cNvPr id="1" name=""/>
+        <p:cNvGrpSpPr/>
+        <p:nvPr/>
+      </p:nvGrpSpPr>
+      <p:grpSpPr>
+        <a:xfrm>
+          <a:off x="0" y="0"/>
+          <a:ext cx="0" cy="0"/>
+          <a:chOff x="0" y="0"/>
+          <a:chExt cx="0" cy="0"/>
+        </a:xfrm>
+      </p:grpSpPr>
+      <p:sp>
+        <p:nvSpPr>
+          <p:cNvPr id="2" name="Text Placeholder 1">
+            <a:extLst>
+              <a:ext uri="{FF2B5EF4-FFF2-40B4-BE49-F238E27FC236}">
+                <a16:creationId xmlns:a16="http://schemas.microsoft.com/office/drawing/2014/main" id="{A3EEA15B-B3DC-994C-99E3-5270E778154F}"/>
+              </a:ext>
+            </a:extLst>
+          </p:cNvPr>
+          <p:cNvSpPr>
+            <a:spLocks noGrp="1"/>
+          </p:cNvSpPr>
+          <p:nvPr>
+            <p:ph type="body" sz="quarter" idx="10"/>
+          </p:nvPr>
+        </p:nvSpPr>
+        <p:spPr>
+          <a:xfrm>
+            <a:off x="838200" y="1876483"/>
+            <a:ext cx="10515600" cy="2451953"/>
+          </a:xfrm>
+        </p:spPr>
+        <p:txBody>
+          <a:bodyPr/>
+          <a:lstStyle/>
+          <a:p>
+            <a:r>
+              <a:rPr lang="en-US" dirty="0"/>
+              <a:t>Introduction to hypothesis testing</a:t>
+            </a:r>
+          </a:p>
+          <a:p>
+            <a:r>
+              <a:rPr lang="en-US" dirty="0"/>
+              <a:t>Define variables</a:t>
+            </a:r>
+          </a:p>
+          <a:p>
+            <a:r>
+              <a:rPr lang="en-US" dirty="0"/>
+              <a:t>Choosing the right test</a:t>
+            </a:r>
+          </a:p>
+          <a:p>
+            <a:r>
+              <a:rPr lang="en-US" dirty="0"/>
+              <a:t>Basic concepts in hypothesis testing</a:t>
+            </a:r>
+          </a:p>
+          <a:p>
+            <a:r>
+              <a:rPr lang="en-US" b="1" dirty="0"/>
+              <a:t>Hands-on</a:t>
+            </a:r>
+          </a:p>
+        </p:txBody>
+      </p:sp>
+      <p:sp>
+        <p:nvSpPr>
+          <p:cNvPr id="3" name="Title 2">
+            <a:extLst>
+              <a:ext uri="{FF2B5EF4-FFF2-40B4-BE49-F238E27FC236}">
+                <a16:creationId xmlns:a16="http://schemas.microsoft.com/office/drawing/2014/main" id="{81700280-AF15-F343-9638-52E16E9A2149}"/>
+              </a:ext>
+            </a:extLst>
+          </p:cNvPr>
+          <p:cNvSpPr>
+            <a:spLocks noGrp="1"/>
+          </p:cNvSpPr>
+          <p:nvPr>
+            <p:ph type="title"/>
+          </p:nvPr>
+        </p:nvSpPr>
+        <p:spPr/>
+        <p:txBody>
+          <a:bodyPr/>
+          <a:lstStyle/>
+          <a:p>
+            <a:r>
+              <a:rPr lang="en-US" dirty="0"/>
+              <a:t>Outline</a:t>
+            </a:r>
+          </a:p>
+        </p:txBody>
+      </p:sp>
+    </p:spTree>
+    <p:extLst>
+      <p:ext uri="{BB962C8B-B14F-4D97-AF65-F5344CB8AC3E}">
+        <p14:creationId xmlns:p14="http://schemas.microsoft.com/office/powerpoint/2010/main" val="1298518744"/>
+      </p:ext>
+    </p:extLst>
+  </p:cSld>
+  <p:clrMapOvr>
+    <a:masterClrMapping/>
+  </p:clrMapOvr>
+</p:sld>
+</file>
+
+<file path=ppt/slides/slide38.xml><?xml version="1.0" encoding="utf-8"?>
+<p:sld xmlns:a="http://schemas.openxmlformats.org/drawingml/2006/main" xmlns:r="http://schemas.openxmlformats.org/officeDocument/2006/relationships" xmlns:p="http://schemas.openxmlformats.org/presentationml/2006/main">
+  <p:cSld>
+    <p:spTree>
+      <p:nvGrpSpPr>
+        <p:cNvPr id="1" name=""/>
+        <p:cNvGrpSpPr/>
+        <p:nvPr/>
+      </p:nvGrpSpPr>
+      <p:grpSpPr>
+        <a:xfrm>
+          <a:off x="0" y="0"/>
+          <a:ext cx="0" cy="0"/>
+          <a:chOff x="0" y="0"/>
+          <a:chExt cx="0" cy="0"/>
+        </a:xfrm>
+      </p:grpSpPr>
+      <p:sp>
+        <p:nvSpPr>
+          <p:cNvPr id="2" name="Text Placeholder 1">
+            <a:extLst>
+              <a:ext uri="{FF2B5EF4-FFF2-40B4-BE49-F238E27FC236}">
+                <a16:creationId xmlns:a16="http://schemas.microsoft.com/office/drawing/2014/main" id="{EC637A1A-6AC3-B642-BE97-B60B758B8B79}"/>
+              </a:ext>
+            </a:extLst>
+          </p:cNvPr>
+          <p:cNvSpPr>
+            <a:spLocks noGrp="1"/>
+          </p:cNvSpPr>
+          <p:nvPr>
+            <p:ph type="body" sz="quarter" idx="10"/>
+          </p:nvPr>
+        </p:nvSpPr>
+        <p:spPr>
+          <a:xfrm>
+            <a:off x="838200" y="1876483"/>
+            <a:ext cx="10515600" cy="387798"/>
+          </a:xfrm>
+        </p:spPr>
+        <p:txBody>
+          <a:bodyPr/>
+          <a:lstStyle/>
+          <a:p>
+            <a:r>
+              <a:rPr lang="en-US" dirty="0"/>
+              <a:t>Feedback </a:t>
+            </a:r>
+            <a:r>
+              <a:rPr lang="en-US" dirty="0">
+                <a:hlinkClick r:id="rId3"/>
+              </a:rPr>
+              <a:t>survey</a:t>
+            </a:r>
+            <a:r>
+              <a:rPr lang="en-US" dirty="0"/>
+              <a:t>: </a:t>
+            </a:r>
+            <a:r>
+              <a:rPr lang="en-US" dirty="0">
+                <a:hlinkClick r:id="rId3"/>
+              </a:rPr>
+              <a:t>https://www.surveymonkey.com/r/RRTZPTC</a:t>
+            </a:r>
+            <a:r>
+              <a:rPr lang="en-US" dirty="0"/>
+              <a:t> </a:t>
+            </a:r>
+          </a:p>
+        </p:txBody>
+      </p:sp>
+      <p:sp>
+        <p:nvSpPr>
+          <p:cNvPr id="3" name="Title 2">
+            <a:extLst>
+              <a:ext uri="{FF2B5EF4-FFF2-40B4-BE49-F238E27FC236}">
+                <a16:creationId xmlns:a16="http://schemas.microsoft.com/office/drawing/2014/main" id="{863ABBED-5849-8C4C-A0A8-D9903A47629E}"/>
+              </a:ext>
+            </a:extLst>
+          </p:cNvPr>
+          <p:cNvSpPr>
+            <a:spLocks noGrp="1"/>
+          </p:cNvSpPr>
+          <p:nvPr>
+            <p:ph type="title"/>
+          </p:nvPr>
+        </p:nvSpPr>
+        <p:spPr/>
+        <p:txBody>
+          <a:bodyPr/>
+          <a:lstStyle/>
+          <a:p>
+            <a:r>
+              <a:rPr lang="en-US" dirty="0"/>
+              <a:t>Please give feedback</a:t>
+            </a:r>
+          </a:p>
+        </p:txBody>
+      </p:sp>
+    </p:spTree>
+    <p:extLst>
+      <p:ext uri="{BB962C8B-B14F-4D97-AF65-F5344CB8AC3E}">
+        <p14:creationId xmlns:p14="http://schemas.microsoft.com/office/powerpoint/2010/main" val="2752523536"/>
+      </p:ext>
+    </p:extLst>
+  </p:cSld>
+  <p:clrMapOvr>
+    <a:masterClrMapping/>
+  </p:clrMapOvr>
+</p:sld>
+</file>
+
+<file path=ppt/slides/slide39.xml><?xml version="1.0" encoding="utf-8"?>
+<p:sld xmlns:a="http://schemas.openxmlformats.org/drawingml/2006/main" xmlns:r="http://schemas.openxmlformats.org/officeDocument/2006/relationships" xmlns:p="http://schemas.openxmlformats.org/presentationml/2006/main">
+  <p:cSld>
+    <p:spTree>
+      <p:nvGrpSpPr>
+        <p:cNvPr id="1" name=""/>
+        <p:cNvGrpSpPr/>
+        <p:nvPr/>
+      </p:nvGrpSpPr>
+      <p:grpSpPr>
+        <a:xfrm>
+          <a:off x="0" y="0"/>
+          <a:ext cx="0" cy="0"/>
+          <a:chOff x="0" y="0"/>
+          <a:chExt cx="0" cy="0"/>
+        </a:xfrm>
+      </p:grpSpPr>
+      <p:sp>
+        <p:nvSpPr>
+          <p:cNvPr id="3" name="Title 2">
+            <a:extLst>
+              <a:ext uri="{FF2B5EF4-FFF2-40B4-BE49-F238E27FC236}">
+                <a16:creationId xmlns:a16="http://schemas.microsoft.com/office/drawing/2014/main" id="{8CBD9B96-525A-3040-A552-68ECE07557D3}"/>
+              </a:ext>
+            </a:extLst>
+          </p:cNvPr>
+          <p:cNvSpPr>
+            <a:spLocks noGrp="1"/>
+          </p:cNvSpPr>
+          <p:nvPr>
+            <p:ph type="title"/>
+          </p:nvPr>
+        </p:nvSpPr>
+        <p:spPr/>
+        <p:txBody>
+          <a:bodyPr/>
+          <a:lstStyle/>
+          <a:p>
+            <a:r>
+              <a:rPr lang="en-US" dirty="0"/>
+              <a:t>Multiple tests</a:t>
+            </a:r>
+          </a:p>
+        </p:txBody>
+      </p:sp>
+      <p:pic>
+        <p:nvPicPr>
+          <p:cNvPr id="4" name="Content Placeholder 3" descr="Multiple_tests.pdf">
+            <a:extLst>
+              <a:ext uri="{FF2B5EF4-FFF2-40B4-BE49-F238E27FC236}">
+                <a16:creationId xmlns:a16="http://schemas.microsoft.com/office/drawing/2014/main" id="{68B57145-8AFF-1140-94FD-85AF2F9C49A1}"/>
+              </a:ext>
+            </a:extLst>
+          </p:cNvPr>
+          <p:cNvPicPr>
+            <a:picLocks noChangeAspect="1"/>
+          </p:cNvPicPr>
+          <p:nvPr/>
+        </p:nvPicPr>
+        <p:blipFill>
+          <a:blip r:embed="rId2">
+            <a:extLst>
+              <a:ext uri="{28A0092B-C50C-407E-A947-70E740481C1C}">
+                <a14:useLocalDpi xmlns:a14="http://schemas.microsoft.com/office/drawing/2010/main" val="0"/>
+              </a:ext>
+            </a:extLst>
+          </a:blip>
+          <a:srcRect l="-36309" r="-36309"/>
+          <a:stretch>
+            <a:fillRect/>
+          </a:stretch>
+        </p:blipFill>
+        <p:spPr>
+          <a:xfrm>
+            <a:off x="838200" y="1703992"/>
+            <a:ext cx="9293352" cy="5154007"/>
+          </a:xfrm>
+          <a:prstGeom prst="rect">
+            <a:avLst/>
+          </a:prstGeom>
+        </p:spPr>
+      </p:pic>
+    </p:spTree>
+    <p:extLst>
+      <p:ext uri="{BB962C8B-B14F-4D97-AF65-F5344CB8AC3E}">
+        <p14:creationId xmlns:p14="http://schemas.microsoft.com/office/powerpoint/2010/main" val="1528258276"/>
       </p:ext>
     </p:extLst>
   </p:cSld>
@@ -7734,7 +12552,7 @@
         <p:spPr>
           <a:xfrm>
             <a:off x="838200" y="1876483"/>
-            <a:ext cx="10515600" cy="3753848"/>
+            <a:ext cx="10515600" cy="5032147"/>
           </a:xfrm>
         </p:spPr>
         <p:txBody>
@@ -7743,83 +12561,69 @@
           <a:p>
             <a:r>
               <a:rPr lang="en-US" dirty="0"/>
-              <a:t>We would like to make </a:t>
-            </a:r>
-            <a:r>
-              <a:rPr lang="en-US" b="1" dirty="0"/>
-              <a:t>generalizable claims about an entire target population </a:t>
-            </a:r>
+              <a:t>Null hypothesis versus Alternative hypothesis</a:t>
+            </a:r>
+          </a:p>
+          <a:p>
             <a:r>
               <a:rPr lang="en-US" dirty="0"/>
-              <a:t>with data </a:t>
-            </a:r>
-            <a:r>
-              <a:rPr lang="en-US" b="1" dirty="0"/>
-              <a:t>from only a random subset </a:t>
-            </a:r>
+              <a:t>P-values</a:t>
+            </a:r>
+          </a:p>
+          <a:p>
             <a:r>
               <a:rPr lang="en-US" dirty="0"/>
-              <a:t>of this population.</a:t>
-            </a:r>
-          </a:p>
-          <a:p>
-            <a:r>
-              <a:rPr lang="en-US" b="1" dirty="0"/>
-              <a:t>Random sampling</a:t>
+              <a:t>Two-sided test </a:t>
+            </a:r>
+            <a:r>
+              <a:rPr lang="en-US" i="1" dirty="0"/>
+              <a:t>versus</a:t>
             </a:r>
             <a:r>
               <a:rPr lang="en-US" dirty="0"/>
-              <a:t>, </a:t>
-            </a:r>
-            <a:r>
-              <a:rPr lang="en-US" b="1" dirty="0"/>
-              <a:t>appropriate experimental design</a:t>
-            </a:r>
+              <a:t> One-sided test</a:t>
+            </a:r>
+          </a:p>
+          <a:p>
             <a:r>
               <a:rPr lang="en-US" dirty="0"/>
-              <a:t> and </a:t>
-            </a:r>
-            <a:r>
-              <a:rPr lang="en-US" b="1" dirty="0"/>
-              <a:t>Central Limit Theorem</a:t>
-            </a:r>
+              <a:t>Test statistic</a:t>
+            </a:r>
+          </a:p>
+          <a:p>
             <a:r>
               <a:rPr lang="en-US" dirty="0"/>
-              <a:t> allows us to make generalizable claims </a:t>
+              <a:t>Sampling distribution</a:t>
             </a:r>
           </a:p>
           <a:p>
             <a:r>
               <a:rPr lang="en-US" dirty="0"/>
-              <a:t>Hypothesis testing rests on assuming the </a:t>
-            </a:r>
-            <a:r>
-              <a:rPr lang="en-US" b="1" dirty="0"/>
-              <a:t>skeptical point of view</a:t>
-            </a:r>
+              <a:t>Type I and Type II errors (Power)</a:t>
+            </a:r>
+          </a:p>
+          <a:p>
             <a:r>
               <a:rPr lang="en-US" dirty="0"/>
-              <a:t> and testing for deviations from this assumption </a:t>
-            </a:r>
-            <a:r>
-              <a:rPr lang="mr-IN" dirty="0"/>
-              <a:t>–</a:t>
-            </a:r>
+              <a:t>Multiple testing</a:t>
+            </a:r>
+          </a:p>
+          <a:p>
             <a:r>
               <a:rPr lang="en-US" dirty="0"/>
-              <a:t> </a:t>
-            </a:r>
-            <a:r>
-              <a:rPr lang="en-US" b="1" dirty="0"/>
-              <a:t>Null</a:t>
-            </a:r>
+              <a:t>Assumptions of different tests</a:t>
+            </a:r>
+          </a:p>
+          <a:p>
             <a:r>
               <a:rPr lang="en-US" dirty="0"/>
-              <a:t> versus </a:t>
-            </a:r>
-            <a:r>
-              <a:rPr lang="en-US" b="1" dirty="0"/>
-              <a:t>Alternative Assumption</a:t>
+              <a:t>Linear models</a:t>
+            </a:r>
+          </a:p>
+          <a:p>
+            <a:r>
+              <a:rPr lang="en-US" dirty="0"/>
+              <a:t>ANOVA</a:t>
             </a:r>
           </a:p>
         </p:txBody>
@@ -7841,7 +12645,7 @@
           <a:p>
             <a:r>
               <a:rPr lang="en-US" dirty="0"/>
-              <a:t>Introduction to Hypothesis Testing</a:t>
+              <a:t>Terms one commonly encounters in hypothesis testing</a:t>
             </a:r>
           </a:p>
         </p:txBody>
@@ -7849,7 +12653,78 @@
     </p:spTree>
     <p:extLst>
       <p:ext uri="{BB962C8B-B14F-4D97-AF65-F5344CB8AC3E}">
-        <p14:creationId xmlns:p14="http://schemas.microsoft.com/office/powerpoint/2010/main" val="189381376"/>
+        <p14:creationId xmlns:p14="http://schemas.microsoft.com/office/powerpoint/2010/main" val="4085909018"/>
+      </p:ext>
+    </p:extLst>
+  </p:cSld>
+  <p:clrMapOvr>
+    <a:masterClrMapping/>
+  </p:clrMapOvr>
+</p:sld>
+</file>
+
+<file path=ppt/slides/slide40.xml><?xml version="1.0" encoding="utf-8"?>
+<p:sld xmlns:a="http://schemas.openxmlformats.org/drawingml/2006/main" xmlns:r="http://schemas.openxmlformats.org/officeDocument/2006/relationships" xmlns:p="http://schemas.openxmlformats.org/presentationml/2006/main">
+  <p:cSld>
+    <p:spTree>
+      <p:nvGrpSpPr>
+        <p:cNvPr id="1" name=""/>
+        <p:cNvGrpSpPr/>
+        <p:nvPr/>
+      </p:nvGrpSpPr>
+      <p:grpSpPr>
+        <a:xfrm>
+          <a:off x="0" y="0"/>
+          <a:ext cx="0" cy="0"/>
+          <a:chOff x="0" y="0"/>
+          <a:chExt cx="0" cy="0"/>
+        </a:xfrm>
+      </p:grpSpPr>
+      <p:sp>
+        <p:nvSpPr>
+          <p:cNvPr id="2" name="Text Placeholder 1"/>
+          <p:cNvSpPr>
+            <a:spLocks noGrp="1"/>
+          </p:cNvSpPr>
+          <p:nvPr>
+            <p:ph type="body" sz="quarter" idx="10"/>
+          </p:nvPr>
+        </p:nvSpPr>
+        <p:spPr/>
+        <p:txBody>
+          <a:bodyPr/>
+          <a:lstStyle/>
+          <a:p>
+            <a:endParaRPr lang="en-US"/>
+          </a:p>
+        </p:txBody>
+      </p:sp>
+      <p:sp>
+        <p:nvSpPr>
+          <p:cNvPr id="3" name="Title 2"/>
+          <p:cNvSpPr>
+            <a:spLocks noGrp="1"/>
+          </p:cNvSpPr>
+          <p:nvPr>
+            <p:ph type="title"/>
+          </p:nvPr>
+        </p:nvSpPr>
+        <p:spPr/>
+        <p:txBody>
+          <a:bodyPr/>
+          <a:lstStyle/>
+          <a:p>
+            <a:r>
+              <a:rPr lang="en-US" dirty="0"/>
+              <a:t>Outline for this workshop</a:t>
+            </a:r>
+          </a:p>
+        </p:txBody>
+      </p:sp>
+    </p:spTree>
+    <p:extLst>
+      <p:ext uri="{BB962C8B-B14F-4D97-AF65-F5344CB8AC3E}">
+        <p14:creationId xmlns:p14="http://schemas.microsoft.com/office/powerpoint/2010/main" val="3891151486"/>
       </p:ext>
     </p:extLst>
   </p:cSld>
@@ -7878,11 +12753,88 @@
       </p:grpSpPr>
       <p:sp>
         <p:nvSpPr>
-          <p:cNvPr id="3" name="Title 2"/>
+          <p:cNvPr id="2" name="Text Placeholder 1">
+            <a:extLst>
+              <a:ext uri="{FF2B5EF4-FFF2-40B4-BE49-F238E27FC236}">
+                <a16:creationId xmlns:a16="http://schemas.microsoft.com/office/drawing/2014/main" id="{21A84018-B828-6D4A-AC38-F7C9F2EF664F}"/>
+              </a:ext>
+            </a:extLst>
+          </p:cNvPr>
           <p:cNvSpPr>
             <a:spLocks noGrp="1"/>
           </p:cNvSpPr>
           <p:nvPr>
+            <p:ph type="body" sz="quarter" idx="10"/>
+          </p:nvPr>
+        </p:nvSpPr>
+        <p:spPr>
+          <a:xfrm>
+            <a:off x="838200" y="1876483"/>
+            <a:ext cx="10515600" cy="3828227"/>
+          </a:xfrm>
+        </p:spPr>
+        <p:txBody>
+          <a:bodyPr/>
+          <a:lstStyle/>
+          <a:p>
+            <a:r>
+              <a:rPr lang="en-US" u="sng" dirty="0"/>
+              <a:t>Setting</a:t>
+            </a:r>
+            <a:r>
+              <a:rPr lang="en-US" dirty="0"/>
+              <a:t>: I have generated data from very cool experiment that I hope would resolve a long standing question</a:t>
+            </a:r>
+          </a:p>
+          <a:p>
+            <a:r>
+              <a:rPr lang="en-US" u="sng" dirty="0"/>
+              <a:t>Problem</a:t>
+            </a:r>
+            <a:r>
+              <a:rPr lang="en-US" dirty="0"/>
+              <a:t>: I don’t know how to use my data to conclude in a convincing manner one way or other</a:t>
+            </a:r>
+          </a:p>
+          <a:p>
+            <a:r>
+              <a:rPr lang="en-US" u="sng" dirty="0"/>
+              <a:t>Possible solution</a:t>
+            </a:r>
+            <a:r>
+              <a:rPr lang="en-US" dirty="0"/>
+              <a:t>: Pose the problem as a statistical association problem</a:t>
+            </a:r>
+          </a:p>
+          <a:p>
+            <a:pPr lvl="1"/>
+            <a:r>
+              <a:rPr lang="en-US" dirty="0"/>
+              <a:t>Changing something has a consequence on something else of biological relevance</a:t>
+            </a:r>
+          </a:p>
+          <a:p>
+            <a:pPr lvl="1"/>
+            <a:r>
+              <a:rPr lang="en-US" dirty="0"/>
+              <a:t>E.g.: Change dose of drug treatment and phenotype changes</a:t>
+            </a:r>
+          </a:p>
+        </p:txBody>
+      </p:sp>
+      <p:sp>
+        <p:nvSpPr>
+          <p:cNvPr id="3" name="Title 2">
+            <a:extLst>
+              <a:ext uri="{FF2B5EF4-FFF2-40B4-BE49-F238E27FC236}">
+                <a16:creationId xmlns:a16="http://schemas.microsoft.com/office/drawing/2014/main" id="{9EE111BA-F840-8E42-8CE1-95DD97F30A80}"/>
+              </a:ext>
+            </a:extLst>
+          </p:cNvPr>
+          <p:cNvSpPr>
+            <a:spLocks noGrp="1"/>
+          </p:cNvSpPr>
+          <p:nvPr>
             <p:ph type="title"/>
           </p:nvPr>
         </p:nvSpPr>
@@ -7893,555 +12845,7 @@
           <a:p>
             <a:r>
               <a:rPr lang="en-US" dirty="0"/>
-              <a:t>How do I choose which statistical test to use?</a:t>
-            </a:r>
-          </a:p>
-        </p:txBody>
-      </p:sp>
-      <p:cxnSp>
-        <p:nvCxnSpPr>
-          <p:cNvPr id="5" name="Straight Connector 4"/>
-          <p:cNvCxnSpPr/>
-          <p:nvPr/>
-        </p:nvCxnSpPr>
-        <p:spPr>
-          <a:xfrm>
-            <a:off x="3439089" y="2068993"/>
-            <a:ext cx="14270" cy="4123719"/>
-          </a:xfrm>
-          <a:prstGeom prst="line">
-            <a:avLst/>
-          </a:prstGeom>
-        </p:spPr>
-        <p:style>
-          <a:lnRef idx="2">
-            <a:schemeClr val="accent1"/>
-          </a:lnRef>
-          <a:fillRef idx="0">
-            <a:schemeClr val="accent1"/>
-          </a:fillRef>
-          <a:effectRef idx="1">
-            <a:schemeClr val="accent1"/>
-          </a:effectRef>
-          <a:fontRef idx="minor">
-            <a:schemeClr val="tx1"/>
-          </a:fontRef>
-        </p:style>
-      </p:cxnSp>
-      <p:cxnSp>
-        <p:nvCxnSpPr>
-          <p:cNvPr id="7" name="Straight Connector 6"/>
-          <p:cNvCxnSpPr/>
-          <p:nvPr/>
-        </p:nvCxnSpPr>
-        <p:spPr>
-          <a:xfrm flipV="1">
-            <a:off x="3139418" y="5992947"/>
-            <a:ext cx="5023068" cy="57075"/>
-          </a:xfrm>
-          <a:prstGeom prst="line">
-            <a:avLst/>
-          </a:prstGeom>
-        </p:spPr>
-        <p:style>
-          <a:lnRef idx="2">
-            <a:schemeClr val="accent1"/>
-          </a:lnRef>
-          <a:fillRef idx="0">
-            <a:schemeClr val="accent1"/>
-          </a:fillRef>
-          <a:effectRef idx="1">
-            <a:schemeClr val="accent1"/>
-          </a:effectRef>
-          <a:fontRef idx="minor">
-            <a:schemeClr val="tx1"/>
-          </a:fontRef>
-        </p:style>
-      </p:cxnSp>
-      <p:cxnSp>
-        <p:nvCxnSpPr>
-          <p:cNvPr id="9" name="Straight Connector 8"/>
-          <p:cNvCxnSpPr/>
-          <p:nvPr/>
-        </p:nvCxnSpPr>
-        <p:spPr>
-          <a:xfrm>
-            <a:off x="3139418" y="4009567"/>
-            <a:ext cx="5023068" cy="0"/>
-          </a:xfrm>
-          <a:prstGeom prst="line">
-            <a:avLst/>
-          </a:prstGeom>
-          <a:ln>
-            <a:prstDash val="dash"/>
-          </a:ln>
-        </p:spPr>
-        <p:style>
-          <a:lnRef idx="2">
-            <a:schemeClr val="accent1"/>
-          </a:lnRef>
-          <a:fillRef idx="0">
-            <a:schemeClr val="accent1"/>
-          </a:fillRef>
-          <a:effectRef idx="1">
-            <a:schemeClr val="accent1"/>
-          </a:effectRef>
-          <a:fontRef idx="minor">
-            <a:schemeClr val="tx1"/>
-          </a:fontRef>
-        </p:style>
-      </p:cxnSp>
-      <p:cxnSp>
-        <p:nvCxnSpPr>
-          <p:cNvPr id="11" name="Straight Connector 10"/>
-          <p:cNvCxnSpPr/>
-          <p:nvPr/>
-        </p:nvCxnSpPr>
-        <p:spPr>
-          <a:xfrm>
-            <a:off x="5608142" y="2068993"/>
-            <a:ext cx="71350" cy="4123719"/>
-          </a:xfrm>
-          <a:prstGeom prst="line">
-            <a:avLst/>
-          </a:prstGeom>
-          <a:ln>
-            <a:prstDash val="dash"/>
-          </a:ln>
-        </p:spPr>
-        <p:style>
-          <a:lnRef idx="2">
-            <a:schemeClr val="accent1"/>
-          </a:lnRef>
-          <a:fillRef idx="0">
-            <a:schemeClr val="accent1"/>
-          </a:fillRef>
-          <a:effectRef idx="1">
-            <a:schemeClr val="accent1"/>
-          </a:effectRef>
-          <a:fontRef idx="minor">
-            <a:schemeClr val="tx1"/>
-          </a:fontRef>
-        </p:style>
-      </p:cxnSp>
-      <p:sp>
-        <p:nvSpPr>
-          <p:cNvPr id="12" name="TextBox 11"/>
-          <p:cNvSpPr txBox="1"/>
-          <p:nvPr/>
-        </p:nvSpPr>
-        <p:spPr>
-          <a:xfrm>
-            <a:off x="709770" y="1726537"/>
-            <a:ext cx="914400" cy="914400"/>
-          </a:xfrm>
-          <a:prstGeom prst="rect">
-            <a:avLst/>
-          </a:prstGeom>
-          <a:noFill/>
-          <a:ln>
-            <a:noFill/>
-          </a:ln>
-        </p:spPr>
-        <p:txBody>
-          <a:bodyPr wrap="none" rtlCol="0" anchor="ctr" anchorCtr="0">
-            <a:noAutofit/>
-          </a:bodyPr>
-          <a:lstStyle/>
-          <a:p>
-            <a:pPr>
-              <a:spcAft>
-                <a:spcPts val="600"/>
-              </a:spcAft>
-            </a:pPr>
-            <a:r>
-              <a:rPr lang="en-US" sz="2400" u="sng" dirty="0">
-                <a:latin typeface="Helvetica" charset="0"/>
-                <a:ea typeface="Times New Roman" charset="0"/>
-                <a:cs typeface="Arial" charset="0"/>
-              </a:rPr>
-              <a:t>Response variable</a:t>
-            </a:r>
-          </a:p>
-        </p:txBody>
-      </p:sp>
-      <p:sp>
-        <p:nvSpPr>
-          <p:cNvPr id="13" name="TextBox 12"/>
-          <p:cNvSpPr txBox="1"/>
-          <p:nvPr/>
-        </p:nvSpPr>
-        <p:spPr>
-          <a:xfrm>
-            <a:off x="8162486" y="6073999"/>
-            <a:ext cx="914400" cy="914400"/>
-          </a:xfrm>
-          <a:prstGeom prst="rect">
-            <a:avLst/>
-          </a:prstGeom>
-          <a:noFill/>
-          <a:ln>
-            <a:noFill/>
-          </a:ln>
-        </p:spPr>
-        <p:txBody>
-          <a:bodyPr wrap="none" rtlCol="0" anchor="ctr" anchorCtr="0">
-            <a:noAutofit/>
-          </a:bodyPr>
-          <a:lstStyle/>
-          <a:p>
-            <a:pPr>
-              <a:spcAft>
-                <a:spcPts val="600"/>
-              </a:spcAft>
-            </a:pPr>
-            <a:r>
-              <a:rPr lang="en-US" sz="2400" u="sng" dirty="0">
-                <a:latin typeface="Helvetica" charset="0"/>
-                <a:ea typeface="Times New Roman" charset="0"/>
-                <a:cs typeface="Arial" charset="0"/>
-              </a:rPr>
-              <a:t>Predictor variable</a:t>
-            </a:r>
-          </a:p>
-        </p:txBody>
-      </p:sp>
-      <p:sp>
-        <p:nvSpPr>
-          <p:cNvPr id="14" name="TextBox 13"/>
-          <p:cNvSpPr txBox="1"/>
-          <p:nvPr/>
-        </p:nvSpPr>
-        <p:spPr>
-          <a:xfrm>
-            <a:off x="3753031" y="5778911"/>
-            <a:ext cx="914400" cy="914400"/>
-          </a:xfrm>
-          <a:prstGeom prst="rect">
-            <a:avLst/>
-          </a:prstGeom>
-          <a:noFill/>
-          <a:ln>
-            <a:noFill/>
-          </a:ln>
-        </p:spPr>
-        <p:txBody>
-          <a:bodyPr wrap="none" rtlCol="0" anchor="ctr" anchorCtr="0">
-            <a:noAutofit/>
-          </a:bodyPr>
-          <a:lstStyle/>
-          <a:p>
-            <a:pPr>
-              <a:spcAft>
-                <a:spcPts val="600"/>
-              </a:spcAft>
-            </a:pPr>
-            <a:r>
-              <a:rPr lang="en-US" sz="2000" dirty="0">
-                <a:latin typeface="Helvetica" charset="0"/>
-                <a:ea typeface="Times New Roman" charset="0"/>
-                <a:cs typeface="Arial" charset="0"/>
-              </a:rPr>
-              <a:t>Continuous</a:t>
-            </a:r>
-          </a:p>
-        </p:txBody>
-      </p:sp>
-      <p:sp>
-        <p:nvSpPr>
-          <p:cNvPr id="16" name="TextBox 15"/>
-          <p:cNvSpPr txBox="1"/>
-          <p:nvPr/>
-        </p:nvSpPr>
-        <p:spPr>
-          <a:xfrm>
-            <a:off x="1844860" y="4632840"/>
-            <a:ext cx="914400" cy="914400"/>
-          </a:xfrm>
-          <a:prstGeom prst="rect">
-            <a:avLst/>
-          </a:prstGeom>
-          <a:noFill/>
-          <a:ln>
-            <a:noFill/>
-          </a:ln>
-        </p:spPr>
-        <p:txBody>
-          <a:bodyPr wrap="none" rtlCol="0" anchor="ctr" anchorCtr="0">
-            <a:noAutofit/>
-          </a:bodyPr>
-          <a:lstStyle/>
-          <a:p>
-            <a:pPr>
-              <a:spcAft>
-                <a:spcPts val="600"/>
-              </a:spcAft>
-            </a:pPr>
-            <a:r>
-              <a:rPr lang="en-US" sz="2000" dirty="0">
-                <a:latin typeface="Helvetica" charset="0"/>
-                <a:ea typeface="Times New Roman" charset="0"/>
-                <a:cs typeface="Arial" charset="0"/>
-              </a:rPr>
-              <a:t>Continuous</a:t>
-            </a:r>
-          </a:p>
-        </p:txBody>
-      </p:sp>
-      <p:sp>
-        <p:nvSpPr>
-          <p:cNvPr id="17" name="TextBox 16"/>
-          <p:cNvSpPr txBox="1"/>
-          <p:nvPr/>
-        </p:nvSpPr>
-        <p:spPr>
-          <a:xfrm>
-            <a:off x="1844860" y="2759053"/>
-            <a:ext cx="914400" cy="914400"/>
-          </a:xfrm>
-          <a:prstGeom prst="rect">
-            <a:avLst/>
-          </a:prstGeom>
-          <a:noFill/>
-          <a:ln>
-            <a:noFill/>
-          </a:ln>
-        </p:spPr>
-        <p:txBody>
-          <a:bodyPr wrap="none" rtlCol="0" anchor="ctr" anchorCtr="0">
-            <a:noAutofit/>
-          </a:bodyPr>
-          <a:lstStyle/>
-          <a:p>
-            <a:pPr>
-              <a:spcAft>
-                <a:spcPts val="600"/>
-              </a:spcAft>
-            </a:pPr>
-            <a:r>
-              <a:rPr lang="en-US" sz="2000" dirty="0">
-                <a:latin typeface="Helvetica" charset="0"/>
-                <a:ea typeface="Times New Roman" charset="0"/>
-                <a:cs typeface="Arial" charset="0"/>
-              </a:rPr>
-              <a:t>Categorical</a:t>
-            </a:r>
-          </a:p>
-        </p:txBody>
-      </p:sp>
-      <p:sp>
-        <p:nvSpPr>
-          <p:cNvPr id="18" name="TextBox 17"/>
-          <p:cNvSpPr txBox="1"/>
-          <p:nvPr/>
-        </p:nvSpPr>
-        <p:spPr>
-          <a:xfrm>
-            <a:off x="6135582" y="5778911"/>
-            <a:ext cx="914400" cy="914400"/>
-          </a:xfrm>
-          <a:prstGeom prst="rect">
-            <a:avLst/>
-          </a:prstGeom>
-          <a:noFill/>
-          <a:ln>
-            <a:noFill/>
-          </a:ln>
-        </p:spPr>
-        <p:txBody>
-          <a:bodyPr wrap="none" rtlCol="0" anchor="ctr" anchorCtr="0">
-            <a:noAutofit/>
-          </a:bodyPr>
-          <a:lstStyle/>
-          <a:p>
-            <a:pPr>
-              <a:spcAft>
-                <a:spcPts val="600"/>
-              </a:spcAft>
-            </a:pPr>
-            <a:r>
-              <a:rPr lang="en-US" sz="2000" dirty="0">
-                <a:latin typeface="Helvetica" charset="0"/>
-                <a:ea typeface="Times New Roman" charset="0"/>
-                <a:cs typeface="Arial" charset="0"/>
-              </a:rPr>
-              <a:t>Categorical/Factor</a:t>
-            </a:r>
-          </a:p>
-        </p:txBody>
-      </p:sp>
-      <p:sp>
-        <p:nvSpPr>
-          <p:cNvPr id="19" name="TextBox 18"/>
-          <p:cNvSpPr txBox="1"/>
-          <p:nvPr/>
-        </p:nvSpPr>
-        <p:spPr>
-          <a:xfrm>
-            <a:off x="4066973" y="4632840"/>
-            <a:ext cx="914400" cy="914400"/>
-          </a:xfrm>
-          <a:prstGeom prst="rect">
-            <a:avLst/>
-          </a:prstGeom>
-          <a:noFill/>
-          <a:ln>
-            <a:noFill/>
-          </a:ln>
-        </p:spPr>
-        <p:txBody>
-          <a:bodyPr wrap="none" rtlCol="0" anchor="ctr" anchorCtr="0">
-            <a:noAutofit/>
-          </a:bodyPr>
-          <a:lstStyle/>
-          <a:p>
-            <a:pPr>
-              <a:spcAft>
-                <a:spcPts val="600"/>
-              </a:spcAft>
-            </a:pPr>
-            <a:r>
-              <a:rPr lang="en-US" sz="2400" b="1" dirty="0">
-                <a:solidFill>
-                  <a:srgbClr val="FF0000"/>
-                </a:solidFill>
-                <a:latin typeface="Helvetica" charset="0"/>
-                <a:ea typeface="Times New Roman" charset="0"/>
-                <a:cs typeface="Arial" charset="0"/>
-              </a:rPr>
-              <a:t>X</a:t>
-            </a:r>
-          </a:p>
-        </p:txBody>
-      </p:sp>
-      <p:sp>
-        <p:nvSpPr>
-          <p:cNvPr id="20" name="TextBox 19"/>
-          <p:cNvSpPr txBox="1"/>
-          <p:nvPr/>
-        </p:nvSpPr>
-        <p:spPr>
-          <a:xfrm>
-            <a:off x="6274265" y="4643143"/>
-            <a:ext cx="914400" cy="914400"/>
-          </a:xfrm>
-          <a:prstGeom prst="rect">
-            <a:avLst/>
-          </a:prstGeom>
-          <a:noFill/>
-          <a:ln>
-            <a:noFill/>
-          </a:ln>
-        </p:spPr>
-        <p:txBody>
-          <a:bodyPr wrap="none" rtlCol="0" anchor="ctr" anchorCtr="0">
-            <a:noAutofit/>
-          </a:bodyPr>
-          <a:lstStyle/>
-          <a:p>
-            <a:pPr>
-              <a:spcAft>
-                <a:spcPts val="600"/>
-              </a:spcAft>
-            </a:pPr>
-            <a:r>
-              <a:rPr lang="en-US" sz="2400" dirty="0">
-                <a:solidFill>
-                  <a:srgbClr val="FF0000"/>
-                </a:solidFill>
-                <a:latin typeface="Helvetica" charset="0"/>
-                <a:ea typeface="Times New Roman" charset="0"/>
-                <a:cs typeface="Arial" charset="0"/>
-              </a:rPr>
-              <a:t>X</a:t>
-            </a:r>
-          </a:p>
-        </p:txBody>
-      </p:sp>
-      <p:sp>
-        <p:nvSpPr>
-          <p:cNvPr id="21" name="TextBox 20"/>
-          <p:cNvSpPr txBox="1"/>
-          <p:nvPr/>
-        </p:nvSpPr>
-        <p:spPr>
-          <a:xfrm>
-            <a:off x="4210231" y="2807011"/>
-            <a:ext cx="914400" cy="914400"/>
-          </a:xfrm>
-          <a:prstGeom prst="rect">
-            <a:avLst/>
-          </a:prstGeom>
-          <a:noFill/>
-          <a:ln>
-            <a:noFill/>
-          </a:ln>
-        </p:spPr>
-        <p:txBody>
-          <a:bodyPr wrap="none" rtlCol="0" anchor="ctr" anchorCtr="0">
-            <a:noAutofit/>
-          </a:bodyPr>
-          <a:lstStyle/>
-          <a:p>
-            <a:pPr>
-              <a:spcAft>
-                <a:spcPts val="600"/>
-              </a:spcAft>
-            </a:pPr>
-            <a:r>
-              <a:rPr lang="en-US" sz="2400" dirty="0">
-                <a:solidFill>
-                  <a:srgbClr val="FF0000"/>
-                </a:solidFill>
-                <a:latin typeface="Helvetica" charset="0"/>
-                <a:ea typeface="Times New Roman" charset="0"/>
-                <a:cs typeface="Arial" charset="0"/>
-              </a:rPr>
-              <a:t>X</a:t>
-            </a:r>
-          </a:p>
-        </p:txBody>
-      </p:sp>
-      <p:sp>
-        <p:nvSpPr>
-          <p:cNvPr id="22" name="TextBox 21"/>
-          <p:cNvSpPr txBox="1"/>
-          <p:nvPr/>
-        </p:nvSpPr>
-        <p:spPr>
-          <a:xfrm>
-            <a:off x="6135582" y="2812163"/>
-            <a:ext cx="914400" cy="914400"/>
-          </a:xfrm>
-          <a:prstGeom prst="rect">
-            <a:avLst/>
-          </a:prstGeom>
-          <a:noFill/>
-          <a:ln>
-            <a:noFill/>
-          </a:ln>
-        </p:spPr>
-        <p:txBody>
-          <a:bodyPr wrap="none" rtlCol="0" anchor="ctr" anchorCtr="0">
-            <a:noAutofit/>
-          </a:bodyPr>
-          <a:lstStyle/>
-          <a:p>
-            <a:pPr>
-              <a:spcAft>
-                <a:spcPts val="600"/>
-              </a:spcAft>
-            </a:pPr>
-            <a:r>
-              <a:rPr lang="en-US" sz="2400" dirty="0">
-                <a:solidFill>
-                  <a:srgbClr val="FF0000"/>
-                </a:solidFill>
-                <a:latin typeface="Helvetica" charset="0"/>
-                <a:ea typeface="Times New Roman" charset="0"/>
-                <a:cs typeface="Arial" charset="0"/>
-              </a:rPr>
-              <a:t>X</a:t>
+              <a:t>Typical scenario</a:t>
             </a:r>
           </a:p>
         </p:txBody>
@@ -8449,7 +12853,7 @@
     </p:spTree>
     <p:extLst>
       <p:ext uri="{BB962C8B-B14F-4D97-AF65-F5344CB8AC3E}">
-        <p14:creationId xmlns:p14="http://schemas.microsoft.com/office/powerpoint/2010/main" val="1014941451"/>
+        <p14:creationId xmlns:p14="http://schemas.microsoft.com/office/powerpoint/2010/main" val="1853276292"/>
       </p:ext>
     </p:extLst>
   </p:cSld>
@@ -8478,131 +12882,85 @@
       </p:grpSpPr>
       <p:sp>
         <p:nvSpPr>
-          <p:cNvPr id="3" name="Title 2"/>
+          <p:cNvPr id="2" name="Text Placeholder 1">
+            <a:extLst>
+              <a:ext uri="{FF2B5EF4-FFF2-40B4-BE49-F238E27FC236}">
+                <a16:creationId xmlns:a16="http://schemas.microsoft.com/office/drawing/2014/main" id="{A3EEA15B-B3DC-994C-99E3-5270E778154F}"/>
+              </a:ext>
+            </a:extLst>
+          </p:cNvPr>
           <p:cNvSpPr>
             <a:spLocks noGrp="1"/>
           </p:cNvSpPr>
           <p:nvPr>
-            <p:ph type="title"/>
-          </p:nvPr>
-        </p:nvSpPr>
-        <p:spPr/>
+            <p:ph type="body" sz="quarter" idx="10"/>
+          </p:nvPr>
+        </p:nvSpPr>
+        <p:spPr>
+          <a:xfrm>
+            <a:off x="838200" y="1876483"/>
+            <a:ext cx="10515600" cy="2451953"/>
+          </a:xfrm>
+        </p:spPr>
         <p:txBody>
           <a:bodyPr/>
           <a:lstStyle/>
           <a:p>
             <a:r>
-              <a:rPr lang="en-US" b="1" dirty="0" err="1"/>
-              <a:t>Response</a:t>
-            </a:r>
-            <a:r>
-              <a:rPr lang="en-US" dirty="0" err="1"/>
-              <a:t>:Continuous</a:t>
-            </a:r>
-            <a:br>
+              <a:rPr lang="en-US" b="1" dirty="0"/>
+              <a:t>Introduction to hypothesis testing</a:t>
+            </a:r>
+          </a:p>
+          <a:p>
+            <a:r>
               <a:rPr lang="en-US" dirty="0"/>
-            </a:br>
-            <a:r>
-              <a:rPr lang="en-US" b="1" dirty="0"/>
-              <a:t>Predictor</a:t>
-            </a:r>
+              <a:t>Define variables</a:t>
+            </a:r>
+          </a:p>
+          <a:p>
             <a:r>
               <a:rPr lang="en-US" dirty="0"/>
-              <a:t>: Continuous</a:t>
-            </a:r>
-          </a:p>
-        </p:txBody>
-      </p:sp>
-      <p:pic>
-        <p:nvPicPr>
-          <p:cNvPr id="4" name="Picture 3" descr="LinearRegression.pdf"/>
-          <p:cNvPicPr>
-            <a:picLocks noChangeAspect="1"/>
-          </p:cNvPicPr>
-          <p:nvPr/>
-        </p:nvPicPr>
-        <p:blipFill>
-          <a:blip r:embed="rId2">
+              <a:t>Choosing the right test</a:t>
+            </a:r>
+          </a:p>
+          <a:p>
+            <a:r>
+              <a:rPr lang="en-US" dirty="0"/>
+              <a:t>Basic concepts in hypothesis testing</a:t>
+            </a:r>
+          </a:p>
+          <a:p>
+            <a:r>
+              <a:rPr lang="en-US" dirty="0"/>
+              <a:t>Hands-on</a:t>
+            </a:r>
+          </a:p>
+        </p:txBody>
+      </p:sp>
+      <p:sp>
+        <p:nvSpPr>
+          <p:cNvPr id="3" name="Title 2">
             <a:extLst>
-              <a:ext uri="{28A0092B-C50C-407E-A947-70E740481C1C}">
-                <a14:useLocalDpi xmlns:a14="http://schemas.microsoft.com/office/drawing/2010/main" val="0"/>
+              <a:ext uri="{FF2B5EF4-FFF2-40B4-BE49-F238E27FC236}">
+                <a16:creationId xmlns:a16="http://schemas.microsoft.com/office/drawing/2014/main" id="{81700280-AF15-F343-9638-52E16E9A2149}"/>
               </a:ext>
             </a:extLst>
-          </a:blip>
-          <a:stretch>
-            <a:fillRect/>
-          </a:stretch>
-        </p:blipFill>
-        <p:spPr>
-          <a:xfrm>
-            <a:off x="1165083" y="2217244"/>
-            <a:ext cx="6298169" cy="4640756"/>
-          </a:xfrm>
-          <a:prstGeom prst="rect">
-            <a:avLst/>
-          </a:prstGeom>
-        </p:spPr>
-      </p:pic>
-      <p:sp>
-        <p:nvSpPr>
-          <p:cNvPr id="5" name="TextBox 4"/>
-          <p:cNvSpPr txBox="1"/>
-          <p:nvPr/>
-        </p:nvSpPr>
-        <p:spPr>
-          <a:xfrm>
-            <a:off x="7948435" y="3396003"/>
-            <a:ext cx="914400" cy="914400"/>
-          </a:xfrm>
-          <a:prstGeom prst="rect">
-            <a:avLst/>
-          </a:prstGeom>
-          <a:noFill/>
-          <a:ln>
-            <a:noFill/>
-          </a:ln>
-        </p:spPr>
-        <p:txBody>
-          <a:bodyPr wrap="none" rtlCol="0" anchor="ctr" anchorCtr="0">
-            <a:noAutofit/>
-          </a:bodyPr>
-          <a:lstStyle/>
-          <a:p>
-            <a:pPr>
-              <a:spcAft>
-                <a:spcPts val="600"/>
-              </a:spcAft>
-            </a:pPr>
-            <a:r>
-              <a:rPr lang="en-US" sz="2000" dirty="0">
-                <a:latin typeface="Helvetica" charset="0"/>
-                <a:ea typeface="Times New Roman" charset="0"/>
-                <a:cs typeface="Arial" charset="0"/>
-              </a:rPr>
-              <a:t>Linear regression</a:t>
-            </a:r>
-          </a:p>
-          <a:p>
-            <a:pPr>
-              <a:spcAft>
-                <a:spcPts val="600"/>
-              </a:spcAft>
-            </a:pPr>
-            <a:r>
-              <a:rPr lang="en-US" sz="2000" i="1" dirty="0">
-                <a:latin typeface="Helvetica" charset="0"/>
-                <a:ea typeface="Times New Roman" charset="0"/>
-                <a:cs typeface="Arial" charset="0"/>
-              </a:rPr>
-              <a:t>Parameter/effect size</a:t>
-            </a:r>
-            <a:r>
-              <a:rPr lang="en-US" sz="2000" dirty="0">
-                <a:latin typeface="Helvetica" charset="0"/>
-                <a:ea typeface="Times New Roman" charset="0"/>
-                <a:cs typeface="Arial" charset="0"/>
-              </a:rPr>
-              <a:t>: slope</a:t>
+          </p:cNvPr>
+          <p:cNvSpPr>
+            <a:spLocks noGrp="1"/>
+          </p:cNvSpPr>
+          <p:nvPr>
+            <p:ph type="title"/>
+          </p:nvPr>
+        </p:nvSpPr>
+        <p:spPr/>
+        <p:txBody>
+          <a:bodyPr/>
+          <a:lstStyle/>
+          <a:p>
+            <a:r>
+              <a:rPr lang="en-US" dirty="0"/>
+              <a:t>Outline</a:t>
             </a:r>
           </a:p>
         </p:txBody>
@@ -8610,7 +12968,7 @@
     </p:spTree>
     <p:extLst>
       <p:ext uri="{BB962C8B-B14F-4D97-AF65-F5344CB8AC3E}">
-        <p14:creationId xmlns:p14="http://schemas.microsoft.com/office/powerpoint/2010/main" val="1792540531"/>
+        <p14:creationId xmlns:p14="http://schemas.microsoft.com/office/powerpoint/2010/main" val="3865647325"/>
       </p:ext>
     </p:extLst>
   </p:cSld>
@@ -8639,6 +12997,109 @@
       </p:grpSpPr>
       <p:sp>
         <p:nvSpPr>
+          <p:cNvPr id="2" name="Text Placeholder 1"/>
+          <p:cNvSpPr>
+            <a:spLocks noGrp="1"/>
+          </p:cNvSpPr>
+          <p:nvPr>
+            <p:ph type="body" sz="quarter" idx="10"/>
+          </p:nvPr>
+        </p:nvSpPr>
+        <p:spPr>
+          <a:xfrm>
+            <a:off x="838200" y="1876483"/>
+            <a:ext cx="10515600" cy="3753848"/>
+          </a:xfrm>
+        </p:spPr>
+        <p:txBody>
+          <a:bodyPr/>
+          <a:lstStyle/>
+          <a:p>
+            <a:r>
+              <a:rPr lang="en-US" dirty="0"/>
+              <a:t>We would like to make </a:t>
+            </a:r>
+            <a:r>
+              <a:rPr lang="en-US" b="1" dirty="0"/>
+              <a:t>generalizable claims about an entire target population </a:t>
+            </a:r>
+            <a:r>
+              <a:rPr lang="en-US" dirty="0"/>
+              <a:t>with data </a:t>
+            </a:r>
+            <a:r>
+              <a:rPr lang="en-US" b="1" dirty="0"/>
+              <a:t>from only a random subset </a:t>
+            </a:r>
+            <a:r>
+              <a:rPr lang="en-US" dirty="0"/>
+              <a:t>of this population.</a:t>
+            </a:r>
+          </a:p>
+          <a:p>
+            <a:r>
+              <a:rPr lang="en-US" b="1" dirty="0"/>
+              <a:t>Random sampling</a:t>
+            </a:r>
+            <a:r>
+              <a:rPr lang="en-US" dirty="0"/>
+              <a:t>, </a:t>
+            </a:r>
+            <a:r>
+              <a:rPr lang="en-US" b="1" dirty="0"/>
+              <a:t>appropriate experimental design</a:t>
+            </a:r>
+            <a:r>
+              <a:rPr lang="en-US" dirty="0"/>
+              <a:t> and </a:t>
+            </a:r>
+            <a:r>
+              <a:rPr lang="en-US" b="1" dirty="0"/>
+              <a:t>Central Limit Theorem</a:t>
+            </a:r>
+            <a:r>
+              <a:rPr lang="en-US" dirty="0"/>
+              <a:t> allows us to make generalizable claims </a:t>
+            </a:r>
+          </a:p>
+          <a:p>
+            <a:r>
+              <a:rPr lang="en-US" dirty="0"/>
+              <a:t>Hypothesis testing rests on assuming the </a:t>
+            </a:r>
+            <a:r>
+              <a:rPr lang="en-US" b="1" dirty="0"/>
+              <a:t>skeptical point of view</a:t>
+            </a:r>
+            <a:r>
+              <a:rPr lang="en-US" dirty="0"/>
+              <a:t> and testing for deviations from this assumption </a:t>
+            </a:r>
+            <a:r>
+              <a:rPr lang="mr-IN" dirty="0"/>
+              <a:t>–</a:t>
+            </a:r>
+            <a:r>
+              <a:rPr lang="en-US" dirty="0"/>
+              <a:t> </a:t>
+            </a:r>
+            <a:r>
+              <a:rPr lang="en-US" b="1" dirty="0"/>
+              <a:t>Null</a:t>
+            </a:r>
+            <a:r>
+              <a:rPr lang="en-US" dirty="0"/>
+              <a:t> versus </a:t>
+            </a:r>
+            <a:r>
+              <a:rPr lang="en-US" b="1" dirty="0"/>
+              <a:t>Alternative Assumption</a:t>
+            </a:r>
+          </a:p>
+        </p:txBody>
+      </p:sp>
+      <p:sp>
+        <p:nvSpPr>
           <p:cNvPr id="3" name="Title 2"/>
           <p:cNvSpPr>
             <a:spLocks noGrp="1"/>
@@ -8654,541 +13115,7 @@
           <a:p>
             <a:r>
               <a:rPr lang="en-US" dirty="0"/>
-              <a:t>How do I choose which statistical test to use?</a:t>
-            </a:r>
-          </a:p>
-        </p:txBody>
-      </p:sp>
-      <p:cxnSp>
-        <p:nvCxnSpPr>
-          <p:cNvPr id="5" name="Straight Connector 4"/>
-          <p:cNvCxnSpPr/>
-          <p:nvPr/>
-        </p:nvCxnSpPr>
-        <p:spPr>
-          <a:xfrm>
-            <a:off x="3439089" y="2068993"/>
-            <a:ext cx="14270" cy="4123719"/>
-          </a:xfrm>
-          <a:prstGeom prst="line">
-            <a:avLst/>
-          </a:prstGeom>
-        </p:spPr>
-        <p:style>
-          <a:lnRef idx="2">
-            <a:schemeClr val="accent1"/>
-          </a:lnRef>
-          <a:fillRef idx="0">
-            <a:schemeClr val="accent1"/>
-          </a:fillRef>
-          <a:effectRef idx="1">
-            <a:schemeClr val="accent1"/>
-          </a:effectRef>
-          <a:fontRef idx="minor">
-            <a:schemeClr val="tx1"/>
-          </a:fontRef>
-        </p:style>
-      </p:cxnSp>
-      <p:cxnSp>
-        <p:nvCxnSpPr>
-          <p:cNvPr id="7" name="Straight Connector 6"/>
-          <p:cNvCxnSpPr/>
-          <p:nvPr/>
-        </p:nvCxnSpPr>
-        <p:spPr>
-          <a:xfrm flipV="1">
-            <a:off x="3139418" y="5992947"/>
-            <a:ext cx="5023068" cy="57075"/>
-          </a:xfrm>
-          <a:prstGeom prst="line">
-            <a:avLst/>
-          </a:prstGeom>
-        </p:spPr>
-        <p:style>
-          <a:lnRef idx="2">
-            <a:schemeClr val="accent1"/>
-          </a:lnRef>
-          <a:fillRef idx="0">
-            <a:schemeClr val="accent1"/>
-          </a:fillRef>
-          <a:effectRef idx="1">
-            <a:schemeClr val="accent1"/>
-          </a:effectRef>
-          <a:fontRef idx="minor">
-            <a:schemeClr val="tx1"/>
-          </a:fontRef>
-        </p:style>
-      </p:cxnSp>
-      <p:cxnSp>
-        <p:nvCxnSpPr>
-          <p:cNvPr id="9" name="Straight Connector 8"/>
-          <p:cNvCxnSpPr/>
-          <p:nvPr/>
-        </p:nvCxnSpPr>
-        <p:spPr>
-          <a:xfrm>
-            <a:off x="3139418" y="4009567"/>
-            <a:ext cx="5023068" cy="0"/>
-          </a:xfrm>
-          <a:prstGeom prst="line">
-            <a:avLst/>
-          </a:prstGeom>
-          <a:ln>
-            <a:prstDash val="dash"/>
-          </a:ln>
-        </p:spPr>
-        <p:style>
-          <a:lnRef idx="2">
-            <a:schemeClr val="accent1"/>
-          </a:lnRef>
-          <a:fillRef idx="0">
-            <a:schemeClr val="accent1"/>
-          </a:fillRef>
-          <a:effectRef idx="1">
-            <a:schemeClr val="accent1"/>
-          </a:effectRef>
-          <a:fontRef idx="minor">
-            <a:schemeClr val="tx1"/>
-          </a:fontRef>
-        </p:style>
-      </p:cxnSp>
-      <p:cxnSp>
-        <p:nvCxnSpPr>
-          <p:cNvPr id="11" name="Straight Connector 10"/>
-          <p:cNvCxnSpPr/>
-          <p:nvPr/>
-        </p:nvCxnSpPr>
-        <p:spPr>
-          <a:xfrm>
-            <a:off x="5608142" y="2068993"/>
-            <a:ext cx="71350" cy="4123719"/>
-          </a:xfrm>
-          <a:prstGeom prst="line">
-            <a:avLst/>
-          </a:prstGeom>
-          <a:ln>
-            <a:prstDash val="dash"/>
-          </a:ln>
-        </p:spPr>
-        <p:style>
-          <a:lnRef idx="2">
-            <a:schemeClr val="accent1"/>
-          </a:lnRef>
-          <a:fillRef idx="0">
-            <a:schemeClr val="accent1"/>
-          </a:fillRef>
-          <a:effectRef idx="1">
-            <a:schemeClr val="accent1"/>
-          </a:effectRef>
-          <a:fontRef idx="minor">
-            <a:schemeClr val="tx1"/>
-          </a:fontRef>
-        </p:style>
-      </p:cxnSp>
-      <p:sp>
-        <p:nvSpPr>
-          <p:cNvPr id="12" name="TextBox 11"/>
-          <p:cNvSpPr txBox="1"/>
-          <p:nvPr/>
-        </p:nvSpPr>
-        <p:spPr>
-          <a:xfrm>
-            <a:off x="709770" y="1726537"/>
-            <a:ext cx="914400" cy="914400"/>
-          </a:xfrm>
-          <a:prstGeom prst="rect">
-            <a:avLst/>
-          </a:prstGeom>
-          <a:noFill/>
-          <a:ln>
-            <a:noFill/>
-          </a:ln>
-        </p:spPr>
-        <p:txBody>
-          <a:bodyPr wrap="none" rtlCol="0" anchor="ctr" anchorCtr="0">
-            <a:noAutofit/>
-          </a:bodyPr>
-          <a:lstStyle/>
-          <a:p>
-            <a:pPr>
-              <a:spcAft>
-                <a:spcPts val="600"/>
-              </a:spcAft>
-            </a:pPr>
-            <a:r>
-              <a:rPr lang="en-US" sz="2400" u="sng" dirty="0">
-                <a:latin typeface="Helvetica" charset="0"/>
-                <a:ea typeface="Times New Roman" charset="0"/>
-                <a:cs typeface="Arial" charset="0"/>
-              </a:rPr>
-              <a:t>Response variable</a:t>
-            </a:r>
-          </a:p>
-        </p:txBody>
-      </p:sp>
-      <p:sp>
-        <p:nvSpPr>
-          <p:cNvPr id="13" name="TextBox 12"/>
-          <p:cNvSpPr txBox="1"/>
-          <p:nvPr/>
-        </p:nvSpPr>
-        <p:spPr>
-          <a:xfrm>
-            <a:off x="8162486" y="6073999"/>
-            <a:ext cx="914400" cy="914400"/>
-          </a:xfrm>
-          <a:prstGeom prst="rect">
-            <a:avLst/>
-          </a:prstGeom>
-          <a:noFill/>
-          <a:ln>
-            <a:noFill/>
-          </a:ln>
-        </p:spPr>
-        <p:txBody>
-          <a:bodyPr wrap="none" rtlCol="0" anchor="ctr" anchorCtr="0">
-            <a:noAutofit/>
-          </a:bodyPr>
-          <a:lstStyle/>
-          <a:p>
-            <a:pPr>
-              <a:spcAft>
-                <a:spcPts val="600"/>
-              </a:spcAft>
-            </a:pPr>
-            <a:r>
-              <a:rPr lang="en-US" sz="2400" u="sng" dirty="0">
-                <a:latin typeface="Helvetica" charset="0"/>
-                <a:ea typeface="Times New Roman" charset="0"/>
-                <a:cs typeface="Arial" charset="0"/>
-              </a:rPr>
-              <a:t>Predictor variable</a:t>
-            </a:r>
-          </a:p>
-        </p:txBody>
-      </p:sp>
-      <p:sp>
-        <p:nvSpPr>
-          <p:cNvPr id="14" name="TextBox 13"/>
-          <p:cNvSpPr txBox="1"/>
-          <p:nvPr/>
-        </p:nvSpPr>
-        <p:spPr>
-          <a:xfrm>
-            <a:off x="3753031" y="5778911"/>
-            <a:ext cx="914400" cy="914400"/>
-          </a:xfrm>
-          <a:prstGeom prst="rect">
-            <a:avLst/>
-          </a:prstGeom>
-          <a:noFill/>
-          <a:ln>
-            <a:noFill/>
-          </a:ln>
-        </p:spPr>
-        <p:txBody>
-          <a:bodyPr wrap="none" rtlCol="0" anchor="ctr" anchorCtr="0">
-            <a:noAutofit/>
-          </a:bodyPr>
-          <a:lstStyle/>
-          <a:p>
-            <a:pPr>
-              <a:spcAft>
-                <a:spcPts val="600"/>
-              </a:spcAft>
-            </a:pPr>
-            <a:r>
-              <a:rPr lang="en-US" sz="2000" dirty="0">
-                <a:latin typeface="Helvetica" charset="0"/>
-                <a:ea typeface="Times New Roman" charset="0"/>
-                <a:cs typeface="Arial" charset="0"/>
-              </a:rPr>
-              <a:t>Continuous</a:t>
-            </a:r>
-          </a:p>
-        </p:txBody>
-      </p:sp>
-      <p:sp>
-        <p:nvSpPr>
-          <p:cNvPr id="16" name="TextBox 15"/>
-          <p:cNvSpPr txBox="1"/>
-          <p:nvPr/>
-        </p:nvSpPr>
-        <p:spPr>
-          <a:xfrm>
-            <a:off x="1844860" y="4632840"/>
-            <a:ext cx="914400" cy="914400"/>
-          </a:xfrm>
-          <a:prstGeom prst="rect">
-            <a:avLst/>
-          </a:prstGeom>
-          <a:noFill/>
-          <a:ln>
-            <a:noFill/>
-          </a:ln>
-        </p:spPr>
-        <p:txBody>
-          <a:bodyPr wrap="none" rtlCol="0" anchor="ctr" anchorCtr="0">
-            <a:noAutofit/>
-          </a:bodyPr>
-          <a:lstStyle/>
-          <a:p>
-            <a:pPr>
-              <a:spcAft>
-                <a:spcPts val="600"/>
-              </a:spcAft>
-            </a:pPr>
-            <a:r>
-              <a:rPr lang="en-US" sz="2000" dirty="0">
-                <a:latin typeface="Helvetica" charset="0"/>
-                <a:ea typeface="Times New Roman" charset="0"/>
-                <a:cs typeface="Arial" charset="0"/>
-              </a:rPr>
-              <a:t>Continuous</a:t>
-            </a:r>
-          </a:p>
-        </p:txBody>
-      </p:sp>
-      <p:sp>
-        <p:nvSpPr>
-          <p:cNvPr id="17" name="TextBox 16"/>
-          <p:cNvSpPr txBox="1"/>
-          <p:nvPr/>
-        </p:nvSpPr>
-        <p:spPr>
-          <a:xfrm>
-            <a:off x="1844860" y="2759053"/>
-            <a:ext cx="914400" cy="914400"/>
-          </a:xfrm>
-          <a:prstGeom prst="rect">
-            <a:avLst/>
-          </a:prstGeom>
-          <a:noFill/>
-          <a:ln>
-            <a:noFill/>
-          </a:ln>
-        </p:spPr>
-        <p:txBody>
-          <a:bodyPr wrap="none" rtlCol="0" anchor="ctr" anchorCtr="0">
-            <a:noAutofit/>
-          </a:bodyPr>
-          <a:lstStyle/>
-          <a:p>
-            <a:pPr>
-              <a:spcAft>
-                <a:spcPts val="600"/>
-              </a:spcAft>
-            </a:pPr>
-            <a:r>
-              <a:rPr lang="en-US" sz="2000" dirty="0">
-                <a:latin typeface="Helvetica" charset="0"/>
-                <a:ea typeface="Times New Roman" charset="0"/>
-                <a:cs typeface="Arial" charset="0"/>
-              </a:rPr>
-              <a:t>Categorical</a:t>
-            </a:r>
-          </a:p>
-        </p:txBody>
-      </p:sp>
-      <p:sp>
-        <p:nvSpPr>
-          <p:cNvPr id="18" name="TextBox 17"/>
-          <p:cNvSpPr txBox="1"/>
-          <p:nvPr/>
-        </p:nvSpPr>
-        <p:spPr>
-          <a:xfrm>
-            <a:off x="6135582" y="5778911"/>
-            <a:ext cx="914400" cy="914400"/>
-          </a:xfrm>
-          <a:prstGeom prst="rect">
-            <a:avLst/>
-          </a:prstGeom>
-          <a:noFill/>
-          <a:ln>
-            <a:noFill/>
-          </a:ln>
-        </p:spPr>
-        <p:txBody>
-          <a:bodyPr wrap="none" rtlCol="0" anchor="ctr" anchorCtr="0">
-            <a:noAutofit/>
-          </a:bodyPr>
-          <a:lstStyle/>
-          <a:p>
-            <a:pPr>
-              <a:spcAft>
-                <a:spcPts val="600"/>
-              </a:spcAft>
-            </a:pPr>
-            <a:r>
-              <a:rPr lang="en-US" sz="2000" dirty="0">
-                <a:latin typeface="Helvetica" charset="0"/>
-                <a:ea typeface="Times New Roman" charset="0"/>
-                <a:cs typeface="Arial" charset="0"/>
-              </a:rPr>
-              <a:t>Categorical</a:t>
-            </a:r>
-          </a:p>
-        </p:txBody>
-      </p:sp>
-      <p:pic>
-        <p:nvPicPr>
-          <p:cNvPr id="15" name="Picture 14" descr="LinearRegression.pdf"/>
-          <p:cNvPicPr>
-            <a:picLocks noChangeAspect="1"/>
-          </p:cNvPicPr>
-          <p:nvPr/>
-        </p:nvPicPr>
-        <p:blipFill>
-          <a:blip r:embed="rId2">
-            <a:extLst>
-              <a:ext uri="{28A0092B-C50C-407E-A947-70E740481C1C}">
-                <a14:useLocalDpi xmlns:a14="http://schemas.microsoft.com/office/drawing/2010/main" val="0"/>
-              </a:ext>
-            </a:extLst>
-          </a:blip>
-          <a:stretch>
-            <a:fillRect/>
-          </a:stretch>
-        </p:blipFill>
-        <p:spPr>
-          <a:xfrm>
-            <a:off x="3576728" y="4357370"/>
-            <a:ext cx="1929234" cy="1421541"/>
-          </a:xfrm>
-          <a:prstGeom prst="rect">
-            <a:avLst/>
-          </a:prstGeom>
-        </p:spPr>
-      </p:pic>
-      <p:sp>
-        <p:nvSpPr>
-          <p:cNvPr id="19" name="TextBox 18"/>
-          <p:cNvSpPr txBox="1"/>
-          <p:nvPr/>
-        </p:nvSpPr>
-        <p:spPr>
-          <a:xfrm>
-            <a:off x="6274265" y="4643143"/>
-            <a:ext cx="914400" cy="914400"/>
-          </a:xfrm>
-          <a:prstGeom prst="rect">
-            <a:avLst/>
-          </a:prstGeom>
-          <a:noFill/>
-          <a:ln>
-            <a:noFill/>
-          </a:ln>
-        </p:spPr>
-        <p:txBody>
-          <a:bodyPr wrap="none" rtlCol="0" anchor="ctr" anchorCtr="0">
-            <a:noAutofit/>
-          </a:bodyPr>
-          <a:lstStyle/>
-          <a:p>
-            <a:pPr>
-              <a:spcAft>
-                <a:spcPts val="600"/>
-              </a:spcAft>
-            </a:pPr>
-            <a:r>
-              <a:rPr lang="en-US" sz="2400" b="1" dirty="0">
-                <a:solidFill>
-                  <a:srgbClr val="FF0000"/>
-                </a:solidFill>
-                <a:latin typeface="Helvetica" charset="0"/>
-                <a:ea typeface="Times New Roman" charset="0"/>
-                <a:cs typeface="Arial" charset="0"/>
-              </a:rPr>
-              <a:t>X</a:t>
-            </a:r>
-          </a:p>
-        </p:txBody>
-      </p:sp>
-      <p:sp>
-        <p:nvSpPr>
-          <p:cNvPr id="20" name="TextBox 19"/>
-          <p:cNvSpPr txBox="1"/>
-          <p:nvPr/>
-        </p:nvSpPr>
-        <p:spPr>
-          <a:xfrm>
-            <a:off x="4210231" y="2807011"/>
-            <a:ext cx="914400" cy="914400"/>
-          </a:xfrm>
-          <a:prstGeom prst="rect">
-            <a:avLst/>
-          </a:prstGeom>
-          <a:noFill/>
-          <a:ln>
-            <a:noFill/>
-          </a:ln>
-        </p:spPr>
-        <p:txBody>
-          <a:bodyPr wrap="none" rtlCol="0" anchor="ctr" anchorCtr="0">
-            <a:noAutofit/>
-          </a:bodyPr>
-          <a:lstStyle/>
-          <a:p>
-            <a:pPr>
-              <a:spcAft>
-                <a:spcPts val="600"/>
-              </a:spcAft>
-            </a:pPr>
-            <a:r>
-              <a:rPr lang="en-US" sz="2400" dirty="0">
-                <a:solidFill>
-                  <a:srgbClr val="FF0000"/>
-                </a:solidFill>
-                <a:latin typeface="Helvetica" charset="0"/>
-                <a:ea typeface="Times New Roman" charset="0"/>
-                <a:cs typeface="Arial" charset="0"/>
-              </a:rPr>
-              <a:t>X</a:t>
-            </a:r>
-          </a:p>
-        </p:txBody>
-      </p:sp>
-      <p:sp>
-        <p:nvSpPr>
-          <p:cNvPr id="21" name="TextBox 20"/>
-          <p:cNvSpPr txBox="1"/>
-          <p:nvPr/>
-        </p:nvSpPr>
-        <p:spPr>
-          <a:xfrm>
-            <a:off x="6135582" y="2812163"/>
-            <a:ext cx="914400" cy="914400"/>
-          </a:xfrm>
-          <a:prstGeom prst="rect">
-            <a:avLst/>
-          </a:prstGeom>
-          <a:noFill/>
-          <a:ln>
-            <a:noFill/>
-          </a:ln>
-        </p:spPr>
-        <p:txBody>
-          <a:bodyPr wrap="none" rtlCol="0" anchor="ctr" anchorCtr="0">
-            <a:noAutofit/>
-          </a:bodyPr>
-          <a:lstStyle/>
-          <a:p>
-            <a:pPr>
-              <a:spcAft>
-                <a:spcPts val="600"/>
-              </a:spcAft>
-            </a:pPr>
-            <a:r>
-              <a:rPr lang="en-US" sz="2400" dirty="0">
-                <a:solidFill>
-                  <a:srgbClr val="FF0000"/>
-                </a:solidFill>
-                <a:latin typeface="Helvetica" charset="0"/>
-                <a:ea typeface="Times New Roman" charset="0"/>
-                <a:cs typeface="Arial" charset="0"/>
-              </a:rPr>
-              <a:t>X</a:t>
+              <a:t>Introduction to Hypothesis Testing</a:t>
             </a:r>
           </a:p>
         </p:txBody>
@@ -9196,7 +13123,7 @@
     </p:spTree>
     <p:extLst>
       <p:ext uri="{BB962C8B-B14F-4D97-AF65-F5344CB8AC3E}">
-        <p14:creationId xmlns:p14="http://schemas.microsoft.com/office/powerpoint/2010/main" val="3737829134"/>
+        <p14:creationId xmlns:p14="http://schemas.microsoft.com/office/powerpoint/2010/main" val="189381376"/>
       </p:ext>
     </p:extLst>
   </p:cSld>
@@ -9225,154 +13152,93 @@
       </p:grpSpPr>
       <p:sp>
         <p:nvSpPr>
-          <p:cNvPr id="3" name="Title 2"/>
+          <p:cNvPr id="2" name="Text Placeholder 1">
+            <a:extLst>
+              <a:ext uri="{FF2B5EF4-FFF2-40B4-BE49-F238E27FC236}">
+                <a16:creationId xmlns:a16="http://schemas.microsoft.com/office/drawing/2014/main" id="{A3EEA15B-B3DC-994C-99E3-5270E778154F}"/>
+              </a:ext>
+            </a:extLst>
+          </p:cNvPr>
           <p:cNvSpPr>
             <a:spLocks noGrp="1"/>
           </p:cNvSpPr>
           <p:nvPr>
-            <p:ph type="title"/>
-          </p:nvPr>
-        </p:nvSpPr>
-        <p:spPr/>
+            <p:ph type="body" sz="quarter" idx="10"/>
+          </p:nvPr>
+        </p:nvSpPr>
+        <p:spPr>
+          <a:xfrm>
+            <a:off x="838200" y="1876483"/>
+            <a:ext cx="10515600" cy="2451953"/>
+          </a:xfrm>
+        </p:spPr>
         <p:txBody>
           <a:bodyPr/>
           <a:lstStyle/>
           <a:p>
             <a:r>
-              <a:rPr lang="en-US" b="1" dirty="0" err="1"/>
-              <a:t>Response</a:t>
-            </a:r>
-            <a:r>
-              <a:rPr lang="en-US" dirty="0" err="1"/>
-              <a:t>:Continuous</a:t>
-            </a:r>
-            <a:br>
               <a:rPr lang="en-US" dirty="0"/>
-            </a:br>
+              <a:t>Introduction to hypothesis testing</a:t>
+            </a:r>
+          </a:p>
+          <a:p>
             <a:r>
               <a:rPr lang="en-US" b="1" dirty="0"/>
-              <a:t>Predictor</a:t>
-            </a:r>
+              <a:t>Define variables</a:t>
+            </a:r>
+          </a:p>
+          <a:p>
             <a:r>
               <a:rPr lang="en-US" dirty="0"/>
-              <a:t>: Categorical</a:t>
-            </a:r>
-          </a:p>
-        </p:txBody>
-      </p:sp>
-      <p:sp>
-        <p:nvSpPr>
-          <p:cNvPr id="5" name="TextBox 4"/>
-          <p:cNvSpPr txBox="1"/>
-          <p:nvPr/>
-        </p:nvSpPr>
-        <p:spPr>
-          <a:xfrm>
-            <a:off x="7948435" y="3396003"/>
-            <a:ext cx="914400" cy="914400"/>
-          </a:xfrm>
-          <a:prstGeom prst="rect">
-            <a:avLst/>
-          </a:prstGeom>
-          <a:noFill/>
-          <a:ln>
-            <a:noFill/>
-          </a:ln>
-        </p:spPr>
-        <p:txBody>
-          <a:bodyPr wrap="none" rtlCol="0" anchor="ctr" anchorCtr="0">
-            <a:noAutofit/>
-          </a:bodyPr>
-          <a:lstStyle/>
-          <a:p>
-            <a:pPr>
-              <a:spcAft>
-                <a:spcPts val="600"/>
-              </a:spcAft>
-            </a:pPr>
-            <a:r>
-              <a:rPr lang="en-US" sz="2000" dirty="0">
-                <a:latin typeface="Helvetica" charset="0"/>
-                <a:ea typeface="Times New Roman" charset="0"/>
-                <a:cs typeface="Arial" charset="0"/>
-              </a:rPr>
-              <a:t>T-tests, ANOVA</a:t>
-            </a:r>
-          </a:p>
-          <a:p>
-            <a:pPr>
-              <a:spcAft>
-                <a:spcPts val="600"/>
-              </a:spcAft>
-            </a:pPr>
-            <a:r>
-              <a:rPr lang="en-US" sz="2000" i="1" dirty="0">
-                <a:latin typeface="Helvetica" charset="0"/>
-                <a:ea typeface="Times New Roman" charset="0"/>
-                <a:cs typeface="Arial" charset="0"/>
-              </a:rPr>
-              <a:t>Parameter/effect size</a:t>
-            </a:r>
-            <a:r>
-              <a:rPr lang="en-US" sz="2000" dirty="0">
-                <a:latin typeface="Helvetica" charset="0"/>
-                <a:ea typeface="Times New Roman" charset="0"/>
-                <a:cs typeface="Arial" charset="0"/>
-              </a:rPr>
-              <a:t>: difference of</a:t>
-            </a:r>
-          </a:p>
-          <a:p>
-            <a:pPr>
-              <a:spcAft>
-                <a:spcPts val="600"/>
-              </a:spcAft>
-            </a:pPr>
-            <a:r>
-              <a:rPr lang="en-US" sz="2000" dirty="0">
-                <a:latin typeface="Helvetica" charset="0"/>
-                <a:ea typeface="Times New Roman" charset="0"/>
-                <a:cs typeface="Arial" charset="0"/>
-              </a:rPr>
-              <a:t>                                    means</a:t>
-            </a:r>
-          </a:p>
-        </p:txBody>
-      </p:sp>
-      <p:pic>
-        <p:nvPicPr>
-          <p:cNvPr id="2" name="Picture 1" descr="BoxPlotChickenFeed.pdf"/>
-          <p:cNvPicPr>
-            <a:picLocks noChangeAspect="1"/>
-          </p:cNvPicPr>
-          <p:nvPr/>
-        </p:nvPicPr>
-        <p:blipFill>
-          <a:blip r:embed="rId2">
+              <a:t>Choosing the right test</a:t>
+            </a:r>
+          </a:p>
+          <a:p>
+            <a:r>
+              <a:rPr lang="en-US" dirty="0"/>
+              <a:t>Basic concepts in hypothesis testing</a:t>
+            </a:r>
+          </a:p>
+          <a:p>
+            <a:r>
+              <a:rPr lang="en-US" dirty="0"/>
+              <a:t>Hands-on</a:t>
+            </a:r>
+          </a:p>
+        </p:txBody>
+      </p:sp>
+      <p:sp>
+        <p:nvSpPr>
+          <p:cNvPr id="3" name="Title 2">
             <a:extLst>
-              <a:ext uri="{28A0092B-C50C-407E-A947-70E740481C1C}">
-                <a14:useLocalDpi xmlns:a14="http://schemas.microsoft.com/office/drawing/2010/main" val="0"/>
+              <a:ext uri="{FF2B5EF4-FFF2-40B4-BE49-F238E27FC236}">
+                <a16:creationId xmlns:a16="http://schemas.microsoft.com/office/drawing/2014/main" id="{81700280-AF15-F343-9638-52E16E9A2149}"/>
               </a:ext>
             </a:extLst>
-          </a:blip>
-          <a:stretch>
-            <a:fillRect/>
-          </a:stretch>
-        </p:blipFill>
-        <p:spPr>
-          <a:xfrm>
-            <a:off x="351689" y="2056153"/>
-            <a:ext cx="7480300" cy="4508500"/>
-          </a:xfrm>
-          <a:prstGeom prst="rect">
-            <a:avLst/>
-          </a:prstGeom>
-        </p:spPr>
-      </p:pic>
+          </p:cNvPr>
+          <p:cNvSpPr>
+            <a:spLocks noGrp="1"/>
+          </p:cNvSpPr>
+          <p:nvPr>
+            <p:ph type="title"/>
+          </p:nvPr>
+        </p:nvSpPr>
+        <p:spPr/>
+        <p:txBody>
+          <a:bodyPr/>
+          <a:lstStyle/>
+          <a:p>
+            <a:r>
+              <a:rPr lang="en-US" dirty="0"/>
+              <a:t>Outline</a:t>
+            </a:r>
+          </a:p>
+        </p:txBody>
+      </p:sp>
     </p:spTree>
     <p:extLst>
       <p:ext uri="{BB962C8B-B14F-4D97-AF65-F5344CB8AC3E}">
-        <p14:creationId xmlns:p14="http://schemas.microsoft.com/office/powerpoint/2010/main" val="2101823978"/>
+        <p14:creationId xmlns:p14="http://schemas.microsoft.com/office/powerpoint/2010/main" val="3683689978"/>
       </p:ext>
     </p:extLst>
   </p:cSld>
@@ -9401,542 +13267,102 @@
       </p:grpSpPr>
       <p:sp>
         <p:nvSpPr>
-          <p:cNvPr id="3" name="Title 2"/>
+          <p:cNvPr id="2" name="Text Placeholder 1">
+            <a:extLst>
+              <a:ext uri="{FF2B5EF4-FFF2-40B4-BE49-F238E27FC236}">
+                <a16:creationId xmlns:a16="http://schemas.microsoft.com/office/drawing/2014/main" id="{5644264C-C95D-5745-A362-45B51A27A9DD}"/>
+              </a:ext>
+            </a:extLst>
+          </p:cNvPr>
           <p:cNvSpPr>
             <a:spLocks noGrp="1"/>
           </p:cNvSpPr>
           <p:nvPr>
-            <p:ph type="title"/>
-          </p:nvPr>
-        </p:nvSpPr>
-        <p:spPr/>
+            <p:ph type="body" sz="quarter" idx="10"/>
+          </p:nvPr>
+        </p:nvSpPr>
+        <p:spPr>
+          <a:xfrm>
+            <a:off x="838200" y="1876483"/>
+            <a:ext cx="10515600" cy="2728952"/>
+          </a:xfrm>
+        </p:spPr>
         <p:txBody>
           <a:bodyPr/>
           <a:lstStyle/>
           <a:p>
             <a:r>
+              <a:rPr lang="en-US" u="sng" dirty="0"/>
+              <a:t>Response</a:t>
+            </a:r>
+            <a:r>
               <a:rPr lang="en-US" dirty="0"/>
-              <a:t>How do I choose which statistical test to use?</a:t>
-            </a:r>
-          </a:p>
-        </p:txBody>
-      </p:sp>
-      <p:cxnSp>
-        <p:nvCxnSpPr>
-          <p:cNvPr id="5" name="Straight Connector 4"/>
-          <p:cNvCxnSpPr/>
-          <p:nvPr/>
-        </p:nvCxnSpPr>
-        <p:spPr>
-          <a:xfrm>
-            <a:off x="3439089" y="2068993"/>
-            <a:ext cx="14270" cy="4123719"/>
-          </a:xfrm>
-          <a:prstGeom prst="line">
-            <a:avLst/>
-          </a:prstGeom>
-        </p:spPr>
-        <p:style>
-          <a:lnRef idx="2">
-            <a:schemeClr val="accent1"/>
-          </a:lnRef>
-          <a:fillRef idx="0">
-            <a:schemeClr val="accent1"/>
-          </a:fillRef>
-          <a:effectRef idx="1">
-            <a:schemeClr val="accent1"/>
-          </a:effectRef>
-          <a:fontRef idx="minor">
-            <a:schemeClr val="tx1"/>
-          </a:fontRef>
-        </p:style>
-      </p:cxnSp>
-      <p:cxnSp>
-        <p:nvCxnSpPr>
-          <p:cNvPr id="7" name="Straight Connector 6"/>
-          <p:cNvCxnSpPr/>
-          <p:nvPr/>
-        </p:nvCxnSpPr>
-        <p:spPr>
-          <a:xfrm flipV="1">
-            <a:off x="3139418" y="5992947"/>
-            <a:ext cx="5023068" cy="57075"/>
-          </a:xfrm>
-          <a:prstGeom prst="line">
-            <a:avLst/>
-          </a:prstGeom>
-        </p:spPr>
-        <p:style>
-          <a:lnRef idx="2">
-            <a:schemeClr val="accent1"/>
-          </a:lnRef>
-          <a:fillRef idx="0">
-            <a:schemeClr val="accent1"/>
-          </a:fillRef>
-          <a:effectRef idx="1">
-            <a:schemeClr val="accent1"/>
-          </a:effectRef>
-          <a:fontRef idx="minor">
-            <a:schemeClr val="tx1"/>
-          </a:fontRef>
-        </p:style>
-      </p:cxnSp>
-      <p:cxnSp>
-        <p:nvCxnSpPr>
-          <p:cNvPr id="9" name="Straight Connector 8"/>
-          <p:cNvCxnSpPr/>
-          <p:nvPr/>
-        </p:nvCxnSpPr>
-        <p:spPr>
-          <a:xfrm>
-            <a:off x="3139418" y="4009567"/>
-            <a:ext cx="5023068" cy="0"/>
-          </a:xfrm>
-          <a:prstGeom prst="line">
-            <a:avLst/>
-          </a:prstGeom>
-          <a:ln>
-            <a:prstDash val="dash"/>
-          </a:ln>
-        </p:spPr>
-        <p:style>
-          <a:lnRef idx="2">
-            <a:schemeClr val="accent1"/>
-          </a:lnRef>
-          <a:fillRef idx="0">
-            <a:schemeClr val="accent1"/>
-          </a:fillRef>
-          <a:effectRef idx="1">
-            <a:schemeClr val="accent1"/>
-          </a:effectRef>
-          <a:fontRef idx="minor">
-            <a:schemeClr val="tx1"/>
-          </a:fontRef>
-        </p:style>
-      </p:cxnSp>
-      <p:cxnSp>
-        <p:nvCxnSpPr>
-          <p:cNvPr id="11" name="Straight Connector 10"/>
-          <p:cNvCxnSpPr/>
-          <p:nvPr/>
-        </p:nvCxnSpPr>
-        <p:spPr>
-          <a:xfrm>
-            <a:off x="5608142" y="2068993"/>
-            <a:ext cx="71350" cy="4123719"/>
-          </a:xfrm>
-          <a:prstGeom prst="line">
-            <a:avLst/>
-          </a:prstGeom>
-          <a:ln>
-            <a:prstDash val="dash"/>
-          </a:ln>
-        </p:spPr>
-        <p:style>
-          <a:lnRef idx="2">
-            <a:schemeClr val="accent1"/>
-          </a:lnRef>
-          <a:fillRef idx="0">
-            <a:schemeClr val="accent1"/>
-          </a:fillRef>
-          <a:effectRef idx="1">
-            <a:schemeClr val="accent1"/>
-          </a:effectRef>
-          <a:fontRef idx="minor">
-            <a:schemeClr val="tx1"/>
-          </a:fontRef>
-        </p:style>
-      </p:cxnSp>
-      <p:sp>
-        <p:nvSpPr>
-          <p:cNvPr id="12" name="TextBox 11"/>
-          <p:cNvSpPr txBox="1"/>
-          <p:nvPr/>
-        </p:nvSpPr>
-        <p:spPr>
-          <a:xfrm>
-            <a:off x="709770" y="1726537"/>
-            <a:ext cx="914400" cy="914400"/>
-          </a:xfrm>
-          <a:prstGeom prst="rect">
-            <a:avLst/>
-          </a:prstGeom>
-          <a:noFill/>
-          <a:ln>
-            <a:noFill/>
-          </a:ln>
-        </p:spPr>
-        <p:txBody>
-          <a:bodyPr wrap="none" rtlCol="0" anchor="ctr" anchorCtr="0">
-            <a:noAutofit/>
-          </a:bodyPr>
-          <a:lstStyle/>
-          <a:p>
-            <a:pPr>
-              <a:spcAft>
-                <a:spcPts val="600"/>
-              </a:spcAft>
-            </a:pPr>
-            <a:r>
-              <a:rPr lang="en-US" sz="2400" u="sng" dirty="0">
-                <a:latin typeface="Helvetica" charset="0"/>
-                <a:ea typeface="Times New Roman" charset="0"/>
-                <a:cs typeface="Arial" charset="0"/>
-              </a:rPr>
-              <a:t>Response variable</a:t>
-            </a:r>
-          </a:p>
-        </p:txBody>
-      </p:sp>
-      <p:sp>
-        <p:nvSpPr>
-          <p:cNvPr id="13" name="TextBox 12"/>
-          <p:cNvSpPr txBox="1"/>
-          <p:nvPr/>
-        </p:nvSpPr>
-        <p:spPr>
-          <a:xfrm>
-            <a:off x="8162486" y="6073999"/>
-            <a:ext cx="914400" cy="914400"/>
-          </a:xfrm>
-          <a:prstGeom prst="rect">
-            <a:avLst/>
-          </a:prstGeom>
-          <a:noFill/>
-          <a:ln>
-            <a:noFill/>
-          </a:ln>
-        </p:spPr>
-        <p:txBody>
-          <a:bodyPr wrap="none" rtlCol="0" anchor="ctr" anchorCtr="0">
-            <a:noAutofit/>
-          </a:bodyPr>
-          <a:lstStyle/>
-          <a:p>
-            <a:pPr>
-              <a:spcAft>
-                <a:spcPts val="600"/>
-              </a:spcAft>
-            </a:pPr>
-            <a:r>
-              <a:rPr lang="en-US" sz="2400" u="sng" dirty="0">
-                <a:latin typeface="Helvetica" charset="0"/>
-                <a:ea typeface="Times New Roman" charset="0"/>
-                <a:cs typeface="Arial" charset="0"/>
-              </a:rPr>
-              <a:t>Predictor variable</a:t>
-            </a:r>
-          </a:p>
-        </p:txBody>
-      </p:sp>
-      <p:sp>
-        <p:nvSpPr>
-          <p:cNvPr id="14" name="TextBox 13"/>
-          <p:cNvSpPr txBox="1"/>
-          <p:nvPr/>
-        </p:nvSpPr>
-        <p:spPr>
-          <a:xfrm>
-            <a:off x="3753031" y="5778911"/>
-            <a:ext cx="914400" cy="914400"/>
-          </a:xfrm>
-          <a:prstGeom prst="rect">
-            <a:avLst/>
-          </a:prstGeom>
-          <a:noFill/>
-          <a:ln>
-            <a:noFill/>
-          </a:ln>
-        </p:spPr>
-        <p:txBody>
-          <a:bodyPr wrap="none" rtlCol="0" anchor="ctr" anchorCtr="0">
-            <a:noAutofit/>
-          </a:bodyPr>
-          <a:lstStyle/>
-          <a:p>
-            <a:pPr>
-              <a:spcAft>
-                <a:spcPts val="600"/>
-              </a:spcAft>
-            </a:pPr>
-            <a:r>
-              <a:rPr lang="en-US" sz="2000" dirty="0">
-                <a:latin typeface="Helvetica" charset="0"/>
-                <a:ea typeface="Times New Roman" charset="0"/>
-                <a:cs typeface="Arial" charset="0"/>
-              </a:rPr>
-              <a:t>Continuous</a:t>
-            </a:r>
-          </a:p>
-        </p:txBody>
-      </p:sp>
-      <p:sp>
-        <p:nvSpPr>
-          <p:cNvPr id="16" name="TextBox 15"/>
-          <p:cNvSpPr txBox="1"/>
-          <p:nvPr/>
-        </p:nvSpPr>
-        <p:spPr>
-          <a:xfrm>
-            <a:off x="1844860" y="4632840"/>
-            <a:ext cx="914400" cy="914400"/>
-          </a:xfrm>
-          <a:prstGeom prst="rect">
-            <a:avLst/>
-          </a:prstGeom>
-          <a:noFill/>
-          <a:ln>
-            <a:noFill/>
-          </a:ln>
-        </p:spPr>
-        <p:txBody>
-          <a:bodyPr wrap="none" rtlCol="0" anchor="ctr" anchorCtr="0">
-            <a:noAutofit/>
-          </a:bodyPr>
-          <a:lstStyle/>
-          <a:p>
-            <a:pPr>
-              <a:spcAft>
-                <a:spcPts val="600"/>
-              </a:spcAft>
-            </a:pPr>
-            <a:r>
-              <a:rPr lang="en-US" sz="2000" dirty="0">
-                <a:latin typeface="Helvetica" charset="0"/>
-                <a:ea typeface="Times New Roman" charset="0"/>
-                <a:cs typeface="Arial" charset="0"/>
-              </a:rPr>
-              <a:t>Continuous</a:t>
-            </a:r>
-          </a:p>
-        </p:txBody>
-      </p:sp>
-      <p:sp>
-        <p:nvSpPr>
-          <p:cNvPr id="17" name="TextBox 16"/>
-          <p:cNvSpPr txBox="1"/>
-          <p:nvPr/>
-        </p:nvSpPr>
-        <p:spPr>
-          <a:xfrm>
-            <a:off x="1844860" y="2759053"/>
-            <a:ext cx="914400" cy="914400"/>
-          </a:xfrm>
-          <a:prstGeom prst="rect">
-            <a:avLst/>
-          </a:prstGeom>
-          <a:noFill/>
-          <a:ln>
-            <a:noFill/>
-          </a:ln>
-        </p:spPr>
-        <p:txBody>
-          <a:bodyPr wrap="none" rtlCol="0" anchor="ctr" anchorCtr="0">
-            <a:noAutofit/>
-          </a:bodyPr>
-          <a:lstStyle/>
-          <a:p>
-            <a:pPr>
-              <a:spcAft>
-                <a:spcPts val="600"/>
-              </a:spcAft>
-            </a:pPr>
-            <a:r>
-              <a:rPr lang="en-US" sz="2000" dirty="0">
-                <a:latin typeface="Helvetica" charset="0"/>
-                <a:ea typeface="Times New Roman" charset="0"/>
-                <a:cs typeface="Arial" charset="0"/>
-              </a:rPr>
-              <a:t>Categorical</a:t>
-            </a:r>
-          </a:p>
-        </p:txBody>
-      </p:sp>
-      <p:sp>
-        <p:nvSpPr>
-          <p:cNvPr id="18" name="TextBox 17"/>
-          <p:cNvSpPr txBox="1"/>
-          <p:nvPr/>
-        </p:nvSpPr>
-        <p:spPr>
-          <a:xfrm>
-            <a:off x="6135582" y="5778911"/>
-            <a:ext cx="914400" cy="914400"/>
-          </a:xfrm>
-          <a:prstGeom prst="rect">
-            <a:avLst/>
-          </a:prstGeom>
-          <a:noFill/>
-          <a:ln>
-            <a:noFill/>
-          </a:ln>
-        </p:spPr>
-        <p:txBody>
-          <a:bodyPr wrap="none" rtlCol="0" anchor="ctr" anchorCtr="0">
-            <a:noAutofit/>
-          </a:bodyPr>
-          <a:lstStyle/>
-          <a:p>
-            <a:pPr>
-              <a:spcAft>
-                <a:spcPts val="600"/>
-              </a:spcAft>
-            </a:pPr>
-            <a:r>
-              <a:rPr lang="en-US" sz="2000" dirty="0">
-                <a:latin typeface="Helvetica" charset="0"/>
-                <a:ea typeface="Times New Roman" charset="0"/>
-                <a:cs typeface="Arial" charset="0"/>
-              </a:rPr>
-              <a:t>Categorical</a:t>
-            </a:r>
-          </a:p>
-        </p:txBody>
-      </p:sp>
-      <p:pic>
-        <p:nvPicPr>
-          <p:cNvPr id="15" name="Picture 14" descr="LinearRegression.pdf"/>
-          <p:cNvPicPr>
-            <a:picLocks noChangeAspect="1"/>
-          </p:cNvPicPr>
-          <p:nvPr/>
-        </p:nvPicPr>
-        <p:blipFill>
-          <a:blip r:embed="rId2">
+              <a:t>: Gene expression, Chicken weight</a:t>
+            </a:r>
+          </a:p>
+          <a:p>
+            <a:r>
+              <a:rPr lang="en-US" u="sng" dirty="0"/>
+              <a:t>Predictor</a:t>
+            </a:r>
+            <a:r>
+              <a:rPr lang="en-US" dirty="0"/>
+              <a:t>: Genotype, treatment, chicken feed</a:t>
+            </a:r>
+          </a:p>
+          <a:p>
+            <a:r>
+              <a:rPr lang="en-US" u="sng" dirty="0"/>
+              <a:t>Types</a:t>
+            </a:r>
+            <a:r>
+              <a:rPr lang="en-US" dirty="0"/>
+              <a:t>: Categorical or Continuous</a:t>
+            </a:r>
+          </a:p>
+          <a:p>
+            <a:pPr lvl="1"/>
+            <a:r>
+              <a:rPr lang="en-US" dirty="0"/>
+              <a:t>Categorical – genotype (mutant versus wild-type), disease vs  normal</a:t>
+            </a:r>
+          </a:p>
+          <a:p>
+            <a:pPr lvl="1"/>
+            <a:r>
+              <a:rPr lang="en-US" dirty="0"/>
+              <a:t>Continuous – age, dose of drug treatment</a:t>
+            </a:r>
+          </a:p>
+          <a:p>
+            <a:endParaRPr lang="en-US" dirty="0"/>
+          </a:p>
+        </p:txBody>
+      </p:sp>
+      <p:sp>
+        <p:nvSpPr>
+          <p:cNvPr id="3" name="Title 2">
             <a:extLst>
-              <a:ext uri="{28A0092B-C50C-407E-A947-70E740481C1C}">
-                <a14:useLocalDpi xmlns:a14="http://schemas.microsoft.com/office/drawing/2010/main" val="0"/>
+              <a:ext uri="{FF2B5EF4-FFF2-40B4-BE49-F238E27FC236}">
+                <a16:creationId xmlns:a16="http://schemas.microsoft.com/office/drawing/2014/main" id="{45096072-3119-7E40-B06E-B138864982F7}"/>
               </a:ext>
             </a:extLst>
-          </a:blip>
-          <a:stretch>
-            <a:fillRect/>
-          </a:stretch>
-        </p:blipFill>
-        <p:spPr>
-          <a:xfrm>
-            <a:off x="3576728" y="4357370"/>
-            <a:ext cx="1929234" cy="1421541"/>
-          </a:xfrm>
-          <a:prstGeom prst="rect">
-            <a:avLst/>
-          </a:prstGeom>
-        </p:spPr>
-      </p:pic>
-      <p:pic>
-        <p:nvPicPr>
-          <p:cNvPr id="19" name="Picture 18" descr="BoxPlotChickenFeed.pdf"/>
-          <p:cNvPicPr>
-            <a:picLocks noChangeAspect="1"/>
-          </p:cNvPicPr>
-          <p:nvPr/>
-        </p:nvPicPr>
-        <p:blipFill>
-          <a:blip r:embed="rId3">
-            <a:extLst>
-              <a:ext uri="{28A0092B-C50C-407E-A947-70E740481C1C}">
-                <a14:useLocalDpi xmlns:a14="http://schemas.microsoft.com/office/drawing/2010/main" val="0"/>
-              </a:ext>
-            </a:extLst>
-          </a:blip>
-          <a:stretch>
-            <a:fillRect/>
-          </a:stretch>
-        </p:blipFill>
-        <p:spPr>
-          <a:xfrm>
-            <a:off x="5888480" y="4357370"/>
-            <a:ext cx="2534729" cy="1527723"/>
-          </a:xfrm>
-          <a:prstGeom prst="rect">
-            <a:avLst/>
-          </a:prstGeom>
-        </p:spPr>
-      </p:pic>
-      <p:sp>
-        <p:nvSpPr>
-          <p:cNvPr id="20" name="TextBox 19"/>
-          <p:cNvSpPr txBox="1"/>
-          <p:nvPr/>
-        </p:nvSpPr>
-        <p:spPr>
-          <a:xfrm>
-            <a:off x="4210231" y="2807011"/>
-            <a:ext cx="914400" cy="914400"/>
-          </a:xfrm>
-          <a:prstGeom prst="rect">
-            <a:avLst/>
-          </a:prstGeom>
-          <a:noFill/>
-          <a:ln>
-            <a:noFill/>
-          </a:ln>
-        </p:spPr>
-        <p:txBody>
-          <a:bodyPr wrap="none" rtlCol="0" anchor="ctr" anchorCtr="0">
-            <a:noAutofit/>
-          </a:bodyPr>
-          <a:lstStyle/>
-          <a:p>
-            <a:pPr>
-              <a:spcAft>
-                <a:spcPts val="600"/>
-              </a:spcAft>
-            </a:pPr>
-            <a:r>
-              <a:rPr lang="en-US" sz="2400" dirty="0">
-                <a:solidFill>
-                  <a:srgbClr val="FF0000"/>
-                </a:solidFill>
-                <a:latin typeface="Helvetica" charset="0"/>
-                <a:ea typeface="Times New Roman" charset="0"/>
-                <a:cs typeface="Arial" charset="0"/>
-              </a:rPr>
-              <a:t>X</a:t>
-            </a:r>
-          </a:p>
-        </p:txBody>
-      </p:sp>
-      <p:sp>
-        <p:nvSpPr>
-          <p:cNvPr id="21" name="TextBox 20"/>
-          <p:cNvSpPr txBox="1"/>
-          <p:nvPr/>
-        </p:nvSpPr>
-        <p:spPr>
-          <a:xfrm>
-            <a:off x="6135582" y="2812163"/>
-            <a:ext cx="914400" cy="914400"/>
-          </a:xfrm>
-          <a:prstGeom prst="rect">
-            <a:avLst/>
-          </a:prstGeom>
-          <a:noFill/>
-          <a:ln>
-            <a:noFill/>
-          </a:ln>
-        </p:spPr>
-        <p:txBody>
-          <a:bodyPr wrap="none" rtlCol="0" anchor="ctr" anchorCtr="0">
-            <a:noAutofit/>
-          </a:bodyPr>
-          <a:lstStyle/>
-          <a:p>
-            <a:pPr>
-              <a:spcAft>
-                <a:spcPts val="600"/>
-              </a:spcAft>
-            </a:pPr>
-            <a:r>
-              <a:rPr lang="en-US" sz="2400" b="1" dirty="0">
-                <a:solidFill>
-                  <a:srgbClr val="FF0000"/>
-                </a:solidFill>
-                <a:latin typeface="Helvetica" charset="0"/>
-                <a:ea typeface="Times New Roman" charset="0"/>
-                <a:cs typeface="Arial" charset="0"/>
-              </a:rPr>
-              <a:t>X</a:t>
+          </p:cNvPr>
+          <p:cNvSpPr>
+            <a:spLocks noGrp="1"/>
+          </p:cNvSpPr>
+          <p:nvPr>
+            <p:ph type="title"/>
+          </p:nvPr>
+        </p:nvSpPr>
+        <p:spPr/>
+        <p:txBody>
+          <a:bodyPr/>
+          <a:lstStyle/>
+          <a:p>
+            <a:r>
+              <a:rPr lang="en-US" dirty="0"/>
+              <a:t>Variables</a:t>
             </a:r>
           </a:p>
         </p:txBody>
@@ -9944,7 +13370,7 @@
     </p:spTree>
     <p:extLst>
       <p:ext uri="{BB962C8B-B14F-4D97-AF65-F5344CB8AC3E}">
-        <p14:creationId xmlns:p14="http://schemas.microsoft.com/office/powerpoint/2010/main" val="4171581429"/>
+        <p14:creationId xmlns:p14="http://schemas.microsoft.com/office/powerpoint/2010/main" val="4001126383"/>
       </p:ext>
     </p:extLst>
   </p:cSld>

--- a/hypothesis-testing/HypothesisTesting.pptx
+++ b/hypothesis-testing/HypothesisTesting.pptx
@@ -274,7 +274,7 @@
               <a:rPr lang="en-US" smtClean="0">
                 <a:latin typeface="Arial" charset="0"/>
               </a:rPr>
-              <a:t>8/11/22</a:t>
+              <a:t>8/15/22</a:t>
             </a:fld>
             <a:endParaRPr lang="en-US" dirty="0">
               <a:latin typeface="Arial" charset="0"/>
@@ -452,7 +452,7 @@
             <a:fld id="{E7F3A0D5-E9AF-4B44-8B89-BAB2B2CD0CCD}" type="datetimeFigureOut">
               <a:rPr lang="en-US" smtClean="0"/>
               <a:pPr/>
-              <a:t>8/11/22</a:t>
+              <a:t>8/15/22</a:t>
             </a:fld>
             <a:endParaRPr lang="en-US" dirty="0"/>
           </a:p>
@@ -1859,7 +1859,7 @@
           <a:p>
             <a:fld id="{8641D226-0294-9E42-8E4F-806E71086749}" type="datetimeFigureOut">
               <a:rPr lang="en-US" smtClean="0"/>
-              <a:t>8/11/22</a:t>
+              <a:t>8/15/22</a:t>
             </a:fld>
             <a:endParaRPr lang="en-US"/>
           </a:p>
@@ -2128,7 +2128,7 @@
           <a:p>
             <a:fld id="{8641D226-0294-9E42-8E4F-806E71086749}" type="datetimeFigureOut">
               <a:rPr lang="en-US" smtClean="0"/>
-              <a:t>8/11/22</a:t>
+              <a:t>8/15/22</a:t>
             </a:fld>
             <a:endParaRPr lang="en-US"/>
           </a:p>
@@ -2367,7 +2367,7 @@
           <a:p>
             <a:fld id="{8641D226-0294-9E42-8E4F-806E71086749}" type="datetimeFigureOut">
               <a:rPr lang="en-US" smtClean="0"/>
-              <a:t>8/11/22</a:t>
+              <a:t>8/15/22</a:t>
             </a:fld>
             <a:endParaRPr lang="en-US"/>
           </a:p>
@@ -2492,7 +2492,7 @@
           <a:p>
             <a:fld id="{E4FE9C9F-28F2-6749-B0AA-F6776A96C2D1}" type="datetimeFigureOut">
               <a:rPr lang="en-US" smtClean="0"/>
-              <a:t>8/11/22</a:t>
+              <a:t>8/15/22</a:t>
             </a:fld>
             <a:endParaRPr lang="en-US"/>
           </a:p>
@@ -2869,7 +2869,7 @@
           <a:p>
             <a:fld id="{E4FE9C9F-28F2-6749-B0AA-F6776A96C2D1}" type="datetimeFigureOut">
               <a:rPr lang="en-US" smtClean="0"/>
-              <a:t>8/11/22</a:t>
+              <a:t>8/15/22</a:t>
             </a:fld>
             <a:endParaRPr lang="en-US"/>
           </a:p>
@@ -3643,7 +3643,7 @@
           <a:p>
             <a:fld id="{8641D226-0294-9E42-8E4F-806E71086749}" type="datetimeFigureOut">
               <a:rPr lang="en-US" smtClean="0"/>
-              <a:t>8/11/22</a:t>
+              <a:t>8/15/22</a:t>
             </a:fld>
             <a:endParaRPr lang="en-US"/>
           </a:p>
@@ -4111,7 +4111,7 @@
           <a:p>
             <a:fld id="{8641D226-0294-9E42-8E4F-806E71086749}" type="datetimeFigureOut">
               <a:rPr lang="en-US" smtClean="0"/>
-              <a:t>8/11/22</a:t>
+              <a:t>8/15/22</a:t>
             </a:fld>
             <a:endParaRPr lang="en-US"/>
           </a:p>
@@ -4365,7 +4365,7 @@
           <a:p>
             <a:fld id="{8641D226-0294-9E42-8E4F-806E71086749}" type="datetimeFigureOut">
               <a:rPr lang="en-US" smtClean="0"/>
-              <a:t>8/11/22</a:t>
+              <a:t>8/15/22</a:t>
             </a:fld>
             <a:endParaRPr lang="en-US"/>
           </a:p>
@@ -7948,13 +7948,13 @@
           <a:p>
             <a:r>
               <a:rPr lang="en-US" dirty="0"/>
-              <a:t>Reuben Thomas</a:t>
+              <a:t>Reuben Thomas – Associate Core Director</a:t>
             </a:r>
           </a:p>
           <a:p>
             <a:r>
               <a:rPr lang="en-US" dirty="0"/>
-              <a:t>Ayushi Agrawal (TA)</a:t>
+              <a:t>Ayushi Agrawal – Bioinformatician II </a:t>
             </a:r>
           </a:p>
         </p:txBody>
@@ -13283,6 +13283,42 @@
           </a:xfrm>
         </p:spPr>
       </p:pic>
+      <p:pic>
+        <p:nvPicPr>
+          <p:cNvPr id="3" name="Picture 2" descr="BoxPlotChickenFeed.pdf">
+            <a:extLst>
+              <a:ext uri="{FF2B5EF4-FFF2-40B4-BE49-F238E27FC236}">
+                <a16:creationId xmlns:a16="http://schemas.microsoft.com/office/drawing/2014/main" id="{17524EB4-22D4-45D7-A672-A9CFFE3396DC}"/>
+              </a:ext>
+            </a:extLst>
+          </p:cNvPr>
+          <p:cNvPicPr>
+            <a:picLocks noChangeAspect="1"/>
+          </p:cNvPicPr>
+          <p:nvPr/>
+        </p:nvPicPr>
+        <p:blipFill>
+          <a:blip r:embed="rId3">
+            <a:extLst>
+              <a:ext uri="{28A0092B-C50C-407E-A947-70E740481C1C}">
+                <a14:useLocalDpi xmlns:a14="http://schemas.microsoft.com/office/drawing/2010/main" val="0"/>
+              </a:ext>
+            </a:extLst>
+          </a:blip>
+          <a:stretch>
+            <a:fillRect/>
+          </a:stretch>
+        </p:blipFill>
+        <p:spPr>
+          <a:xfrm>
+            <a:off x="5141404" y="2793510"/>
+            <a:ext cx="6743619" cy="4064490"/>
+          </a:xfrm>
+          <a:prstGeom prst="rect">
+            <a:avLst/>
+          </a:prstGeom>
+        </p:spPr>
+      </p:pic>
     </p:spTree>
     <p:extLst>
       <p:ext uri="{BB962C8B-B14F-4D97-AF65-F5344CB8AC3E}">
@@ -13948,7 +13984,7 @@
         <p:spPr>
           <a:xfrm>
             <a:off x="838200" y="1876483"/>
-            <a:ext cx="10515600" cy="387798"/>
+            <a:ext cx="10515600" cy="903837"/>
           </a:xfrm>
         </p:spPr>
         <p:txBody>
@@ -13964,6 +14000,12 @@
             <a:r>
               <a:rPr lang="en-US" dirty="0"/>
               <a:t> </a:t>
+            </a:r>
+          </a:p>
+          <a:p>
+            <a:r>
+              <a:rPr lang="en-US" dirty="0"/>
+              <a:t>~ 3min</a:t>
             </a:r>
           </a:p>
         </p:txBody>

--- a/hypothesis-testing/HypothesisTesting.pptx
+++ b/hypothesis-testing/HypothesisTesting.pptx
@@ -5,10 +5,10 @@
     <p:sldMasterId id="2147483756" r:id="rId1"/>
   </p:sldMasterIdLst>
   <p:notesMasterIdLst>
-    <p:notesMasterId r:id="rId48"/>
+    <p:notesMasterId r:id="rId63"/>
   </p:notesMasterIdLst>
   <p:handoutMasterIdLst>
-    <p:handoutMasterId r:id="rId49"/>
+    <p:handoutMasterId r:id="rId64"/>
   </p:handoutMasterIdLst>
   <p:sldIdLst>
     <p:sldId id="471" r:id="rId2"/>
@@ -42,21 +42,36 @@
     <p:sldId id="653" r:id="rId30"/>
     <p:sldId id="654" r:id="rId31"/>
     <p:sldId id="828" r:id="rId32"/>
-    <p:sldId id="679" r:id="rId33"/>
-    <p:sldId id="655" r:id="rId34"/>
+    <p:sldId id="655" r:id="rId33"/>
+    <p:sldId id="679" r:id="rId34"/>
     <p:sldId id="281" r:id="rId35"/>
     <p:sldId id="282" r:id="rId36"/>
-    <p:sldId id="671" r:id="rId37"/>
-    <p:sldId id="672" r:id="rId38"/>
-    <p:sldId id="673" r:id="rId39"/>
-    <p:sldId id="674" r:id="rId40"/>
-    <p:sldId id="676" r:id="rId41"/>
-    <p:sldId id="675" r:id="rId42"/>
-    <p:sldId id="658" r:id="rId43"/>
-    <p:sldId id="669" r:id="rId44"/>
-    <p:sldId id="827" r:id="rId45"/>
-    <p:sldId id="665" r:id="rId46"/>
-    <p:sldId id="659" r:id="rId47"/>
+    <p:sldId id="831" r:id="rId37"/>
+    <p:sldId id="832" r:id="rId38"/>
+    <p:sldId id="671" r:id="rId39"/>
+    <p:sldId id="672" r:id="rId40"/>
+    <p:sldId id="830" r:id="rId41"/>
+    <p:sldId id="673" r:id="rId42"/>
+    <p:sldId id="674" r:id="rId43"/>
+    <p:sldId id="834" r:id="rId44"/>
+    <p:sldId id="676" r:id="rId45"/>
+    <p:sldId id="675" r:id="rId46"/>
+    <p:sldId id="658" r:id="rId47"/>
+    <p:sldId id="669" r:id="rId48"/>
+    <p:sldId id="739" r:id="rId49"/>
+    <p:sldId id="740" r:id="rId50"/>
+    <p:sldId id="843" r:id="rId51"/>
+    <p:sldId id="842" r:id="rId52"/>
+    <p:sldId id="836" r:id="rId53"/>
+    <p:sldId id="837" r:id="rId54"/>
+    <p:sldId id="838" r:id="rId55"/>
+    <p:sldId id="839" r:id="rId56"/>
+    <p:sldId id="841" r:id="rId57"/>
+    <p:sldId id="840" r:id="rId58"/>
+    <p:sldId id="835" r:id="rId59"/>
+    <p:sldId id="827" r:id="rId60"/>
+    <p:sldId id="665" r:id="rId61"/>
+    <p:sldId id="659" r:id="rId62"/>
   </p:sldIdLst>
   <p:sldSz cx="12192000" cy="6858000"/>
   <p:notesSz cx="6858000" cy="9144000"/>
@@ -1083,7 +1098,7 @@
             <a:fld id="{39297335-E23B-0545-8DFE-98A3B1147F8C}" type="slidenum">
               <a:rPr lang="en-US" smtClean="0"/>
               <a:pPr/>
-              <a:t>37</a:t>
+              <a:t>39</a:t>
             </a:fld>
             <a:endParaRPr lang="en-US" dirty="0"/>
           </a:p>
@@ -1152,11 +1167,33 @@
             </a:r>
             <a:r>
               <a:rPr lang="en-US" dirty="0" err="1"/>
-              <a:t>en.wikipedia.org</a:t>
+              <a:t>www.tandfonline.com</a:t>
             </a:r>
             <a:r>
               <a:rPr lang="en-US" dirty="0"/>
-              <a:t>/wiki/F-distribution</a:t>
+              <a:t>/</a:t>
+            </a:r>
+            <a:r>
+              <a:rPr lang="en-US" dirty="0" err="1"/>
+              <a:t>doi</a:t>
+            </a:r>
+            <a:r>
+              <a:rPr lang="en-US" dirty="0"/>
+              <a:t>/pdf/10.1080/00031305.2017.1305291?needAccess=true</a:t>
+            </a:r>
+          </a:p>
+          <a:p>
+            <a:r>
+              <a:rPr lang="en-US" dirty="0"/>
+              <a:t>https://</a:t>
+            </a:r>
+            <a:r>
+              <a:rPr lang="en-US" dirty="0" err="1"/>
+              <a:t>www.graphpad.com</a:t>
+            </a:r>
+            <a:r>
+              <a:rPr lang="en-US" dirty="0"/>
+              <a:t>/guides/prism/5/user-guide/prism5help.html?stat_nonparametric_tests_dont_compa.htm</a:t>
             </a:r>
           </a:p>
         </p:txBody>
@@ -1179,7 +1216,103 @@
             <a:fld id="{39297335-E23B-0545-8DFE-98A3B1147F8C}" type="slidenum">
               <a:rPr lang="en-US" smtClean="0"/>
               <a:pPr/>
-              <a:t>39</a:t>
+              <a:t>40</a:t>
+            </a:fld>
+            <a:endParaRPr lang="en-US" dirty="0"/>
+          </a:p>
+        </p:txBody>
+      </p:sp>
+    </p:spTree>
+    <p:extLst>
+      <p:ext uri="{BB962C8B-B14F-4D97-AF65-F5344CB8AC3E}">
+        <p14:creationId xmlns:p14="http://schemas.microsoft.com/office/powerpoint/2010/main" val="3826170405"/>
+      </p:ext>
+    </p:extLst>
+  </p:cSld>
+  <p:clrMapOvr>
+    <a:masterClrMapping/>
+  </p:clrMapOvr>
+</p:notes>
+</file>
+
+<file path=ppt/notesSlides/notesSlide6.xml><?xml version="1.0" encoding="utf-8"?>
+<p:notes xmlns:a="http://schemas.openxmlformats.org/drawingml/2006/main" xmlns:r="http://schemas.openxmlformats.org/officeDocument/2006/relationships" xmlns:p="http://schemas.openxmlformats.org/presentationml/2006/main">
+  <p:cSld>
+    <p:spTree>
+      <p:nvGrpSpPr>
+        <p:cNvPr id="1" name=""/>
+        <p:cNvGrpSpPr/>
+        <p:nvPr/>
+      </p:nvGrpSpPr>
+      <p:grpSpPr>
+        <a:xfrm>
+          <a:off x="0" y="0"/>
+          <a:ext cx="0" cy="0"/>
+          <a:chOff x="0" y="0"/>
+          <a:chExt cx="0" cy="0"/>
+        </a:xfrm>
+      </p:grpSpPr>
+      <p:sp>
+        <p:nvSpPr>
+          <p:cNvPr id="2" name="Slide Image Placeholder 1"/>
+          <p:cNvSpPr>
+            <a:spLocks noGrp="1" noRot="1" noChangeAspect="1"/>
+          </p:cNvSpPr>
+          <p:nvPr>
+            <p:ph type="sldImg"/>
+          </p:nvPr>
+        </p:nvSpPr>
+        <p:spPr/>
+      </p:sp>
+      <p:sp>
+        <p:nvSpPr>
+          <p:cNvPr id="3" name="Notes Placeholder 2"/>
+          <p:cNvSpPr>
+            <a:spLocks noGrp="1"/>
+          </p:cNvSpPr>
+          <p:nvPr>
+            <p:ph type="body" idx="1"/>
+          </p:nvPr>
+        </p:nvSpPr>
+        <p:spPr/>
+        <p:txBody>
+          <a:bodyPr/>
+          <a:lstStyle/>
+          <a:p>
+            <a:r>
+              <a:rPr lang="en-US" dirty="0"/>
+              <a:t>https://</a:t>
+            </a:r>
+            <a:r>
+              <a:rPr lang="en-US" dirty="0" err="1"/>
+              <a:t>en.wikipedia.org</a:t>
+            </a:r>
+            <a:r>
+              <a:rPr lang="en-US" dirty="0"/>
+              <a:t>/wiki/F-distribution</a:t>
+            </a:r>
+          </a:p>
+        </p:txBody>
+      </p:sp>
+      <p:sp>
+        <p:nvSpPr>
+          <p:cNvPr id="4" name="Slide Number Placeholder 3"/>
+          <p:cNvSpPr>
+            <a:spLocks noGrp="1"/>
+          </p:cNvSpPr>
+          <p:nvPr>
+            <p:ph type="sldNum" sz="quarter" idx="5"/>
+          </p:nvPr>
+        </p:nvSpPr>
+        <p:spPr/>
+        <p:txBody>
+          <a:bodyPr/>
+          <a:lstStyle/>
+          <a:p>
+            <a:fld id="{39297335-E23B-0545-8DFE-98A3B1147F8C}" type="slidenum">
+              <a:rPr lang="en-US" smtClean="0"/>
+              <a:pPr/>
+              <a:t>42</a:t>
             </a:fld>
             <a:endParaRPr lang="en-US" dirty="0"/>
           </a:p>
@@ -4794,7 +4927,7 @@
           <a:p>
             <a:r>
               <a:rPr lang="en-US" dirty="0"/>
-              <a:t>Associate Director/Staff Scientist @ Bioinformatics Core @ GIDB</a:t>
+              <a:t>Associate Core Director @ Bioinformatics Core @ GIDB</a:t>
             </a:r>
           </a:p>
           <a:p>
@@ -12110,91 +12243,6 @@
       </p:grpSpPr>
       <p:sp>
         <p:nvSpPr>
-          <p:cNvPr id="2" name="Title 1">
-            <a:extLst>
-              <a:ext uri="{FF2B5EF4-FFF2-40B4-BE49-F238E27FC236}">
-                <a16:creationId xmlns:a16="http://schemas.microsoft.com/office/drawing/2014/main" id="{DA7C531E-C399-2845-A0C8-FDBD5FCD4460}"/>
-              </a:ext>
-            </a:extLst>
-          </p:cNvPr>
-          <p:cNvSpPr>
-            <a:spLocks noGrp="1"/>
-          </p:cNvSpPr>
-          <p:nvPr>
-            <p:ph type="title"/>
-          </p:nvPr>
-        </p:nvSpPr>
-        <p:spPr/>
-        <p:txBody>
-          <a:bodyPr>
-            <a:normAutofit fontScale="90000"/>
-          </a:bodyPr>
-          <a:lstStyle/>
-          <a:p>
-            <a:r>
-              <a:rPr lang="en-US" dirty="0"/>
-              <a:t>Poll: If Type II error for a given hypothesis test is zero then what is its statistical power?</a:t>
-            </a:r>
-          </a:p>
-        </p:txBody>
-      </p:sp>
-      <p:sp>
-        <p:nvSpPr>
-          <p:cNvPr id="3" name="Content Placeholder 2">
-            <a:extLst>
-              <a:ext uri="{FF2B5EF4-FFF2-40B4-BE49-F238E27FC236}">
-                <a16:creationId xmlns:a16="http://schemas.microsoft.com/office/drawing/2014/main" id="{57A37B52-05BF-234C-A8DA-A6723BAE5A96}"/>
-              </a:ext>
-            </a:extLst>
-          </p:cNvPr>
-          <p:cNvSpPr>
-            <a:spLocks noGrp="1"/>
-          </p:cNvSpPr>
-          <p:nvPr>
-            <p:ph idx="1"/>
-          </p:nvPr>
-        </p:nvSpPr>
-        <p:spPr/>
-        <p:txBody>
-          <a:bodyPr/>
-          <a:lstStyle/>
-          <a:p>
-            <a:endParaRPr lang="en-US"/>
-          </a:p>
-        </p:txBody>
-      </p:sp>
-    </p:spTree>
-    <p:extLst>
-      <p:ext uri="{BB962C8B-B14F-4D97-AF65-F5344CB8AC3E}">
-        <p14:creationId xmlns:p14="http://schemas.microsoft.com/office/powerpoint/2010/main" val="3114147284"/>
-      </p:ext>
-    </p:extLst>
-  </p:cSld>
-  <p:clrMapOvr>
-    <a:masterClrMapping/>
-  </p:clrMapOvr>
-</p:sld>
-</file>
-
-<file path=ppt/slides/slide33.xml><?xml version="1.0" encoding="utf-8"?>
-<p:sld xmlns:a="http://schemas.openxmlformats.org/drawingml/2006/main" xmlns:r="http://schemas.openxmlformats.org/officeDocument/2006/relationships" xmlns:p="http://schemas.openxmlformats.org/presentationml/2006/main">
-  <p:cSld>
-    <p:spTree>
-      <p:nvGrpSpPr>
-        <p:cNvPr id="1" name=""/>
-        <p:cNvGrpSpPr/>
-        <p:nvPr/>
-      </p:nvGrpSpPr>
-      <p:grpSpPr>
-        <a:xfrm>
-          <a:off x="0" y="0"/>
-          <a:ext cx="0" cy="0"/>
-          <a:chOff x="0" y="0"/>
-          <a:chExt cx="0" cy="0"/>
-        </a:xfrm>
-      </p:grpSpPr>
-      <p:sp>
-        <p:nvSpPr>
           <p:cNvPr id="2" name="Title 1"/>
           <p:cNvSpPr>
             <a:spLocks noGrp="1"/>
@@ -12599,6 +12647,91 @@
 </p:sld>
 </file>
 
+<file path=ppt/slides/slide33.xml><?xml version="1.0" encoding="utf-8"?>
+<p:sld xmlns:a="http://schemas.openxmlformats.org/drawingml/2006/main" xmlns:r="http://schemas.openxmlformats.org/officeDocument/2006/relationships" xmlns:p="http://schemas.openxmlformats.org/presentationml/2006/main">
+  <p:cSld>
+    <p:spTree>
+      <p:nvGrpSpPr>
+        <p:cNvPr id="1" name=""/>
+        <p:cNvGrpSpPr/>
+        <p:nvPr/>
+      </p:nvGrpSpPr>
+      <p:grpSpPr>
+        <a:xfrm>
+          <a:off x="0" y="0"/>
+          <a:ext cx="0" cy="0"/>
+          <a:chOff x="0" y="0"/>
+          <a:chExt cx="0" cy="0"/>
+        </a:xfrm>
+      </p:grpSpPr>
+      <p:sp>
+        <p:nvSpPr>
+          <p:cNvPr id="2" name="Title 1">
+            <a:extLst>
+              <a:ext uri="{FF2B5EF4-FFF2-40B4-BE49-F238E27FC236}">
+                <a16:creationId xmlns:a16="http://schemas.microsoft.com/office/drawing/2014/main" id="{DA7C531E-C399-2845-A0C8-FDBD5FCD4460}"/>
+              </a:ext>
+            </a:extLst>
+          </p:cNvPr>
+          <p:cNvSpPr>
+            <a:spLocks noGrp="1"/>
+          </p:cNvSpPr>
+          <p:nvPr>
+            <p:ph type="title"/>
+          </p:nvPr>
+        </p:nvSpPr>
+        <p:spPr/>
+        <p:txBody>
+          <a:bodyPr>
+            <a:normAutofit fontScale="90000"/>
+          </a:bodyPr>
+          <a:lstStyle/>
+          <a:p>
+            <a:r>
+              <a:rPr lang="en-US" dirty="0"/>
+              <a:t>Poll: If Type II error for a given hypothesis test is zero then what is its statistical power?</a:t>
+            </a:r>
+          </a:p>
+        </p:txBody>
+      </p:sp>
+      <p:sp>
+        <p:nvSpPr>
+          <p:cNvPr id="3" name="Content Placeholder 2">
+            <a:extLst>
+              <a:ext uri="{FF2B5EF4-FFF2-40B4-BE49-F238E27FC236}">
+                <a16:creationId xmlns:a16="http://schemas.microsoft.com/office/drawing/2014/main" id="{57A37B52-05BF-234C-A8DA-A6723BAE5A96}"/>
+              </a:ext>
+            </a:extLst>
+          </p:cNvPr>
+          <p:cNvSpPr>
+            <a:spLocks noGrp="1"/>
+          </p:cNvSpPr>
+          <p:nvPr>
+            <p:ph idx="1"/>
+          </p:nvPr>
+        </p:nvSpPr>
+        <p:spPr/>
+        <p:txBody>
+          <a:bodyPr/>
+          <a:lstStyle/>
+          <a:p>
+            <a:endParaRPr lang="en-US"/>
+          </a:p>
+        </p:txBody>
+      </p:sp>
+    </p:spTree>
+    <p:extLst>
+      <p:ext uri="{BB962C8B-B14F-4D97-AF65-F5344CB8AC3E}">
+        <p14:creationId xmlns:p14="http://schemas.microsoft.com/office/powerpoint/2010/main" val="3053495981"/>
+      </p:ext>
+    </p:extLst>
+  </p:cSld>
+  <p:clrMapOvr>
+    <a:masterClrMapping/>
+  </p:clrMapOvr>
+</p:sld>
+</file>
+
 <file path=ppt/slides/slide34.xml><?xml version="1.0" encoding="utf-8"?>
 <p:sld xmlns:a="http://schemas.openxmlformats.org/drawingml/2006/main" xmlns:r="http://schemas.openxmlformats.org/officeDocument/2006/relationships" xmlns:p="http://schemas.openxmlformats.org/presentationml/2006/main">
   <p:cSld>
@@ -12840,6 +12973,213 @@
           <p:cNvPr id="2" name="Title 1">
             <a:extLst>
               <a:ext uri="{FF2B5EF4-FFF2-40B4-BE49-F238E27FC236}">
+                <a16:creationId xmlns:a16="http://schemas.microsoft.com/office/drawing/2014/main" id="{9299022D-63A3-DBCD-4B84-E932AE48C33D}"/>
+              </a:ext>
+            </a:extLst>
+          </p:cNvPr>
+          <p:cNvSpPr>
+            <a:spLocks noGrp="1"/>
+          </p:cNvSpPr>
+          <p:nvPr>
+            <p:ph type="title"/>
+          </p:nvPr>
+        </p:nvSpPr>
+        <p:spPr/>
+        <p:txBody>
+          <a:bodyPr/>
+          <a:lstStyle/>
+          <a:p>
+            <a:r>
+              <a:rPr lang="en-US" dirty="0"/>
+              <a:t>T-tests requires assumptions of…</a:t>
+            </a:r>
+          </a:p>
+        </p:txBody>
+      </p:sp>
+      <p:sp>
+        <p:nvSpPr>
+          <p:cNvPr id="3" name="Content Placeholder 2">
+            <a:extLst>
+              <a:ext uri="{FF2B5EF4-FFF2-40B4-BE49-F238E27FC236}">
+                <a16:creationId xmlns:a16="http://schemas.microsoft.com/office/drawing/2014/main" id="{34767F99-5817-9BE6-22A0-DA41993A4B5C}"/>
+              </a:ext>
+            </a:extLst>
+          </p:cNvPr>
+          <p:cNvSpPr>
+            <a:spLocks noGrp="1"/>
+          </p:cNvSpPr>
+          <p:nvPr>
+            <p:ph idx="1"/>
+          </p:nvPr>
+        </p:nvSpPr>
+        <p:spPr/>
+        <p:txBody>
+          <a:bodyPr/>
+          <a:lstStyle/>
+          <a:p>
+            <a:pPr marL="457200" indent="-457200">
+              <a:buFont typeface="Arial" panose="020B0604020202020204" pitchFamily="34" charset="0"/>
+              <a:buChar char="•"/>
+            </a:pPr>
+            <a:r>
+              <a:rPr lang="en-US" dirty="0"/>
+              <a:t>Normality of the responses</a:t>
+            </a:r>
+          </a:p>
+          <a:p>
+            <a:pPr marL="457200" indent="-457200">
+              <a:buFont typeface="Arial" panose="020B0604020202020204" pitchFamily="34" charset="0"/>
+              <a:buChar char="•"/>
+            </a:pPr>
+            <a:r>
+              <a:rPr lang="en-US" dirty="0"/>
+              <a:t>Equal variance of the two groups being compared</a:t>
+            </a:r>
+          </a:p>
+        </p:txBody>
+      </p:sp>
+    </p:spTree>
+    <p:extLst>
+      <p:ext uri="{BB962C8B-B14F-4D97-AF65-F5344CB8AC3E}">
+        <p14:creationId xmlns:p14="http://schemas.microsoft.com/office/powerpoint/2010/main" val="233554913"/>
+      </p:ext>
+    </p:extLst>
+  </p:cSld>
+  <p:clrMapOvr>
+    <a:masterClrMapping/>
+  </p:clrMapOvr>
+</p:sld>
+</file>
+
+<file path=ppt/slides/slide37.xml><?xml version="1.0" encoding="utf-8"?>
+<p:sld xmlns:a="http://schemas.openxmlformats.org/drawingml/2006/main" xmlns:r="http://schemas.openxmlformats.org/officeDocument/2006/relationships" xmlns:p="http://schemas.openxmlformats.org/presentationml/2006/main">
+  <p:cSld>
+    <p:spTree>
+      <p:nvGrpSpPr>
+        <p:cNvPr id="1" name=""/>
+        <p:cNvGrpSpPr/>
+        <p:nvPr/>
+      </p:nvGrpSpPr>
+      <p:grpSpPr>
+        <a:xfrm>
+          <a:off x="0" y="0"/>
+          <a:ext cx="0" cy="0"/>
+          <a:chOff x="0" y="0"/>
+          <a:chExt cx="0" cy="0"/>
+        </a:xfrm>
+      </p:grpSpPr>
+      <p:sp>
+        <p:nvSpPr>
+          <p:cNvPr id="2" name="Title 1">
+            <a:extLst>
+              <a:ext uri="{FF2B5EF4-FFF2-40B4-BE49-F238E27FC236}">
+                <a16:creationId xmlns:a16="http://schemas.microsoft.com/office/drawing/2014/main" id="{CEDD786F-574E-EC2E-7CEC-6FDB8137C5AC}"/>
+              </a:ext>
+            </a:extLst>
+          </p:cNvPr>
+          <p:cNvSpPr>
+            <a:spLocks noGrp="1"/>
+          </p:cNvSpPr>
+          <p:nvPr>
+            <p:ph type="title"/>
+          </p:nvPr>
+        </p:nvSpPr>
+        <p:spPr/>
+        <p:txBody>
+          <a:bodyPr/>
+          <a:lstStyle/>
+          <a:p>
+            <a:r>
+              <a:rPr lang="en-US" dirty="0"/>
+              <a:t>Parametric versus non-parametric tests</a:t>
+            </a:r>
+          </a:p>
+        </p:txBody>
+      </p:sp>
+      <p:sp>
+        <p:nvSpPr>
+          <p:cNvPr id="3" name="Content Placeholder 2">
+            <a:extLst>
+              <a:ext uri="{FF2B5EF4-FFF2-40B4-BE49-F238E27FC236}">
+                <a16:creationId xmlns:a16="http://schemas.microsoft.com/office/drawing/2014/main" id="{E50C7A33-98D9-7E8F-B26D-A3A33A8BB8E5}"/>
+              </a:ext>
+            </a:extLst>
+          </p:cNvPr>
+          <p:cNvSpPr>
+            <a:spLocks noGrp="1"/>
+          </p:cNvSpPr>
+          <p:nvPr>
+            <p:ph idx="1"/>
+          </p:nvPr>
+        </p:nvSpPr>
+        <p:spPr/>
+        <p:txBody>
+          <a:bodyPr/>
+          <a:lstStyle/>
+          <a:p>
+            <a:pPr marL="457200" indent="-457200">
+              <a:buFont typeface="Arial" panose="020B0604020202020204" pitchFamily="34" charset="0"/>
+              <a:buChar char="•"/>
+            </a:pPr>
+            <a:r>
+              <a:rPr lang="en-US" dirty="0"/>
+              <a:t>Parametric tests make distributional assumptions about the response variables (Example: Normal probability distribution for the t-test)</a:t>
+            </a:r>
+          </a:p>
+          <a:p>
+            <a:pPr marL="457200" indent="-457200">
+              <a:buFont typeface="Arial" panose="020B0604020202020204" pitchFamily="34" charset="0"/>
+              <a:buChar char="•"/>
+            </a:pPr>
+            <a:r>
+              <a:rPr lang="en-US" dirty="0"/>
+              <a:t>Non-parametric tests do not make such assumptions (Example: Mann-Whitney test (next))</a:t>
+            </a:r>
+          </a:p>
+          <a:p>
+            <a:pPr marL="457200" indent="-457200">
+              <a:buFont typeface="Arial" panose="020B0604020202020204" pitchFamily="34" charset="0"/>
+              <a:buChar char="•"/>
+            </a:pPr>
+            <a:endParaRPr lang="en-US" dirty="0"/>
+          </a:p>
+        </p:txBody>
+      </p:sp>
+    </p:spTree>
+    <p:extLst>
+      <p:ext uri="{BB962C8B-B14F-4D97-AF65-F5344CB8AC3E}">
+        <p14:creationId xmlns:p14="http://schemas.microsoft.com/office/powerpoint/2010/main" val="3497596463"/>
+      </p:ext>
+    </p:extLst>
+  </p:cSld>
+  <p:clrMapOvr>
+    <a:masterClrMapping/>
+  </p:clrMapOvr>
+</p:sld>
+</file>
+
+<file path=ppt/slides/slide38.xml><?xml version="1.0" encoding="utf-8"?>
+<p:sld xmlns:a="http://schemas.openxmlformats.org/drawingml/2006/main" xmlns:r="http://schemas.openxmlformats.org/officeDocument/2006/relationships" xmlns:p="http://schemas.openxmlformats.org/presentationml/2006/main">
+  <p:cSld>
+    <p:spTree>
+      <p:nvGrpSpPr>
+        <p:cNvPr id="1" name=""/>
+        <p:cNvGrpSpPr/>
+        <p:nvPr/>
+      </p:nvGrpSpPr>
+      <p:grpSpPr>
+        <a:xfrm>
+          <a:off x="0" y="0"/>
+          <a:ext cx="0" cy="0"/>
+          <a:chOff x="0" y="0"/>
+          <a:chExt cx="0" cy="0"/>
+        </a:xfrm>
+      </p:grpSpPr>
+      <p:sp>
+        <p:nvSpPr>
+          <p:cNvPr id="2" name="Title 1">
+            <a:extLst>
+              <a:ext uri="{FF2B5EF4-FFF2-40B4-BE49-F238E27FC236}">
                 <a16:creationId xmlns:a16="http://schemas.microsoft.com/office/drawing/2014/main" id="{BFA365EC-30BA-0E4A-8CD7-6DA7F96C71B3}"/>
               </a:ext>
             </a:extLst>
@@ -12900,6 +13240,89 @@
           </a:xfrm>
         </p:spPr>
       </p:pic>
+      <p:sp>
+        <p:nvSpPr>
+          <p:cNvPr id="3" name="TextBox 2">
+            <a:extLst>
+              <a:ext uri="{FF2B5EF4-FFF2-40B4-BE49-F238E27FC236}">
+                <a16:creationId xmlns:a16="http://schemas.microsoft.com/office/drawing/2014/main" id="{8936FDDC-9452-8AEE-E763-1A8546CFD801}"/>
+              </a:ext>
+            </a:extLst>
+          </p:cNvPr>
+          <p:cNvSpPr txBox="1"/>
+          <p:nvPr/>
+        </p:nvSpPr>
+        <p:spPr>
+          <a:xfrm>
+            <a:off x="1331976" y="4058194"/>
+            <a:ext cx="914400" cy="914400"/>
+          </a:xfrm>
+          <a:prstGeom prst="rect">
+            <a:avLst/>
+          </a:prstGeom>
+          <a:noFill/>
+          <a:ln>
+            <a:noFill/>
+          </a:ln>
+        </p:spPr>
+        <p:txBody>
+          <a:bodyPr wrap="none" rtlCol="0" anchor="ctr" anchorCtr="0">
+            <a:noAutofit/>
+          </a:bodyPr>
+          <a:lstStyle/>
+          <a:p>
+            <a:pPr marL="342900" indent="-342900">
+              <a:spcAft>
+                <a:spcPts val="600"/>
+              </a:spcAft>
+              <a:buFont typeface="Arial" panose="020B0604020202020204" pitchFamily="34" charset="0"/>
+              <a:buChar char="•"/>
+            </a:pPr>
+            <a:r>
+              <a:rPr lang="en-US" sz="2000" dirty="0">
+                <a:latin typeface="Helvetica" charset="0"/>
+                <a:ea typeface="Times New Roman" charset="0"/>
+                <a:cs typeface="Arial" charset="0"/>
+              </a:rPr>
+              <a:t>Two groups</a:t>
+            </a:r>
+          </a:p>
+          <a:p>
+            <a:pPr marL="342900" indent="-342900">
+              <a:spcAft>
+                <a:spcPts val="600"/>
+              </a:spcAft>
+              <a:buFont typeface="Arial" panose="020B0604020202020204" pitchFamily="34" charset="0"/>
+              <a:buChar char="•"/>
+            </a:pPr>
+            <a:r>
+              <a:rPr lang="en-US" sz="2000" dirty="0">
+                <a:latin typeface="Helvetica" charset="0"/>
+                <a:ea typeface="Times New Roman" charset="0"/>
+                <a:cs typeface="Arial" charset="0"/>
+              </a:rPr>
+              <a:t>Rank all observations across both groups, smallest observation given rank 1. </a:t>
+            </a:r>
+          </a:p>
+          <a:p>
+            <a:pPr marL="342900" indent="-342900">
+              <a:spcAft>
+                <a:spcPts val="600"/>
+              </a:spcAft>
+              <a:buFont typeface="Arial" panose="020B0604020202020204" pitchFamily="34" charset="0"/>
+              <a:buChar char="•"/>
+            </a:pPr>
+            <a:r>
+              <a:rPr lang="en-US" sz="2000" dirty="0">
+                <a:latin typeface="Helvetica" charset="0"/>
+                <a:ea typeface="Times New Roman" charset="0"/>
+                <a:cs typeface="Arial" charset="0"/>
+              </a:rPr>
+              <a:t>The sum of ranks of observations within group 1 with n1 observations is R1</a:t>
+            </a:r>
+          </a:p>
+        </p:txBody>
+      </p:sp>
     </p:spTree>
     <p:extLst>
       <p:ext uri="{BB962C8B-B14F-4D97-AF65-F5344CB8AC3E}">
@@ -12913,7 +13336,7 @@
 </p:sld>
 </file>
 
-<file path=ppt/slides/slide37.xml><?xml version="1.0" encoding="utf-8"?>
+<file path=ppt/slides/slide39.xml><?xml version="1.0" encoding="utf-8"?>
 <p:sld xmlns:a="http://schemas.openxmlformats.org/drawingml/2006/main" xmlns:r="http://schemas.openxmlformats.org/officeDocument/2006/relationships" xmlns:p="http://schemas.openxmlformats.org/presentationml/2006/main">
   <p:cSld>
     <p:spTree>
@@ -13209,216 +13632,6 @@
 </p:sld>
 </file>
 
-<file path=ppt/slides/slide38.xml><?xml version="1.0" encoding="utf-8"?>
-<p:sld xmlns:a="http://schemas.openxmlformats.org/drawingml/2006/main" xmlns:r="http://schemas.openxmlformats.org/officeDocument/2006/relationships" xmlns:p="http://schemas.openxmlformats.org/presentationml/2006/main">
-  <p:cSld>
-    <p:spTree>
-      <p:nvGrpSpPr>
-        <p:cNvPr id="1" name=""/>
-        <p:cNvGrpSpPr/>
-        <p:nvPr/>
-      </p:nvGrpSpPr>
-      <p:grpSpPr>
-        <a:xfrm>
-          <a:off x="0" y="0"/>
-          <a:ext cx="0" cy="0"/>
-          <a:chOff x="0" y="0"/>
-          <a:chExt cx="0" cy="0"/>
-        </a:xfrm>
-      </p:grpSpPr>
-      <p:sp>
-        <p:nvSpPr>
-          <p:cNvPr id="2" name="Title 1">
-            <a:extLst>
-              <a:ext uri="{FF2B5EF4-FFF2-40B4-BE49-F238E27FC236}">
-                <a16:creationId xmlns:a16="http://schemas.microsoft.com/office/drawing/2014/main" id="{FB183A63-F1DC-FA4B-9098-3DD4A5808479}"/>
-              </a:ext>
-            </a:extLst>
-          </p:cNvPr>
-          <p:cNvSpPr>
-            <a:spLocks noGrp="1"/>
-          </p:cNvSpPr>
-          <p:nvPr>
-            <p:ph type="title"/>
-          </p:nvPr>
-        </p:nvSpPr>
-        <p:spPr/>
-        <p:txBody>
-          <a:bodyPr/>
-          <a:lstStyle/>
-          <a:p>
-            <a:r>
-              <a:rPr lang="en-US" dirty="0"/>
-              <a:t>F-statistic (ANOVA)</a:t>
-            </a:r>
-          </a:p>
-        </p:txBody>
-      </p:sp>
-      <p:pic>
-        <p:nvPicPr>
-          <p:cNvPr id="5" name="Content Placeholder 4">
-            <a:extLst>
-              <a:ext uri="{FF2B5EF4-FFF2-40B4-BE49-F238E27FC236}">
-                <a16:creationId xmlns:a16="http://schemas.microsoft.com/office/drawing/2014/main" id="{AB42D8F1-8177-DD47-BF71-9C5A230278A8}"/>
-              </a:ext>
-            </a:extLst>
-          </p:cNvPr>
-          <p:cNvPicPr>
-            <a:picLocks noGrp="1" noChangeAspect="1"/>
-          </p:cNvPicPr>
-          <p:nvPr>
-            <p:ph idx="1"/>
-          </p:nvPr>
-        </p:nvPicPr>
-        <p:blipFill>
-          <a:blip r:embed="rId2"/>
-          <a:stretch>
-            <a:fillRect/>
-          </a:stretch>
-        </p:blipFill>
-        <p:spPr>
-          <a:xfrm>
-            <a:off x="1487185" y="1916244"/>
-            <a:ext cx="4141213" cy="792232"/>
-          </a:xfrm>
-        </p:spPr>
-      </p:pic>
-      <p:pic>
-        <p:nvPicPr>
-          <p:cNvPr id="3" name="Picture 2" descr="BoxPlotChickenFeed.pdf">
-            <a:extLst>
-              <a:ext uri="{FF2B5EF4-FFF2-40B4-BE49-F238E27FC236}">
-                <a16:creationId xmlns:a16="http://schemas.microsoft.com/office/drawing/2014/main" id="{17524EB4-22D4-45D7-A672-A9CFFE3396DC}"/>
-              </a:ext>
-            </a:extLst>
-          </p:cNvPr>
-          <p:cNvPicPr>
-            <a:picLocks noChangeAspect="1"/>
-          </p:cNvPicPr>
-          <p:nvPr/>
-        </p:nvPicPr>
-        <p:blipFill>
-          <a:blip r:embed="rId3">
-            <a:extLst>
-              <a:ext uri="{28A0092B-C50C-407E-A947-70E740481C1C}">
-                <a14:useLocalDpi xmlns:a14="http://schemas.microsoft.com/office/drawing/2010/main" val="0"/>
-              </a:ext>
-            </a:extLst>
-          </a:blip>
-          <a:stretch>
-            <a:fillRect/>
-          </a:stretch>
-        </p:blipFill>
-        <p:spPr>
-          <a:xfrm>
-            <a:off x="5141404" y="2793510"/>
-            <a:ext cx="6743619" cy="4064490"/>
-          </a:xfrm>
-          <a:prstGeom prst="rect">
-            <a:avLst/>
-          </a:prstGeom>
-        </p:spPr>
-      </p:pic>
-    </p:spTree>
-    <p:extLst>
-      <p:ext uri="{BB962C8B-B14F-4D97-AF65-F5344CB8AC3E}">
-        <p14:creationId xmlns:p14="http://schemas.microsoft.com/office/powerpoint/2010/main" val="950016743"/>
-      </p:ext>
-    </p:extLst>
-  </p:cSld>
-  <p:clrMapOvr>
-    <a:masterClrMapping/>
-  </p:clrMapOvr>
-</p:sld>
-</file>
-
-<file path=ppt/slides/slide39.xml><?xml version="1.0" encoding="utf-8"?>
-<p:sld xmlns:a="http://schemas.openxmlformats.org/drawingml/2006/main" xmlns:r="http://schemas.openxmlformats.org/officeDocument/2006/relationships" xmlns:p="http://schemas.openxmlformats.org/presentationml/2006/main">
-  <p:cSld>
-    <p:spTree>
-      <p:nvGrpSpPr>
-        <p:cNvPr id="1" name=""/>
-        <p:cNvGrpSpPr/>
-        <p:nvPr/>
-      </p:nvGrpSpPr>
-      <p:grpSpPr>
-        <a:xfrm>
-          <a:off x="0" y="0"/>
-          <a:ext cx="0" cy="0"/>
-          <a:chOff x="0" y="0"/>
-          <a:chExt cx="0" cy="0"/>
-        </a:xfrm>
-      </p:grpSpPr>
-      <p:sp>
-        <p:nvSpPr>
-          <p:cNvPr id="2" name="Title 1">
-            <a:extLst>
-              <a:ext uri="{FF2B5EF4-FFF2-40B4-BE49-F238E27FC236}">
-                <a16:creationId xmlns:a16="http://schemas.microsoft.com/office/drawing/2014/main" id="{88DEC43B-34F8-2E47-A486-7EBE67B7E1CF}"/>
-              </a:ext>
-            </a:extLst>
-          </p:cNvPr>
-          <p:cNvSpPr>
-            <a:spLocks noGrp="1"/>
-          </p:cNvSpPr>
-          <p:nvPr>
-            <p:ph type="title"/>
-          </p:nvPr>
-        </p:nvSpPr>
-        <p:spPr/>
-        <p:txBody>
-          <a:bodyPr/>
-          <a:lstStyle/>
-          <a:p>
-            <a:r>
-              <a:rPr lang="en-US" dirty="0"/>
-              <a:t>Sampling distribution of the F-statistic</a:t>
-            </a:r>
-          </a:p>
-        </p:txBody>
-      </p:sp>
-      <p:pic>
-        <p:nvPicPr>
-          <p:cNvPr id="5" name="Content Placeholder 4">
-            <a:extLst>
-              <a:ext uri="{FF2B5EF4-FFF2-40B4-BE49-F238E27FC236}">
-                <a16:creationId xmlns:a16="http://schemas.microsoft.com/office/drawing/2014/main" id="{5581F31C-3DE1-EA4D-BFE1-F218C0EC11BE}"/>
-              </a:ext>
-            </a:extLst>
-          </p:cNvPr>
-          <p:cNvPicPr>
-            <a:picLocks noGrp="1" noChangeAspect="1"/>
-          </p:cNvPicPr>
-          <p:nvPr>
-            <p:ph idx="1"/>
-          </p:nvPr>
-        </p:nvPicPr>
-        <p:blipFill>
-          <a:blip r:embed="rId3"/>
-          <a:stretch>
-            <a:fillRect/>
-          </a:stretch>
-        </p:blipFill>
-        <p:spPr>
-          <a:xfrm>
-            <a:off x="3302241" y="2202797"/>
-            <a:ext cx="4406900" cy="3365500"/>
-          </a:xfrm>
-        </p:spPr>
-      </p:pic>
-    </p:spTree>
-    <p:extLst>
-      <p:ext uri="{BB962C8B-B14F-4D97-AF65-F5344CB8AC3E}">
-        <p14:creationId xmlns:p14="http://schemas.microsoft.com/office/powerpoint/2010/main" val="2775107312"/>
-      </p:ext>
-    </p:extLst>
-  </p:cSld>
-  <p:clrMapOvr>
-    <a:masterClrMapping/>
-  </p:clrMapOvr>
-</p:sld>
-</file>
-
 <file path=ppt/slides/slide4.xml><?xml version="1.0" encoding="utf-8"?>
 <p:sld xmlns:a="http://schemas.openxmlformats.org/drawingml/2006/main" xmlns:r="http://schemas.openxmlformats.org/officeDocument/2006/relationships" xmlns:p="http://schemas.openxmlformats.org/presentationml/2006/main">
   <p:cSld>
@@ -13455,7 +13668,7 @@
         <p:spPr>
           <a:xfrm>
             <a:off x="838200" y="1876483"/>
-            <a:ext cx="10515600" cy="2583271"/>
+            <a:ext cx="10515600" cy="4647426"/>
           </a:xfrm>
         </p:spPr>
         <p:txBody>
@@ -13483,6 +13696,46 @@
               <a:t>Rstudio</a:t>
             </a:r>
             <a:endParaRPr lang="en-US" dirty="0"/>
+          </a:p>
+          <a:p>
+            <a:r>
+              <a:rPr lang="en-US" u="sng" dirty="0"/>
+              <a:t>Two days</a:t>
+            </a:r>
+            <a:r>
+              <a:rPr lang="en-US" dirty="0"/>
+              <a:t>: 8/15-8/16 @1PM for 2 hours</a:t>
+            </a:r>
+          </a:p>
+          <a:p>
+            <a:r>
+              <a:rPr lang="en-US" u="sng" dirty="0"/>
+              <a:t>Today:</a:t>
+            </a:r>
+            <a:r>
+              <a:rPr lang="en-US" dirty="0"/>
+              <a:t> Mostly concepts and some practical implementation</a:t>
+            </a:r>
+          </a:p>
+          <a:p>
+            <a:r>
+              <a:rPr lang="en-US" u="sng" dirty="0"/>
+              <a:t>Tomorrow</a:t>
+            </a:r>
+            <a:r>
+              <a:rPr lang="en-US" dirty="0"/>
+              <a:t>: Mostly hands-on plus some concepts</a:t>
+            </a:r>
+          </a:p>
+          <a:p>
+            <a:r>
+              <a:rPr lang="en-US" u="sng" dirty="0"/>
+              <a:t>Both days: </a:t>
+            </a:r>
+            <a:r>
+              <a:rPr lang="en-US" dirty="0"/>
+              <a:t>Your specific problems</a:t>
+            </a:r>
           </a:p>
         </p:txBody>
       </p:sp>
@@ -13549,7 +13802,7 @@
           <p:cNvPr id="2" name="Title 1">
             <a:extLst>
               <a:ext uri="{FF2B5EF4-FFF2-40B4-BE49-F238E27FC236}">
-                <a16:creationId xmlns:a16="http://schemas.microsoft.com/office/drawing/2014/main" id="{FE2B8BE5-0EFC-7842-8196-0ADA175644FC}"/>
+                <a16:creationId xmlns:a16="http://schemas.microsoft.com/office/drawing/2014/main" id="{F9E8331D-949C-4123-8C19-272BE5214CC2}"/>
               </a:ext>
             </a:extLst>
           </p:cNvPr>
@@ -13562,14 +13815,12 @@
         </p:nvSpPr>
         <p:spPr/>
         <p:txBody>
-          <a:bodyPr>
-            <a:normAutofit fontScale="90000"/>
-          </a:bodyPr>
+          <a:bodyPr/>
           <a:lstStyle/>
           <a:p>
             <a:r>
               <a:rPr lang="en-US" dirty="0"/>
-              <a:t>Poll: Are you aware of the difference between the t-test, Welch t-test, Mann-Whitney test?</a:t>
+              <a:t>Mann-Whitney test valid as a comparison of location only if…</a:t>
             </a:r>
           </a:p>
         </p:txBody>
@@ -13579,7 +13830,7 @@
           <p:cNvPr id="3" name="Content Placeholder 2">
             <a:extLst>
               <a:ext uri="{FF2B5EF4-FFF2-40B4-BE49-F238E27FC236}">
-                <a16:creationId xmlns:a16="http://schemas.microsoft.com/office/drawing/2014/main" id="{5DD893CA-D43D-CF4B-895E-D8840E46C5C5}"/>
+                <a16:creationId xmlns:a16="http://schemas.microsoft.com/office/drawing/2014/main" id="{7B217174-AB68-7399-2E21-AAE45AEDB154}"/>
               </a:ext>
             </a:extLst>
           </p:cNvPr>
@@ -13595,14 +13846,175 @@
           <a:bodyPr/>
           <a:lstStyle/>
           <a:p>
-            <a:endParaRPr lang="en-US"/>
+            <a:pPr marL="457200" indent="-457200">
+              <a:buFont typeface="Arial" panose="020B0604020202020204" pitchFamily="34" charset="0"/>
+              <a:buChar char="•"/>
+            </a:pPr>
+            <a:r>
+              <a:rPr lang="en-US" dirty="0"/>
+              <a:t>The two distributions have the same underlying shape, variance</a:t>
+            </a:r>
+          </a:p>
+        </p:txBody>
+      </p:sp>
+      <p:pic>
+        <p:nvPicPr>
+          <p:cNvPr id="5" name="Picture 4">
+            <a:extLst>
+              <a:ext uri="{FF2B5EF4-FFF2-40B4-BE49-F238E27FC236}">
+                <a16:creationId xmlns:a16="http://schemas.microsoft.com/office/drawing/2014/main" id="{38BB2388-D58E-3206-7C3E-147D1AA734FF}"/>
+              </a:ext>
+            </a:extLst>
+          </p:cNvPr>
+          <p:cNvPicPr>
+            <a:picLocks noChangeAspect="1"/>
+          </p:cNvPicPr>
+          <p:nvPr/>
+        </p:nvPicPr>
+        <p:blipFill>
+          <a:blip r:embed="rId3"/>
+          <a:stretch>
+            <a:fillRect/>
+          </a:stretch>
+        </p:blipFill>
+        <p:spPr>
+          <a:xfrm>
+            <a:off x="586377" y="2743200"/>
+            <a:ext cx="4470400" cy="3568700"/>
+          </a:xfrm>
+          <a:prstGeom prst="rect">
+            <a:avLst/>
+          </a:prstGeom>
+        </p:spPr>
+      </p:pic>
+      <p:pic>
+        <p:nvPicPr>
+          <p:cNvPr id="7" name="Picture 6">
+            <a:extLst>
+              <a:ext uri="{FF2B5EF4-FFF2-40B4-BE49-F238E27FC236}">
+                <a16:creationId xmlns:a16="http://schemas.microsoft.com/office/drawing/2014/main" id="{C62BC32F-5DBA-D047-0557-D3B8C1504371}"/>
+              </a:ext>
+            </a:extLst>
+          </p:cNvPr>
+          <p:cNvPicPr>
+            <a:picLocks noChangeAspect="1"/>
+          </p:cNvPicPr>
+          <p:nvPr/>
+        </p:nvPicPr>
+        <p:blipFill>
+          <a:blip r:embed="rId4"/>
+          <a:stretch>
+            <a:fillRect/>
+          </a:stretch>
+        </p:blipFill>
+        <p:spPr>
+          <a:xfrm>
+            <a:off x="6096000" y="2743200"/>
+            <a:ext cx="3840480" cy="3483478"/>
+          </a:xfrm>
+          <a:prstGeom prst="rect">
+            <a:avLst/>
+          </a:prstGeom>
+        </p:spPr>
+      </p:pic>
+      <p:sp>
+        <p:nvSpPr>
+          <p:cNvPr id="8" name="TextBox 7">
+            <a:extLst>
+              <a:ext uri="{FF2B5EF4-FFF2-40B4-BE49-F238E27FC236}">
+                <a16:creationId xmlns:a16="http://schemas.microsoft.com/office/drawing/2014/main" id="{F7A4E3D2-9E0D-5440-902C-5B2E381D8065}"/>
+              </a:ext>
+            </a:extLst>
+          </p:cNvPr>
+          <p:cNvSpPr txBox="1"/>
+          <p:nvPr/>
+        </p:nvSpPr>
+        <p:spPr>
+          <a:xfrm>
+            <a:off x="775063" y="5943600"/>
+            <a:ext cx="914400" cy="914400"/>
+          </a:xfrm>
+          <a:prstGeom prst="rect">
+            <a:avLst/>
+          </a:prstGeom>
+          <a:noFill/>
+          <a:ln>
+            <a:noFill/>
+          </a:ln>
+        </p:spPr>
+        <p:txBody>
+          <a:bodyPr wrap="none" rtlCol="0" anchor="ctr" anchorCtr="0">
+            <a:noAutofit/>
+          </a:bodyPr>
+          <a:lstStyle/>
+          <a:p>
+            <a:pPr>
+              <a:spcAft>
+                <a:spcPts val="600"/>
+              </a:spcAft>
+            </a:pPr>
+            <a:r>
+              <a:rPr lang="en-US" sz="2000" dirty="0">
+                <a:latin typeface="Helvetica" charset="0"/>
+                <a:ea typeface="Times New Roman" charset="0"/>
+                <a:cs typeface="Arial" charset="0"/>
+              </a:rPr>
+              <a:t>Same location, significant p-value</a:t>
+            </a:r>
+          </a:p>
+        </p:txBody>
+      </p:sp>
+      <p:sp>
+        <p:nvSpPr>
+          <p:cNvPr id="9" name="TextBox 8">
+            <a:extLst>
+              <a:ext uri="{FF2B5EF4-FFF2-40B4-BE49-F238E27FC236}">
+                <a16:creationId xmlns:a16="http://schemas.microsoft.com/office/drawing/2014/main" id="{7CE5DDE4-0210-2EFB-81DD-D8022990E5DA}"/>
+              </a:ext>
+            </a:extLst>
+          </p:cNvPr>
+          <p:cNvSpPr txBox="1"/>
+          <p:nvPr/>
+        </p:nvSpPr>
+        <p:spPr>
+          <a:xfrm>
+            <a:off x="6122126" y="5854700"/>
+            <a:ext cx="914400" cy="914400"/>
+          </a:xfrm>
+          <a:prstGeom prst="rect">
+            <a:avLst/>
+          </a:prstGeom>
+          <a:noFill/>
+          <a:ln>
+            <a:noFill/>
+          </a:ln>
+        </p:spPr>
+        <p:txBody>
+          <a:bodyPr wrap="none" rtlCol="0" anchor="ctr" anchorCtr="0">
+            <a:noAutofit/>
+          </a:bodyPr>
+          <a:lstStyle/>
+          <a:p>
+            <a:pPr>
+              <a:spcAft>
+                <a:spcPts val="600"/>
+              </a:spcAft>
+            </a:pPr>
+            <a:r>
+              <a:rPr lang="en-US" sz="2000" dirty="0">
+                <a:latin typeface="Helvetica" charset="0"/>
+                <a:ea typeface="Times New Roman" charset="0"/>
+                <a:cs typeface="Arial" charset="0"/>
+              </a:rPr>
+              <a:t>Same location, non-significant p-value</a:t>
+            </a:r>
           </a:p>
         </p:txBody>
       </p:sp>
     </p:spTree>
     <p:extLst>
       <p:ext uri="{BB962C8B-B14F-4D97-AF65-F5344CB8AC3E}">
-        <p14:creationId xmlns:p14="http://schemas.microsoft.com/office/powerpoint/2010/main" val="2506204543"/>
+        <p14:creationId xmlns:p14="http://schemas.microsoft.com/office/powerpoint/2010/main" val="4141094949"/>
       </p:ext>
     </p:extLst>
   </p:cSld>
@@ -13631,60 +14043,10 @@
       </p:grpSpPr>
       <p:sp>
         <p:nvSpPr>
-          <p:cNvPr id="4" name="Text Placeholder 3">
-            <a:extLst>
-              <a:ext uri="{FF2B5EF4-FFF2-40B4-BE49-F238E27FC236}">
-                <a16:creationId xmlns:a16="http://schemas.microsoft.com/office/drawing/2014/main" id="{91511AC0-E9AF-9B4D-AFB0-22DE96B3C723}"/>
-              </a:ext>
-            </a:extLst>
-          </p:cNvPr>
-          <p:cNvSpPr>
-            <a:spLocks noGrp="1"/>
-          </p:cNvSpPr>
-          <p:nvPr>
-            <p:ph type="body" sz="quarter" idx="10"/>
-          </p:nvPr>
-        </p:nvSpPr>
-        <p:spPr>
-          <a:xfrm>
-            <a:off x="838200" y="1876483"/>
-            <a:ext cx="10515600" cy="2250873"/>
-          </a:xfrm>
-        </p:spPr>
-        <p:txBody>
-          <a:bodyPr/>
-          <a:lstStyle/>
-          <a:p>
-            <a:r>
-              <a:rPr lang="en-US" dirty="0"/>
-              <a:t>Sampling distribution derived via Central Limit Theorem only valid only if certain </a:t>
-            </a:r>
-            <a:r>
-              <a:rPr lang="en-US" sz="3200" b="1" u="sng" dirty="0"/>
-              <a:t>assumptions</a:t>
-            </a:r>
-            <a:r>
-              <a:rPr lang="en-US" dirty="0"/>
-              <a:t> met with underlying data</a:t>
-            </a:r>
-          </a:p>
-          <a:p>
-            <a:r>
-              <a:rPr lang="en-US" dirty="0"/>
-              <a:t>E.g. of assumptions could be Normality, Equality of variances etc.</a:t>
-            </a:r>
-          </a:p>
-          <a:p>
-            <a:endParaRPr lang="en-US" dirty="0"/>
-          </a:p>
-        </p:txBody>
-      </p:sp>
-      <p:sp>
-        <p:nvSpPr>
           <p:cNvPr id="2" name="Title 1">
             <a:extLst>
               <a:ext uri="{FF2B5EF4-FFF2-40B4-BE49-F238E27FC236}">
-                <a16:creationId xmlns:a16="http://schemas.microsoft.com/office/drawing/2014/main" id="{F1E79716-23D5-4247-A156-1CD26B59F351}"/>
+                <a16:creationId xmlns:a16="http://schemas.microsoft.com/office/drawing/2014/main" id="{FB183A63-F1DC-FA4B-9098-3DD4A5808479}"/>
               </a:ext>
             </a:extLst>
           </p:cNvPr>
@@ -13702,15 +14064,80 @@
           <a:p>
             <a:r>
               <a:rPr lang="en-US" dirty="0"/>
-              <a:t>Why do we have so many different tests?</a:t>
-            </a:r>
-          </a:p>
-        </p:txBody>
-      </p:sp>
+              <a:t>F-statistic (ANOVA)</a:t>
+            </a:r>
+          </a:p>
+        </p:txBody>
+      </p:sp>
+      <p:pic>
+        <p:nvPicPr>
+          <p:cNvPr id="5" name="Content Placeholder 4">
+            <a:extLst>
+              <a:ext uri="{FF2B5EF4-FFF2-40B4-BE49-F238E27FC236}">
+                <a16:creationId xmlns:a16="http://schemas.microsoft.com/office/drawing/2014/main" id="{AB42D8F1-8177-DD47-BF71-9C5A230278A8}"/>
+              </a:ext>
+            </a:extLst>
+          </p:cNvPr>
+          <p:cNvPicPr>
+            <a:picLocks noGrp="1" noChangeAspect="1"/>
+          </p:cNvPicPr>
+          <p:nvPr>
+            <p:ph idx="1"/>
+          </p:nvPr>
+        </p:nvPicPr>
+        <p:blipFill>
+          <a:blip r:embed="rId2"/>
+          <a:stretch>
+            <a:fillRect/>
+          </a:stretch>
+        </p:blipFill>
+        <p:spPr>
+          <a:xfrm>
+            <a:off x="1487185" y="1916244"/>
+            <a:ext cx="4141213" cy="792232"/>
+          </a:xfrm>
+        </p:spPr>
+      </p:pic>
+      <p:pic>
+        <p:nvPicPr>
+          <p:cNvPr id="3" name="Picture 2" descr="BoxPlotChickenFeed.pdf">
+            <a:extLst>
+              <a:ext uri="{FF2B5EF4-FFF2-40B4-BE49-F238E27FC236}">
+                <a16:creationId xmlns:a16="http://schemas.microsoft.com/office/drawing/2014/main" id="{17524EB4-22D4-45D7-A672-A9CFFE3396DC}"/>
+              </a:ext>
+            </a:extLst>
+          </p:cNvPr>
+          <p:cNvPicPr>
+            <a:picLocks noChangeAspect="1"/>
+          </p:cNvPicPr>
+          <p:nvPr/>
+        </p:nvPicPr>
+        <p:blipFill>
+          <a:blip r:embed="rId3">
+            <a:extLst>
+              <a:ext uri="{28A0092B-C50C-407E-A947-70E740481C1C}">
+                <a14:useLocalDpi xmlns:a14="http://schemas.microsoft.com/office/drawing/2010/main" val="0"/>
+              </a:ext>
+            </a:extLst>
+          </a:blip>
+          <a:stretch>
+            <a:fillRect/>
+          </a:stretch>
+        </p:blipFill>
+        <p:spPr>
+          <a:xfrm>
+            <a:off x="5141404" y="2793510"/>
+            <a:ext cx="6743619" cy="4064490"/>
+          </a:xfrm>
+          <a:prstGeom prst="rect">
+            <a:avLst/>
+          </a:prstGeom>
+        </p:spPr>
+      </p:pic>
     </p:spTree>
     <p:extLst>
       <p:ext uri="{BB962C8B-B14F-4D97-AF65-F5344CB8AC3E}">
-        <p14:creationId xmlns:p14="http://schemas.microsoft.com/office/powerpoint/2010/main" val="3800520997"/>
+        <p14:creationId xmlns:p14="http://schemas.microsoft.com/office/powerpoint/2010/main" val="950016743"/>
       </p:ext>
     </p:extLst>
   </p:cSld>
@@ -13739,68 +14166,13 @@
       </p:grpSpPr>
       <p:sp>
         <p:nvSpPr>
-          <p:cNvPr id="4" name="Text Placeholder 3"/>
-          <p:cNvSpPr>
-            <a:spLocks noGrp="1"/>
-          </p:cNvSpPr>
-          <p:nvPr>
-            <p:ph type="body" sz="quarter" idx="10"/>
-          </p:nvPr>
-        </p:nvSpPr>
-        <p:spPr>
-          <a:xfrm>
-            <a:off x="838200" y="1876483"/>
-            <a:ext cx="10515600" cy="4647426"/>
-          </a:xfrm>
-        </p:spPr>
-        <p:txBody>
-          <a:bodyPr/>
-          <a:lstStyle/>
-          <a:p>
-            <a:r>
-              <a:rPr lang="en-US" dirty="0"/>
-              <a:t>Test statistic</a:t>
-            </a:r>
-          </a:p>
-          <a:p>
-            <a:r>
-              <a:rPr lang="en-US" dirty="0"/>
-              <a:t>Sampling distribution of test statistic under the null hypothesis</a:t>
-            </a:r>
-          </a:p>
-          <a:p>
-            <a:r>
-              <a:rPr lang="en-US" dirty="0"/>
-              <a:t>A Type I error that will be allowable – fraction of times you are willing to accept a false-positive as a real result</a:t>
-            </a:r>
-          </a:p>
-          <a:p>
-            <a:r>
-              <a:rPr lang="en-US" u="sng" dirty="0"/>
-              <a:t>Note:</a:t>
-            </a:r>
-            <a:r>
-              <a:rPr lang="en-US" dirty="0"/>
-              <a:t> Use of test statistic and associated sampling distribution depends on your data meeting certain assumptions</a:t>
-            </a:r>
-          </a:p>
-          <a:p>
-            <a:r>
-              <a:rPr lang="en-US" dirty="0"/>
-              <a:t>A Type II error given the effect size of the association you are expect to estimate</a:t>
-            </a:r>
-          </a:p>
-          <a:p>
-            <a:endParaRPr lang="en-US" dirty="0"/>
-          </a:p>
-          <a:p>
-            <a:endParaRPr lang="en-US" dirty="0"/>
-          </a:p>
-        </p:txBody>
-      </p:sp>
-      <p:sp>
-        <p:nvSpPr>
-          <p:cNvPr id="3" name="Title 2"/>
+          <p:cNvPr id="2" name="Title 1">
+            <a:extLst>
+              <a:ext uri="{FF2B5EF4-FFF2-40B4-BE49-F238E27FC236}">
+                <a16:creationId xmlns:a16="http://schemas.microsoft.com/office/drawing/2014/main" id="{88DEC43B-34F8-2E47-A486-7EBE67B7E1CF}"/>
+              </a:ext>
+            </a:extLst>
+          </p:cNvPr>
           <p:cNvSpPr>
             <a:spLocks noGrp="1"/>
           </p:cNvSpPr>
@@ -13815,15 +14187,44 @@
           <a:p>
             <a:r>
               <a:rPr lang="en-US" dirty="0"/>
-              <a:t>Every hypothesis test requires…</a:t>
-            </a:r>
-          </a:p>
-        </p:txBody>
-      </p:sp>
+              <a:t>Sampling distribution of the F-statistic</a:t>
+            </a:r>
+          </a:p>
+        </p:txBody>
+      </p:sp>
+      <p:pic>
+        <p:nvPicPr>
+          <p:cNvPr id="5" name="Content Placeholder 4">
+            <a:extLst>
+              <a:ext uri="{FF2B5EF4-FFF2-40B4-BE49-F238E27FC236}">
+                <a16:creationId xmlns:a16="http://schemas.microsoft.com/office/drawing/2014/main" id="{5581F31C-3DE1-EA4D-BFE1-F218C0EC11BE}"/>
+              </a:ext>
+            </a:extLst>
+          </p:cNvPr>
+          <p:cNvPicPr>
+            <a:picLocks noGrp="1" noChangeAspect="1"/>
+          </p:cNvPicPr>
+          <p:nvPr>
+            <p:ph idx="1"/>
+          </p:nvPr>
+        </p:nvPicPr>
+        <p:blipFill>
+          <a:blip r:embed="rId3"/>
+          <a:stretch>
+            <a:fillRect/>
+          </a:stretch>
+        </p:blipFill>
+        <p:spPr>
+          <a:xfrm>
+            <a:off x="3302241" y="2202797"/>
+            <a:ext cx="4406900" cy="3365500"/>
+          </a:xfrm>
+        </p:spPr>
+      </p:pic>
     </p:spTree>
     <p:extLst>
       <p:ext uri="{BB962C8B-B14F-4D97-AF65-F5344CB8AC3E}">
-        <p14:creationId xmlns:p14="http://schemas.microsoft.com/office/powerpoint/2010/main" val="703431832"/>
+        <p14:creationId xmlns:p14="http://schemas.microsoft.com/office/powerpoint/2010/main" val="2775107312"/>
       </p:ext>
     </p:extLst>
   </p:cSld>
@@ -13852,67 +14253,10 @@
       </p:grpSpPr>
       <p:sp>
         <p:nvSpPr>
-          <p:cNvPr id="2" name="Text Placeholder 1">
+          <p:cNvPr id="2" name="Title 1">
             <a:extLst>
               <a:ext uri="{FF2B5EF4-FFF2-40B4-BE49-F238E27FC236}">
-                <a16:creationId xmlns:a16="http://schemas.microsoft.com/office/drawing/2014/main" id="{A3EEA15B-B3DC-994C-99E3-5270E778154F}"/>
-              </a:ext>
-            </a:extLst>
-          </p:cNvPr>
-          <p:cNvSpPr>
-            <a:spLocks noGrp="1"/>
-          </p:cNvSpPr>
-          <p:nvPr>
-            <p:ph type="body" sz="quarter" idx="10"/>
-          </p:nvPr>
-        </p:nvSpPr>
-        <p:spPr>
-          <a:xfrm>
-            <a:off x="838200" y="1876483"/>
-            <a:ext cx="10515600" cy="2451953"/>
-          </a:xfrm>
-        </p:spPr>
-        <p:txBody>
-          <a:bodyPr/>
-          <a:lstStyle/>
-          <a:p>
-            <a:r>
-              <a:rPr lang="en-US" dirty="0"/>
-              <a:t>Introduction to hypothesis testing</a:t>
-            </a:r>
-          </a:p>
-          <a:p>
-            <a:r>
-              <a:rPr lang="en-US" dirty="0"/>
-              <a:t>Define variables</a:t>
-            </a:r>
-          </a:p>
-          <a:p>
-            <a:r>
-              <a:rPr lang="en-US" dirty="0"/>
-              <a:t>Choosing the right test</a:t>
-            </a:r>
-          </a:p>
-          <a:p>
-            <a:r>
-              <a:rPr lang="en-US" dirty="0"/>
-              <a:t>Basic concepts in hypothesis testing</a:t>
-            </a:r>
-          </a:p>
-          <a:p>
-            <a:r>
-              <a:rPr lang="en-US" b="1" dirty="0"/>
-              <a:t>Hands-on</a:t>
-            </a:r>
-          </a:p>
-        </p:txBody>
-      </p:sp>
-      <p:sp>
-        <p:nvSpPr>
-          <p:cNvPr id="3" name="Title 2">
-            <a:extLst>
-              <a:ext uri="{FF2B5EF4-FFF2-40B4-BE49-F238E27FC236}">
-                <a16:creationId xmlns:a16="http://schemas.microsoft.com/office/drawing/2014/main" id="{81700280-AF15-F343-9638-52E16E9A2149}"/>
+                <a16:creationId xmlns:a16="http://schemas.microsoft.com/office/drawing/2014/main" id="{9299022D-63A3-DBCD-4B84-E932AE48C33D}"/>
               </a:ext>
             </a:extLst>
           </p:cNvPr>
@@ -13930,7 +14274,49 @@
           <a:p>
             <a:r>
               <a:rPr lang="en-US" dirty="0"/>
-              <a:t>Outline</a:t>
+              <a:t>1-way ANOVA requires assumptions of…</a:t>
+            </a:r>
+          </a:p>
+        </p:txBody>
+      </p:sp>
+      <p:sp>
+        <p:nvSpPr>
+          <p:cNvPr id="3" name="Content Placeholder 2">
+            <a:extLst>
+              <a:ext uri="{FF2B5EF4-FFF2-40B4-BE49-F238E27FC236}">
+                <a16:creationId xmlns:a16="http://schemas.microsoft.com/office/drawing/2014/main" id="{34767F99-5817-9BE6-22A0-DA41993A4B5C}"/>
+              </a:ext>
+            </a:extLst>
+          </p:cNvPr>
+          <p:cNvSpPr>
+            <a:spLocks noGrp="1"/>
+          </p:cNvSpPr>
+          <p:nvPr>
+            <p:ph idx="1"/>
+          </p:nvPr>
+        </p:nvSpPr>
+        <p:spPr/>
+        <p:txBody>
+          <a:bodyPr/>
+          <a:lstStyle/>
+          <a:p>
+            <a:pPr marL="457200" indent="-457200">
+              <a:buFont typeface="Arial" panose="020B0604020202020204" pitchFamily="34" charset="0"/>
+              <a:buChar char="•"/>
+            </a:pPr>
+            <a:r>
+              <a:rPr lang="en-US" dirty="0"/>
+              <a:t>Normality of the responses</a:t>
+            </a:r>
+          </a:p>
+          <a:p>
+            <a:pPr marL="457200" indent="-457200">
+              <a:buFont typeface="Arial" panose="020B0604020202020204" pitchFamily="34" charset="0"/>
+              <a:buChar char="•"/>
+            </a:pPr>
+            <a:r>
+              <a:rPr lang="en-US" dirty="0"/>
+              <a:t>Equal variance of the responses with each of the groups being compared</a:t>
             </a:r>
           </a:p>
         </p:txBody>
@@ -13938,7 +14324,7 @@
     </p:spTree>
     <p:extLst>
       <p:ext uri="{BB962C8B-B14F-4D97-AF65-F5344CB8AC3E}">
-        <p14:creationId xmlns:p14="http://schemas.microsoft.com/office/powerpoint/2010/main" val="1298518744"/>
+        <p14:creationId xmlns:p14="http://schemas.microsoft.com/office/powerpoint/2010/main" val="2610731569"/>
       </p:ext>
     </p:extLst>
   </p:cSld>
@@ -13967,55 +14353,10 @@
       </p:grpSpPr>
       <p:sp>
         <p:nvSpPr>
-          <p:cNvPr id="2" name="Text Placeholder 1">
+          <p:cNvPr id="2" name="Title 1">
             <a:extLst>
               <a:ext uri="{FF2B5EF4-FFF2-40B4-BE49-F238E27FC236}">
-                <a16:creationId xmlns:a16="http://schemas.microsoft.com/office/drawing/2014/main" id="{2748D603-4D3D-5B41-9E2B-13B876659510}"/>
-              </a:ext>
-            </a:extLst>
-          </p:cNvPr>
-          <p:cNvSpPr>
-            <a:spLocks noGrp="1"/>
-          </p:cNvSpPr>
-          <p:nvPr>
-            <p:ph type="body" sz="quarter" idx="10"/>
-          </p:nvPr>
-        </p:nvSpPr>
-        <p:spPr>
-          <a:xfrm>
-            <a:off x="838200" y="1876483"/>
-            <a:ext cx="10515600" cy="903837"/>
-          </a:xfrm>
-        </p:spPr>
-        <p:txBody>
-          <a:bodyPr/>
-          <a:lstStyle/>
-          <a:p>
-            <a:r>
-              <a:rPr lang="en-US" dirty="0">
-                <a:hlinkClick r:id="rId2"/>
-              </a:rPr>
-              <a:t>https://www.surveymonkey.com/r/F75J6VZ</a:t>
-            </a:r>
-            <a:r>
-              <a:rPr lang="en-US" dirty="0"/>
-              <a:t> </a:t>
-            </a:r>
-          </a:p>
-          <a:p>
-            <a:r>
-              <a:rPr lang="en-US" dirty="0"/>
-              <a:t>~ 3min</a:t>
-            </a:r>
-          </a:p>
-        </p:txBody>
-      </p:sp>
-      <p:sp>
-        <p:nvSpPr>
-          <p:cNvPr id="3" name="Title 2">
-            <a:extLst>
-              <a:ext uri="{FF2B5EF4-FFF2-40B4-BE49-F238E27FC236}">
-                <a16:creationId xmlns:a16="http://schemas.microsoft.com/office/drawing/2014/main" id="{326908DD-534F-374E-B791-4B6D21924829}"/>
+                <a16:creationId xmlns:a16="http://schemas.microsoft.com/office/drawing/2014/main" id="{FE2B8BE5-0EFC-7842-8196-0ADA175644FC}"/>
               </a:ext>
             </a:extLst>
           </p:cNvPr>
@@ -14028,20 +14369,47 @@
         </p:nvSpPr>
         <p:spPr/>
         <p:txBody>
+          <a:bodyPr>
+            <a:normAutofit fontScale="90000"/>
+          </a:bodyPr>
+          <a:lstStyle/>
+          <a:p>
+            <a:r>
+              <a:rPr lang="en-US" dirty="0"/>
+              <a:t>Poll: Are you aware of the difference between the t-test, Welch t-test, Mann-Whitney test?</a:t>
+            </a:r>
+          </a:p>
+        </p:txBody>
+      </p:sp>
+      <p:sp>
+        <p:nvSpPr>
+          <p:cNvPr id="3" name="Content Placeholder 2">
+            <a:extLst>
+              <a:ext uri="{FF2B5EF4-FFF2-40B4-BE49-F238E27FC236}">
+                <a16:creationId xmlns:a16="http://schemas.microsoft.com/office/drawing/2014/main" id="{5DD893CA-D43D-CF4B-895E-D8840E46C5C5}"/>
+              </a:ext>
+            </a:extLst>
+          </p:cNvPr>
+          <p:cNvSpPr>
+            <a:spLocks noGrp="1"/>
+          </p:cNvSpPr>
+          <p:nvPr>
+            <p:ph idx="1"/>
+          </p:nvPr>
+        </p:nvSpPr>
+        <p:spPr/>
+        <p:txBody>
           <a:bodyPr/>
           <a:lstStyle/>
           <a:p>
-            <a:r>
-              <a:rPr lang="en-US" dirty="0"/>
-              <a:t>Please fill-out survey</a:t>
-            </a:r>
+            <a:endParaRPr lang="en-US"/>
           </a:p>
         </p:txBody>
       </p:sp>
     </p:spTree>
     <p:extLst>
       <p:ext uri="{BB962C8B-B14F-4D97-AF65-F5344CB8AC3E}">
-        <p14:creationId xmlns:p14="http://schemas.microsoft.com/office/powerpoint/2010/main" val="3159047771"/>
+        <p14:creationId xmlns:p14="http://schemas.microsoft.com/office/powerpoint/2010/main" val="2506204543"/>
       </p:ext>
     </p:extLst>
   </p:cSld>
@@ -14070,10 +14438,60 @@
       </p:grpSpPr>
       <p:sp>
         <p:nvSpPr>
-          <p:cNvPr id="3" name="Title 2">
+          <p:cNvPr id="4" name="Text Placeholder 3">
             <a:extLst>
               <a:ext uri="{FF2B5EF4-FFF2-40B4-BE49-F238E27FC236}">
-                <a16:creationId xmlns:a16="http://schemas.microsoft.com/office/drawing/2014/main" id="{8CBD9B96-525A-3040-A552-68ECE07557D3}"/>
+                <a16:creationId xmlns:a16="http://schemas.microsoft.com/office/drawing/2014/main" id="{91511AC0-E9AF-9B4D-AFB0-22DE96B3C723}"/>
+              </a:ext>
+            </a:extLst>
+          </p:cNvPr>
+          <p:cNvSpPr>
+            <a:spLocks noGrp="1"/>
+          </p:cNvSpPr>
+          <p:nvPr>
+            <p:ph type="body" sz="quarter" idx="10"/>
+          </p:nvPr>
+        </p:nvSpPr>
+        <p:spPr>
+          <a:xfrm>
+            <a:off x="838200" y="1876483"/>
+            <a:ext cx="10515600" cy="2250873"/>
+          </a:xfrm>
+        </p:spPr>
+        <p:txBody>
+          <a:bodyPr/>
+          <a:lstStyle/>
+          <a:p>
+            <a:r>
+              <a:rPr lang="en-US" dirty="0"/>
+              <a:t>Sampling distribution derived via Central Limit Theorem only valid only if certain </a:t>
+            </a:r>
+            <a:r>
+              <a:rPr lang="en-US" sz="3200" b="1" u="sng" dirty="0"/>
+              <a:t>assumptions</a:t>
+            </a:r>
+            <a:r>
+              <a:rPr lang="en-US" dirty="0"/>
+              <a:t> met with underlying data</a:t>
+            </a:r>
+          </a:p>
+          <a:p>
+            <a:r>
+              <a:rPr lang="en-US" dirty="0"/>
+              <a:t>E.g. of assumptions could be Normality, Equality of variances etc.</a:t>
+            </a:r>
+          </a:p>
+          <a:p>
+            <a:endParaRPr lang="en-US" dirty="0"/>
+          </a:p>
+        </p:txBody>
+      </p:sp>
+      <p:sp>
+        <p:nvSpPr>
+          <p:cNvPr id="2" name="Title 1">
+            <a:extLst>
+              <a:ext uri="{FF2B5EF4-FFF2-40B4-BE49-F238E27FC236}">
+                <a16:creationId xmlns:a16="http://schemas.microsoft.com/office/drawing/2014/main" id="{F1E79716-23D5-4247-A156-1CD26B59F351}"/>
               </a:ext>
             </a:extLst>
           </p:cNvPr>
@@ -14091,52 +14509,15 @@
           <a:p>
             <a:r>
               <a:rPr lang="en-US" dirty="0"/>
-              <a:t>Multiple tests</a:t>
-            </a:r>
-          </a:p>
-        </p:txBody>
-      </p:sp>
-      <p:pic>
-        <p:nvPicPr>
-          <p:cNvPr id="4" name="Content Placeholder 3" descr="Multiple_tests.pdf">
-            <a:extLst>
-              <a:ext uri="{FF2B5EF4-FFF2-40B4-BE49-F238E27FC236}">
-                <a16:creationId xmlns:a16="http://schemas.microsoft.com/office/drawing/2014/main" id="{68B57145-8AFF-1140-94FD-85AF2F9C49A1}"/>
-              </a:ext>
-            </a:extLst>
-          </p:cNvPr>
-          <p:cNvPicPr>
-            <a:picLocks noChangeAspect="1"/>
-          </p:cNvPicPr>
-          <p:nvPr/>
-        </p:nvPicPr>
-        <p:blipFill>
-          <a:blip r:embed="rId2">
-            <a:extLst>
-              <a:ext uri="{28A0092B-C50C-407E-A947-70E740481C1C}">
-                <a14:useLocalDpi xmlns:a14="http://schemas.microsoft.com/office/drawing/2010/main" val="0"/>
-              </a:ext>
-            </a:extLst>
-          </a:blip>
-          <a:srcRect l="-36309" r="-36309"/>
-          <a:stretch>
-            <a:fillRect/>
-          </a:stretch>
-        </p:blipFill>
-        <p:spPr>
-          <a:xfrm>
-            <a:off x="838200" y="1703992"/>
-            <a:ext cx="9293352" cy="5154007"/>
-          </a:xfrm>
-          <a:prstGeom prst="rect">
-            <a:avLst/>
-          </a:prstGeom>
-        </p:spPr>
-      </p:pic>
+              <a:t>Why do we have so many different tests?</a:t>
+            </a:r>
+          </a:p>
+        </p:txBody>
+      </p:sp>
     </p:spTree>
     <p:extLst>
       <p:ext uri="{BB962C8B-B14F-4D97-AF65-F5344CB8AC3E}">
-        <p14:creationId xmlns:p14="http://schemas.microsoft.com/office/powerpoint/2010/main" val="1528258276"/>
+        <p14:creationId xmlns:p14="http://schemas.microsoft.com/office/powerpoint/2010/main" val="3800520997"/>
       </p:ext>
     </p:extLst>
   </p:cSld>
@@ -14165,7 +14546,7 @@
       </p:grpSpPr>
       <p:sp>
         <p:nvSpPr>
-          <p:cNvPr id="2" name="Text Placeholder 1"/>
+          <p:cNvPr id="4" name="Text Placeholder 3"/>
           <p:cNvSpPr>
             <a:spLocks noGrp="1"/>
           </p:cNvSpPr>
@@ -14173,12 +14554,54 @@
             <p:ph type="body" sz="quarter" idx="10"/>
           </p:nvPr>
         </p:nvSpPr>
-        <p:spPr/>
+        <p:spPr>
+          <a:xfrm>
+            <a:off x="838200" y="1876483"/>
+            <a:ext cx="10515600" cy="4647426"/>
+          </a:xfrm>
+        </p:spPr>
         <p:txBody>
           <a:bodyPr/>
           <a:lstStyle/>
           <a:p>
-            <a:endParaRPr lang="en-US"/>
+            <a:r>
+              <a:rPr lang="en-US" dirty="0"/>
+              <a:t>Test statistic</a:t>
+            </a:r>
+          </a:p>
+          <a:p>
+            <a:r>
+              <a:rPr lang="en-US" dirty="0"/>
+              <a:t>Sampling distribution of test statistic under the null hypothesis</a:t>
+            </a:r>
+          </a:p>
+          <a:p>
+            <a:r>
+              <a:rPr lang="en-US" dirty="0"/>
+              <a:t>A Type I error that will be allowable – fraction of times you are willing to accept a false-positive as a real result</a:t>
+            </a:r>
+          </a:p>
+          <a:p>
+            <a:r>
+              <a:rPr lang="en-US" u="sng" dirty="0"/>
+              <a:t>Note:</a:t>
+            </a:r>
+            <a:r>
+              <a:rPr lang="en-US" dirty="0"/>
+              <a:t> Use of test statistic and associated sampling distribution depends on your data meeting certain assumptions</a:t>
+            </a:r>
+          </a:p>
+          <a:p>
+            <a:r>
+              <a:rPr lang="en-US" dirty="0"/>
+              <a:t>A Type II error given the effect size of the association you are expect to estimate</a:t>
+            </a:r>
+          </a:p>
+          <a:p>
+            <a:endParaRPr lang="en-US" dirty="0"/>
+          </a:p>
+          <a:p>
+            <a:endParaRPr lang="en-US" dirty="0"/>
           </a:p>
         </p:txBody>
       </p:sp>
@@ -14199,7 +14622,7 @@
           <a:p>
             <a:r>
               <a:rPr lang="en-US" dirty="0"/>
-              <a:t>Outline for this workshop</a:t>
+              <a:t>Every hypothesis test requires…</a:t>
             </a:r>
           </a:p>
         </p:txBody>
@@ -14207,7 +14630,357 @@
     </p:spTree>
     <p:extLst>
       <p:ext uri="{BB962C8B-B14F-4D97-AF65-F5344CB8AC3E}">
-        <p14:creationId xmlns:p14="http://schemas.microsoft.com/office/powerpoint/2010/main" val="3891151486"/>
+        <p14:creationId xmlns:p14="http://schemas.microsoft.com/office/powerpoint/2010/main" val="703431832"/>
+      </p:ext>
+    </p:extLst>
+  </p:cSld>
+  <p:clrMapOvr>
+    <a:masterClrMapping/>
+  </p:clrMapOvr>
+</p:sld>
+</file>
+
+<file path=ppt/slides/slide47.xml><?xml version="1.0" encoding="utf-8"?>
+<p:sld xmlns:a="http://schemas.openxmlformats.org/drawingml/2006/main" xmlns:r="http://schemas.openxmlformats.org/officeDocument/2006/relationships" xmlns:p="http://schemas.openxmlformats.org/presentationml/2006/main">
+  <p:cSld>
+    <p:spTree>
+      <p:nvGrpSpPr>
+        <p:cNvPr id="1" name=""/>
+        <p:cNvGrpSpPr/>
+        <p:nvPr/>
+      </p:nvGrpSpPr>
+      <p:grpSpPr>
+        <a:xfrm>
+          <a:off x="0" y="0"/>
+          <a:ext cx="0" cy="0"/>
+          <a:chOff x="0" y="0"/>
+          <a:chExt cx="0" cy="0"/>
+        </a:xfrm>
+      </p:grpSpPr>
+      <p:sp>
+        <p:nvSpPr>
+          <p:cNvPr id="2" name="Text Placeholder 1">
+            <a:extLst>
+              <a:ext uri="{FF2B5EF4-FFF2-40B4-BE49-F238E27FC236}">
+                <a16:creationId xmlns:a16="http://schemas.microsoft.com/office/drawing/2014/main" id="{A3EEA15B-B3DC-994C-99E3-5270E778154F}"/>
+              </a:ext>
+            </a:extLst>
+          </p:cNvPr>
+          <p:cNvSpPr>
+            <a:spLocks noGrp="1"/>
+          </p:cNvSpPr>
+          <p:nvPr>
+            <p:ph type="body" sz="quarter" idx="10"/>
+          </p:nvPr>
+        </p:nvSpPr>
+        <p:spPr>
+          <a:xfrm>
+            <a:off x="838200" y="1876483"/>
+            <a:ext cx="10515600" cy="2451953"/>
+          </a:xfrm>
+        </p:spPr>
+        <p:txBody>
+          <a:bodyPr/>
+          <a:lstStyle/>
+          <a:p>
+            <a:r>
+              <a:rPr lang="en-US" dirty="0"/>
+              <a:t>Introduction to hypothesis testing</a:t>
+            </a:r>
+          </a:p>
+          <a:p>
+            <a:r>
+              <a:rPr lang="en-US" dirty="0"/>
+              <a:t>Define variables</a:t>
+            </a:r>
+          </a:p>
+          <a:p>
+            <a:r>
+              <a:rPr lang="en-US" dirty="0"/>
+              <a:t>Choosing the right test</a:t>
+            </a:r>
+          </a:p>
+          <a:p>
+            <a:r>
+              <a:rPr lang="en-US" dirty="0"/>
+              <a:t>Basic concepts in hypothesis testing</a:t>
+            </a:r>
+          </a:p>
+          <a:p>
+            <a:r>
+              <a:rPr lang="en-US" b="1" dirty="0"/>
+              <a:t>Hands-on</a:t>
+            </a:r>
+          </a:p>
+        </p:txBody>
+      </p:sp>
+      <p:sp>
+        <p:nvSpPr>
+          <p:cNvPr id="3" name="Title 2">
+            <a:extLst>
+              <a:ext uri="{FF2B5EF4-FFF2-40B4-BE49-F238E27FC236}">
+                <a16:creationId xmlns:a16="http://schemas.microsoft.com/office/drawing/2014/main" id="{81700280-AF15-F343-9638-52E16E9A2149}"/>
+              </a:ext>
+            </a:extLst>
+          </p:cNvPr>
+          <p:cNvSpPr>
+            <a:spLocks noGrp="1"/>
+          </p:cNvSpPr>
+          <p:nvPr>
+            <p:ph type="title"/>
+          </p:nvPr>
+        </p:nvSpPr>
+        <p:spPr/>
+        <p:txBody>
+          <a:bodyPr/>
+          <a:lstStyle/>
+          <a:p>
+            <a:r>
+              <a:rPr lang="en-US" dirty="0"/>
+              <a:t>Outline</a:t>
+            </a:r>
+          </a:p>
+        </p:txBody>
+      </p:sp>
+    </p:spTree>
+    <p:extLst>
+      <p:ext uri="{BB962C8B-B14F-4D97-AF65-F5344CB8AC3E}">
+        <p14:creationId xmlns:p14="http://schemas.microsoft.com/office/powerpoint/2010/main" val="1298518744"/>
+      </p:ext>
+    </p:extLst>
+  </p:cSld>
+  <p:clrMapOvr>
+    <a:masterClrMapping/>
+  </p:clrMapOvr>
+</p:sld>
+</file>
+
+<file path=ppt/slides/slide48.xml><?xml version="1.0" encoding="utf-8"?>
+<p:sld xmlns:a="http://schemas.openxmlformats.org/drawingml/2006/main" xmlns:r="http://schemas.openxmlformats.org/officeDocument/2006/relationships" xmlns:p="http://schemas.openxmlformats.org/presentationml/2006/main">
+  <p:cSld>
+    <p:spTree>
+      <p:nvGrpSpPr>
+        <p:cNvPr id="1" name=""/>
+        <p:cNvGrpSpPr/>
+        <p:nvPr/>
+      </p:nvGrpSpPr>
+      <p:grpSpPr>
+        <a:xfrm>
+          <a:off x="0" y="0"/>
+          <a:ext cx="0" cy="0"/>
+          <a:chOff x="0" y="0"/>
+          <a:chExt cx="0" cy="0"/>
+        </a:xfrm>
+      </p:grpSpPr>
+      <p:sp>
+        <p:nvSpPr>
+          <p:cNvPr id="2" name="Text Placeholder 1">
+            <a:extLst>
+              <a:ext uri="{FF2B5EF4-FFF2-40B4-BE49-F238E27FC236}">
+                <a16:creationId xmlns:a16="http://schemas.microsoft.com/office/drawing/2014/main" id="{094332FD-35EB-834E-9D61-E863640DACFE}"/>
+              </a:ext>
+            </a:extLst>
+          </p:cNvPr>
+          <p:cNvSpPr>
+            <a:spLocks noGrp="1"/>
+          </p:cNvSpPr>
+          <p:nvPr>
+            <p:ph type="body" sz="quarter" idx="10"/>
+          </p:nvPr>
+        </p:nvSpPr>
+        <p:spPr>
+          <a:xfrm>
+            <a:off x="838200" y="1876483"/>
+            <a:ext cx="10515600" cy="1504514"/>
+          </a:xfrm>
+        </p:spPr>
+        <p:txBody>
+          <a:bodyPr/>
+          <a:lstStyle/>
+          <a:p>
+            <a:r>
+              <a:rPr lang="en-US" dirty="0"/>
+              <a:t>Designs where multiple responses from the same biological unit are assessed</a:t>
+            </a:r>
+          </a:p>
+          <a:p>
+            <a:pPr lvl="1"/>
+            <a:r>
+              <a:rPr lang="en-US" dirty="0"/>
+              <a:t>Examples include measuring changes in biomarker levels (e.g. CD4 counts) in subjects over time </a:t>
+            </a:r>
+          </a:p>
+        </p:txBody>
+      </p:sp>
+      <p:sp>
+        <p:nvSpPr>
+          <p:cNvPr id="3" name="Title 2">
+            <a:extLst>
+              <a:ext uri="{FF2B5EF4-FFF2-40B4-BE49-F238E27FC236}">
+                <a16:creationId xmlns:a16="http://schemas.microsoft.com/office/drawing/2014/main" id="{29388D23-DBB5-1044-95BA-A32BC8591A66}"/>
+              </a:ext>
+            </a:extLst>
+          </p:cNvPr>
+          <p:cNvSpPr>
+            <a:spLocks noGrp="1"/>
+          </p:cNvSpPr>
+          <p:nvPr>
+            <p:ph type="title"/>
+          </p:nvPr>
+        </p:nvSpPr>
+        <p:spPr/>
+        <p:txBody>
+          <a:bodyPr/>
+          <a:lstStyle/>
+          <a:p>
+            <a:r>
+              <a:rPr lang="en-US" dirty="0"/>
+              <a:t>Repeated measures experimental design</a:t>
+            </a:r>
+          </a:p>
+        </p:txBody>
+      </p:sp>
+    </p:spTree>
+    <p:extLst>
+      <p:ext uri="{BB962C8B-B14F-4D97-AF65-F5344CB8AC3E}">
+        <p14:creationId xmlns:p14="http://schemas.microsoft.com/office/powerpoint/2010/main" val="1094051414"/>
+      </p:ext>
+    </p:extLst>
+  </p:cSld>
+  <p:clrMapOvr>
+    <a:masterClrMapping/>
+  </p:clrMapOvr>
+</p:sld>
+</file>
+
+<file path=ppt/slides/slide49.xml><?xml version="1.0" encoding="utf-8"?>
+<p:sld xmlns:a="http://schemas.openxmlformats.org/drawingml/2006/main" xmlns:r="http://schemas.openxmlformats.org/officeDocument/2006/relationships" xmlns:p="http://schemas.openxmlformats.org/presentationml/2006/main">
+  <p:cSld>
+    <p:spTree>
+      <p:nvGrpSpPr>
+        <p:cNvPr id="1" name=""/>
+        <p:cNvGrpSpPr/>
+        <p:nvPr/>
+      </p:nvGrpSpPr>
+      <p:grpSpPr>
+        <a:xfrm>
+          <a:off x="0" y="0"/>
+          <a:ext cx="0" cy="0"/>
+          <a:chOff x="0" y="0"/>
+          <a:chExt cx="0" cy="0"/>
+        </a:xfrm>
+      </p:grpSpPr>
+      <p:sp>
+        <p:nvSpPr>
+          <p:cNvPr id="3" name="Title 2">
+            <a:extLst>
+              <a:ext uri="{FF2B5EF4-FFF2-40B4-BE49-F238E27FC236}">
+                <a16:creationId xmlns:a16="http://schemas.microsoft.com/office/drawing/2014/main" id="{0D81C79F-0F45-BA46-B38F-A9ABFDC4F35E}"/>
+              </a:ext>
+            </a:extLst>
+          </p:cNvPr>
+          <p:cNvSpPr>
+            <a:spLocks noGrp="1"/>
+          </p:cNvSpPr>
+          <p:nvPr>
+            <p:ph type="title"/>
+          </p:nvPr>
+        </p:nvSpPr>
+        <p:spPr/>
+        <p:txBody>
+          <a:bodyPr>
+            <a:normAutofit/>
+          </a:bodyPr>
+          <a:lstStyle/>
+          <a:p>
+            <a:r>
+              <a:rPr lang="en-US" sz="3600" dirty="0"/>
+              <a:t>Learning in Alzheimer’s Disease mice assayed in the Morris-Water Maze</a:t>
+            </a:r>
+          </a:p>
+        </p:txBody>
+      </p:sp>
+      <p:pic>
+        <p:nvPicPr>
+          <p:cNvPr id="5" name="Picture 4">
+            <a:extLst>
+              <a:ext uri="{FF2B5EF4-FFF2-40B4-BE49-F238E27FC236}">
+                <a16:creationId xmlns:a16="http://schemas.microsoft.com/office/drawing/2014/main" id="{A0FC59F3-230C-D545-BE90-D8B2401E0BE4}"/>
+              </a:ext>
+            </a:extLst>
+          </p:cNvPr>
+          <p:cNvPicPr>
+            <a:picLocks noChangeAspect="1"/>
+          </p:cNvPicPr>
+          <p:nvPr/>
+        </p:nvPicPr>
+        <p:blipFill>
+          <a:blip r:embed="rId2"/>
+          <a:stretch>
+            <a:fillRect/>
+          </a:stretch>
+        </p:blipFill>
+        <p:spPr>
+          <a:xfrm>
+            <a:off x="0" y="1911464"/>
+            <a:ext cx="12192000" cy="3873271"/>
+          </a:xfrm>
+          <a:prstGeom prst="rect">
+            <a:avLst/>
+          </a:prstGeom>
+        </p:spPr>
+      </p:pic>
+      <p:sp>
+        <p:nvSpPr>
+          <p:cNvPr id="6" name="TextBox 5">
+            <a:extLst>
+              <a:ext uri="{FF2B5EF4-FFF2-40B4-BE49-F238E27FC236}">
+                <a16:creationId xmlns:a16="http://schemas.microsoft.com/office/drawing/2014/main" id="{25E757B6-ACA1-4C4B-B6E5-961C9551F372}"/>
+              </a:ext>
+            </a:extLst>
+          </p:cNvPr>
+          <p:cNvSpPr txBox="1"/>
+          <p:nvPr/>
+        </p:nvSpPr>
+        <p:spPr>
+          <a:xfrm>
+            <a:off x="10020300" y="6267450"/>
+            <a:ext cx="914400" cy="914400"/>
+          </a:xfrm>
+          <a:prstGeom prst="rect">
+            <a:avLst/>
+          </a:prstGeom>
+          <a:noFill/>
+          <a:ln>
+            <a:noFill/>
+          </a:ln>
+        </p:spPr>
+        <p:txBody>
+          <a:bodyPr wrap="none" rtlCol="0" anchor="ctr" anchorCtr="0">
+            <a:noAutofit/>
+          </a:bodyPr>
+          <a:lstStyle/>
+          <a:p>
+            <a:pPr>
+              <a:spcAft>
+                <a:spcPts val="600"/>
+              </a:spcAft>
+            </a:pPr>
+            <a:r>
+              <a:rPr lang="en-US" sz="2000" dirty="0">
+                <a:latin typeface="Helvetica" charset="0"/>
+                <a:ea typeface="Times New Roman" charset="0"/>
+                <a:cs typeface="Arial" charset="0"/>
+              </a:rPr>
+              <a:t>Jones et al. 2019</a:t>
+            </a:r>
+          </a:p>
+        </p:txBody>
+      </p:sp>
+    </p:spTree>
+    <p:extLst>
+      <p:ext uri="{BB962C8B-B14F-4D97-AF65-F5344CB8AC3E}">
+        <p14:creationId xmlns:p14="http://schemas.microsoft.com/office/powerpoint/2010/main" val="2642875079"/>
       </p:ext>
     </p:extLst>
   </p:cSld>
@@ -14393,6 +15166,3380 @@
 </p:sld>
 </file>
 
+<file path=ppt/slides/slide50.xml><?xml version="1.0" encoding="utf-8"?>
+<p:sld xmlns:a="http://schemas.openxmlformats.org/drawingml/2006/main" xmlns:r="http://schemas.openxmlformats.org/officeDocument/2006/relationships" xmlns:p="http://schemas.openxmlformats.org/presentationml/2006/main">
+  <p:cSld>
+    <p:spTree>
+      <p:nvGrpSpPr>
+        <p:cNvPr id="1" name=""/>
+        <p:cNvGrpSpPr/>
+        <p:nvPr/>
+      </p:nvGrpSpPr>
+      <p:grpSpPr>
+        <a:xfrm>
+          <a:off x="0" y="0"/>
+          <a:ext cx="0" cy="0"/>
+          <a:chOff x="0" y="0"/>
+          <a:chExt cx="0" cy="0"/>
+        </a:xfrm>
+      </p:grpSpPr>
+      <p:sp>
+        <p:nvSpPr>
+          <p:cNvPr id="3" name="Title 2">
+            <a:extLst>
+              <a:ext uri="{FF2B5EF4-FFF2-40B4-BE49-F238E27FC236}">
+                <a16:creationId xmlns:a16="http://schemas.microsoft.com/office/drawing/2014/main" id="{F096EEF8-C2BB-50F8-A6BC-832562EA01E4}"/>
+              </a:ext>
+            </a:extLst>
+          </p:cNvPr>
+          <p:cNvSpPr>
+            <a:spLocks noGrp="1"/>
+          </p:cNvSpPr>
+          <p:nvPr>
+            <p:ph type="title"/>
+          </p:nvPr>
+        </p:nvSpPr>
+        <p:spPr/>
+        <p:txBody>
+          <a:bodyPr/>
+          <a:lstStyle/>
+          <a:p>
+            <a:r>
+              <a:rPr lang="en-US" dirty="0"/>
+              <a:t>Comparing every feed to </a:t>
+            </a:r>
+            <a:r>
+              <a:rPr lang="en-US" dirty="0" err="1"/>
+              <a:t>everyother</a:t>
+            </a:r>
+            <a:r>
+              <a:rPr lang="en-US" dirty="0"/>
+              <a:t> one</a:t>
+            </a:r>
+          </a:p>
+        </p:txBody>
+      </p:sp>
+      <p:pic>
+        <p:nvPicPr>
+          <p:cNvPr id="4" name="Picture 3" descr="BoxPlotChickenFeed.pdf">
+            <a:extLst>
+              <a:ext uri="{FF2B5EF4-FFF2-40B4-BE49-F238E27FC236}">
+                <a16:creationId xmlns:a16="http://schemas.microsoft.com/office/drawing/2014/main" id="{3DA99397-4589-789D-35A2-195AC914D1B0}"/>
+              </a:ext>
+            </a:extLst>
+          </p:cNvPr>
+          <p:cNvPicPr>
+            <a:picLocks noChangeAspect="1"/>
+          </p:cNvPicPr>
+          <p:nvPr/>
+        </p:nvPicPr>
+        <p:blipFill>
+          <a:blip r:embed="rId2">
+            <a:extLst>
+              <a:ext uri="{28A0092B-C50C-407E-A947-70E740481C1C}">
+                <a14:useLocalDpi xmlns:a14="http://schemas.microsoft.com/office/drawing/2010/main" val="0"/>
+              </a:ext>
+            </a:extLst>
+          </a:blip>
+          <a:stretch>
+            <a:fillRect/>
+          </a:stretch>
+        </p:blipFill>
+        <p:spPr>
+          <a:xfrm>
+            <a:off x="2373152" y="2428385"/>
+            <a:ext cx="6743619" cy="4064490"/>
+          </a:xfrm>
+          <a:prstGeom prst="rect">
+            <a:avLst/>
+          </a:prstGeom>
+        </p:spPr>
+      </p:pic>
+      <p:sp>
+        <p:nvSpPr>
+          <p:cNvPr id="5" name="TextBox 4">
+            <a:extLst>
+              <a:ext uri="{FF2B5EF4-FFF2-40B4-BE49-F238E27FC236}">
+                <a16:creationId xmlns:a16="http://schemas.microsoft.com/office/drawing/2014/main" id="{F3969F34-F55C-464C-C5F9-897D9F32E55A}"/>
+              </a:ext>
+            </a:extLst>
+          </p:cNvPr>
+          <p:cNvSpPr txBox="1"/>
+          <p:nvPr/>
+        </p:nvSpPr>
+        <p:spPr>
+          <a:xfrm>
+            <a:off x="1409178" y="1791222"/>
+            <a:ext cx="914400" cy="914400"/>
+          </a:xfrm>
+          <a:prstGeom prst="rect">
+            <a:avLst/>
+          </a:prstGeom>
+          <a:noFill/>
+          <a:ln>
+            <a:noFill/>
+          </a:ln>
+        </p:spPr>
+        <p:txBody>
+          <a:bodyPr wrap="none" rtlCol="0" anchor="ctr" anchorCtr="0">
+            <a:noAutofit/>
+          </a:bodyPr>
+          <a:lstStyle/>
+          <a:p>
+            <a:pPr>
+              <a:spcAft>
+                <a:spcPts val="600"/>
+              </a:spcAft>
+            </a:pPr>
+            <a:r>
+              <a:rPr lang="en-US" sz="2000" dirty="0">
+                <a:latin typeface="Helvetica" charset="0"/>
+                <a:ea typeface="Times New Roman" charset="0"/>
+                <a:cs typeface="Arial" charset="0"/>
+              </a:rPr>
+              <a:t>There are 15 possible comparisons</a:t>
+            </a:r>
+          </a:p>
+        </p:txBody>
+      </p:sp>
+    </p:spTree>
+    <p:extLst>
+      <p:ext uri="{BB962C8B-B14F-4D97-AF65-F5344CB8AC3E}">
+        <p14:creationId xmlns:p14="http://schemas.microsoft.com/office/powerpoint/2010/main" val="535919371"/>
+      </p:ext>
+    </p:extLst>
+  </p:cSld>
+  <p:clrMapOvr>
+    <a:masterClrMapping/>
+  </p:clrMapOvr>
+</p:sld>
+</file>
+
+<file path=ppt/slides/slide51.xml><?xml version="1.0" encoding="utf-8"?>
+<p:sld xmlns:a="http://schemas.openxmlformats.org/drawingml/2006/main" xmlns:r="http://schemas.openxmlformats.org/officeDocument/2006/relationships" xmlns:p="http://schemas.openxmlformats.org/presentationml/2006/main">
+  <p:cSld>
+    <p:spTree>
+      <p:nvGrpSpPr>
+        <p:cNvPr id="1" name=""/>
+        <p:cNvGrpSpPr/>
+        <p:nvPr/>
+      </p:nvGrpSpPr>
+      <p:grpSpPr>
+        <a:xfrm>
+          <a:off x="0" y="0"/>
+          <a:ext cx="0" cy="0"/>
+          <a:chOff x="0" y="0"/>
+          <a:chExt cx="0" cy="0"/>
+        </a:xfrm>
+      </p:grpSpPr>
+      <p:sp>
+        <p:nvSpPr>
+          <p:cNvPr id="2" name="Text Placeholder 1">
+            <a:extLst>
+              <a:ext uri="{FF2B5EF4-FFF2-40B4-BE49-F238E27FC236}">
+                <a16:creationId xmlns:a16="http://schemas.microsoft.com/office/drawing/2014/main" id="{9815778A-1E53-A397-27AA-1C7C2DCEC249}"/>
+              </a:ext>
+            </a:extLst>
+          </p:cNvPr>
+          <p:cNvSpPr>
+            <a:spLocks noGrp="1"/>
+          </p:cNvSpPr>
+          <p:nvPr>
+            <p:ph type="body" sz="quarter" idx="10"/>
+          </p:nvPr>
+        </p:nvSpPr>
+        <p:spPr>
+          <a:xfrm>
+            <a:off x="838200" y="1876483"/>
+            <a:ext cx="10515600" cy="3871829"/>
+          </a:xfrm>
+        </p:spPr>
+        <p:txBody>
+          <a:bodyPr/>
+          <a:lstStyle/>
+          <a:p>
+            <a:r>
+              <a:rPr lang="en-US" dirty="0"/>
+              <a:t>We have 15 possible comparisons between feeds</a:t>
+            </a:r>
+          </a:p>
+          <a:p>
+            <a:r>
+              <a:rPr lang="en-US" dirty="0"/>
+              <a:t>Assume no. of true associations = 8</a:t>
+            </a:r>
+          </a:p>
+          <a:p>
+            <a:r>
+              <a:rPr lang="en-US" dirty="0"/>
+              <a:t>We set Type I error = 0.05</a:t>
+            </a:r>
+          </a:p>
+          <a:p>
+            <a:r>
+              <a:rPr lang="en-US" dirty="0"/>
+              <a:t>Assume statistical power to detect differences = 0.8</a:t>
+            </a:r>
+          </a:p>
+          <a:p>
+            <a:r>
+              <a:rPr lang="en-US" dirty="0"/>
+              <a:t>We will detect 8x0.8 ~ 6 true differences</a:t>
+            </a:r>
+          </a:p>
+          <a:p>
+            <a:r>
+              <a:rPr lang="en-US" dirty="0"/>
+              <a:t>#false positives = 15x0.05~1</a:t>
+            </a:r>
+          </a:p>
+          <a:p>
+            <a:r>
+              <a:rPr lang="en-US" dirty="0"/>
+              <a:t>False Discovery Rate =  #false positives/(# false positives + #true positives) = 1/(1+6) ~ 14% - pretty high!</a:t>
+            </a:r>
+          </a:p>
+        </p:txBody>
+      </p:sp>
+      <p:sp>
+        <p:nvSpPr>
+          <p:cNvPr id="3" name="Title 2">
+            <a:extLst>
+              <a:ext uri="{FF2B5EF4-FFF2-40B4-BE49-F238E27FC236}">
+                <a16:creationId xmlns:a16="http://schemas.microsoft.com/office/drawing/2014/main" id="{7438707C-6A9A-F2F9-C9AD-10CDC41ABFC5}"/>
+              </a:ext>
+            </a:extLst>
+          </p:cNvPr>
+          <p:cNvSpPr>
+            <a:spLocks noGrp="1"/>
+          </p:cNvSpPr>
+          <p:nvPr>
+            <p:ph type="title"/>
+          </p:nvPr>
+        </p:nvSpPr>
+        <p:spPr/>
+        <p:txBody>
+          <a:bodyPr/>
+          <a:lstStyle/>
+          <a:p>
+            <a:r>
+              <a:rPr lang="en-US" dirty="0"/>
+              <a:t>Why do we need multiple testing?</a:t>
+            </a:r>
+          </a:p>
+        </p:txBody>
+      </p:sp>
+    </p:spTree>
+    <p:extLst>
+      <p:ext uri="{BB962C8B-B14F-4D97-AF65-F5344CB8AC3E}">
+        <p14:creationId xmlns:p14="http://schemas.microsoft.com/office/powerpoint/2010/main" val="3838618454"/>
+      </p:ext>
+    </p:extLst>
+  </p:cSld>
+  <p:clrMapOvr>
+    <a:masterClrMapping/>
+  </p:clrMapOvr>
+</p:sld>
+</file>
+
+<file path=ppt/slides/slide52.xml><?xml version="1.0" encoding="utf-8"?>
+<p:sld xmlns:a="http://schemas.openxmlformats.org/drawingml/2006/main" xmlns:r="http://schemas.openxmlformats.org/officeDocument/2006/relationships" xmlns:p="http://schemas.openxmlformats.org/presentationml/2006/main">
+  <p:cSld>
+    <p:spTree>
+      <p:nvGrpSpPr>
+        <p:cNvPr id="1" name=""/>
+        <p:cNvGrpSpPr/>
+        <p:nvPr/>
+      </p:nvGrpSpPr>
+      <p:grpSpPr>
+        <a:xfrm>
+          <a:off x="0" y="0"/>
+          <a:ext cx="0" cy="0"/>
+          <a:chOff x="0" y="0"/>
+          <a:chExt cx="0" cy="0"/>
+        </a:xfrm>
+      </p:grpSpPr>
+      <p:sp>
+        <p:nvSpPr>
+          <p:cNvPr id="3" name="Title 2">
+            <a:extLst>
+              <a:ext uri="{FF2B5EF4-FFF2-40B4-BE49-F238E27FC236}">
+                <a16:creationId xmlns:a16="http://schemas.microsoft.com/office/drawing/2014/main" id="{B120B8C1-95C0-5C6E-A9B8-1FDFC1C590DE}"/>
+              </a:ext>
+            </a:extLst>
+          </p:cNvPr>
+          <p:cNvSpPr>
+            <a:spLocks noGrp="1"/>
+          </p:cNvSpPr>
+          <p:nvPr>
+            <p:ph type="title"/>
+          </p:nvPr>
+        </p:nvSpPr>
+        <p:spPr/>
+        <p:txBody>
+          <a:bodyPr/>
+          <a:lstStyle/>
+          <a:p>
+            <a:r>
+              <a:rPr lang="en-US" dirty="0"/>
+              <a:t>Interpret parameters from linear model to estimate slope</a:t>
+            </a:r>
+          </a:p>
+        </p:txBody>
+      </p:sp>
+      <p:pic>
+        <p:nvPicPr>
+          <p:cNvPr id="4" name="Picture 3" descr="LinearRegression.pdf">
+            <a:extLst>
+              <a:ext uri="{FF2B5EF4-FFF2-40B4-BE49-F238E27FC236}">
+                <a16:creationId xmlns:a16="http://schemas.microsoft.com/office/drawing/2014/main" id="{45F31873-0769-1604-016D-9150342B3DF6}"/>
+              </a:ext>
+            </a:extLst>
+          </p:cNvPr>
+          <p:cNvPicPr>
+            <a:picLocks noChangeAspect="1"/>
+          </p:cNvPicPr>
+          <p:nvPr/>
+        </p:nvPicPr>
+        <p:blipFill>
+          <a:blip r:embed="rId2">
+            <a:extLst>
+              <a:ext uri="{28A0092B-C50C-407E-A947-70E740481C1C}">
+                <a14:useLocalDpi xmlns:a14="http://schemas.microsoft.com/office/drawing/2010/main" val="0"/>
+              </a:ext>
+            </a:extLst>
+          </a:blip>
+          <a:stretch>
+            <a:fillRect/>
+          </a:stretch>
+        </p:blipFill>
+        <p:spPr>
+          <a:xfrm>
+            <a:off x="2211007" y="2110773"/>
+            <a:ext cx="6298169" cy="4640756"/>
+          </a:xfrm>
+          <a:prstGeom prst="rect">
+            <a:avLst/>
+          </a:prstGeom>
+        </p:spPr>
+      </p:pic>
+      <p:grpSp>
+        <p:nvGrpSpPr>
+          <p:cNvPr id="13" name="Group 12">
+            <a:extLst>
+              <a:ext uri="{FF2B5EF4-FFF2-40B4-BE49-F238E27FC236}">
+                <a16:creationId xmlns:a16="http://schemas.microsoft.com/office/drawing/2014/main" id="{4D000373-9345-4B16-4345-2BFBCBB816E2}"/>
+              </a:ext>
+            </a:extLst>
+          </p:cNvPr>
+          <p:cNvGrpSpPr/>
+          <p:nvPr/>
+        </p:nvGrpSpPr>
+        <p:grpSpPr>
+          <a:xfrm>
+            <a:off x="6933156" y="4092879"/>
+            <a:ext cx="964504" cy="914400"/>
+            <a:chOff x="6933156" y="4092879"/>
+            <a:chExt cx="964504" cy="914400"/>
+          </a:xfrm>
+        </p:grpSpPr>
+        <p:cxnSp>
+          <p:nvCxnSpPr>
+            <p:cNvPr id="8" name="Straight Connector 7">
+              <a:extLst>
+                <a:ext uri="{FF2B5EF4-FFF2-40B4-BE49-F238E27FC236}">
+                  <a16:creationId xmlns:a16="http://schemas.microsoft.com/office/drawing/2014/main" id="{07C07714-0A53-A874-C5E3-92AFC73405B2}"/>
+                </a:ext>
+              </a:extLst>
+            </p:cNvPr>
+            <p:cNvCxnSpPr/>
+            <p:nvPr/>
+          </p:nvCxnSpPr>
+          <p:spPr>
+            <a:xfrm>
+              <a:off x="6933156" y="4215008"/>
+              <a:ext cx="0" cy="670143"/>
+            </a:xfrm>
+            <a:prstGeom prst="line">
+              <a:avLst/>
+            </a:prstGeom>
+            <a:ln w="25400">
+              <a:solidFill>
+                <a:srgbClr val="FF0000"/>
+              </a:solidFill>
+              <a:headEnd type="triangle"/>
+              <a:tailEnd type="triangle"/>
+            </a:ln>
+          </p:spPr>
+          <p:style>
+            <a:lnRef idx="1">
+              <a:schemeClr val="accent1"/>
+            </a:lnRef>
+            <a:fillRef idx="0">
+              <a:schemeClr val="accent1"/>
+            </a:fillRef>
+            <a:effectRef idx="0">
+              <a:schemeClr val="accent1"/>
+            </a:effectRef>
+            <a:fontRef idx="minor">
+              <a:schemeClr val="tx1"/>
+            </a:fontRef>
+          </p:style>
+        </p:cxnSp>
+        <p:sp>
+          <p:nvSpPr>
+            <p:cNvPr id="9" name="TextBox 8">
+              <a:extLst>
+                <a:ext uri="{FF2B5EF4-FFF2-40B4-BE49-F238E27FC236}">
+                  <a16:creationId xmlns:a16="http://schemas.microsoft.com/office/drawing/2014/main" id="{6151DAC9-C3AC-8C9A-63D5-0799793C9FA7}"/>
+                </a:ext>
+              </a:extLst>
+            </p:cNvPr>
+            <p:cNvSpPr txBox="1"/>
+            <p:nvPr/>
+          </p:nvSpPr>
+          <p:spPr>
+            <a:xfrm>
+              <a:off x="6983260" y="4092879"/>
+              <a:ext cx="914400" cy="914400"/>
+            </a:xfrm>
+            <a:prstGeom prst="rect">
+              <a:avLst/>
+            </a:prstGeom>
+            <a:noFill/>
+            <a:ln>
+              <a:noFill/>
+            </a:ln>
+          </p:spPr>
+          <p:txBody>
+            <a:bodyPr wrap="none" rtlCol="0" anchor="ctr" anchorCtr="0">
+              <a:noAutofit/>
+            </a:bodyPr>
+            <a:lstStyle/>
+            <a:p>
+              <a:pPr>
+                <a:spcAft>
+                  <a:spcPts val="600"/>
+                </a:spcAft>
+              </a:pPr>
+              <a:r>
+                <a:rPr lang="en-US" sz="2000" dirty="0">
+                  <a:latin typeface="Helvetica" charset="0"/>
+                  <a:ea typeface="Times New Roman" charset="0"/>
+                  <a:cs typeface="Arial" charset="0"/>
+                </a:rPr>
+                <a:t>20</a:t>
+              </a:r>
+            </a:p>
+          </p:txBody>
+        </p:sp>
+      </p:grpSp>
+      <p:grpSp>
+        <p:nvGrpSpPr>
+          <p:cNvPr id="12" name="Group 11">
+            <a:extLst>
+              <a:ext uri="{FF2B5EF4-FFF2-40B4-BE49-F238E27FC236}">
+                <a16:creationId xmlns:a16="http://schemas.microsoft.com/office/drawing/2014/main" id="{3487B07E-821C-0D27-F5A4-B3BFBA598A8A}"/>
+              </a:ext>
+            </a:extLst>
+          </p:cNvPr>
+          <p:cNvGrpSpPr/>
+          <p:nvPr/>
+        </p:nvGrpSpPr>
+        <p:grpSpPr>
+          <a:xfrm>
+            <a:off x="5599134" y="4639849"/>
+            <a:ext cx="1402914" cy="914400"/>
+            <a:chOff x="5599134" y="4639849"/>
+            <a:chExt cx="1402914" cy="914400"/>
+          </a:xfrm>
+        </p:grpSpPr>
+        <p:cxnSp>
+          <p:nvCxnSpPr>
+            <p:cNvPr id="6" name="Straight Connector 5">
+              <a:extLst>
+                <a:ext uri="{FF2B5EF4-FFF2-40B4-BE49-F238E27FC236}">
+                  <a16:creationId xmlns:a16="http://schemas.microsoft.com/office/drawing/2014/main" id="{445C7DCB-B7D3-2B2F-CCBF-E177343770F3}"/>
+                </a:ext>
+              </a:extLst>
+            </p:cNvPr>
+            <p:cNvCxnSpPr/>
+            <p:nvPr/>
+          </p:nvCxnSpPr>
+          <p:spPr>
+            <a:xfrm>
+              <a:off x="5599134" y="4885151"/>
+              <a:ext cx="1334022" cy="0"/>
+            </a:xfrm>
+            <a:prstGeom prst="line">
+              <a:avLst/>
+            </a:prstGeom>
+            <a:ln w="22225">
+              <a:solidFill>
+                <a:srgbClr val="FF0000"/>
+              </a:solidFill>
+              <a:headEnd type="triangle"/>
+              <a:tailEnd type="triangle"/>
+            </a:ln>
+          </p:spPr>
+          <p:style>
+            <a:lnRef idx="1">
+              <a:schemeClr val="accent1"/>
+            </a:lnRef>
+            <a:fillRef idx="0">
+              <a:schemeClr val="accent1"/>
+            </a:fillRef>
+            <a:effectRef idx="0">
+              <a:schemeClr val="accent1"/>
+            </a:effectRef>
+            <a:fontRef idx="minor">
+              <a:schemeClr val="tx1"/>
+            </a:fontRef>
+          </p:style>
+        </p:cxnSp>
+        <p:sp>
+          <p:nvSpPr>
+            <p:cNvPr id="10" name="TextBox 9">
+              <a:extLst>
+                <a:ext uri="{FF2B5EF4-FFF2-40B4-BE49-F238E27FC236}">
+                  <a16:creationId xmlns:a16="http://schemas.microsoft.com/office/drawing/2014/main" id="{59FCB431-1996-95A1-1DEE-896F69BED70B}"/>
+                </a:ext>
+              </a:extLst>
+            </p:cNvPr>
+            <p:cNvSpPr txBox="1"/>
+            <p:nvPr/>
+          </p:nvSpPr>
+          <p:spPr>
+            <a:xfrm>
+              <a:off x="6087648" y="4639849"/>
+              <a:ext cx="914400" cy="914400"/>
+            </a:xfrm>
+            <a:prstGeom prst="rect">
+              <a:avLst/>
+            </a:prstGeom>
+            <a:noFill/>
+            <a:ln>
+              <a:noFill/>
+            </a:ln>
+          </p:spPr>
+          <p:txBody>
+            <a:bodyPr wrap="none" rtlCol="0" anchor="ctr" anchorCtr="0">
+              <a:noAutofit/>
+            </a:bodyPr>
+            <a:lstStyle/>
+            <a:p>
+              <a:pPr>
+                <a:spcAft>
+                  <a:spcPts val="600"/>
+                </a:spcAft>
+              </a:pPr>
+              <a:r>
+                <a:rPr lang="en-US" sz="2000" dirty="0">
+                  <a:latin typeface="Helvetica" charset="0"/>
+                  <a:ea typeface="Times New Roman" charset="0"/>
+                  <a:cs typeface="Arial" charset="0"/>
+                </a:rPr>
+                <a:t>5</a:t>
+              </a:r>
+            </a:p>
+          </p:txBody>
+        </p:sp>
+      </p:grpSp>
+      <p:sp>
+        <p:nvSpPr>
+          <p:cNvPr id="11" name="TextBox 10">
+            <a:extLst>
+              <a:ext uri="{FF2B5EF4-FFF2-40B4-BE49-F238E27FC236}">
+                <a16:creationId xmlns:a16="http://schemas.microsoft.com/office/drawing/2014/main" id="{F5A7781D-8AB4-3B50-BABF-EA20EBAA5FEA}"/>
+              </a:ext>
+            </a:extLst>
+          </p:cNvPr>
+          <p:cNvSpPr txBox="1"/>
+          <p:nvPr/>
+        </p:nvSpPr>
+        <p:spPr>
+          <a:xfrm>
+            <a:off x="9250471" y="3576181"/>
+            <a:ext cx="914400" cy="914400"/>
+          </a:xfrm>
+          <a:prstGeom prst="rect">
+            <a:avLst/>
+          </a:prstGeom>
+          <a:noFill/>
+          <a:ln>
+            <a:noFill/>
+          </a:ln>
+        </p:spPr>
+        <p:txBody>
+          <a:bodyPr wrap="none" rtlCol="0" anchor="ctr" anchorCtr="0">
+            <a:noAutofit/>
+          </a:bodyPr>
+          <a:lstStyle/>
+          <a:p>
+            <a:pPr>
+              <a:spcAft>
+                <a:spcPts val="600"/>
+              </a:spcAft>
+            </a:pPr>
+            <a:r>
+              <a:rPr lang="en-US" sz="2000" dirty="0">
+                <a:latin typeface="Helvetica" charset="0"/>
+                <a:ea typeface="Times New Roman" charset="0"/>
+                <a:cs typeface="Arial" charset="0"/>
+              </a:rPr>
+              <a:t>Slope ~ 20/5 = 4</a:t>
+            </a:r>
+          </a:p>
+        </p:txBody>
+      </p:sp>
+    </p:spTree>
+    <p:extLst>
+      <p:ext uri="{BB962C8B-B14F-4D97-AF65-F5344CB8AC3E}">
+        <p14:creationId xmlns:p14="http://schemas.microsoft.com/office/powerpoint/2010/main" val="1756345922"/>
+      </p:ext>
+    </p:extLst>
+  </p:cSld>
+  <p:clrMapOvr>
+    <a:masterClrMapping/>
+  </p:clrMapOvr>
+  <p:timing>
+    <p:tnLst>
+      <p:par>
+        <p:cTn id="1" dur="indefinite" restart="never" nodeType="tmRoot">
+          <p:childTnLst>
+            <p:seq concurrent="1" nextAc="seek">
+              <p:cTn id="2" dur="indefinite" nodeType="mainSeq">
+                <p:childTnLst>
+                  <p:par>
+                    <p:cTn id="3" fill="hold">
+                      <p:stCondLst>
+                        <p:cond delay="indefinite"/>
+                      </p:stCondLst>
+                      <p:childTnLst>
+                        <p:par>
+                          <p:cTn id="4" fill="hold">
+                            <p:stCondLst>
+                              <p:cond delay="0"/>
+                            </p:stCondLst>
+                            <p:childTnLst>
+                              <p:par>
+                                <p:cTn id="5" presetID="1" presetClass="entr" presetSubtype="0" fill="hold" nodeType="clickEffect">
+                                  <p:stCondLst>
+                                    <p:cond delay="0"/>
+                                  </p:stCondLst>
+                                  <p:childTnLst>
+                                    <p:set>
+                                      <p:cBhvr>
+                                        <p:cTn id="6" dur="1" fill="hold">
+                                          <p:stCondLst>
+                                            <p:cond delay="0"/>
+                                          </p:stCondLst>
+                                        </p:cTn>
+                                        <p:tgtEl>
+                                          <p:spTgt spid="12"/>
+                                        </p:tgtEl>
+                                        <p:attrNameLst>
+                                          <p:attrName>style.visibility</p:attrName>
+                                        </p:attrNameLst>
+                                      </p:cBhvr>
+                                      <p:to>
+                                        <p:strVal val="visible"/>
+                                      </p:to>
+                                    </p:set>
+                                  </p:childTnLst>
+                                </p:cTn>
+                              </p:par>
+                            </p:childTnLst>
+                          </p:cTn>
+                        </p:par>
+                      </p:childTnLst>
+                    </p:cTn>
+                  </p:par>
+                  <p:par>
+                    <p:cTn id="7" fill="hold">
+                      <p:stCondLst>
+                        <p:cond delay="indefinite"/>
+                      </p:stCondLst>
+                      <p:childTnLst>
+                        <p:par>
+                          <p:cTn id="8" fill="hold">
+                            <p:stCondLst>
+                              <p:cond delay="0"/>
+                            </p:stCondLst>
+                            <p:childTnLst>
+                              <p:par>
+                                <p:cTn id="9" presetID="1" presetClass="entr" presetSubtype="0" fill="hold" nodeType="clickEffect">
+                                  <p:stCondLst>
+                                    <p:cond delay="0"/>
+                                  </p:stCondLst>
+                                  <p:childTnLst>
+                                    <p:set>
+                                      <p:cBhvr>
+                                        <p:cTn id="10" dur="1" fill="hold">
+                                          <p:stCondLst>
+                                            <p:cond delay="0"/>
+                                          </p:stCondLst>
+                                        </p:cTn>
+                                        <p:tgtEl>
+                                          <p:spTgt spid="13"/>
+                                        </p:tgtEl>
+                                        <p:attrNameLst>
+                                          <p:attrName>style.visibility</p:attrName>
+                                        </p:attrNameLst>
+                                      </p:cBhvr>
+                                      <p:to>
+                                        <p:strVal val="visible"/>
+                                      </p:to>
+                                    </p:set>
+                                  </p:childTnLst>
+                                </p:cTn>
+                              </p:par>
+                            </p:childTnLst>
+                          </p:cTn>
+                        </p:par>
+                      </p:childTnLst>
+                    </p:cTn>
+                  </p:par>
+                  <p:par>
+                    <p:cTn id="11" fill="hold">
+                      <p:stCondLst>
+                        <p:cond delay="indefinite"/>
+                      </p:stCondLst>
+                      <p:childTnLst>
+                        <p:par>
+                          <p:cTn id="12" fill="hold">
+                            <p:stCondLst>
+                              <p:cond delay="0"/>
+                            </p:stCondLst>
+                            <p:childTnLst>
+                              <p:par>
+                                <p:cTn id="13" presetID="1" presetClass="entr" presetSubtype="0" fill="hold" grpId="0" nodeType="clickEffect">
+                                  <p:stCondLst>
+                                    <p:cond delay="0"/>
+                                  </p:stCondLst>
+                                  <p:childTnLst>
+                                    <p:set>
+                                      <p:cBhvr>
+                                        <p:cTn id="14" dur="1" fill="hold">
+                                          <p:stCondLst>
+                                            <p:cond delay="0"/>
+                                          </p:stCondLst>
+                                        </p:cTn>
+                                        <p:tgtEl>
+                                          <p:spTgt spid="11"/>
+                                        </p:tgtEl>
+                                        <p:attrNameLst>
+                                          <p:attrName>style.visibility</p:attrName>
+                                        </p:attrNameLst>
+                                      </p:cBhvr>
+                                      <p:to>
+                                        <p:strVal val="visible"/>
+                                      </p:to>
+                                    </p:set>
+                                  </p:childTnLst>
+                                </p:cTn>
+                              </p:par>
+                            </p:childTnLst>
+                          </p:cTn>
+                        </p:par>
+                      </p:childTnLst>
+                    </p:cTn>
+                  </p:par>
+                </p:childTnLst>
+              </p:cTn>
+              <p:prevCondLst>
+                <p:cond evt="onPrev" delay="0">
+                  <p:tgtEl>
+                    <p:sldTgt/>
+                  </p:tgtEl>
+                </p:cond>
+              </p:prevCondLst>
+              <p:nextCondLst>
+                <p:cond evt="onNext" delay="0">
+                  <p:tgtEl>
+                    <p:sldTgt/>
+                  </p:tgtEl>
+                </p:cond>
+              </p:nextCondLst>
+            </p:seq>
+          </p:childTnLst>
+        </p:cTn>
+      </p:par>
+    </p:tnLst>
+    <p:bldLst>
+      <p:bldP spid="11" grpId="0"/>
+    </p:bldLst>
+  </p:timing>
+</p:sld>
+</file>
+
+<file path=ppt/slides/slide53.xml><?xml version="1.0" encoding="utf-8"?>
+<p:sld xmlns:a="http://schemas.openxmlformats.org/drawingml/2006/main" xmlns:r="http://schemas.openxmlformats.org/officeDocument/2006/relationships" xmlns:p="http://schemas.openxmlformats.org/presentationml/2006/main">
+  <p:cSld>
+    <p:spTree>
+      <p:nvGrpSpPr>
+        <p:cNvPr id="1" name=""/>
+        <p:cNvGrpSpPr/>
+        <p:nvPr/>
+      </p:nvGrpSpPr>
+      <p:grpSpPr>
+        <a:xfrm>
+          <a:off x="0" y="0"/>
+          <a:ext cx="0" cy="0"/>
+          <a:chOff x="0" y="0"/>
+          <a:chExt cx="0" cy="0"/>
+        </a:xfrm>
+      </p:grpSpPr>
+      <p:sp>
+        <p:nvSpPr>
+          <p:cNvPr id="3" name="Title 2">
+            <a:extLst>
+              <a:ext uri="{FF2B5EF4-FFF2-40B4-BE49-F238E27FC236}">
+                <a16:creationId xmlns:a16="http://schemas.microsoft.com/office/drawing/2014/main" id="{16567CE7-EA89-035A-7B1D-C51B373EDB22}"/>
+              </a:ext>
+            </a:extLst>
+          </p:cNvPr>
+          <p:cNvSpPr>
+            <a:spLocks noGrp="1"/>
+          </p:cNvSpPr>
+          <p:nvPr>
+            <p:ph type="title"/>
+          </p:nvPr>
+        </p:nvSpPr>
+        <p:spPr/>
+        <p:txBody>
+          <a:bodyPr/>
+          <a:lstStyle/>
+          <a:p>
+            <a:r>
+              <a:rPr lang="en-US" dirty="0"/>
+              <a:t>Interpret parameters from linear model implementation of one-way ANOVA</a:t>
+            </a:r>
+          </a:p>
+        </p:txBody>
+      </p:sp>
+      <p:grpSp>
+        <p:nvGrpSpPr>
+          <p:cNvPr id="37" name="Group 36">
+            <a:extLst>
+              <a:ext uri="{FF2B5EF4-FFF2-40B4-BE49-F238E27FC236}">
+                <a16:creationId xmlns:a16="http://schemas.microsoft.com/office/drawing/2014/main" id="{98834751-CF7D-7809-F26F-1CC77BD4B557}"/>
+              </a:ext>
+            </a:extLst>
+          </p:cNvPr>
+          <p:cNvGrpSpPr/>
+          <p:nvPr/>
+        </p:nvGrpSpPr>
+        <p:grpSpPr>
+          <a:xfrm>
+            <a:off x="411808" y="2428385"/>
+            <a:ext cx="8874065" cy="4064490"/>
+            <a:chOff x="411808" y="2428385"/>
+            <a:chExt cx="8874065" cy="4064490"/>
+          </a:xfrm>
+        </p:grpSpPr>
+        <p:pic>
+          <p:nvPicPr>
+            <p:cNvPr id="4" name="Picture 3" descr="BoxPlotChickenFeed.pdf">
+              <a:extLst>
+                <a:ext uri="{FF2B5EF4-FFF2-40B4-BE49-F238E27FC236}">
+                  <a16:creationId xmlns:a16="http://schemas.microsoft.com/office/drawing/2014/main" id="{22622207-825E-6058-9715-46832A59EE95}"/>
+                </a:ext>
+              </a:extLst>
+            </p:cNvPr>
+            <p:cNvPicPr>
+              <a:picLocks noChangeAspect="1"/>
+            </p:cNvPicPr>
+            <p:nvPr/>
+          </p:nvPicPr>
+          <p:blipFill>
+            <a:blip r:embed="rId2">
+              <a:extLst>
+                <a:ext uri="{28A0092B-C50C-407E-A947-70E740481C1C}">
+                  <a14:useLocalDpi xmlns:a14="http://schemas.microsoft.com/office/drawing/2010/main" val="0"/>
+                </a:ext>
+              </a:extLst>
+            </a:blip>
+            <a:stretch>
+              <a:fillRect/>
+            </a:stretch>
+          </p:blipFill>
+          <p:spPr>
+            <a:xfrm>
+              <a:off x="2542254" y="2428385"/>
+              <a:ext cx="6743619" cy="4064490"/>
+            </a:xfrm>
+            <a:prstGeom prst="rect">
+              <a:avLst/>
+            </a:prstGeom>
+          </p:spPr>
+        </p:pic>
+        <p:cxnSp>
+          <p:nvCxnSpPr>
+            <p:cNvPr id="6" name="Straight Connector 5">
+              <a:extLst>
+                <a:ext uri="{FF2B5EF4-FFF2-40B4-BE49-F238E27FC236}">
+                  <a16:creationId xmlns:a16="http://schemas.microsoft.com/office/drawing/2014/main" id="{479026CE-FD1E-A18F-DABD-B88CCCBF8801}"/>
+                </a:ext>
+              </a:extLst>
+            </p:cNvPr>
+            <p:cNvCxnSpPr/>
+            <p:nvPr/>
+          </p:nvCxnSpPr>
+          <p:spPr>
+            <a:xfrm>
+              <a:off x="3983277" y="3507288"/>
+              <a:ext cx="244257" cy="0"/>
+            </a:xfrm>
+            <a:prstGeom prst="line">
+              <a:avLst/>
+            </a:prstGeom>
+          </p:spPr>
+          <p:style>
+            <a:lnRef idx="1">
+              <a:schemeClr val="accent4"/>
+            </a:lnRef>
+            <a:fillRef idx="0">
+              <a:schemeClr val="accent4"/>
+            </a:fillRef>
+            <a:effectRef idx="0">
+              <a:schemeClr val="accent4"/>
+            </a:effectRef>
+            <a:fontRef idx="minor">
+              <a:schemeClr val="tx1"/>
+            </a:fontRef>
+          </p:style>
+        </p:cxnSp>
+        <p:cxnSp>
+          <p:nvCxnSpPr>
+            <p:cNvPr id="8" name="Straight Connector 7">
+              <a:extLst>
+                <a:ext uri="{FF2B5EF4-FFF2-40B4-BE49-F238E27FC236}">
+                  <a16:creationId xmlns:a16="http://schemas.microsoft.com/office/drawing/2014/main" id="{A4BAC18A-5055-B51D-2E40-D61D5686BA16}"/>
+                </a:ext>
+              </a:extLst>
+            </p:cNvPr>
+            <p:cNvCxnSpPr/>
+            <p:nvPr/>
+          </p:nvCxnSpPr>
+          <p:spPr>
+            <a:xfrm>
+              <a:off x="4105405" y="5486400"/>
+              <a:ext cx="122129" cy="0"/>
+            </a:xfrm>
+            <a:prstGeom prst="line">
+              <a:avLst/>
+            </a:prstGeom>
+          </p:spPr>
+          <p:style>
+            <a:lnRef idx="1">
+              <a:schemeClr val="accent4"/>
+            </a:lnRef>
+            <a:fillRef idx="0">
+              <a:schemeClr val="accent4"/>
+            </a:fillRef>
+            <a:effectRef idx="0">
+              <a:schemeClr val="accent4"/>
+            </a:effectRef>
+            <a:fontRef idx="minor">
+              <a:schemeClr val="tx1"/>
+            </a:fontRef>
+          </p:style>
+        </p:cxnSp>
+        <p:cxnSp>
+          <p:nvCxnSpPr>
+            <p:cNvPr id="12" name="Straight Connector 11">
+              <a:extLst>
+                <a:ext uri="{FF2B5EF4-FFF2-40B4-BE49-F238E27FC236}">
+                  <a16:creationId xmlns:a16="http://schemas.microsoft.com/office/drawing/2014/main" id="{A5F6FA9D-17C6-9120-1961-3A23925CDA40}"/>
+                </a:ext>
+              </a:extLst>
+            </p:cNvPr>
+            <p:cNvCxnSpPr/>
+            <p:nvPr/>
+          </p:nvCxnSpPr>
+          <p:spPr>
+            <a:xfrm>
+              <a:off x="4105405" y="3507288"/>
+              <a:ext cx="0" cy="1979112"/>
+            </a:xfrm>
+            <a:prstGeom prst="line">
+              <a:avLst/>
+            </a:prstGeom>
+            <a:ln>
+              <a:headEnd type="triangle"/>
+              <a:tailEnd type="triangle"/>
+            </a:ln>
+          </p:spPr>
+          <p:style>
+            <a:lnRef idx="1">
+              <a:schemeClr val="accent4"/>
+            </a:lnRef>
+            <a:fillRef idx="0">
+              <a:schemeClr val="accent4"/>
+            </a:fillRef>
+            <a:effectRef idx="0">
+              <a:schemeClr val="accent4"/>
+            </a:effectRef>
+            <a:fontRef idx="minor">
+              <a:schemeClr val="tx1"/>
+            </a:fontRef>
+          </p:style>
+        </p:cxnSp>
+        <p:cxnSp>
+          <p:nvCxnSpPr>
+            <p:cNvPr id="14" name="Straight Connector 13">
+              <a:extLst>
+                <a:ext uri="{FF2B5EF4-FFF2-40B4-BE49-F238E27FC236}">
+                  <a16:creationId xmlns:a16="http://schemas.microsoft.com/office/drawing/2014/main" id="{F042C455-D975-592F-C05F-6199E86E39DF}"/>
+                </a:ext>
+              </a:extLst>
+            </p:cNvPr>
+            <p:cNvCxnSpPr/>
+            <p:nvPr/>
+          </p:nvCxnSpPr>
+          <p:spPr>
+            <a:xfrm>
+              <a:off x="2987458" y="3569918"/>
+              <a:ext cx="219205" cy="0"/>
+            </a:xfrm>
+            <a:prstGeom prst="line">
+              <a:avLst/>
+            </a:prstGeom>
+            <a:ln>
+              <a:headEnd type="triangle"/>
+            </a:ln>
+          </p:spPr>
+          <p:style>
+            <a:lnRef idx="1">
+              <a:schemeClr val="accent4"/>
+            </a:lnRef>
+            <a:fillRef idx="0">
+              <a:schemeClr val="accent4"/>
+            </a:fillRef>
+            <a:effectRef idx="0">
+              <a:schemeClr val="accent4"/>
+            </a:effectRef>
+            <a:fontRef idx="minor">
+              <a:schemeClr val="tx1"/>
+            </a:fontRef>
+          </p:style>
+        </p:cxnSp>
+        <p:cxnSp>
+          <p:nvCxnSpPr>
+            <p:cNvPr id="16" name="Straight Connector 15">
+              <a:extLst>
+                <a:ext uri="{FF2B5EF4-FFF2-40B4-BE49-F238E27FC236}">
+                  <a16:creationId xmlns:a16="http://schemas.microsoft.com/office/drawing/2014/main" id="{ABC83764-605A-335B-4F8D-9021AF58D8E8}"/>
+                </a:ext>
+              </a:extLst>
+            </p:cNvPr>
+            <p:cNvCxnSpPr/>
+            <p:nvPr/>
+          </p:nvCxnSpPr>
+          <p:spPr>
+            <a:xfrm>
+              <a:off x="4227534" y="3507288"/>
+              <a:ext cx="2874724" cy="0"/>
+            </a:xfrm>
+            <a:prstGeom prst="line">
+              <a:avLst/>
+            </a:prstGeom>
+          </p:spPr>
+          <p:style>
+            <a:lnRef idx="1">
+              <a:schemeClr val="accent4"/>
+            </a:lnRef>
+            <a:fillRef idx="0">
+              <a:schemeClr val="accent4"/>
+            </a:fillRef>
+            <a:effectRef idx="0">
+              <a:schemeClr val="accent4"/>
+            </a:effectRef>
+            <a:fontRef idx="minor">
+              <a:schemeClr val="tx1"/>
+            </a:fontRef>
+          </p:style>
+        </p:cxnSp>
+        <p:cxnSp>
+          <p:nvCxnSpPr>
+            <p:cNvPr id="18" name="Straight Connector 17">
+              <a:extLst>
+                <a:ext uri="{FF2B5EF4-FFF2-40B4-BE49-F238E27FC236}">
+                  <a16:creationId xmlns:a16="http://schemas.microsoft.com/office/drawing/2014/main" id="{18748E68-5967-E1AD-794B-F49638F93464}"/>
+                </a:ext>
+              </a:extLst>
+            </p:cNvPr>
+            <p:cNvCxnSpPr/>
+            <p:nvPr/>
+          </p:nvCxnSpPr>
+          <p:spPr>
+            <a:xfrm>
+              <a:off x="4941518" y="4766153"/>
+              <a:ext cx="256783" cy="0"/>
+            </a:xfrm>
+            <a:prstGeom prst="line">
+              <a:avLst/>
+            </a:prstGeom>
+          </p:spPr>
+          <p:style>
+            <a:lnRef idx="1">
+              <a:schemeClr val="accent4"/>
+            </a:lnRef>
+            <a:fillRef idx="0">
+              <a:schemeClr val="accent4"/>
+            </a:fillRef>
+            <a:effectRef idx="0">
+              <a:schemeClr val="accent4"/>
+            </a:effectRef>
+            <a:fontRef idx="minor">
+              <a:schemeClr val="tx1"/>
+            </a:fontRef>
+          </p:style>
+        </p:cxnSp>
+        <p:cxnSp>
+          <p:nvCxnSpPr>
+            <p:cNvPr id="20" name="Straight Connector 19">
+              <a:extLst>
+                <a:ext uri="{FF2B5EF4-FFF2-40B4-BE49-F238E27FC236}">
+                  <a16:creationId xmlns:a16="http://schemas.microsoft.com/office/drawing/2014/main" id="{0BB944F6-BA9C-7E8A-DD7C-F48BA8C37776}"/>
+                </a:ext>
+              </a:extLst>
+            </p:cNvPr>
+            <p:cNvCxnSpPr/>
+            <p:nvPr/>
+          </p:nvCxnSpPr>
+          <p:spPr>
+            <a:xfrm>
+              <a:off x="4997885" y="3507288"/>
+              <a:ext cx="0" cy="1258865"/>
+            </a:xfrm>
+            <a:prstGeom prst="line">
+              <a:avLst/>
+            </a:prstGeom>
+            <a:ln>
+              <a:headEnd type="triangle"/>
+              <a:tailEnd type="triangle"/>
+            </a:ln>
+          </p:spPr>
+          <p:style>
+            <a:lnRef idx="1">
+              <a:schemeClr val="accent4"/>
+            </a:lnRef>
+            <a:fillRef idx="0">
+              <a:schemeClr val="accent4"/>
+            </a:fillRef>
+            <a:effectRef idx="0">
+              <a:schemeClr val="accent4"/>
+            </a:effectRef>
+            <a:fontRef idx="minor">
+              <a:schemeClr val="tx1"/>
+            </a:fontRef>
+          </p:style>
+        </p:cxnSp>
+        <p:cxnSp>
+          <p:nvCxnSpPr>
+            <p:cNvPr id="22" name="Straight Connector 21">
+              <a:extLst>
+                <a:ext uri="{FF2B5EF4-FFF2-40B4-BE49-F238E27FC236}">
+                  <a16:creationId xmlns:a16="http://schemas.microsoft.com/office/drawing/2014/main" id="{2FB19C34-B2E2-7709-F256-17FE8809EADF}"/>
+                </a:ext>
+              </a:extLst>
+            </p:cNvPr>
+            <p:cNvCxnSpPr/>
+            <p:nvPr/>
+          </p:nvCxnSpPr>
+          <p:spPr>
+            <a:xfrm>
+              <a:off x="5993704" y="4171167"/>
+              <a:ext cx="256784" cy="0"/>
+            </a:xfrm>
+            <a:prstGeom prst="line">
+              <a:avLst/>
+            </a:prstGeom>
+          </p:spPr>
+          <p:style>
+            <a:lnRef idx="1">
+              <a:schemeClr val="accent4"/>
+            </a:lnRef>
+            <a:fillRef idx="0">
+              <a:schemeClr val="accent4"/>
+            </a:fillRef>
+            <a:effectRef idx="0">
+              <a:schemeClr val="accent4"/>
+            </a:effectRef>
+            <a:fontRef idx="minor">
+              <a:schemeClr val="tx1"/>
+            </a:fontRef>
+          </p:style>
+        </p:cxnSp>
+        <p:cxnSp>
+          <p:nvCxnSpPr>
+            <p:cNvPr id="24" name="Straight Connector 23">
+              <a:extLst>
+                <a:ext uri="{FF2B5EF4-FFF2-40B4-BE49-F238E27FC236}">
+                  <a16:creationId xmlns:a16="http://schemas.microsoft.com/office/drawing/2014/main" id="{3FACFE19-37A3-8335-F2CD-01DB5CE2083F}"/>
+                </a:ext>
+              </a:extLst>
+            </p:cNvPr>
+            <p:cNvCxnSpPr/>
+            <p:nvPr/>
+          </p:nvCxnSpPr>
+          <p:spPr>
+            <a:xfrm>
+              <a:off x="6096000" y="3507288"/>
+              <a:ext cx="0" cy="682668"/>
+            </a:xfrm>
+            <a:prstGeom prst="line">
+              <a:avLst/>
+            </a:prstGeom>
+            <a:ln>
+              <a:headEnd type="triangle"/>
+              <a:tailEnd type="triangle"/>
+            </a:ln>
+          </p:spPr>
+          <p:style>
+            <a:lnRef idx="1">
+              <a:schemeClr val="accent4"/>
+            </a:lnRef>
+            <a:fillRef idx="0">
+              <a:schemeClr val="accent4"/>
+            </a:fillRef>
+            <a:effectRef idx="0">
+              <a:schemeClr val="accent4"/>
+            </a:effectRef>
+            <a:fontRef idx="minor">
+              <a:schemeClr val="tx1"/>
+            </a:fontRef>
+          </p:style>
+        </p:cxnSp>
+        <p:sp>
+          <p:nvSpPr>
+            <p:cNvPr id="25" name="TextBox 24">
+              <a:extLst>
+                <a:ext uri="{FF2B5EF4-FFF2-40B4-BE49-F238E27FC236}">
+                  <a16:creationId xmlns:a16="http://schemas.microsoft.com/office/drawing/2014/main" id="{2705E509-4C8F-E5A1-D7AA-B8176BF84DD9}"/>
+                </a:ext>
+              </a:extLst>
+            </p:cNvPr>
+            <p:cNvSpPr txBox="1"/>
+            <p:nvPr/>
+          </p:nvSpPr>
+          <p:spPr>
+            <a:xfrm>
+              <a:off x="2427963" y="3112718"/>
+              <a:ext cx="914400" cy="914400"/>
+            </a:xfrm>
+            <a:prstGeom prst="rect">
+              <a:avLst/>
+            </a:prstGeom>
+            <a:noFill/>
+            <a:ln>
+              <a:noFill/>
+            </a:ln>
+          </p:spPr>
+          <p:txBody>
+            <a:bodyPr wrap="none" rtlCol="0" anchor="ctr" anchorCtr="0">
+              <a:noAutofit/>
+            </a:bodyPr>
+            <a:lstStyle/>
+            <a:p>
+              <a:pPr>
+                <a:spcAft>
+                  <a:spcPts val="600"/>
+                </a:spcAft>
+              </a:pPr>
+              <a:r>
+                <a:rPr lang="en-US" sz="2000" dirty="0">
+                  <a:latin typeface="Helvetica" charset="0"/>
+                  <a:ea typeface="Times New Roman" charset="0"/>
+                  <a:cs typeface="Arial" charset="0"/>
+                </a:rPr>
+                <a:t>330</a:t>
+              </a:r>
+            </a:p>
+          </p:txBody>
+        </p:sp>
+        <p:sp>
+          <p:nvSpPr>
+            <p:cNvPr id="26" name="TextBox 25">
+              <a:extLst>
+                <a:ext uri="{FF2B5EF4-FFF2-40B4-BE49-F238E27FC236}">
+                  <a16:creationId xmlns:a16="http://schemas.microsoft.com/office/drawing/2014/main" id="{48247544-4369-3E60-3841-31FAD4B28555}"/>
+                </a:ext>
+              </a:extLst>
+            </p:cNvPr>
+            <p:cNvSpPr txBox="1"/>
+            <p:nvPr/>
+          </p:nvSpPr>
+          <p:spPr>
+            <a:xfrm>
+              <a:off x="4041732" y="4003430"/>
+              <a:ext cx="914400" cy="914400"/>
+            </a:xfrm>
+            <a:prstGeom prst="rect">
+              <a:avLst/>
+            </a:prstGeom>
+            <a:noFill/>
+            <a:ln>
+              <a:noFill/>
+            </a:ln>
+          </p:spPr>
+          <p:txBody>
+            <a:bodyPr wrap="none" rtlCol="0" anchor="ctr" anchorCtr="0">
+              <a:noAutofit/>
+            </a:bodyPr>
+            <a:lstStyle/>
+            <a:p>
+              <a:pPr>
+                <a:spcAft>
+                  <a:spcPts val="600"/>
+                </a:spcAft>
+              </a:pPr>
+              <a:r>
+                <a:rPr lang="en-US" sz="2000" dirty="0">
+                  <a:latin typeface="Helvetica" charset="0"/>
+                  <a:ea typeface="Times New Roman" charset="0"/>
+                  <a:cs typeface="Arial" charset="0"/>
+                </a:rPr>
+                <a:t>160</a:t>
+              </a:r>
+            </a:p>
+          </p:txBody>
+        </p:sp>
+        <p:sp>
+          <p:nvSpPr>
+            <p:cNvPr id="27" name="TextBox 26">
+              <a:extLst>
+                <a:ext uri="{FF2B5EF4-FFF2-40B4-BE49-F238E27FC236}">
+                  <a16:creationId xmlns:a16="http://schemas.microsoft.com/office/drawing/2014/main" id="{01642AAD-9E4E-6837-8715-EA9380B97A06}"/>
+                </a:ext>
+              </a:extLst>
+            </p:cNvPr>
+            <p:cNvSpPr txBox="1"/>
+            <p:nvPr/>
+          </p:nvSpPr>
+          <p:spPr>
+            <a:xfrm>
+              <a:off x="4951957" y="3671792"/>
+              <a:ext cx="914400" cy="914400"/>
+            </a:xfrm>
+            <a:prstGeom prst="rect">
+              <a:avLst/>
+            </a:prstGeom>
+            <a:noFill/>
+            <a:ln>
+              <a:noFill/>
+            </a:ln>
+          </p:spPr>
+          <p:txBody>
+            <a:bodyPr wrap="none" rtlCol="0" anchor="ctr" anchorCtr="0">
+              <a:noAutofit/>
+            </a:bodyPr>
+            <a:lstStyle/>
+            <a:p>
+              <a:pPr>
+                <a:spcAft>
+                  <a:spcPts val="600"/>
+                </a:spcAft>
+              </a:pPr>
+              <a:r>
+                <a:rPr lang="en-US" sz="2000" dirty="0">
+                  <a:latin typeface="Helvetica" charset="0"/>
+                  <a:ea typeface="Times New Roman" charset="0"/>
+                  <a:cs typeface="Arial" charset="0"/>
+                </a:rPr>
+                <a:t>100</a:t>
+              </a:r>
+            </a:p>
+          </p:txBody>
+        </p:sp>
+        <p:sp>
+          <p:nvSpPr>
+            <p:cNvPr id="28" name="TextBox 27">
+              <a:extLst>
+                <a:ext uri="{FF2B5EF4-FFF2-40B4-BE49-F238E27FC236}">
+                  <a16:creationId xmlns:a16="http://schemas.microsoft.com/office/drawing/2014/main" id="{E2886D9D-6DDC-8AFA-65A5-A3EE969B59E8}"/>
+                </a:ext>
+              </a:extLst>
+            </p:cNvPr>
+            <p:cNvSpPr txBox="1"/>
+            <p:nvPr/>
+          </p:nvSpPr>
+          <p:spPr>
+            <a:xfrm>
+              <a:off x="6012449" y="3429000"/>
+              <a:ext cx="914400" cy="914400"/>
+            </a:xfrm>
+            <a:prstGeom prst="rect">
+              <a:avLst/>
+            </a:prstGeom>
+            <a:noFill/>
+            <a:ln>
+              <a:noFill/>
+            </a:ln>
+          </p:spPr>
+          <p:txBody>
+            <a:bodyPr wrap="none" rtlCol="0" anchor="ctr" anchorCtr="0">
+              <a:noAutofit/>
+            </a:bodyPr>
+            <a:lstStyle/>
+            <a:p>
+              <a:pPr>
+                <a:spcAft>
+                  <a:spcPts val="600"/>
+                </a:spcAft>
+              </a:pPr>
+              <a:r>
+                <a:rPr lang="en-US" sz="2000" dirty="0">
+                  <a:latin typeface="Helvetica" charset="0"/>
+                  <a:ea typeface="Times New Roman" charset="0"/>
+                  <a:cs typeface="Arial" charset="0"/>
+                </a:rPr>
+                <a:t>50</a:t>
+              </a:r>
+            </a:p>
+          </p:txBody>
+        </p:sp>
+        <p:pic>
+          <p:nvPicPr>
+            <p:cNvPr id="32" name="Picture 31">
+              <a:extLst>
+                <a:ext uri="{FF2B5EF4-FFF2-40B4-BE49-F238E27FC236}">
+                  <a16:creationId xmlns:a16="http://schemas.microsoft.com/office/drawing/2014/main" id="{1C804F59-38AD-8DC7-E636-0A5E755ABC9E}"/>
+                </a:ext>
+              </a:extLst>
+            </p:cNvPr>
+            <p:cNvPicPr>
+              <a:picLocks noChangeAspect="1"/>
+            </p:cNvPicPr>
+            <p:nvPr/>
+          </p:nvPicPr>
+          <p:blipFill>
+            <a:blip r:embed="rId3"/>
+            <a:stretch>
+              <a:fillRect/>
+            </a:stretch>
+          </p:blipFill>
+          <p:spPr>
+            <a:xfrm>
+              <a:off x="411808" y="3425050"/>
+              <a:ext cx="2057400" cy="241300"/>
+            </a:xfrm>
+            <a:prstGeom prst="rect">
+              <a:avLst/>
+            </a:prstGeom>
+          </p:spPr>
+        </p:pic>
+        <p:pic>
+          <p:nvPicPr>
+            <p:cNvPr id="34" name="Picture 33">
+              <a:extLst>
+                <a:ext uri="{FF2B5EF4-FFF2-40B4-BE49-F238E27FC236}">
+                  <a16:creationId xmlns:a16="http://schemas.microsoft.com/office/drawing/2014/main" id="{D392DEF4-FD36-B1F2-D997-78DA485AEDAD}"/>
+                </a:ext>
+              </a:extLst>
+            </p:cNvPr>
+            <p:cNvPicPr>
+              <a:picLocks noChangeAspect="1"/>
+            </p:cNvPicPr>
+            <p:nvPr/>
+          </p:nvPicPr>
+          <p:blipFill>
+            <a:blip r:embed="rId4"/>
+            <a:stretch>
+              <a:fillRect/>
+            </a:stretch>
+          </p:blipFill>
+          <p:spPr>
+            <a:xfrm>
+              <a:off x="2028957" y="4404047"/>
+              <a:ext cx="2044700" cy="190500"/>
+            </a:xfrm>
+            <a:prstGeom prst="rect">
+              <a:avLst/>
+            </a:prstGeom>
+          </p:spPr>
+        </p:pic>
+        <p:pic>
+          <p:nvPicPr>
+            <p:cNvPr id="36" name="Picture 35">
+              <a:extLst>
+                <a:ext uri="{FF2B5EF4-FFF2-40B4-BE49-F238E27FC236}">
+                  <a16:creationId xmlns:a16="http://schemas.microsoft.com/office/drawing/2014/main" id="{E31E03FE-2B03-EB47-6150-972DA7B5EC54}"/>
+                </a:ext>
+              </a:extLst>
+            </p:cNvPr>
+            <p:cNvPicPr>
+              <a:picLocks noChangeAspect="1"/>
+            </p:cNvPicPr>
+            <p:nvPr/>
+          </p:nvPicPr>
+          <p:blipFill>
+            <a:blip r:embed="rId5"/>
+            <a:stretch>
+              <a:fillRect/>
+            </a:stretch>
+          </p:blipFill>
+          <p:spPr>
+            <a:xfrm>
+              <a:off x="4015528" y="3672832"/>
+              <a:ext cx="2070100" cy="177800"/>
+            </a:xfrm>
+            <a:prstGeom prst="rect">
+              <a:avLst/>
+            </a:prstGeom>
+          </p:spPr>
+        </p:pic>
+      </p:grpSp>
+    </p:spTree>
+    <p:extLst>
+      <p:ext uri="{BB962C8B-B14F-4D97-AF65-F5344CB8AC3E}">
+        <p14:creationId xmlns:p14="http://schemas.microsoft.com/office/powerpoint/2010/main" val="3138067339"/>
+      </p:ext>
+    </p:extLst>
+  </p:cSld>
+  <p:clrMapOvr>
+    <a:masterClrMapping/>
+  </p:clrMapOvr>
+</p:sld>
+</file>
+
+<file path=ppt/slides/slide54.xml><?xml version="1.0" encoding="utf-8"?>
+<p:sld xmlns:a="http://schemas.openxmlformats.org/drawingml/2006/main" xmlns:r="http://schemas.openxmlformats.org/officeDocument/2006/relationships" xmlns:p="http://schemas.openxmlformats.org/presentationml/2006/main">
+  <p:cSld>
+    <p:spTree>
+      <p:nvGrpSpPr>
+        <p:cNvPr id="1" name=""/>
+        <p:cNvGrpSpPr/>
+        <p:nvPr/>
+      </p:nvGrpSpPr>
+      <p:grpSpPr>
+        <a:xfrm>
+          <a:off x="0" y="0"/>
+          <a:ext cx="0" cy="0"/>
+          <a:chOff x="0" y="0"/>
+          <a:chExt cx="0" cy="0"/>
+        </a:xfrm>
+      </p:grpSpPr>
+      <p:sp>
+        <p:nvSpPr>
+          <p:cNvPr id="3" name="Title 2">
+            <a:extLst>
+              <a:ext uri="{FF2B5EF4-FFF2-40B4-BE49-F238E27FC236}">
+                <a16:creationId xmlns:a16="http://schemas.microsoft.com/office/drawing/2014/main" id="{118BF13D-1292-4307-34A7-A8912331DB6F}"/>
+              </a:ext>
+            </a:extLst>
+          </p:cNvPr>
+          <p:cNvSpPr>
+            <a:spLocks noGrp="1"/>
+          </p:cNvSpPr>
+          <p:nvPr>
+            <p:ph type="title"/>
+          </p:nvPr>
+        </p:nvSpPr>
+        <p:spPr/>
+        <p:txBody>
+          <a:bodyPr/>
+          <a:lstStyle/>
+          <a:p>
+            <a:r>
+              <a:rPr lang="en-US" dirty="0"/>
+              <a:t>Interpret parameters from linear model implementation of two-way ANOVA</a:t>
+            </a:r>
+          </a:p>
+        </p:txBody>
+      </p:sp>
+      <p:sp>
+        <p:nvSpPr>
+          <p:cNvPr id="4" name="TextBox 3">
+            <a:extLst>
+              <a:ext uri="{FF2B5EF4-FFF2-40B4-BE49-F238E27FC236}">
+                <a16:creationId xmlns:a16="http://schemas.microsoft.com/office/drawing/2014/main" id="{7A71E460-2978-3CC4-E5F0-8ABA15217993}"/>
+              </a:ext>
+            </a:extLst>
+          </p:cNvPr>
+          <p:cNvSpPr txBox="1"/>
+          <p:nvPr/>
+        </p:nvSpPr>
+        <p:spPr>
+          <a:xfrm>
+            <a:off x="4709786" y="-388307"/>
+            <a:ext cx="0" cy="0"/>
+          </a:xfrm>
+          <a:prstGeom prst="rect">
+            <a:avLst/>
+          </a:prstGeom>
+          <a:noFill/>
+          <a:ln>
+            <a:solidFill>
+              <a:schemeClr val="accent1">
+                <a:shade val="50000"/>
+              </a:schemeClr>
+            </a:solidFill>
+          </a:ln>
+        </p:spPr>
+        <p:txBody>
+          <a:bodyPr wrap="none" rtlCol="0" anchor="ctr" anchorCtr="0">
+            <a:noAutofit/>
+          </a:bodyPr>
+          <a:lstStyle/>
+          <a:p>
+            <a:pPr>
+              <a:spcAft>
+                <a:spcPts val="600"/>
+              </a:spcAft>
+            </a:pPr>
+            <a:endParaRPr lang="en-US" sz="2000" dirty="0" err="1">
+              <a:latin typeface="Helvetica" charset="0"/>
+              <a:ea typeface="Times New Roman" charset="0"/>
+              <a:cs typeface="Arial" charset="0"/>
+            </a:endParaRPr>
+          </a:p>
+        </p:txBody>
+      </p:sp>
+      <p:grpSp>
+        <p:nvGrpSpPr>
+          <p:cNvPr id="29" name="Group 28">
+            <a:extLst>
+              <a:ext uri="{FF2B5EF4-FFF2-40B4-BE49-F238E27FC236}">
+                <a16:creationId xmlns:a16="http://schemas.microsoft.com/office/drawing/2014/main" id="{08DB3E20-09F8-D332-F3EB-57B35442B2EE}"/>
+              </a:ext>
+            </a:extLst>
+          </p:cNvPr>
+          <p:cNvGrpSpPr/>
+          <p:nvPr/>
+        </p:nvGrpSpPr>
+        <p:grpSpPr>
+          <a:xfrm>
+            <a:off x="1132389" y="2054477"/>
+            <a:ext cx="8844592" cy="4803523"/>
+            <a:chOff x="1132389" y="2054477"/>
+            <a:chExt cx="8844592" cy="4803523"/>
+          </a:xfrm>
+        </p:grpSpPr>
+        <p:pic>
+          <p:nvPicPr>
+            <p:cNvPr id="8" name="Picture 7">
+              <a:extLst>
+                <a:ext uri="{FF2B5EF4-FFF2-40B4-BE49-F238E27FC236}">
+                  <a16:creationId xmlns:a16="http://schemas.microsoft.com/office/drawing/2014/main" id="{86355AFB-50FB-DF4C-3256-2C35BF682DBF}"/>
+                </a:ext>
+              </a:extLst>
+            </p:cNvPr>
+            <p:cNvPicPr>
+              <a:picLocks noChangeAspect="1"/>
+            </p:cNvPicPr>
+            <p:nvPr/>
+          </p:nvPicPr>
+          <p:blipFill>
+            <a:blip r:embed="rId2"/>
+            <a:stretch>
+              <a:fillRect/>
+            </a:stretch>
+          </p:blipFill>
+          <p:spPr>
+            <a:xfrm>
+              <a:off x="3114806" y="2054477"/>
+              <a:ext cx="6862175" cy="4803523"/>
+            </a:xfrm>
+            <a:prstGeom prst="rect">
+              <a:avLst/>
+            </a:prstGeom>
+          </p:spPr>
+        </p:pic>
+        <p:cxnSp>
+          <p:nvCxnSpPr>
+            <p:cNvPr id="10" name="Straight Connector 9">
+              <a:extLst>
+                <a:ext uri="{FF2B5EF4-FFF2-40B4-BE49-F238E27FC236}">
+                  <a16:creationId xmlns:a16="http://schemas.microsoft.com/office/drawing/2014/main" id="{E31F54CA-4316-6893-0B21-172E11945C96}"/>
+                </a:ext>
+              </a:extLst>
+            </p:cNvPr>
+            <p:cNvCxnSpPr/>
+            <p:nvPr/>
+          </p:nvCxnSpPr>
+          <p:spPr>
+            <a:xfrm>
+              <a:off x="3569918" y="5129408"/>
+              <a:ext cx="444674" cy="0"/>
+            </a:xfrm>
+            <a:prstGeom prst="line">
+              <a:avLst/>
+            </a:prstGeom>
+          </p:spPr>
+          <p:style>
+            <a:lnRef idx="1">
+              <a:schemeClr val="accent4"/>
+            </a:lnRef>
+            <a:fillRef idx="0">
+              <a:schemeClr val="accent4"/>
+            </a:fillRef>
+            <a:effectRef idx="0">
+              <a:schemeClr val="accent4"/>
+            </a:effectRef>
+            <a:fontRef idx="minor">
+              <a:schemeClr val="tx1"/>
+            </a:fontRef>
+          </p:style>
+        </p:cxnSp>
+        <p:cxnSp>
+          <p:nvCxnSpPr>
+            <p:cNvPr id="12" name="Straight Connector 11">
+              <a:extLst>
+                <a:ext uri="{FF2B5EF4-FFF2-40B4-BE49-F238E27FC236}">
+                  <a16:creationId xmlns:a16="http://schemas.microsoft.com/office/drawing/2014/main" id="{F7F2E8BF-8B2F-8752-31FC-B0B0070B949D}"/>
+                </a:ext>
+              </a:extLst>
+            </p:cNvPr>
+            <p:cNvCxnSpPr/>
+            <p:nvPr/>
+          </p:nvCxnSpPr>
+          <p:spPr>
+            <a:xfrm>
+              <a:off x="4628367" y="5098093"/>
+              <a:ext cx="3576181" cy="0"/>
+            </a:xfrm>
+            <a:prstGeom prst="line">
+              <a:avLst/>
+            </a:prstGeom>
+          </p:spPr>
+          <p:style>
+            <a:lnRef idx="1">
+              <a:schemeClr val="accent4"/>
+            </a:lnRef>
+            <a:fillRef idx="0">
+              <a:schemeClr val="accent4"/>
+            </a:fillRef>
+            <a:effectRef idx="0">
+              <a:schemeClr val="accent4"/>
+            </a:effectRef>
+            <a:fontRef idx="minor">
+              <a:schemeClr val="tx1"/>
+            </a:fontRef>
+          </p:style>
+        </p:cxnSp>
+        <p:cxnSp>
+          <p:nvCxnSpPr>
+            <p:cNvPr id="14" name="Straight Connector 13">
+              <a:extLst>
+                <a:ext uri="{FF2B5EF4-FFF2-40B4-BE49-F238E27FC236}">
+                  <a16:creationId xmlns:a16="http://schemas.microsoft.com/office/drawing/2014/main" id="{43B58CE1-B31C-8BA5-304A-33C5486E8024}"/>
+                </a:ext>
+              </a:extLst>
+            </p:cNvPr>
+            <p:cNvCxnSpPr/>
+            <p:nvPr/>
+          </p:nvCxnSpPr>
+          <p:spPr>
+            <a:xfrm>
+              <a:off x="5285984" y="3688915"/>
+              <a:ext cx="482252" cy="0"/>
+            </a:xfrm>
+            <a:prstGeom prst="line">
+              <a:avLst/>
+            </a:prstGeom>
+          </p:spPr>
+          <p:style>
+            <a:lnRef idx="1">
+              <a:schemeClr val="accent4"/>
+            </a:lnRef>
+            <a:fillRef idx="0">
+              <a:schemeClr val="accent4"/>
+            </a:fillRef>
+            <a:effectRef idx="0">
+              <a:schemeClr val="accent4"/>
+            </a:effectRef>
+            <a:fontRef idx="minor">
+              <a:schemeClr val="tx1"/>
+            </a:fontRef>
+          </p:style>
+        </p:cxnSp>
+        <p:cxnSp>
+          <p:nvCxnSpPr>
+            <p:cNvPr id="16" name="Straight Connector 15">
+              <a:extLst>
+                <a:ext uri="{FF2B5EF4-FFF2-40B4-BE49-F238E27FC236}">
+                  <a16:creationId xmlns:a16="http://schemas.microsoft.com/office/drawing/2014/main" id="{22255409-8F00-5D60-8205-2EBC1949FC47}"/>
+                </a:ext>
+              </a:extLst>
+            </p:cNvPr>
+            <p:cNvCxnSpPr/>
+            <p:nvPr/>
+          </p:nvCxnSpPr>
+          <p:spPr>
+            <a:xfrm>
+              <a:off x="7139836" y="3344449"/>
+              <a:ext cx="388306" cy="0"/>
+            </a:xfrm>
+            <a:prstGeom prst="line">
+              <a:avLst/>
+            </a:prstGeom>
+          </p:spPr>
+          <p:style>
+            <a:lnRef idx="1">
+              <a:schemeClr val="accent4"/>
+            </a:lnRef>
+            <a:fillRef idx="0">
+              <a:schemeClr val="accent4"/>
+            </a:fillRef>
+            <a:effectRef idx="0">
+              <a:schemeClr val="accent4"/>
+            </a:effectRef>
+            <a:fontRef idx="minor">
+              <a:schemeClr val="tx1"/>
+            </a:fontRef>
+          </p:style>
+        </p:cxnSp>
+        <p:cxnSp>
+          <p:nvCxnSpPr>
+            <p:cNvPr id="18" name="Straight Connector 17">
+              <a:extLst>
+                <a:ext uri="{FF2B5EF4-FFF2-40B4-BE49-F238E27FC236}">
+                  <a16:creationId xmlns:a16="http://schemas.microsoft.com/office/drawing/2014/main" id="{F3A0D237-875B-AF68-DC7D-CF341F1702BC}"/>
+                </a:ext>
+              </a:extLst>
+            </p:cNvPr>
+            <p:cNvCxnSpPr/>
+            <p:nvPr/>
+          </p:nvCxnSpPr>
+          <p:spPr>
+            <a:xfrm>
+              <a:off x="5555293" y="3688915"/>
+              <a:ext cx="0" cy="1409178"/>
+            </a:xfrm>
+            <a:prstGeom prst="line">
+              <a:avLst/>
+            </a:prstGeom>
+            <a:ln>
+              <a:headEnd type="triangle"/>
+              <a:tailEnd type="triangle"/>
+            </a:ln>
+          </p:spPr>
+          <p:style>
+            <a:lnRef idx="1">
+              <a:schemeClr val="accent1"/>
+            </a:lnRef>
+            <a:fillRef idx="0">
+              <a:schemeClr val="accent1"/>
+            </a:fillRef>
+            <a:effectRef idx="0">
+              <a:schemeClr val="accent1"/>
+            </a:effectRef>
+            <a:fontRef idx="minor">
+              <a:schemeClr val="tx1"/>
+            </a:fontRef>
+          </p:style>
+        </p:cxnSp>
+        <p:cxnSp>
+          <p:nvCxnSpPr>
+            <p:cNvPr id="20" name="Straight Connector 19">
+              <a:extLst>
+                <a:ext uri="{FF2B5EF4-FFF2-40B4-BE49-F238E27FC236}">
+                  <a16:creationId xmlns:a16="http://schemas.microsoft.com/office/drawing/2014/main" id="{F8E907F5-5DAD-E04C-D513-AD2D1A8434B2}"/>
+                </a:ext>
+              </a:extLst>
+            </p:cNvPr>
+            <p:cNvCxnSpPr/>
+            <p:nvPr/>
+          </p:nvCxnSpPr>
+          <p:spPr>
+            <a:xfrm>
+              <a:off x="7346515" y="3344449"/>
+              <a:ext cx="0" cy="1753644"/>
+            </a:xfrm>
+            <a:prstGeom prst="line">
+              <a:avLst/>
+            </a:prstGeom>
+            <a:ln>
+              <a:headEnd type="triangle"/>
+              <a:tailEnd type="triangle"/>
+            </a:ln>
+          </p:spPr>
+          <p:style>
+            <a:lnRef idx="1">
+              <a:schemeClr val="accent1"/>
+            </a:lnRef>
+            <a:fillRef idx="0">
+              <a:schemeClr val="accent1"/>
+            </a:fillRef>
+            <a:effectRef idx="0">
+              <a:schemeClr val="accent1"/>
+            </a:effectRef>
+            <a:fontRef idx="minor">
+              <a:schemeClr val="tx1"/>
+            </a:fontRef>
+          </p:style>
+        </p:cxnSp>
+        <p:cxnSp>
+          <p:nvCxnSpPr>
+            <p:cNvPr id="22" name="Straight Connector 21">
+              <a:extLst>
+                <a:ext uri="{FF2B5EF4-FFF2-40B4-BE49-F238E27FC236}">
+                  <a16:creationId xmlns:a16="http://schemas.microsoft.com/office/drawing/2014/main" id="{C4D571A4-94E0-D276-3BC8-24C5C5BB66FB}"/>
+                </a:ext>
+              </a:extLst>
+            </p:cNvPr>
+            <p:cNvCxnSpPr/>
+            <p:nvPr/>
+          </p:nvCxnSpPr>
+          <p:spPr>
+            <a:xfrm>
+              <a:off x="3031299" y="5129408"/>
+              <a:ext cx="538619" cy="0"/>
+            </a:xfrm>
+            <a:prstGeom prst="line">
+              <a:avLst/>
+            </a:prstGeom>
+            <a:ln>
+              <a:tailEnd type="triangle"/>
+            </a:ln>
+          </p:spPr>
+          <p:style>
+            <a:lnRef idx="1">
+              <a:schemeClr val="accent1"/>
+            </a:lnRef>
+            <a:fillRef idx="0">
+              <a:schemeClr val="accent1"/>
+            </a:fillRef>
+            <a:effectRef idx="0">
+              <a:schemeClr val="accent1"/>
+            </a:effectRef>
+            <a:fontRef idx="minor">
+              <a:schemeClr val="tx1"/>
+            </a:fontRef>
+          </p:style>
+        </p:cxnSp>
+        <p:pic>
+          <p:nvPicPr>
+            <p:cNvPr id="24" name="Picture 23">
+              <a:extLst>
+                <a:ext uri="{FF2B5EF4-FFF2-40B4-BE49-F238E27FC236}">
+                  <a16:creationId xmlns:a16="http://schemas.microsoft.com/office/drawing/2014/main" id="{639CE1A3-0674-38D5-5F68-74DEAA61FB2B}"/>
+                </a:ext>
+              </a:extLst>
+            </p:cNvPr>
+            <p:cNvPicPr>
+              <a:picLocks noChangeAspect="1"/>
+            </p:cNvPicPr>
+            <p:nvPr/>
+          </p:nvPicPr>
+          <p:blipFill>
+            <a:blip r:embed="rId3"/>
+            <a:stretch>
+              <a:fillRect/>
+            </a:stretch>
+          </p:blipFill>
+          <p:spPr>
+            <a:xfrm>
+              <a:off x="1132389" y="5002408"/>
+              <a:ext cx="2006600" cy="254000"/>
+            </a:xfrm>
+            <a:prstGeom prst="rect">
+              <a:avLst/>
+            </a:prstGeom>
+          </p:spPr>
+        </p:pic>
+        <p:pic>
+          <p:nvPicPr>
+            <p:cNvPr id="26" name="Picture 25">
+              <a:extLst>
+                <a:ext uri="{FF2B5EF4-FFF2-40B4-BE49-F238E27FC236}">
+                  <a16:creationId xmlns:a16="http://schemas.microsoft.com/office/drawing/2014/main" id="{B4D593F8-753D-FFF1-20B1-902C896FF563}"/>
+                </a:ext>
+              </a:extLst>
+            </p:cNvPr>
+            <p:cNvPicPr>
+              <a:picLocks noChangeAspect="1"/>
+            </p:cNvPicPr>
+            <p:nvPr/>
+          </p:nvPicPr>
+          <p:blipFill>
+            <a:blip r:embed="rId4"/>
+            <a:stretch>
+              <a:fillRect/>
+            </a:stretch>
+          </p:blipFill>
+          <p:spPr>
+            <a:xfrm>
+              <a:off x="3523293" y="3765724"/>
+              <a:ext cx="2032000" cy="215900"/>
+            </a:xfrm>
+            <a:prstGeom prst="rect">
+              <a:avLst/>
+            </a:prstGeom>
+          </p:spPr>
+        </p:pic>
+        <p:pic>
+          <p:nvPicPr>
+            <p:cNvPr id="28" name="Picture 27">
+              <a:extLst>
+                <a:ext uri="{FF2B5EF4-FFF2-40B4-BE49-F238E27FC236}">
+                  <a16:creationId xmlns:a16="http://schemas.microsoft.com/office/drawing/2014/main" id="{04E09B4A-286B-0F2B-7C4C-FBCD3ECE4095}"/>
+                </a:ext>
+              </a:extLst>
+            </p:cNvPr>
+            <p:cNvPicPr>
+              <a:picLocks noChangeAspect="1"/>
+            </p:cNvPicPr>
+            <p:nvPr/>
+          </p:nvPicPr>
+          <p:blipFill>
+            <a:blip r:embed="rId5"/>
+            <a:stretch>
+              <a:fillRect/>
+            </a:stretch>
+          </p:blipFill>
+          <p:spPr>
+            <a:xfrm>
+              <a:off x="7346515" y="4106971"/>
+              <a:ext cx="2057400" cy="228600"/>
+            </a:xfrm>
+            <a:prstGeom prst="rect">
+              <a:avLst/>
+            </a:prstGeom>
+          </p:spPr>
+        </p:pic>
+      </p:grpSp>
+    </p:spTree>
+    <p:extLst>
+      <p:ext uri="{BB962C8B-B14F-4D97-AF65-F5344CB8AC3E}">
+        <p14:creationId xmlns:p14="http://schemas.microsoft.com/office/powerpoint/2010/main" val="281095079"/>
+      </p:ext>
+    </p:extLst>
+  </p:cSld>
+  <p:clrMapOvr>
+    <a:masterClrMapping/>
+  </p:clrMapOvr>
+</p:sld>
+</file>
+
+<file path=ppt/slides/slide55.xml><?xml version="1.0" encoding="utf-8"?>
+<p:sld xmlns:a="http://schemas.openxmlformats.org/drawingml/2006/main" xmlns:r="http://schemas.openxmlformats.org/officeDocument/2006/relationships" xmlns:p="http://schemas.openxmlformats.org/presentationml/2006/main">
+  <p:cSld>
+    <p:spTree>
+      <p:nvGrpSpPr>
+        <p:cNvPr id="1" name=""/>
+        <p:cNvGrpSpPr/>
+        <p:nvPr/>
+      </p:nvGrpSpPr>
+      <p:grpSpPr>
+        <a:xfrm>
+          <a:off x="0" y="0"/>
+          <a:ext cx="0" cy="0"/>
+          <a:chOff x="0" y="0"/>
+          <a:chExt cx="0" cy="0"/>
+        </a:xfrm>
+      </p:grpSpPr>
+      <p:sp>
+        <p:nvSpPr>
+          <p:cNvPr id="3" name="Title 2">
+            <a:extLst>
+              <a:ext uri="{FF2B5EF4-FFF2-40B4-BE49-F238E27FC236}">
+                <a16:creationId xmlns:a16="http://schemas.microsoft.com/office/drawing/2014/main" id="{7BE3C624-6564-3AF3-426B-E3BBEBCCB9C7}"/>
+              </a:ext>
+            </a:extLst>
+          </p:cNvPr>
+          <p:cNvSpPr>
+            <a:spLocks noGrp="1"/>
+          </p:cNvSpPr>
+          <p:nvPr>
+            <p:ph type="title"/>
+          </p:nvPr>
+        </p:nvSpPr>
+        <p:spPr/>
+        <p:txBody>
+          <a:bodyPr/>
+          <a:lstStyle/>
+          <a:p>
+            <a:r>
+              <a:rPr lang="en-US" dirty="0"/>
+              <a:t>Interpret the main effect</a:t>
+            </a:r>
+          </a:p>
+        </p:txBody>
+      </p:sp>
+      <p:pic>
+        <p:nvPicPr>
+          <p:cNvPr id="4" name="Picture 3">
+            <a:extLst>
+              <a:ext uri="{FF2B5EF4-FFF2-40B4-BE49-F238E27FC236}">
+                <a16:creationId xmlns:a16="http://schemas.microsoft.com/office/drawing/2014/main" id="{2E8506F6-A6A6-065D-DE5A-1C30091ED3A3}"/>
+              </a:ext>
+            </a:extLst>
+          </p:cNvPr>
+          <p:cNvPicPr>
+            <a:picLocks noChangeAspect="1"/>
+          </p:cNvPicPr>
+          <p:nvPr/>
+        </p:nvPicPr>
+        <p:blipFill>
+          <a:blip r:embed="rId2"/>
+          <a:stretch>
+            <a:fillRect/>
+          </a:stretch>
+        </p:blipFill>
+        <p:spPr>
+          <a:xfrm>
+            <a:off x="3114806" y="2054477"/>
+            <a:ext cx="6862175" cy="4803523"/>
+          </a:xfrm>
+          <a:prstGeom prst="rect">
+            <a:avLst/>
+          </a:prstGeom>
+        </p:spPr>
+      </p:pic>
+      <p:cxnSp>
+        <p:nvCxnSpPr>
+          <p:cNvPr id="6" name="Straight Connector 5">
+            <a:extLst>
+              <a:ext uri="{FF2B5EF4-FFF2-40B4-BE49-F238E27FC236}">
+                <a16:creationId xmlns:a16="http://schemas.microsoft.com/office/drawing/2014/main" id="{5BA95121-0D87-3E75-08FA-69BB1D3550AE}"/>
+              </a:ext>
+            </a:extLst>
+          </p:cNvPr>
+          <p:cNvCxnSpPr/>
+          <p:nvPr/>
+        </p:nvCxnSpPr>
+        <p:spPr>
+          <a:xfrm>
+            <a:off x="4653419" y="5148197"/>
+            <a:ext cx="1121080" cy="0"/>
+          </a:xfrm>
+          <a:prstGeom prst="line">
+            <a:avLst/>
+          </a:prstGeom>
+        </p:spPr>
+        <p:style>
+          <a:lnRef idx="1">
+            <a:schemeClr val="accent4"/>
+          </a:lnRef>
+          <a:fillRef idx="0">
+            <a:schemeClr val="accent4"/>
+          </a:fillRef>
+          <a:effectRef idx="0">
+            <a:schemeClr val="accent4"/>
+          </a:effectRef>
+          <a:fontRef idx="minor">
+            <a:schemeClr val="tx1"/>
+          </a:fontRef>
+        </p:style>
+      </p:cxnSp>
+      <p:cxnSp>
+        <p:nvCxnSpPr>
+          <p:cNvPr id="8" name="Straight Connector 7">
+            <a:extLst>
+              <a:ext uri="{FF2B5EF4-FFF2-40B4-BE49-F238E27FC236}">
+                <a16:creationId xmlns:a16="http://schemas.microsoft.com/office/drawing/2014/main" id="{8F7B3849-9C74-ABFD-6FE4-39D621010B4E}"/>
+              </a:ext>
+            </a:extLst>
+          </p:cNvPr>
+          <p:cNvCxnSpPr/>
+          <p:nvPr/>
+        </p:nvCxnSpPr>
+        <p:spPr>
+          <a:xfrm>
+            <a:off x="5304773" y="5805814"/>
+            <a:ext cx="532356" cy="0"/>
+          </a:xfrm>
+          <a:prstGeom prst="line">
+            <a:avLst/>
+          </a:prstGeom>
+        </p:spPr>
+        <p:style>
+          <a:lnRef idx="1">
+            <a:schemeClr val="accent4"/>
+          </a:lnRef>
+          <a:fillRef idx="0">
+            <a:schemeClr val="accent4"/>
+          </a:fillRef>
+          <a:effectRef idx="0">
+            <a:schemeClr val="accent4"/>
+          </a:effectRef>
+          <a:fontRef idx="minor">
+            <a:schemeClr val="tx1"/>
+          </a:fontRef>
+        </p:style>
+      </p:cxnSp>
+      <p:cxnSp>
+        <p:nvCxnSpPr>
+          <p:cNvPr id="10" name="Straight Connector 9">
+            <a:extLst>
+              <a:ext uri="{FF2B5EF4-FFF2-40B4-BE49-F238E27FC236}">
+                <a16:creationId xmlns:a16="http://schemas.microsoft.com/office/drawing/2014/main" id="{491E09DA-DD94-D031-E8A4-7BB82F17408C}"/>
+              </a:ext>
+            </a:extLst>
+          </p:cNvPr>
+          <p:cNvCxnSpPr/>
+          <p:nvPr/>
+        </p:nvCxnSpPr>
+        <p:spPr>
+          <a:xfrm>
+            <a:off x="5555293" y="5148197"/>
+            <a:ext cx="0" cy="663880"/>
+          </a:xfrm>
+          <a:prstGeom prst="line">
+            <a:avLst/>
+          </a:prstGeom>
+          <a:ln>
+            <a:headEnd type="triangle"/>
+            <a:tailEnd type="triangle"/>
+          </a:ln>
+        </p:spPr>
+        <p:style>
+          <a:lnRef idx="1">
+            <a:schemeClr val="accent1"/>
+          </a:lnRef>
+          <a:fillRef idx="0">
+            <a:schemeClr val="accent1"/>
+          </a:fillRef>
+          <a:effectRef idx="0">
+            <a:schemeClr val="accent1"/>
+          </a:effectRef>
+          <a:fontRef idx="minor">
+            <a:schemeClr val="tx1"/>
+          </a:fontRef>
+        </p:style>
+      </p:cxnSp>
+      <p:pic>
+        <p:nvPicPr>
+          <p:cNvPr id="12" name="Picture 11">
+            <a:extLst>
+              <a:ext uri="{FF2B5EF4-FFF2-40B4-BE49-F238E27FC236}">
+                <a16:creationId xmlns:a16="http://schemas.microsoft.com/office/drawing/2014/main" id="{D6BDD23A-78DE-8819-7999-DD65EC3F1CA0}"/>
+              </a:ext>
+            </a:extLst>
+          </p:cNvPr>
+          <p:cNvPicPr>
+            <a:picLocks noChangeAspect="1"/>
+          </p:cNvPicPr>
+          <p:nvPr/>
+        </p:nvPicPr>
+        <p:blipFill>
+          <a:blip r:embed="rId3"/>
+          <a:stretch>
+            <a:fillRect/>
+          </a:stretch>
+        </p:blipFill>
+        <p:spPr>
+          <a:xfrm>
+            <a:off x="5588958" y="5442025"/>
+            <a:ext cx="2095500" cy="203200"/>
+          </a:xfrm>
+          <a:prstGeom prst="rect">
+            <a:avLst/>
+          </a:prstGeom>
+        </p:spPr>
+      </p:pic>
+    </p:spTree>
+    <p:extLst>
+      <p:ext uri="{BB962C8B-B14F-4D97-AF65-F5344CB8AC3E}">
+        <p14:creationId xmlns:p14="http://schemas.microsoft.com/office/powerpoint/2010/main" val="2490029827"/>
+      </p:ext>
+    </p:extLst>
+  </p:cSld>
+  <p:clrMapOvr>
+    <a:masterClrMapping/>
+  </p:clrMapOvr>
+</p:sld>
+</file>
+
+<file path=ppt/slides/slide56.xml><?xml version="1.0" encoding="utf-8"?>
+<p:sld xmlns:a="http://schemas.openxmlformats.org/drawingml/2006/main" xmlns:r="http://schemas.openxmlformats.org/officeDocument/2006/relationships" xmlns:p="http://schemas.openxmlformats.org/presentationml/2006/main">
+  <p:cSld>
+    <p:spTree>
+      <p:nvGrpSpPr>
+        <p:cNvPr id="1" name=""/>
+        <p:cNvGrpSpPr/>
+        <p:nvPr/>
+      </p:nvGrpSpPr>
+      <p:grpSpPr>
+        <a:xfrm>
+          <a:off x="0" y="0"/>
+          <a:ext cx="0" cy="0"/>
+          <a:chOff x="0" y="0"/>
+          <a:chExt cx="0" cy="0"/>
+        </a:xfrm>
+      </p:grpSpPr>
+      <p:sp>
+        <p:nvSpPr>
+          <p:cNvPr id="3" name="Title 2">
+            <a:extLst>
+              <a:ext uri="{FF2B5EF4-FFF2-40B4-BE49-F238E27FC236}">
+                <a16:creationId xmlns:a16="http://schemas.microsoft.com/office/drawing/2014/main" id="{91407754-89D2-D694-3E0D-50BE72E5EF9C}"/>
+              </a:ext>
+            </a:extLst>
+          </p:cNvPr>
+          <p:cNvSpPr>
+            <a:spLocks noGrp="1"/>
+          </p:cNvSpPr>
+          <p:nvPr>
+            <p:ph type="title"/>
+          </p:nvPr>
+        </p:nvSpPr>
+        <p:spPr/>
+        <p:txBody>
+          <a:bodyPr/>
+          <a:lstStyle/>
+          <a:p>
+            <a:r>
+              <a:rPr lang="en-US" dirty="0"/>
+              <a:t>Interpret the interaction term</a:t>
+            </a:r>
+          </a:p>
+        </p:txBody>
+      </p:sp>
+      <p:pic>
+        <p:nvPicPr>
+          <p:cNvPr id="51" name="Picture 50">
+            <a:extLst>
+              <a:ext uri="{FF2B5EF4-FFF2-40B4-BE49-F238E27FC236}">
+                <a16:creationId xmlns:a16="http://schemas.microsoft.com/office/drawing/2014/main" id="{3F900B12-B609-EAFB-C8F8-6589542A4F68}"/>
+              </a:ext>
+            </a:extLst>
+          </p:cNvPr>
+          <p:cNvPicPr>
+            <a:picLocks noChangeAspect="1"/>
+          </p:cNvPicPr>
+          <p:nvPr/>
+        </p:nvPicPr>
+        <p:blipFill>
+          <a:blip r:embed="rId2"/>
+          <a:stretch>
+            <a:fillRect/>
+          </a:stretch>
+        </p:blipFill>
+        <p:spPr>
+          <a:xfrm>
+            <a:off x="3114806" y="2054477"/>
+            <a:ext cx="6862175" cy="4803523"/>
+          </a:xfrm>
+          <a:prstGeom prst="rect">
+            <a:avLst/>
+          </a:prstGeom>
+        </p:spPr>
+      </p:pic>
+      <p:cxnSp>
+        <p:nvCxnSpPr>
+          <p:cNvPr id="52" name="Straight Connector 51">
+            <a:extLst>
+              <a:ext uri="{FF2B5EF4-FFF2-40B4-BE49-F238E27FC236}">
+                <a16:creationId xmlns:a16="http://schemas.microsoft.com/office/drawing/2014/main" id="{F59B14DD-18BD-C7EE-8875-124988073184}"/>
+              </a:ext>
+            </a:extLst>
+          </p:cNvPr>
+          <p:cNvCxnSpPr/>
+          <p:nvPr/>
+        </p:nvCxnSpPr>
+        <p:spPr>
+          <a:xfrm>
+            <a:off x="3569918" y="5129408"/>
+            <a:ext cx="444674" cy="0"/>
+          </a:xfrm>
+          <a:prstGeom prst="line">
+            <a:avLst/>
+          </a:prstGeom>
+        </p:spPr>
+        <p:style>
+          <a:lnRef idx="1">
+            <a:schemeClr val="accent4"/>
+          </a:lnRef>
+          <a:fillRef idx="0">
+            <a:schemeClr val="accent4"/>
+          </a:fillRef>
+          <a:effectRef idx="0">
+            <a:schemeClr val="accent4"/>
+          </a:effectRef>
+          <a:fontRef idx="minor">
+            <a:schemeClr val="tx1"/>
+          </a:fontRef>
+        </p:style>
+      </p:cxnSp>
+      <p:cxnSp>
+        <p:nvCxnSpPr>
+          <p:cNvPr id="53" name="Straight Connector 52">
+            <a:extLst>
+              <a:ext uri="{FF2B5EF4-FFF2-40B4-BE49-F238E27FC236}">
+                <a16:creationId xmlns:a16="http://schemas.microsoft.com/office/drawing/2014/main" id="{98041F2B-B53D-4BDD-EF37-1968E063B532}"/>
+              </a:ext>
+            </a:extLst>
+          </p:cNvPr>
+          <p:cNvCxnSpPr/>
+          <p:nvPr/>
+        </p:nvCxnSpPr>
+        <p:spPr>
+          <a:xfrm>
+            <a:off x="4628367" y="5098093"/>
+            <a:ext cx="3576181" cy="0"/>
+          </a:xfrm>
+          <a:prstGeom prst="line">
+            <a:avLst/>
+          </a:prstGeom>
+        </p:spPr>
+        <p:style>
+          <a:lnRef idx="1">
+            <a:schemeClr val="accent4"/>
+          </a:lnRef>
+          <a:fillRef idx="0">
+            <a:schemeClr val="accent4"/>
+          </a:fillRef>
+          <a:effectRef idx="0">
+            <a:schemeClr val="accent4"/>
+          </a:effectRef>
+          <a:fontRef idx="minor">
+            <a:schemeClr val="tx1"/>
+          </a:fontRef>
+        </p:style>
+      </p:cxnSp>
+      <p:cxnSp>
+        <p:nvCxnSpPr>
+          <p:cNvPr id="54" name="Straight Connector 53">
+            <a:extLst>
+              <a:ext uri="{FF2B5EF4-FFF2-40B4-BE49-F238E27FC236}">
+                <a16:creationId xmlns:a16="http://schemas.microsoft.com/office/drawing/2014/main" id="{5C8D4E5F-2FB1-7349-DF58-787E3B765AF9}"/>
+              </a:ext>
+            </a:extLst>
+          </p:cNvPr>
+          <p:cNvCxnSpPr/>
+          <p:nvPr/>
+        </p:nvCxnSpPr>
+        <p:spPr>
+          <a:xfrm>
+            <a:off x="5285984" y="3688915"/>
+            <a:ext cx="482252" cy="0"/>
+          </a:xfrm>
+          <a:prstGeom prst="line">
+            <a:avLst/>
+          </a:prstGeom>
+        </p:spPr>
+        <p:style>
+          <a:lnRef idx="1">
+            <a:schemeClr val="accent4"/>
+          </a:lnRef>
+          <a:fillRef idx="0">
+            <a:schemeClr val="accent4"/>
+          </a:fillRef>
+          <a:effectRef idx="0">
+            <a:schemeClr val="accent4"/>
+          </a:effectRef>
+          <a:fontRef idx="minor">
+            <a:schemeClr val="tx1"/>
+          </a:fontRef>
+        </p:style>
+      </p:cxnSp>
+      <p:cxnSp>
+        <p:nvCxnSpPr>
+          <p:cNvPr id="55" name="Straight Connector 54">
+            <a:extLst>
+              <a:ext uri="{FF2B5EF4-FFF2-40B4-BE49-F238E27FC236}">
+                <a16:creationId xmlns:a16="http://schemas.microsoft.com/office/drawing/2014/main" id="{06AD43A4-D92E-B176-0CAC-6C89780F3BD5}"/>
+              </a:ext>
+            </a:extLst>
+          </p:cNvPr>
+          <p:cNvCxnSpPr/>
+          <p:nvPr/>
+        </p:nvCxnSpPr>
+        <p:spPr>
+          <a:xfrm>
+            <a:off x="7139836" y="3344449"/>
+            <a:ext cx="388306" cy="0"/>
+          </a:xfrm>
+          <a:prstGeom prst="line">
+            <a:avLst/>
+          </a:prstGeom>
+        </p:spPr>
+        <p:style>
+          <a:lnRef idx="1">
+            <a:schemeClr val="accent4"/>
+          </a:lnRef>
+          <a:fillRef idx="0">
+            <a:schemeClr val="accent4"/>
+          </a:fillRef>
+          <a:effectRef idx="0">
+            <a:schemeClr val="accent4"/>
+          </a:effectRef>
+          <a:fontRef idx="minor">
+            <a:schemeClr val="tx1"/>
+          </a:fontRef>
+        </p:style>
+      </p:cxnSp>
+      <p:cxnSp>
+        <p:nvCxnSpPr>
+          <p:cNvPr id="56" name="Straight Connector 55">
+            <a:extLst>
+              <a:ext uri="{FF2B5EF4-FFF2-40B4-BE49-F238E27FC236}">
+                <a16:creationId xmlns:a16="http://schemas.microsoft.com/office/drawing/2014/main" id="{6CF0E923-F2B2-14BE-F04A-C956A4E3C75F}"/>
+              </a:ext>
+            </a:extLst>
+          </p:cNvPr>
+          <p:cNvCxnSpPr/>
+          <p:nvPr/>
+        </p:nvCxnSpPr>
+        <p:spPr>
+          <a:xfrm>
+            <a:off x="5555293" y="3688915"/>
+            <a:ext cx="0" cy="1409178"/>
+          </a:xfrm>
+          <a:prstGeom prst="line">
+            <a:avLst/>
+          </a:prstGeom>
+          <a:ln>
+            <a:headEnd type="triangle"/>
+            <a:tailEnd type="triangle"/>
+          </a:ln>
+        </p:spPr>
+        <p:style>
+          <a:lnRef idx="1">
+            <a:schemeClr val="accent1"/>
+          </a:lnRef>
+          <a:fillRef idx="0">
+            <a:schemeClr val="accent1"/>
+          </a:fillRef>
+          <a:effectRef idx="0">
+            <a:schemeClr val="accent1"/>
+          </a:effectRef>
+          <a:fontRef idx="minor">
+            <a:schemeClr val="tx1"/>
+          </a:fontRef>
+        </p:style>
+      </p:cxnSp>
+      <p:cxnSp>
+        <p:nvCxnSpPr>
+          <p:cNvPr id="57" name="Straight Connector 56">
+            <a:extLst>
+              <a:ext uri="{FF2B5EF4-FFF2-40B4-BE49-F238E27FC236}">
+                <a16:creationId xmlns:a16="http://schemas.microsoft.com/office/drawing/2014/main" id="{08E3E7DB-3B69-822B-234D-7944790D3F9C}"/>
+              </a:ext>
+            </a:extLst>
+          </p:cNvPr>
+          <p:cNvCxnSpPr/>
+          <p:nvPr/>
+        </p:nvCxnSpPr>
+        <p:spPr>
+          <a:xfrm>
+            <a:off x="7346515" y="3344449"/>
+            <a:ext cx="0" cy="1753644"/>
+          </a:xfrm>
+          <a:prstGeom prst="line">
+            <a:avLst/>
+          </a:prstGeom>
+          <a:ln>
+            <a:headEnd type="triangle"/>
+            <a:tailEnd type="triangle"/>
+          </a:ln>
+        </p:spPr>
+        <p:style>
+          <a:lnRef idx="1">
+            <a:schemeClr val="accent1"/>
+          </a:lnRef>
+          <a:fillRef idx="0">
+            <a:schemeClr val="accent1"/>
+          </a:fillRef>
+          <a:effectRef idx="0">
+            <a:schemeClr val="accent1"/>
+          </a:effectRef>
+          <a:fontRef idx="minor">
+            <a:schemeClr val="tx1"/>
+          </a:fontRef>
+        </p:style>
+      </p:cxnSp>
+      <p:cxnSp>
+        <p:nvCxnSpPr>
+          <p:cNvPr id="58" name="Straight Connector 57">
+            <a:extLst>
+              <a:ext uri="{FF2B5EF4-FFF2-40B4-BE49-F238E27FC236}">
+                <a16:creationId xmlns:a16="http://schemas.microsoft.com/office/drawing/2014/main" id="{267FD918-1C7E-6532-CDF9-D95091B39A97}"/>
+              </a:ext>
+            </a:extLst>
+          </p:cNvPr>
+          <p:cNvCxnSpPr/>
+          <p:nvPr/>
+        </p:nvCxnSpPr>
+        <p:spPr>
+          <a:xfrm>
+            <a:off x="3031299" y="5129408"/>
+            <a:ext cx="538619" cy="0"/>
+          </a:xfrm>
+          <a:prstGeom prst="line">
+            <a:avLst/>
+          </a:prstGeom>
+          <a:ln>
+            <a:tailEnd type="triangle"/>
+          </a:ln>
+        </p:spPr>
+        <p:style>
+          <a:lnRef idx="1">
+            <a:schemeClr val="accent1"/>
+          </a:lnRef>
+          <a:fillRef idx="0">
+            <a:schemeClr val="accent1"/>
+          </a:fillRef>
+          <a:effectRef idx="0">
+            <a:schemeClr val="accent1"/>
+          </a:effectRef>
+          <a:fontRef idx="minor">
+            <a:schemeClr val="tx1"/>
+          </a:fontRef>
+        </p:style>
+      </p:cxnSp>
+      <p:cxnSp>
+        <p:nvCxnSpPr>
+          <p:cNvPr id="63" name="Straight Connector 62">
+            <a:extLst>
+              <a:ext uri="{FF2B5EF4-FFF2-40B4-BE49-F238E27FC236}">
+                <a16:creationId xmlns:a16="http://schemas.microsoft.com/office/drawing/2014/main" id="{7BFF8774-3EE5-6245-5443-3878BDBD88F6}"/>
+              </a:ext>
+            </a:extLst>
+          </p:cNvPr>
+          <p:cNvCxnSpPr/>
+          <p:nvPr/>
+        </p:nvCxnSpPr>
+        <p:spPr>
+          <a:xfrm>
+            <a:off x="5285984" y="5824603"/>
+            <a:ext cx="482252" cy="0"/>
+          </a:xfrm>
+          <a:prstGeom prst="line">
+            <a:avLst/>
+          </a:prstGeom>
+        </p:spPr>
+        <p:style>
+          <a:lnRef idx="1">
+            <a:schemeClr val="accent4"/>
+          </a:lnRef>
+          <a:fillRef idx="0">
+            <a:schemeClr val="accent4"/>
+          </a:fillRef>
+          <a:effectRef idx="0">
+            <a:schemeClr val="accent4"/>
+          </a:effectRef>
+          <a:fontRef idx="minor">
+            <a:schemeClr val="tx1"/>
+          </a:fontRef>
+        </p:style>
+      </p:cxnSp>
+      <p:cxnSp>
+        <p:nvCxnSpPr>
+          <p:cNvPr id="65" name="Straight Connector 64">
+            <a:extLst>
+              <a:ext uri="{FF2B5EF4-FFF2-40B4-BE49-F238E27FC236}">
+                <a16:creationId xmlns:a16="http://schemas.microsoft.com/office/drawing/2014/main" id="{DC71F401-C0E7-BF22-DC26-FAEF72EB5385}"/>
+              </a:ext>
+            </a:extLst>
+          </p:cNvPr>
+          <p:cNvCxnSpPr/>
+          <p:nvPr/>
+        </p:nvCxnSpPr>
+        <p:spPr>
+          <a:xfrm>
+            <a:off x="5555293" y="5098093"/>
+            <a:ext cx="0" cy="739036"/>
+          </a:xfrm>
+          <a:prstGeom prst="line">
+            <a:avLst/>
+          </a:prstGeom>
+          <a:ln>
+            <a:headEnd type="triangle"/>
+            <a:tailEnd type="triangle"/>
+          </a:ln>
+        </p:spPr>
+        <p:style>
+          <a:lnRef idx="1">
+            <a:schemeClr val="accent1"/>
+          </a:lnRef>
+          <a:fillRef idx="0">
+            <a:schemeClr val="accent1"/>
+          </a:fillRef>
+          <a:effectRef idx="0">
+            <a:schemeClr val="accent1"/>
+          </a:effectRef>
+          <a:fontRef idx="minor">
+            <a:schemeClr val="tx1"/>
+          </a:fontRef>
+        </p:style>
+      </p:cxnSp>
+      <p:cxnSp>
+        <p:nvCxnSpPr>
+          <p:cNvPr id="67" name="Straight Connector 66">
+            <a:extLst>
+              <a:ext uri="{FF2B5EF4-FFF2-40B4-BE49-F238E27FC236}">
+                <a16:creationId xmlns:a16="http://schemas.microsoft.com/office/drawing/2014/main" id="{C08F4A8D-05C5-69F8-BD33-DE646DA1FF1F}"/>
+              </a:ext>
+            </a:extLst>
+          </p:cNvPr>
+          <p:cNvCxnSpPr/>
+          <p:nvPr/>
+        </p:nvCxnSpPr>
+        <p:spPr>
+          <a:xfrm flipV="1">
+            <a:off x="4296427" y="3344449"/>
+            <a:ext cx="3544866" cy="1784959"/>
+          </a:xfrm>
+          <a:prstGeom prst="line">
+            <a:avLst/>
+          </a:prstGeom>
+        </p:spPr>
+        <p:style>
+          <a:lnRef idx="2">
+            <a:schemeClr val="accent1"/>
+          </a:lnRef>
+          <a:fillRef idx="0">
+            <a:schemeClr val="accent1"/>
+          </a:fillRef>
+          <a:effectRef idx="1">
+            <a:schemeClr val="accent1"/>
+          </a:effectRef>
+          <a:fontRef idx="minor">
+            <a:schemeClr val="tx1"/>
+          </a:fontRef>
+        </p:style>
+      </p:cxnSp>
+      <p:cxnSp>
+        <p:nvCxnSpPr>
+          <p:cNvPr id="69" name="Straight Connector 68">
+            <a:extLst>
+              <a:ext uri="{FF2B5EF4-FFF2-40B4-BE49-F238E27FC236}">
+                <a16:creationId xmlns:a16="http://schemas.microsoft.com/office/drawing/2014/main" id="{6E128BCA-7D3C-BC9C-D042-B95F4CD34FC5}"/>
+              </a:ext>
+            </a:extLst>
+          </p:cNvPr>
+          <p:cNvCxnSpPr/>
+          <p:nvPr/>
+        </p:nvCxnSpPr>
+        <p:spPr>
+          <a:xfrm flipV="1">
+            <a:off x="4966570" y="4083485"/>
+            <a:ext cx="3538603" cy="1753644"/>
+          </a:xfrm>
+          <a:prstGeom prst="line">
+            <a:avLst/>
+          </a:prstGeom>
+        </p:spPr>
+        <p:style>
+          <a:lnRef idx="2">
+            <a:schemeClr val="accent1"/>
+          </a:lnRef>
+          <a:fillRef idx="0">
+            <a:schemeClr val="accent1"/>
+          </a:fillRef>
+          <a:effectRef idx="1">
+            <a:schemeClr val="accent1"/>
+          </a:effectRef>
+          <a:fontRef idx="minor">
+            <a:schemeClr val="tx1"/>
+          </a:fontRef>
+        </p:style>
+      </p:cxnSp>
+      <p:grpSp>
+        <p:nvGrpSpPr>
+          <p:cNvPr id="78" name="Group 77">
+            <a:extLst>
+              <a:ext uri="{FF2B5EF4-FFF2-40B4-BE49-F238E27FC236}">
+                <a16:creationId xmlns:a16="http://schemas.microsoft.com/office/drawing/2014/main" id="{A4A8F272-08BA-D4CA-0388-51E00F93A924}"/>
+              </a:ext>
+            </a:extLst>
+          </p:cNvPr>
+          <p:cNvGrpSpPr/>
+          <p:nvPr/>
+        </p:nvGrpSpPr>
+        <p:grpSpPr>
+          <a:xfrm>
+            <a:off x="8611644" y="3344449"/>
+            <a:ext cx="2538088" cy="739036"/>
+            <a:chOff x="8611644" y="3344449"/>
+            <a:chExt cx="2538088" cy="739036"/>
+          </a:xfrm>
+        </p:grpSpPr>
+        <p:cxnSp>
+          <p:nvCxnSpPr>
+            <p:cNvPr id="71" name="Straight Connector 70">
+              <a:extLst>
+                <a:ext uri="{FF2B5EF4-FFF2-40B4-BE49-F238E27FC236}">
+                  <a16:creationId xmlns:a16="http://schemas.microsoft.com/office/drawing/2014/main" id="{D685B799-BF2A-E2CE-7406-B8DE91B00911}"/>
+                </a:ext>
+              </a:extLst>
+            </p:cNvPr>
+            <p:cNvCxnSpPr/>
+            <p:nvPr/>
+          </p:nvCxnSpPr>
+          <p:spPr>
+            <a:xfrm>
+              <a:off x="8855901" y="3344449"/>
+              <a:ext cx="244258" cy="0"/>
+            </a:xfrm>
+            <a:prstGeom prst="line">
+              <a:avLst/>
+            </a:prstGeom>
+          </p:spPr>
+          <p:style>
+            <a:lnRef idx="1">
+              <a:schemeClr val="accent4"/>
+            </a:lnRef>
+            <a:fillRef idx="0">
+              <a:schemeClr val="accent4"/>
+            </a:fillRef>
+            <a:effectRef idx="0">
+              <a:schemeClr val="accent4"/>
+            </a:effectRef>
+            <a:fontRef idx="minor">
+              <a:schemeClr val="tx1"/>
+            </a:fontRef>
+          </p:style>
+        </p:cxnSp>
+        <p:cxnSp>
+          <p:nvCxnSpPr>
+            <p:cNvPr id="73" name="Straight Connector 72">
+              <a:extLst>
+                <a:ext uri="{FF2B5EF4-FFF2-40B4-BE49-F238E27FC236}">
+                  <a16:creationId xmlns:a16="http://schemas.microsoft.com/office/drawing/2014/main" id="{560C3572-6C65-6994-F123-4B526950FA94}"/>
+                </a:ext>
+              </a:extLst>
+            </p:cNvPr>
+            <p:cNvCxnSpPr/>
+            <p:nvPr/>
+          </p:nvCxnSpPr>
+          <p:spPr>
+            <a:xfrm>
+              <a:off x="8611644" y="4083485"/>
+              <a:ext cx="538619" cy="0"/>
+            </a:xfrm>
+            <a:prstGeom prst="line">
+              <a:avLst/>
+            </a:prstGeom>
+          </p:spPr>
+          <p:style>
+            <a:lnRef idx="1">
+              <a:schemeClr val="accent4"/>
+            </a:lnRef>
+            <a:fillRef idx="0">
+              <a:schemeClr val="accent4"/>
+            </a:fillRef>
+            <a:effectRef idx="0">
+              <a:schemeClr val="accent4"/>
+            </a:effectRef>
+            <a:fontRef idx="minor">
+              <a:schemeClr val="tx1"/>
+            </a:fontRef>
+          </p:style>
+        </p:cxnSp>
+        <p:cxnSp>
+          <p:nvCxnSpPr>
+            <p:cNvPr id="75" name="Straight Connector 74">
+              <a:extLst>
+                <a:ext uri="{FF2B5EF4-FFF2-40B4-BE49-F238E27FC236}">
+                  <a16:creationId xmlns:a16="http://schemas.microsoft.com/office/drawing/2014/main" id="{FD42BDAF-0E51-9C17-FED0-3C59F19E8512}"/>
+                </a:ext>
+              </a:extLst>
+            </p:cNvPr>
+            <p:cNvCxnSpPr/>
+            <p:nvPr/>
+          </p:nvCxnSpPr>
+          <p:spPr>
+            <a:xfrm>
+              <a:off x="8981162" y="3344449"/>
+              <a:ext cx="0" cy="739036"/>
+            </a:xfrm>
+            <a:prstGeom prst="line">
+              <a:avLst/>
+            </a:prstGeom>
+            <a:ln>
+              <a:headEnd type="triangle" w="sm" len="sm"/>
+              <a:tailEnd type="triangle"/>
+            </a:ln>
+          </p:spPr>
+          <p:style>
+            <a:lnRef idx="1">
+              <a:schemeClr val="accent1"/>
+            </a:lnRef>
+            <a:fillRef idx="0">
+              <a:schemeClr val="accent1"/>
+            </a:fillRef>
+            <a:effectRef idx="0">
+              <a:schemeClr val="accent1"/>
+            </a:effectRef>
+            <a:fontRef idx="minor">
+              <a:schemeClr val="tx1"/>
+            </a:fontRef>
+          </p:style>
+        </p:cxnSp>
+        <p:pic>
+          <p:nvPicPr>
+            <p:cNvPr id="77" name="Picture 76">
+              <a:extLst>
+                <a:ext uri="{FF2B5EF4-FFF2-40B4-BE49-F238E27FC236}">
+                  <a16:creationId xmlns:a16="http://schemas.microsoft.com/office/drawing/2014/main" id="{54E16784-6999-8175-C8F9-DCDA4D7FD9BA}"/>
+                </a:ext>
+              </a:extLst>
+            </p:cNvPr>
+            <p:cNvPicPr>
+              <a:picLocks noChangeAspect="1"/>
+            </p:cNvPicPr>
+            <p:nvPr/>
+          </p:nvPicPr>
+          <p:blipFill>
+            <a:blip r:embed="rId3"/>
+            <a:stretch>
+              <a:fillRect/>
+            </a:stretch>
+          </p:blipFill>
+          <p:spPr>
+            <a:xfrm>
+              <a:off x="9092332" y="3558169"/>
+              <a:ext cx="2057400" cy="254000"/>
+            </a:xfrm>
+            <a:prstGeom prst="rect">
+              <a:avLst/>
+            </a:prstGeom>
+          </p:spPr>
+        </p:pic>
+      </p:grpSp>
+    </p:spTree>
+    <p:extLst>
+      <p:ext uri="{BB962C8B-B14F-4D97-AF65-F5344CB8AC3E}">
+        <p14:creationId xmlns:p14="http://schemas.microsoft.com/office/powerpoint/2010/main" val="2749662196"/>
+      </p:ext>
+    </p:extLst>
+  </p:cSld>
+  <p:clrMapOvr>
+    <a:masterClrMapping/>
+  </p:clrMapOvr>
+  <p:timing>
+    <p:tnLst>
+      <p:par>
+        <p:cTn id="1" dur="indefinite" restart="never" nodeType="tmRoot">
+          <p:childTnLst>
+            <p:seq concurrent="1" nextAc="seek">
+              <p:cTn id="2" dur="indefinite" nodeType="mainSeq">
+                <p:childTnLst>
+                  <p:par>
+                    <p:cTn id="3" fill="hold">
+                      <p:stCondLst>
+                        <p:cond delay="indefinite"/>
+                      </p:stCondLst>
+                      <p:childTnLst>
+                        <p:par>
+                          <p:cTn id="4" fill="hold">
+                            <p:stCondLst>
+                              <p:cond delay="0"/>
+                            </p:stCondLst>
+                            <p:childTnLst>
+                              <p:par>
+                                <p:cTn id="5" presetID="1" presetClass="entr" presetSubtype="0" fill="hold" nodeType="clickEffect">
+                                  <p:stCondLst>
+                                    <p:cond delay="0"/>
+                                  </p:stCondLst>
+                                  <p:childTnLst>
+                                    <p:set>
+                                      <p:cBhvr>
+                                        <p:cTn id="6" dur="1" fill="hold">
+                                          <p:stCondLst>
+                                            <p:cond delay="0"/>
+                                          </p:stCondLst>
+                                        </p:cTn>
+                                        <p:tgtEl>
+                                          <p:spTgt spid="67"/>
+                                        </p:tgtEl>
+                                        <p:attrNameLst>
+                                          <p:attrName>style.visibility</p:attrName>
+                                        </p:attrNameLst>
+                                      </p:cBhvr>
+                                      <p:to>
+                                        <p:strVal val="visible"/>
+                                      </p:to>
+                                    </p:set>
+                                  </p:childTnLst>
+                                </p:cTn>
+                              </p:par>
+                            </p:childTnLst>
+                          </p:cTn>
+                        </p:par>
+                      </p:childTnLst>
+                    </p:cTn>
+                  </p:par>
+                  <p:par>
+                    <p:cTn id="7" fill="hold">
+                      <p:stCondLst>
+                        <p:cond delay="indefinite"/>
+                      </p:stCondLst>
+                      <p:childTnLst>
+                        <p:par>
+                          <p:cTn id="8" fill="hold">
+                            <p:stCondLst>
+                              <p:cond delay="0"/>
+                            </p:stCondLst>
+                            <p:childTnLst>
+                              <p:par>
+                                <p:cTn id="9" presetID="1" presetClass="entr" presetSubtype="0" fill="hold" nodeType="clickEffect">
+                                  <p:stCondLst>
+                                    <p:cond delay="0"/>
+                                  </p:stCondLst>
+                                  <p:childTnLst>
+                                    <p:set>
+                                      <p:cBhvr>
+                                        <p:cTn id="10" dur="1" fill="hold">
+                                          <p:stCondLst>
+                                            <p:cond delay="0"/>
+                                          </p:stCondLst>
+                                        </p:cTn>
+                                        <p:tgtEl>
+                                          <p:spTgt spid="69"/>
+                                        </p:tgtEl>
+                                        <p:attrNameLst>
+                                          <p:attrName>style.visibility</p:attrName>
+                                        </p:attrNameLst>
+                                      </p:cBhvr>
+                                      <p:to>
+                                        <p:strVal val="visible"/>
+                                      </p:to>
+                                    </p:set>
+                                  </p:childTnLst>
+                                </p:cTn>
+                              </p:par>
+                            </p:childTnLst>
+                          </p:cTn>
+                        </p:par>
+                      </p:childTnLst>
+                    </p:cTn>
+                  </p:par>
+                  <p:par>
+                    <p:cTn id="11" fill="hold">
+                      <p:stCondLst>
+                        <p:cond delay="indefinite"/>
+                      </p:stCondLst>
+                      <p:childTnLst>
+                        <p:par>
+                          <p:cTn id="12" fill="hold">
+                            <p:stCondLst>
+                              <p:cond delay="0"/>
+                            </p:stCondLst>
+                            <p:childTnLst>
+                              <p:par>
+                                <p:cTn id="13" presetID="1" presetClass="entr" presetSubtype="0" fill="hold" nodeType="clickEffect">
+                                  <p:stCondLst>
+                                    <p:cond delay="0"/>
+                                  </p:stCondLst>
+                                  <p:childTnLst>
+                                    <p:set>
+                                      <p:cBhvr>
+                                        <p:cTn id="14" dur="1" fill="hold">
+                                          <p:stCondLst>
+                                            <p:cond delay="0"/>
+                                          </p:stCondLst>
+                                        </p:cTn>
+                                        <p:tgtEl>
+                                          <p:spTgt spid="78"/>
+                                        </p:tgtEl>
+                                        <p:attrNameLst>
+                                          <p:attrName>style.visibility</p:attrName>
+                                        </p:attrNameLst>
+                                      </p:cBhvr>
+                                      <p:to>
+                                        <p:strVal val="visible"/>
+                                      </p:to>
+                                    </p:set>
+                                  </p:childTnLst>
+                                </p:cTn>
+                              </p:par>
+                            </p:childTnLst>
+                          </p:cTn>
+                        </p:par>
+                      </p:childTnLst>
+                    </p:cTn>
+                  </p:par>
+                </p:childTnLst>
+              </p:cTn>
+              <p:prevCondLst>
+                <p:cond evt="onPrev" delay="0">
+                  <p:tgtEl>
+                    <p:sldTgt/>
+                  </p:tgtEl>
+                </p:cond>
+              </p:prevCondLst>
+              <p:nextCondLst>
+                <p:cond evt="onNext" delay="0">
+                  <p:tgtEl>
+                    <p:sldTgt/>
+                  </p:tgtEl>
+                </p:cond>
+              </p:nextCondLst>
+            </p:seq>
+          </p:childTnLst>
+        </p:cTn>
+      </p:par>
+    </p:tnLst>
+  </p:timing>
+</p:sld>
+</file>
+
+<file path=ppt/slides/slide57.xml><?xml version="1.0" encoding="utf-8"?>
+<p:sld xmlns:a="http://schemas.openxmlformats.org/drawingml/2006/main" xmlns:r="http://schemas.openxmlformats.org/officeDocument/2006/relationships" xmlns:p="http://schemas.openxmlformats.org/presentationml/2006/main">
+  <p:cSld>
+    <p:spTree>
+      <p:nvGrpSpPr>
+        <p:cNvPr id="1" name=""/>
+        <p:cNvGrpSpPr/>
+        <p:nvPr/>
+      </p:nvGrpSpPr>
+      <p:grpSpPr>
+        <a:xfrm>
+          <a:off x="0" y="0"/>
+          <a:ext cx="0" cy="0"/>
+          <a:chOff x="0" y="0"/>
+          <a:chExt cx="0" cy="0"/>
+        </a:xfrm>
+      </p:grpSpPr>
+      <p:sp>
+        <p:nvSpPr>
+          <p:cNvPr id="3" name="Title 2">
+            <a:extLst>
+              <a:ext uri="{FF2B5EF4-FFF2-40B4-BE49-F238E27FC236}">
+                <a16:creationId xmlns:a16="http://schemas.microsoft.com/office/drawing/2014/main" id="{25D9CEA2-8033-28D1-2064-4925CF9ABC70}"/>
+              </a:ext>
+            </a:extLst>
+          </p:cNvPr>
+          <p:cNvSpPr>
+            <a:spLocks noGrp="1"/>
+          </p:cNvSpPr>
+          <p:nvPr>
+            <p:ph type="title"/>
+          </p:nvPr>
+        </p:nvSpPr>
+        <p:spPr/>
+        <p:txBody>
+          <a:bodyPr/>
+          <a:lstStyle/>
+          <a:p>
+            <a:endParaRPr lang="en-US"/>
+          </a:p>
+        </p:txBody>
+      </p:sp>
+      <p:pic>
+        <p:nvPicPr>
+          <p:cNvPr id="4" name="Picture 3">
+            <a:extLst>
+              <a:ext uri="{FF2B5EF4-FFF2-40B4-BE49-F238E27FC236}">
+                <a16:creationId xmlns:a16="http://schemas.microsoft.com/office/drawing/2014/main" id="{0F75EBA3-0C88-9D93-C49E-21FC6E38F4A6}"/>
+              </a:ext>
+            </a:extLst>
+          </p:cNvPr>
+          <p:cNvPicPr>
+            <a:picLocks noChangeAspect="1"/>
+          </p:cNvPicPr>
+          <p:nvPr/>
+        </p:nvPicPr>
+        <p:blipFill>
+          <a:blip r:embed="rId2"/>
+          <a:stretch>
+            <a:fillRect/>
+          </a:stretch>
+        </p:blipFill>
+        <p:spPr>
+          <a:xfrm>
+            <a:off x="3114806" y="2054477"/>
+            <a:ext cx="6862175" cy="4803523"/>
+          </a:xfrm>
+          <a:prstGeom prst="rect">
+            <a:avLst/>
+          </a:prstGeom>
+        </p:spPr>
+      </p:pic>
+    </p:spTree>
+    <p:extLst>
+      <p:ext uri="{BB962C8B-B14F-4D97-AF65-F5344CB8AC3E}">
+        <p14:creationId xmlns:p14="http://schemas.microsoft.com/office/powerpoint/2010/main" val="139795612"/>
+      </p:ext>
+    </p:extLst>
+  </p:cSld>
+  <p:clrMapOvr>
+    <a:masterClrMapping/>
+  </p:clrMapOvr>
+</p:sld>
+</file>
+
+<file path=ppt/slides/slide58.xml><?xml version="1.0" encoding="utf-8"?>
+<p:sld xmlns:a="http://schemas.openxmlformats.org/drawingml/2006/main" xmlns:r="http://schemas.openxmlformats.org/officeDocument/2006/relationships" xmlns:p="http://schemas.openxmlformats.org/presentationml/2006/main">
+  <p:cSld>
+    <p:spTree>
+      <p:nvGrpSpPr>
+        <p:cNvPr id="1" name=""/>
+        <p:cNvGrpSpPr/>
+        <p:nvPr/>
+      </p:nvGrpSpPr>
+      <p:grpSpPr>
+        <a:xfrm>
+          <a:off x="0" y="0"/>
+          <a:ext cx="0" cy="0"/>
+          <a:chOff x="0" y="0"/>
+          <a:chExt cx="0" cy="0"/>
+        </a:xfrm>
+      </p:grpSpPr>
+      <p:sp>
+        <p:nvSpPr>
+          <p:cNvPr id="2" name="Text Placeholder 1">
+            <a:extLst>
+              <a:ext uri="{FF2B5EF4-FFF2-40B4-BE49-F238E27FC236}">
+                <a16:creationId xmlns:a16="http://schemas.microsoft.com/office/drawing/2014/main" id="{37880B48-15C8-8BEE-4BD9-364F476B8CCE}"/>
+              </a:ext>
+            </a:extLst>
+          </p:cNvPr>
+          <p:cNvSpPr>
+            <a:spLocks noGrp="1"/>
+          </p:cNvSpPr>
+          <p:nvPr>
+            <p:ph type="body" sz="quarter" idx="10"/>
+          </p:nvPr>
+        </p:nvSpPr>
+        <p:spPr/>
+        <p:txBody>
+          <a:bodyPr/>
+          <a:lstStyle/>
+          <a:p>
+            <a:endParaRPr lang="en-US"/>
+          </a:p>
+        </p:txBody>
+      </p:sp>
+      <p:sp>
+        <p:nvSpPr>
+          <p:cNvPr id="3" name="Title 2">
+            <a:extLst>
+              <a:ext uri="{FF2B5EF4-FFF2-40B4-BE49-F238E27FC236}">
+                <a16:creationId xmlns:a16="http://schemas.microsoft.com/office/drawing/2014/main" id="{79A3DB7B-C0F4-46A4-642E-D193EA5B345C}"/>
+              </a:ext>
+            </a:extLst>
+          </p:cNvPr>
+          <p:cNvSpPr>
+            <a:spLocks noGrp="1"/>
+          </p:cNvSpPr>
+          <p:nvPr>
+            <p:ph type="title"/>
+          </p:nvPr>
+        </p:nvSpPr>
+        <p:spPr/>
+        <p:txBody>
+          <a:bodyPr/>
+          <a:lstStyle/>
+          <a:p>
+            <a:endParaRPr lang="en-US"/>
+          </a:p>
+        </p:txBody>
+      </p:sp>
+    </p:spTree>
+    <p:extLst>
+      <p:ext uri="{BB962C8B-B14F-4D97-AF65-F5344CB8AC3E}">
+        <p14:creationId xmlns:p14="http://schemas.microsoft.com/office/powerpoint/2010/main" val="1201938772"/>
+      </p:ext>
+    </p:extLst>
+  </p:cSld>
+  <p:clrMapOvr>
+    <a:masterClrMapping/>
+  </p:clrMapOvr>
+</p:sld>
+</file>
+
+<file path=ppt/slides/slide59.xml><?xml version="1.0" encoding="utf-8"?>
+<p:sld xmlns:a="http://schemas.openxmlformats.org/drawingml/2006/main" xmlns:r="http://schemas.openxmlformats.org/officeDocument/2006/relationships" xmlns:p="http://schemas.openxmlformats.org/presentationml/2006/main">
+  <p:cSld>
+    <p:spTree>
+      <p:nvGrpSpPr>
+        <p:cNvPr id="1" name=""/>
+        <p:cNvGrpSpPr/>
+        <p:nvPr/>
+      </p:nvGrpSpPr>
+      <p:grpSpPr>
+        <a:xfrm>
+          <a:off x="0" y="0"/>
+          <a:ext cx="0" cy="0"/>
+          <a:chOff x="0" y="0"/>
+          <a:chExt cx="0" cy="0"/>
+        </a:xfrm>
+      </p:grpSpPr>
+      <p:sp>
+        <p:nvSpPr>
+          <p:cNvPr id="2" name="Text Placeholder 1">
+            <a:extLst>
+              <a:ext uri="{FF2B5EF4-FFF2-40B4-BE49-F238E27FC236}">
+                <a16:creationId xmlns:a16="http://schemas.microsoft.com/office/drawing/2014/main" id="{2748D603-4D3D-5B41-9E2B-13B876659510}"/>
+              </a:ext>
+            </a:extLst>
+          </p:cNvPr>
+          <p:cNvSpPr>
+            <a:spLocks noGrp="1"/>
+          </p:cNvSpPr>
+          <p:nvPr>
+            <p:ph type="body" sz="quarter" idx="10"/>
+          </p:nvPr>
+        </p:nvSpPr>
+        <p:spPr>
+          <a:xfrm>
+            <a:off x="838200" y="1876483"/>
+            <a:ext cx="10515600" cy="903837"/>
+          </a:xfrm>
+        </p:spPr>
+        <p:txBody>
+          <a:bodyPr/>
+          <a:lstStyle/>
+          <a:p>
+            <a:r>
+              <a:rPr lang="en-US" dirty="0">
+                <a:hlinkClick r:id="rId2"/>
+              </a:rPr>
+              <a:t>https://www.surveymonkey.com/r/F75J6VZ</a:t>
+            </a:r>
+            <a:r>
+              <a:rPr lang="en-US" dirty="0"/>
+              <a:t> </a:t>
+            </a:r>
+          </a:p>
+          <a:p>
+            <a:r>
+              <a:rPr lang="en-US" dirty="0"/>
+              <a:t>~ 3min</a:t>
+            </a:r>
+          </a:p>
+        </p:txBody>
+      </p:sp>
+      <p:sp>
+        <p:nvSpPr>
+          <p:cNvPr id="3" name="Title 2">
+            <a:extLst>
+              <a:ext uri="{FF2B5EF4-FFF2-40B4-BE49-F238E27FC236}">
+                <a16:creationId xmlns:a16="http://schemas.microsoft.com/office/drawing/2014/main" id="{326908DD-534F-374E-B791-4B6D21924829}"/>
+              </a:ext>
+            </a:extLst>
+          </p:cNvPr>
+          <p:cNvSpPr>
+            <a:spLocks noGrp="1"/>
+          </p:cNvSpPr>
+          <p:nvPr>
+            <p:ph type="title"/>
+          </p:nvPr>
+        </p:nvSpPr>
+        <p:spPr/>
+        <p:txBody>
+          <a:bodyPr/>
+          <a:lstStyle/>
+          <a:p>
+            <a:r>
+              <a:rPr lang="en-US" dirty="0"/>
+              <a:t>Please fill-out survey</a:t>
+            </a:r>
+          </a:p>
+        </p:txBody>
+      </p:sp>
+    </p:spTree>
+    <p:extLst>
+      <p:ext uri="{BB962C8B-B14F-4D97-AF65-F5344CB8AC3E}">
+        <p14:creationId xmlns:p14="http://schemas.microsoft.com/office/powerpoint/2010/main" val="3159047771"/>
+      </p:ext>
+    </p:extLst>
+  </p:cSld>
+  <p:clrMapOvr>
+    <a:masterClrMapping/>
+  </p:clrMapOvr>
+</p:sld>
+</file>
+
 <file path=ppt/slides/slide6.xml><?xml version="1.0" encoding="utf-8"?>
 <p:sld xmlns:a="http://schemas.openxmlformats.org/drawingml/2006/main" xmlns:r="http://schemas.openxmlformats.org/officeDocument/2006/relationships" xmlns:p="http://schemas.openxmlformats.org/presentationml/2006/main">
   <p:cSld>
@@ -14467,6 +18614,172 @@
     <p:extLst>
       <p:ext uri="{BB962C8B-B14F-4D97-AF65-F5344CB8AC3E}">
         <p14:creationId xmlns:p14="http://schemas.microsoft.com/office/powerpoint/2010/main" val="3746135136"/>
+      </p:ext>
+    </p:extLst>
+  </p:cSld>
+  <p:clrMapOvr>
+    <a:masterClrMapping/>
+  </p:clrMapOvr>
+</p:sld>
+</file>
+
+<file path=ppt/slides/slide60.xml><?xml version="1.0" encoding="utf-8"?>
+<p:sld xmlns:a="http://schemas.openxmlformats.org/drawingml/2006/main" xmlns:r="http://schemas.openxmlformats.org/officeDocument/2006/relationships" xmlns:p="http://schemas.openxmlformats.org/presentationml/2006/main">
+  <p:cSld>
+    <p:spTree>
+      <p:nvGrpSpPr>
+        <p:cNvPr id="1" name=""/>
+        <p:cNvGrpSpPr/>
+        <p:nvPr/>
+      </p:nvGrpSpPr>
+      <p:grpSpPr>
+        <a:xfrm>
+          <a:off x="0" y="0"/>
+          <a:ext cx="0" cy="0"/>
+          <a:chOff x="0" y="0"/>
+          <a:chExt cx="0" cy="0"/>
+        </a:xfrm>
+      </p:grpSpPr>
+      <p:sp>
+        <p:nvSpPr>
+          <p:cNvPr id="3" name="Title 2">
+            <a:extLst>
+              <a:ext uri="{FF2B5EF4-FFF2-40B4-BE49-F238E27FC236}">
+                <a16:creationId xmlns:a16="http://schemas.microsoft.com/office/drawing/2014/main" id="{8CBD9B96-525A-3040-A552-68ECE07557D3}"/>
+              </a:ext>
+            </a:extLst>
+          </p:cNvPr>
+          <p:cNvSpPr>
+            <a:spLocks noGrp="1"/>
+          </p:cNvSpPr>
+          <p:nvPr>
+            <p:ph type="title"/>
+          </p:nvPr>
+        </p:nvSpPr>
+        <p:spPr/>
+        <p:txBody>
+          <a:bodyPr/>
+          <a:lstStyle/>
+          <a:p>
+            <a:r>
+              <a:rPr lang="en-US" dirty="0"/>
+              <a:t>Multiple tests</a:t>
+            </a:r>
+          </a:p>
+        </p:txBody>
+      </p:sp>
+      <p:pic>
+        <p:nvPicPr>
+          <p:cNvPr id="4" name="Content Placeholder 3" descr="Multiple_tests.pdf">
+            <a:extLst>
+              <a:ext uri="{FF2B5EF4-FFF2-40B4-BE49-F238E27FC236}">
+                <a16:creationId xmlns:a16="http://schemas.microsoft.com/office/drawing/2014/main" id="{68B57145-8AFF-1140-94FD-85AF2F9C49A1}"/>
+              </a:ext>
+            </a:extLst>
+          </p:cNvPr>
+          <p:cNvPicPr>
+            <a:picLocks noChangeAspect="1"/>
+          </p:cNvPicPr>
+          <p:nvPr/>
+        </p:nvPicPr>
+        <p:blipFill>
+          <a:blip r:embed="rId2">
+            <a:extLst>
+              <a:ext uri="{28A0092B-C50C-407E-A947-70E740481C1C}">
+                <a14:useLocalDpi xmlns:a14="http://schemas.microsoft.com/office/drawing/2010/main" val="0"/>
+              </a:ext>
+            </a:extLst>
+          </a:blip>
+          <a:srcRect l="-36309" r="-36309"/>
+          <a:stretch>
+            <a:fillRect/>
+          </a:stretch>
+        </p:blipFill>
+        <p:spPr>
+          <a:xfrm>
+            <a:off x="838200" y="1703992"/>
+            <a:ext cx="9293352" cy="5154007"/>
+          </a:xfrm>
+          <a:prstGeom prst="rect">
+            <a:avLst/>
+          </a:prstGeom>
+        </p:spPr>
+      </p:pic>
+    </p:spTree>
+    <p:extLst>
+      <p:ext uri="{BB962C8B-B14F-4D97-AF65-F5344CB8AC3E}">
+        <p14:creationId xmlns:p14="http://schemas.microsoft.com/office/powerpoint/2010/main" val="1528258276"/>
+      </p:ext>
+    </p:extLst>
+  </p:cSld>
+  <p:clrMapOvr>
+    <a:masterClrMapping/>
+  </p:clrMapOvr>
+</p:sld>
+</file>
+
+<file path=ppt/slides/slide61.xml><?xml version="1.0" encoding="utf-8"?>
+<p:sld xmlns:a="http://schemas.openxmlformats.org/drawingml/2006/main" xmlns:r="http://schemas.openxmlformats.org/officeDocument/2006/relationships" xmlns:p="http://schemas.openxmlformats.org/presentationml/2006/main">
+  <p:cSld>
+    <p:spTree>
+      <p:nvGrpSpPr>
+        <p:cNvPr id="1" name=""/>
+        <p:cNvGrpSpPr/>
+        <p:nvPr/>
+      </p:nvGrpSpPr>
+      <p:grpSpPr>
+        <a:xfrm>
+          <a:off x="0" y="0"/>
+          <a:ext cx="0" cy="0"/>
+          <a:chOff x="0" y="0"/>
+          <a:chExt cx="0" cy="0"/>
+        </a:xfrm>
+      </p:grpSpPr>
+      <p:sp>
+        <p:nvSpPr>
+          <p:cNvPr id="2" name="Text Placeholder 1"/>
+          <p:cNvSpPr>
+            <a:spLocks noGrp="1"/>
+          </p:cNvSpPr>
+          <p:nvPr>
+            <p:ph type="body" sz="quarter" idx="10"/>
+          </p:nvPr>
+        </p:nvSpPr>
+        <p:spPr/>
+        <p:txBody>
+          <a:bodyPr/>
+          <a:lstStyle/>
+          <a:p>
+            <a:endParaRPr lang="en-US"/>
+          </a:p>
+        </p:txBody>
+      </p:sp>
+      <p:sp>
+        <p:nvSpPr>
+          <p:cNvPr id="3" name="Title 2"/>
+          <p:cNvSpPr>
+            <a:spLocks noGrp="1"/>
+          </p:cNvSpPr>
+          <p:nvPr>
+            <p:ph type="title"/>
+          </p:nvPr>
+        </p:nvSpPr>
+        <p:spPr/>
+        <p:txBody>
+          <a:bodyPr/>
+          <a:lstStyle/>
+          <a:p>
+            <a:r>
+              <a:rPr lang="en-US" dirty="0"/>
+              <a:t>Outline for this workshop</a:t>
+            </a:r>
+          </a:p>
+        </p:txBody>
+      </p:sp>
+    </p:spTree>
+    <p:extLst>
+      <p:ext uri="{BB962C8B-B14F-4D97-AF65-F5344CB8AC3E}">
+        <p14:creationId xmlns:p14="http://schemas.microsoft.com/office/powerpoint/2010/main" val="3891151486"/>
       </p:ext>
     </p:extLst>
   </p:cSld>
